--- a/lectures/02-Discrete.pptx
+++ b/lectures/02-Discrete.pptx
@@ -264,7 +264,7 @@
           <a:p>
             <a:fld id="{08BD4FA9-F3CE-45B3-A980-C331C6F1EF65}" type="datetimeFigureOut">
               <a:rPr lang="en-US" smtClean="0"/>
-              <a:t>12/5/2022</a:t>
+              <a:t>12/12/2022</a:t>
             </a:fld>
             <a:endParaRPr lang="en-US"/>
           </a:p>
@@ -537,7 +537,7 @@
           <a:p>
             <a:fld id="{EAAD3657-2200-4D14-82C0-10C39B0F0F06}" type="datetime1">
               <a:rPr lang="en-US" smtClean="0"/>
-              <a:t>12/5/2022</a:t>
+              <a:t>12/12/2022</a:t>
             </a:fld>
             <a:endParaRPr lang="en-US"/>
           </a:p>
@@ -705,7 +705,7 @@
           <a:p>
             <a:fld id="{11BBAF55-A85E-4993-914E-FC1E5AA7DF24}" type="datetime1">
               <a:rPr lang="en-US" smtClean="0"/>
-              <a:t>12/5/2022</a:t>
+              <a:t>12/12/2022</a:t>
             </a:fld>
             <a:endParaRPr lang="en-US"/>
           </a:p>
@@ -883,7 +883,7 @@
           <a:p>
             <a:fld id="{39816E07-E1DB-44A4-A5E5-9F4B54E8C933}" type="datetime1">
               <a:rPr lang="en-US" smtClean="0"/>
-              <a:t>12/5/2022</a:t>
+              <a:t>12/12/2022</a:t>
             </a:fld>
             <a:endParaRPr lang="en-US"/>
           </a:p>
@@ -1068,7 +1068,7 @@
           <a:p>
             <a:fld id="{C2B1AD17-B813-4477-8AFE-B1860CC59113}" type="datetime1">
               <a:rPr lang="en-US" smtClean="0"/>
-              <a:t>12/5/2022</a:t>
+              <a:t>12/12/2022</a:t>
             </a:fld>
             <a:endParaRPr lang="en-US"/>
           </a:p>
@@ -1313,7 +1313,7 @@
           <a:p>
             <a:fld id="{D0975C0D-5C9E-48CC-8D31-F42D19FA8F7A}" type="datetime1">
               <a:rPr lang="en-US" smtClean="0"/>
-              <a:t>12/5/2022</a:t>
+              <a:t>12/12/2022</a:t>
             </a:fld>
             <a:endParaRPr lang="en-US"/>
           </a:p>
@@ -1598,7 +1598,7 @@
           <a:p>
             <a:fld id="{28657551-0F2B-4F09-86FD-F7994CE83DC5}" type="datetime1">
               <a:rPr lang="en-US" smtClean="0"/>
-              <a:t>12/5/2022</a:t>
+              <a:t>12/12/2022</a:t>
             </a:fld>
             <a:endParaRPr lang="en-US"/>
           </a:p>
@@ -2017,7 +2017,7 @@
           <a:p>
             <a:fld id="{3929D2B2-4200-46B9-96C3-02A55D5FAA00}" type="datetime1">
               <a:rPr lang="en-US" smtClean="0"/>
-              <a:t>12/5/2022</a:t>
+              <a:t>12/12/2022</a:t>
             </a:fld>
             <a:endParaRPr lang="en-US"/>
           </a:p>
@@ -2134,7 +2134,7 @@
           <a:p>
             <a:fld id="{41FF7722-74E8-497F-A072-89677A2C2373}" type="datetime1">
               <a:rPr lang="en-US" smtClean="0"/>
-              <a:t>12/5/2022</a:t>
+              <a:t>12/12/2022</a:t>
             </a:fld>
             <a:endParaRPr lang="en-US"/>
           </a:p>
@@ -2229,7 +2229,7 @@
           <a:p>
             <a:fld id="{BD26212E-B46B-426F-AE59-AA326827D9E0}" type="datetime1">
               <a:rPr lang="en-US" smtClean="0"/>
-              <a:t>12/5/2022</a:t>
+              <a:t>12/12/2022</a:t>
             </a:fld>
             <a:endParaRPr lang="en-US"/>
           </a:p>
@@ -2504,7 +2504,7 @@
           <a:p>
             <a:fld id="{FB9B81E8-09EA-4684-A39F-38DE1E49D20C}" type="datetime1">
               <a:rPr lang="en-US" smtClean="0"/>
-              <a:t>12/5/2022</a:t>
+              <a:t>12/12/2022</a:t>
             </a:fld>
             <a:endParaRPr lang="en-US"/>
           </a:p>
@@ -2756,7 +2756,7 @@
           <a:p>
             <a:fld id="{35C5CC5F-056C-4047-9A5C-9F5B4BED129B}" type="datetime1">
               <a:rPr lang="en-US" smtClean="0"/>
-              <a:t>12/5/2022</a:t>
+              <a:t>12/12/2022</a:t>
             </a:fld>
             <a:endParaRPr lang="en-US"/>
           </a:p>
@@ -2970,7 +2970,7 @@
           <a:p>
             <a:fld id="{E8171053-07BD-4A17-AC24-0A22EAA36098}" type="datetime1">
               <a:rPr lang="en-US" smtClean="0"/>
-              <a:t>12/5/2022</a:t>
+              <a:t>12/12/2022</a:t>
             </a:fld>
             <a:endParaRPr lang="en-US"/>
           </a:p>

--- a/lectures/02-Discrete.pptx
+++ b/lectures/02-Discrete.pptx
@@ -150,6 +150,77 @@
     </a:lvl9pPr>
   </p:defaultTextStyle>
   <p:extLst>
+    <p:ext uri="{521415D9-36F7-43E2-AB2F-B90AF26B5E84}">
+      <p14:sectionLst xmlns:p14="http://schemas.microsoft.com/office/powerpoint/2010/main">
+        <p14:section name="Default Section" id="{B3DF49A0-D095-4219-9CD9-3F0673EF11BF}">
+          <p14:sldIdLst>
+            <p14:sldId id="256"/>
+            <p14:sldId id="257"/>
+            <p14:sldId id="258"/>
+            <p14:sldId id="259"/>
+            <p14:sldId id="260"/>
+            <p14:sldId id="261"/>
+            <p14:sldId id="262"/>
+            <p14:sldId id="263"/>
+            <p14:sldId id="264"/>
+            <p14:sldId id="265"/>
+            <p14:sldId id="266"/>
+          </p14:sldIdLst>
+        </p14:section>
+        <p14:section name="Binomial" id="{29A50A7B-EE13-4D95-AC2C-94ECD8BED150}">
+          <p14:sldIdLst>
+            <p14:sldId id="267"/>
+            <p14:sldId id="268"/>
+          </p14:sldIdLst>
+        </p14:section>
+        <p14:section name="Poisson" id="{496C5C5C-A823-45E1-8483-211DC81BBB75}">
+          <p14:sldIdLst>
+            <p14:sldId id="269"/>
+            <p14:sldId id="270"/>
+          </p14:sldIdLst>
+        </p14:section>
+        <p14:section name="Negative binomial" id="{5883FE3A-0D25-4F3B-8E40-64CCFD144D5C}">
+          <p14:sldIdLst>
+            <p14:sldId id="271"/>
+            <p14:sldId id="272"/>
+          </p14:sldIdLst>
+        </p14:section>
+        <p14:section name="Fitting" id="{97DFD32E-116D-44EA-9BFC-E22BB3CAD8B3}">
+          <p14:sldIdLst>
+            <p14:sldId id="273"/>
+            <p14:sldId id="274"/>
+            <p14:sldId id="275"/>
+            <p14:sldId id="276"/>
+            <p14:sldId id="277"/>
+            <p14:sldId id="278"/>
+            <p14:sldId id="279"/>
+            <p14:sldId id="280"/>
+            <p14:sldId id="281"/>
+            <p14:sldId id="282"/>
+            <p14:sldId id="283"/>
+          </p14:sldIdLst>
+        </p14:section>
+        <p14:section name="Ord plots" id="{D2BC0FD9-D35A-4BCC-AC52-3C05B6B5AC94}">
+          <p14:sldIdLst>
+            <p14:sldId id="284"/>
+            <p14:sldId id="285"/>
+            <p14:sldId id="286"/>
+            <p14:sldId id="287"/>
+            <p14:sldId id="288"/>
+            <p14:sldId id="289"/>
+            <p14:sldId id="290"/>
+            <p14:sldId id="291"/>
+            <p14:sldId id="292"/>
+            <p14:sldId id="293"/>
+            <p14:sldId id="294"/>
+            <p14:sldId id="295"/>
+            <p14:sldId id="296"/>
+            <p14:sldId id="297"/>
+            <p14:sldId id="298"/>
+          </p14:sldIdLst>
+        </p14:section>
+      </p14:sectionLst>
+    </p:ext>
     <p:ext uri="{EFAFB233-063F-42B5-8137-9DF3F51BA10A}">
       <p15:sldGuideLst xmlns:p15="http://schemas.microsoft.com/office/powerpoint/2012/main">
         <p15:guide id="1" orient="horz" pos="2160">
@@ -264,7 +335,7 @@
           <a:p>
             <a:fld id="{08BD4FA9-F3CE-45B3-A980-C331C6F1EF65}" type="datetimeFigureOut">
               <a:rPr lang="en-US" smtClean="0"/>
-              <a:t>12/12/2022</a:t>
+              <a:t>12/16/2022</a:t>
             </a:fld>
             <a:endParaRPr lang="en-US"/>
           </a:p>
@@ -537,7 +608,7 @@
           <a:p>
             <a:fld id="{EAAD3657-2200-4D14-82C0-10C39B0F0F06}" type="datetime1">
               <a:rPr lang="en-US" smtClean="0"/>
-              <a:t>12/12/2022</a:t>
+              <a:t>12/16/2022</a:t>
             </a:fld>
             <a:endParaRPr lang="en-US"/>
           </a:p>
@@ -705,7 +776,7 @@
           <a:p>
             <a:fld id="{11BBAF55-A85E-4993-914E-FC1E5AA7DF24}" type="datetime1">
               <a:rPr lang="en-US" smtClean="0"/>
-              <a:t>12/12/2022</a:t>
+              <a:t>12/16/2022</a:t>
             </a:fld>
             <a:endParaRPr lang="en-US"/>
           </a:p>
@@ -883,7 +954,7 @@
           <a:p>
             <a:fld id="{39816E07-E1DB-44A4-A5E5-9F4B54E8C933}" type="datetime1">
               <a:rPr lang="en-US" smtClean="0"/>
-              <a:t>12/12/2022</a:t>
+              <a:t>12/16/2022</a:t>
             </a:fld>
             <a:endParaRPr lang="en-US"/>
           </a:p>
@@ -1068,7 +1139,7 @@
           <a:p>
             <a:fld id="{C2B1AD17-B813-4477-8AFE-B1860CC59113}" type="datetime1">
               <a:rPr lang="en-US" smtClean="0"/>
-              <a:t>12/12/2022</a:t>
+              <a:t>12/16/2022</a:t>
             </a:fld>
             <a:endParaRPr lang="en-US"/>
           </a:p>
@@ -1313,7 +1384,7 @@
           <a:p>
             <a:fld id="{D0975C0D-5C9E-48CC-8D31-F42D19FA8F7A}" type="datetime1">
               <a:rPr lang="en-US" smtClean="0"/>
-              <a:t>12/12/2022</a:t>
+              <a:t>12/16/2022</a:t>
             </a:fld>
             <a:endParaRPr lang="en-US"/>
           </a:p>
@@ -1598,7 +1669,7 @@
           <a:p>
             <a:fld id="{28657551-0F2B-4F09-86FD-F7994CE83DC5}" type="datetime1">
               <a:rPr lang="en-US" smtClean="0"/>
-              <a:t>12/12/2022</a:t>
+              <a:t>12/16/2022</a:t>
             </a:fld>
             <a:endParaRPr lang="en-US"/>
           </a:p>
@@ -2017,7 +2088,7 @@
           <a:p>
             <a:fld id="{3929D2B2-4200-46B9-96C3-02A55D5FAA00}" type="datetime1">
               <a:rPr lang="en-US" smtClean="0"/>
-              <a:t>12/12/2022</a:t>
+              <a:t>12/16/2022</a:t>
             </a:fld>
             <a:endParaRPr lang="en-US"/>
           </a:p>
@@ -2134,7 +2205,7 @@
           <a:p>
             <a:fld id="{41FF7722-74E8-497F-A072-89677A2C2373}" type="datetime1">
               <a:rPr lang="en-US" smtClean="0"/>
-              <a:t>12/12/2022</a:t>
+              <a:t>12/16/2022</a:t>
             </a:fld>
             <a:endParaRPr lang="en-US"/>
           </a:p>
@@ -2229,7 +2300,7 @@
           <a:p>
             <a:fld id="{BD26212E-B46B-426F-AE59-AA326827D9E0}" type="datetime1">
               <a:rPr lang="en-US" smtClean="0"/>
-              <a:t>12/12/2022</a:t>
+              <a:t>12/16/2022</a:t>
             </a:fld>
             <a:endParaRPr lang="en-US"/>
           </a:p>
@@ -2504,7 +2575,7 @@
           <a:p>
             <a:fld id="{FB9B81E8-09EA-4684-A39F-38DE1E49D20C}" type="datetime1">
               <a:rPr lang="en-US" smtClean="0"/>
-              <a:t>12/12/2022</a:t>
+              <a:t>12/16/2022</a:t>
             </a:fld>
             <a:endParaRPr lang="en-US"/>
           </a:p>
@@ -2756,7 +2827,7 @@
           <a:p>
             <a:fld id="{35C5CC5F-056C-4047-9A5C-9F5B4BED129B}" type="datetime1">
               <a:rPr lang="en-US" smtClean="0"/>
-              <a:t>12/12/2022</a:t>
+              <a:t>12/16/2022</a:t>
             </a:fld>
             <a:endParaRPr lang="en-US"/>
           </a:p>
@@ -2970,7 +3041,7 @@
           <a:p>
             <a:fld id="{E8171053-07BD-4A17-AC24-0A22EAA36098}" type="datetime1">
               <a:rPr lang="en-US" smtClean="0"/>
-              <a:t>12/12/2022</a:t>
+              <a:t>12/16/2022</a:t>
             </a:fld>
             <a:endParaRPr lang="en-US"/>
           </a:p>
@@ -8588,7 +8659,7 @@
         <p:spPr>
           <a:xfrm>
             <a:off x="457200" y="1371600"/>
-            <a:ext cx="8229600" cy="369332"/>
+            <a:ext cx="8229600" cy="338554"/>
           </a:xfrm>
           <a:prstGeom prst="rect">
             <a:avLst/>
@@ -8608,57 +8679,52 @@
           <a:lstStyle/>
           <a:p>
             <a:r>
-              <a:rPr lang="en-CA" dirty="0">
+              <a:rPr lang="en-CA" sz="1600" dirty="0">
                 <a:solidFill>
-                  <a:schemeClr val="tx2">
-                    <a:lumMod val="60000"/>
-                    <a:lumOff val="40000"/>
-                  </a:schemeClr>
+                  <a:srgbClr val="0070C0"/>
                 </a:solidFill>
+                <a:latin typeface="Courier New" panose="02070309020205020404" pitchFamily="49" charset="0"/>
+                <a:cs typeface="Courier New" panose="02070309020205020404" pitchFamily="49" charset="0"/>
               </a:rPr>
               <a:t>&gt; plot(</a:t>
             </a:r>
             <a:r>
-              <a:rPr lang="en-CA" dirty="0" err="1">
+              <a:rPr lang="en-CA" sz="1600" dirty="0" err="1">
                 <a:solidFill>
-                  <a:schemeClr val="tx2">
-                    <a:lumMod val="60000"/>
-                    <a:lumOff val="40000"/>
-                  </a:schemeClr>
+                  <a:srgbClr val="0070C0"/>
                 </a:solidFill>
+                <a:latin typeface="Courier New" panose="02070309020205020404" pitchFamily="49" charset="0"/>
+                <a:cs typeface="Courier New" panose="02070309020205020404" pitchFamily="49" charset="0"/>
               </a:rPr>
               <a:t>Sax.fit</a:t>
             </a:r>
             <a:r>
-              <a:rPr lang="en-CA" dirty="0">
+              <a:rPr lang="en-CA" sz="1600" dirty="0">
                 <a:solidFill>
-                  <a:schemeClr val="tx2">
-                    <a:lumMod val="60000"/>
-                    <a:lumOff val="40000"/>
-                  </a:schemeClr>
+                  <a:srgbClr val="0070C0"/>
                 </a:solidFill>
+                <a:latin typeface="Courier New" panose="02070309020205020404" pitchFamily="49" charset="0"/>
+                <a:cs typeface="Courier New" panose="02070309020205020404" pitchFamily="49" charset="0"/>
               </a:rPr>
               <a:t>, type = "deviation", </a:t>
             </a:r>
             <a:r>
-              <a:rPr lang="en-CA" dirty="0" err="1">
+              <a:rPr lang="en-CA" sz="1600" dirty="0" err="1">
                 <a:solidFill>
-                  <a:schemeClr val="tx2">
-                    <a:lumMod val="60000"/>
-                    <a:lumOff val="40000"/>
-                  </a:schemeClr>
+                  <a:srgbClr val="0070C0"/>
                 </a:solidFill>
+                <a:latin typeface="Courier New" panose="02070309020205020404" pitchFamily="49" charset="0"/>
+                <a:cs typeface="Courier New" panose="02070309020205020404" pitchFamily="49" charset="0"/>
               </a:rPr>
               <a:t>xlab</a:t>
             </a:r>
             <a:r>
-              <a:rPr lang="en-CA" dirty="0">
+              <a:rPr lang="en-CA" sz="1600" dirty="0">
                 <a:solidFill>
-                  <a:schemeClr val="tx2">
-                    <a:lumMod val="60000"/>
-                    <a:lumOff val="40000"/>
-                  </a:schemeClr>
+                  <a:srgbClr val="0070C0"/>
                 </a:solidFill>
+                <a:latin typeface="Courier New" panose="02070309020205020404" pitchFamily="49" charset="0"/>
+                <a:cs typeface="Courier New" panose="02070309020205020404" pitchFamily="49" charset="0"/>
               </a:rPr>
               <a:t> = "Number of males")</a:t>
             </a:r>

--- a/lectures/02-Discrete.pptx
+++ b/lectures/02-Discrete.pptx
@@ -1,6 +1,6 @@
 
 <file path=ppt/presentation.xml><?xml version="1.0" encoding="utf-8"?>
-<p:presentation xmlns:a="http://schemas.openxmlformats.org/drawingml/2006/main" xmlns:r="http://schemas.openxmlformats.org/officeDocument/2006/relationships" xmlns:p="http://schemas.openxmlformats.org/presentationml/2006/main" saveSubsetFonts="1">
+<p:presentation xmlns:a="http://schemas.openxmlformats.org/drawingml/2006/main" xmlns:r="http://schemas.openxmlformats.org/officeDocument/2006/relationships" xmlns:p="http://schemas.openxmlformats.org/presentationml/2006/main" embedTrueTypeFonts="1" saveSubsetFonts="1">
   <p:sldMasterIdLst>
     <p:sldMasterId id="2147483660" r:id="rId1"/>
   </p:sldMasterIdLst>
@@ -55,6 +55,26 @@
   </p:sldIdLst>
   <p:sldSz cx="9144000" cy="6858000" type="screen4x3"/>
   <p:notesSz cx="6858000" cy="9144000"/>
+  <p:embeddedFontLst>
+    <p:embeddedFont>
+      <p:font typeface="Calibri" panose="020F0502020204030204" pitchFamily="34" charset="0"/>
+      <p:regular r:id="rId47"/>
+      <p:bold r:id="rId48"/>
+      <p:italic r:id="rId49"/>
+      <p:boldItalic r:id="rId50"/>
+    </p:embeddedFont>
+    <p:embeddedFont>
+      <p:font typeface="Cambria Math" panose="02040503050406030204" pitchFamily="18" charset="0"/>
+      <p:regular r:id="rId51"/>
+    </p:embeddedFont>
+    <p:embeddedFont>
+      <p:font typeface="Consolas" panose="020B0609020204030204" pitchFamily="49" charset="0"/>
+      <p:regular r:id="rId52"/>
+      <p:bold r:id="rId53"/>
+      <p:italic r:id="rId54"/>
+      <p:boldItalic r:id="rId55"/>
+    </p:embeddedFont>
+  </p:embeddedFontLst>
   <p:defaultTextStyle>
     <a:defPPr>
       <a:defRPr lang="en-US"/>
@@ -345,7 +365,7 @@
           <a:p>
             <a:fld id="{08BD4FA9-F3CE-45B3-A980-C331C6F1EF65}" type="datetimeFigureOut">
               <a:rPr lang="en-US" smtClean="0"/>
-              <a:t>12/24/2022</a:t>
+              <a:t>1/5/2023</a:t>
             </a:fld>
             <a:endParaRPr lang="en-US"/>
           </a:p>
@@ -618,7 +638,7 @@
           <a:p>
             <a:fld id="{EAAD3657-2200-4D14-82C0-10C39B0F0F06}" type="datetime1">
               <a:rPr lang="en-US" smtClean="0"/>
-              <a:t>12/24/2022</a:t>
+              <a:t>1/5/2023</a:t>
             </a:fld>
             <a:endParaRPr lang="en-US"/>
           </a:p>
@@ -786,7 +806,7 @@
           <a:p>
             <a:fld id="{11BBAF55-A85E-4993-914E-FC1E5AA7DF24}" type="datetime1">
               <a:rPr lang="en-US" smtClean="0"/>
-              <a:t>12/24/2022</a:t>
+              <a:t>1/5/2023</a:t>
             </a:fld>
             <a:endParaRPr lang="en-US"/>
           </a:p>
@@ -964,7 +984,7 @@
           <a:p>
             <a:fld id="{39816E07-E1DB-44A4-A5E5-9F4B54E8C933}" type="datetime1">
               <a:rPr lang="en-US" smtClean="0"/>
-              <a:t>12/24/2022</a:t>
+              <a:t>1/5/2023</a:t>
             </a:fld>
             <a:endParaRPr lang="en-US"/>
           </a:p>
@@ -1149,7 +1169,7 @@
           <a:p>
             <a:fld id="{C2B1AD17-B813-4477-8AFE-B1860CC59113}" type="datetime1">
               <a:rPr lang="en-US" smtClean="0"/>
-              <a:t>12/24/2022</a:t>
+              <a:t>1/5/2023</a:t>
             </a:fld>
             <a:endParaRPr lang="en-US"/>
           </a:p>
@@ -1394,7 +1414,7 @@
           <a:p>
             <a:fld id="{D0975C0D-5C9E-48CC-8D31-F42D19FA8F7A}" type="datetime1">
               <a:rPr lang="en-US" smtClean="0"/>
-              <a:t>12/24/2022</a:t>
+              <a:t>1/5/2023</a:t>
             </a:fld>
             <a:endParaRPr lang="en-US"/>
           </a:p>
@@ -1679,7 +1699,7 @@
           <a:p>
             <a:fld id="{28657551-0F2B-4F09-86FD-F7994CE83DC5}" type="datetime1">
               <a:rPr lang="en-US" smtClean="0"/>
-              <a:t>12/24/2022</a:t>
+              <a:t>1/5/2023</a:t>
             </a:fld>
             <a:endParaRPr lang="en-US"/>
           </a:p>
@@ -2098,7 +2118,7 @@
           <a:p>
             <a:fld id="{3929D2B2-4200-46B9-96C3-02A55D5FAA00}" type="datetime1">
               <a:rPr lang="en-US" smtClean="0"/>
-              <a:t>12/24/2022</a:t>
+              <a:t>1/5/2023</a:t>
             </a:fld>
             <a:endParaRPr lang="en-US"/>
           </a:p>
@@ -2215,7 +2235,7 @@
           <a:p>
             <a:fld id="{41FF7722-74E8-497F-A072-89677A2C2373}" type="datetime1">
               <a:rPr lang="en-US" smtClean="0"/>
-              <a:t>12/24/2022</a:t>
+              <a:t>1/5/2023</a:t>
             </a:fld>
             <a:endParaRPr lang="en-US"/>
           </a:p>
@@ -2310,7 +2330,7 @@
           <a:p>
             <a:fld id="{BD26212E-B46B-426F-AE59-AA326827D9E0}" type="datetime1">
               <a:rPr lang="en-US" smtClean="0"/>
-              <a:t>12/24/2022</a:t>
+              <a:t>1/5/2023</a:t>
             </a:fld>
             <a:endParaRPr lang="en-US"/>
           </a:p>
@@ -2585,7 +2605,7 @@
           <a:p>
             <a:fld id="{FB9B81E8-09EA-4684-A39F-38DE1E49D20C}" type="datetime1">
               <a:rPr lang="en-US" smtClean="0"/>
-              <a:t>12/24/2022</a:t>
+              <a:t>1/5/2023</a:t>
             </a:fld>
             <a:endParaRPr lang="en-US"/>
           </a:p>
@@ -2837,7 +2857,7 @@
           <a:p>
             <a:fld id="{35C5CC5F-056C-4047-9A5C-9F5B4BED129B}" type="datetime1">
               <a:rPr lang="en-US" smtClean="0"/>
-              <a:t>12/24/2022</a:t>
+              <a:t>1/5/2023</a:t>
             </a:fld>
             <a:endParaRPr lang="en-US"/>
           </a:p>
@@ -3051,7 +3071,7 @@
           <a:p>
             <a:fld id="{E8171053-07BD-4A17-AC24-0A22EAA36098}" type="datetime1">
               <a:rPr lang="en-US" smtClean="0"/>
-              <a:t>12/24/2022</a:t>
+              <a:t>1/5/2023</a:t>
             </a:fld>
             <a:endParaRPr lang="en-US"/>
           </a:p>
@@ -3743,17 +3763,51 @@
             </a:r>
             <a:r>
               <a:rPr lang="en-US" sz="2400" dirty="0"/>
-              <a:t>(X = k) </a:t>
+              <a:t>(</a:t>
+            </a:r>
+            <a:r>
+              <a:rPr lang="en-US" sz="2400" i="1" dirty="0"/>
+              <a:t>X = k</a:t>
+            </a:r>
+            <a:r>
+              <a:rPr lang="en-US" sz="2400" dirty="0"/>
+              <a:t>) </a:t>
             </a:r>
             <a:r>
               <a:rPr lang="en-US" sz="2400" dirty="0">
+                <a:latin typeface="Calibri" panose="020F0502020204030204" pitchFamily="34" charset="0"/>
+                <a:cs typeface="Calibri" panose="020F0502020204030204" pitchFamily="34" charset="0"/>
                 <a:sym typeface="Symbol MT" panose="05050102010706020507" pitchFamily="18" charset="2"/>
               </a:rPr>
-              <a:t></a:t>
+              <a:t>≡ </a:t>
             </a:r>
             <a:r>
               <a:rPr lang="en-US" sz="2400" dirty="0"/>
-              <a:t> p(k), that the random variable X has value k.</a:t>
+              <a:t>p(</a:t>
+            </a:r>
+            <a:r>
+              <a:rPr lang="en-US" sz="2400" i="1" dirty="0"/>
+              <a:t>k</a:t>
+            </a:r>
+            <a:r>
+              <a:rPr lang="en-US" sz="2400" dirty="0"/>
+              <a:t>), that the random variable </a:t>
+            </a:r>
+            <a:r>
+              <a:rPr lang="en-US" sz="2400" i="1" dirty="0"/>
+              <a:t>X</a:t>
+            </a:r>
+            <a:r>
+              <a:rPr lang="en-US" sz="2400" dirty="0"/>
+              <a:t> has value </a:t>
+            </a:r>
+            <a:r>
+              <a:rPr lang="en-US" sz="2400" i="1" dirty="0"/>
+              <a:t>k</a:t>
+            </a:r>
+            <a:r>
+              <a:rPr lang="en-US" sz="2400" dirty="0"/>
+              <a:t>.</a:t>
             </a:r>
           </a:p>
           <a:p>
@@ -3883,8 +3937,8 @@
           </a:p>
         </p:txBody>
       </p:sp>
-      <mc:AlternateContent xmlns:mc="http://schemas.openxmlformats.org/markup-compatibility/2006">
-        <mc:Choice xmlns:a14="http://schemas.microsoft.com/office/drawing/2010/main" Requires="a14">
+      <mc:AlternateContent xmlns:mc="http://schemas.openxmlformats.org/markup-compatibility/2006" xmlns:a14="http://schemas.microsoft.com/office/drawing/2010/main">
+        <mc:Choice Requires="a14">
           <p:sp>
             <p:nvSpPr>
               <p:cNvPr id="3" name="Content Placeholder 2">
@@ -4094,7 +4148,7 @@
             </p:txBody>
           </p:sp>
         </mc:Choice>
-        <mc:Fallback>
+        <mc:Fallback xmlns="">
           <p:sp>
             <p:nvSpPr>
               <p:cNvPr id="3" name="Content Placeholder 2">
@@ -6503,13 +6557,13 @@
   <p:clrMapOvr>
     <a:masterClrMapping/>
   </p:clrMapOvr>
-  <mc:AlternateContent xmlns:mc="http://schemas.openxmlformats.org/markup-compatibility/2006">
-    <mc:Choice xmlns:p14="http://schemas.microsoft.com/office/powerpoint/2010/main" Requires="p14">
+  <mc:AlternateContent xmlns:mc="http://schemas.openxmlformats.org/markup-compatibility/2006" xmlns:p14="http://schemas.microsoft.com/office/powerpoint/2010/main">
+    <mc:Choice Requires="p14">
       <p:transition spd="slow" p14:dur="2000">
         <p14:prism isContent="1"/>
       </p:transition>
     </mc:Choice>
-    <mc:Fallback>
+    <mc:Fallback xmlns="">
       <p:transition spd="slow">
         <p:fade/>
       </p:transition>
@@ -6761,14 +6815,14 @@
             </a:r>
             <a:r>
               <a:rPr lang="en-CA" sz="2400" dirty="0" err="1">
-                <a:latin typeface="Courier New" panose="02070309020205020404" pitchFamily="49" charset="0"/>
+                <a:latin typeface="Consolas" panose="020B0609020204030204" pitchFamily="49" charset="0"/>
                 <a:cs typeface="Courier New" panose="02070309020205020404" pitchFamily="49" charset="0"/>
               </a:rPr>
               <a:t>goodfit</a:t>
             </a:r>
             <a:r>
               <a:rPr lang="en-CA" sz="2400" dirty="0">
-                <a:latin typeface="Courier New" panose="02070309020205020404" pitchFamily="49" charset="0"/>
+                <a:latin typeface="Consolas" panose="020B0609020204030204" pitchFamily="49" charset="0"/>
                 <a:cs typeface="Courier New" panose="02070309020205020404" pitchFamily="49" charset="0"/>
               </a:rPr>
               <a:t>()      </a:t>
@@ -6784,7 +6838,7 @@
             </a:pPr>
             <a:r>
               <a:rPr lang="en-CA" sz="2400" dirty="0"/>
-              <a:t>                                                           neg bin, geometric, logseries, …</a:t>
+              <a:t>                                                         neg bin, geometric, logseries, …</a:t>
             </a:r>
           </a:p>
           <a:p>
@@ -6798,7 +6852,7 @@
             </a:r>
             <a:r>
               <a:rPr lang="en-CA" sz="2400" dirty="0">
-                <a:latin typeface="Courier New" panose="02070309020205020404" pitchFamily="49" charset="0"/>
+                <a:latin typeface="Consolas" panose="020B0609020204030204" pitchFamily="49" charset="0"/>
                 <a:cs typeface="Courier New" panose="02070309020205020404" pitchFamily="49" charset="0"/>
               </a:rPr>
               <a:t>rootogram()  </a:t>
@@ -6814,7 +6868,7 @@
             </a:pPr>
             <a:r>
               <a:rPr lang="en-CA" sz="2400" dirty="0"/>
-              <a:t>                                                           observed, fitted counts</a:t>
+              <a:t>                                                         observed, fitted counts</a:t>
             </a:r>
           </a:p>
           <a:p>
@@ -6828,17 +6882,17 @@
             </a:r>
             <a:r>
               <a:rPr lang="en-CA" sz="2400" dirty="0" err="1">
-                <a:latin typeface="Courier New" panose="02070309020205020404" pitchFamily="49" charset="0"/>
+                <a:latin typeface="Consolas" panose="020B0609020204030204" pitchFamily="49" charset="0"/>
                 <a:cs typeface="Courier New" panose="02070309020205020404" pitchFamily="49" charset="0"/>
               </a:rPr>
               <a:t>Ordplot</a:t>
             </a:r>
             <a:r>
               <a:rPr lang="en-CA" sz="2400" dirty="0">
-                <a:latin typeface="Courier New" panose="02070309020205020404" pitchFamily="49" charset="0"/>
+                <a:latin typeface="Consolas" panose="020B0609020204030204" pitchFamily="49" charset="0"/>
                 <a:cs typeface="Courier New" panose="02070309020205020404" pitchFamily="49" charset="0"/>
               </a:rPr>
-              <a:t>()    </a:t>
+              <a:t>()     </a:t>
             </a:r>
             <a:r>
               <a:rPr lang="en-CA" sz="2400" dirty="0"/>
@@ -6851,7 +6905,7 @@
             </a:pPr>
             <a:r>
               <a:rPr lang="en-CA" sz="2400" dirty="0"/>
-              <a:t>                                                          distribution</a:t>
+              <a:t>                                                         distribution</a:t>
             </a:r>
           </a:p>
           <a:p>
@@ -6865,14 +6919,14 @@
             </a:r>
             <a:r>
               <a:rPr lang="en-CA" sz="2400" dirty="0" err="1">
-                <a:latin typeface="Courier New" panose="02070309020205020404" pitchFamily="49" charset="0"/>
+                <a:latin typeface="Consolas" panose="020B0609020204030204" pitchFamily="49" charset="0"/>
                 <a:cs typeface="Courier New" panose="02070309020205020404" pitchFamily="49" charset="0"/>
               </a:rPr>
               <a:t>distplot</a:t>
             </a:r>
             <a:r>
               <a:rPr lang="en-CA" sz="2400" dirty="0">
-                <a:latin typeface="Courier New" panose="02070309020205020404" pitchFamily="49" charset="0"/>
+                <a:latin typeface="Consolas" panose="020B0609020204030204" pitchFamily="49" charset="0"/>
                 <a:cs typeface="Courier New" panose="02070309020205020404" pitchFamily="49" charset="0"/>
               </a:rPr>
               <a:t>() </a:t>
@@ -6888,7 +6942,7 @@
             </a:pPr>
             <a:r>
               <a:rPr lang="en-CA" sz="2400" dirty="0"/>
-              <a:t>                                                            discrepant counts</a:t>
+              <a:t>                                                          discrepant counts</a:t>
             </a:r>
           </a:p>
         </p:txBody>
@@ -7260,7 +7314,7 @@
                     <a:lumOff val="40000"/>
                   </a:schemeClr>
                 </a:solidFill>
-                <a:latin typeface="Courier New" panose="02070309020205020404" pitchFamily="49" charset="0"/>
+                <a:latin typeface="Consolas" panose="020B0609020204030204" pitchFamily="49" charset="0"/>
                 <a:cs typeface="Courier New" panose="02070309020205020404" pitchFamily="49" charset="0"/>
               </a:rPr>
               <a:t>&gt; data(Saxony, package="</a:t>
@@ -7273,7 +7327,7 @@
                     <a:lumOff val="40000"/>
                   </a:schemeClr>
                 </a:solidFill>
-                <a:latin typeface="Courier New" panose="02070309020205020404" pitchFamily="49" charset="0"/>
+                <a:latin typeface="Consolas" panose="020B0609020204030204" pitchFamily="49" charset="0"/>
                 <a:cs typeface="Courier New" panose="02070309020205020404" pitchFamily="49" charset="0"/>
               </a:rPr>
               <a:t>vcd</a:t>
@@ -7286,7 +7340,7 @@
                     <a:lumOff val="40000"/>
                   </a:schemeClr>
                 </a:solidFill>
-                <a:latin typeface="Courier New" panose="02070309020205020404" pitchFamily="49" charset="0"/>
+                <a:latin typeface="Consolas" panose="020B0609020204030204" pitchFamily="49" charset="0"/>
                 <a:cs typeface="Courier New" panose="02070309020205020404" pitchFamily="49" charset="0"/>
               </a:rPr>
               <a:t>")</a:t>
@@ -7301,7 +7355,7 @@
                     <a:lumOff val="40000"/>
                   </a:schemeClr>
                 </a:solidFill>
-                <a:latin typeface="Courier New" panose="02070309020205020404" pitchFamily="49" charset="0"/>
+                <a:latin typeface="Consolas" panose="020B0609020204030204" pitchFamily="49" charset="0"/>
                 <a:cs typeface="Courier New" panose="02070309020205020404" pitchFamily="49" charset="0"/>
               </a:rPr>
               <a:t>&gt; Saxony</a:t>
@@ -7310,20 +7364,20 @@
           <a:p>
             <a:r>
               <a:rPr lang="en-CA" sz="1400" dirty="0" err="1">
-                <a:latin typeface="Courier New" panose="02070309020205020404" pitchFamily="49" charset="0"/>
+                <a:latin typeface="Consolas" panose="020B0609020204030204" pitchFamily="49" charset="0"/>
                 <a:cs typeface="Courier New" panose="02070309020205020404" pitchFamily="49" charset="0"/>
               </a:rPr>
               <a:t>nMales</a:t>
             </a:r>
             <a:endParaRPr lang="en-CA" sz="1400" dirty="0">
-              <a:latin typeface="Courier New" panose="02070309020205020404" pitchFamily="49" charset="0"/>
+              <a:latin typeface="Consolas" panose="020B0609020204030204" pitchFamily="49" charset="0"/>
               <a:cs typeface="Courier New" panose="02070309020205020404" pitchFamily="49" charset="0"/>
             </a:endParaRPr>
           </a:p>
           <a:p>
             <a:r>
               <a:rPr lang="en-CA" sz="1400" dirty="0">
-                <a:latin typeface="Courier New" panose="02070309020205020404" pitchFamily="49" charset="0"/>
+                <a:latin typeface="Consolas" panose="020B0609020204030204" pitchFamily="49" charset="0"/>
                 <a:cs typeface="Courier New" panose="02070309020205020404" pitchFamily="49" charset="0"/>
               </a:rPr>
               <a:t>   0    1    2    3    4    5    6    7    8    9   10   11   12 </a:t>
@@ -7332,7 +7386,7 @@
           <a:p>
             <a:r>
               <a:rPr lang="en-CA" sz="1400" dirty="0">
-                <a:latin typeface="Courier New" panose="02070309020205020404" pitchFamily="49" charset="0"/>
+                <a:latin typeface="Consolas" panose="020B0609020204030204" pitchFamily="49" charset="0"/>
                 <a:cs typeface="Courier New" panose="02070309020205020404" pitchFamily="49" charset="0"/>
               </a:rPr>
               <a:t>   3   24  104  286  670 1033 1343 1112  829  478  181   45    7 </a:t>
@@ -7425,7 +7479,7 @@
                     <a:lumOff val="40000"/>
                   </a:schemeClr>
                 </a:solidFill>
-                <a:latin typeface="Courier New" panose="02070309020205020404" pitchFamily="49" charset="0"/>
+                <a:latin typeface="Consolas" panose="020B0609020204030204" pitchFamily="49" charset="0"/>
                 <a:cs typeface="Courier New" panose="02070309020205020404" pitchFamily="49" charset="0"/>
               </a:rPr>
               <a:t>&gt; </a:t>
@@ -7438,7 +7492,7 @@
                     <a:lumOff val="40000"/>
                   </a:schemeClr>
                 </a:solidFill>
-                <a:latin typeface="Courier New" panose="02070309020205020404" pitchFamily="49" charset="0"/>
+                <a:latin typeface="Consolas" panose="020B0609020204030204" pitchFamily="49" charset="0"/>
                 <a:cs typeface="Courier New" panose="02070309020205020404" pitchFamily="49" charset="0"/>
               </a:rPr>
               <a:t>Sax.fit</a:t>
@@ -7451,7 +7505,7 @@
                     <a:lumOff val="40000"/>
                   </a:schemeClr>
                 </a:solidFill>
-                <a:latin typeface="Courier New" panose="02070309020205020404" pitchFamily="49" charset="0"/>
+                <a:latin typeface="Consolas" panose="020B0609020204030204" pitchFamily="49" charset="0"/>
                 <a:cs typeface="Courier New" panose="02070309020205020404" pitchFamily="49" charset="0"/>
               </a:rPr>
               <a:t> &lt;- </a:t>
@@ -7464,7 +7518,7 @@
                     <a:lumOff val="40000"/>
                   </a:schemeClr>
                 </a:solidFill>
-                <a:latin typeface="Courier New" panose="02070309020205020404" pitchFamily="49" charset="0"/>
+                <a:latin typeface="Consolas" panose="020B0609020204030204" pitchFamily="49" charset="0"/>
                 <a:cs typeface="Courier New" panose="02070309020205020404" pitchFamily="49" charset="0"/>
               </a:rPr>
               <a:t>goodfit</a:t>
@@ -7477,7 +7531,7 @@
                     <a:lumOff val="40000"/>
                   </a:schemeClr>
                 </a:solidFill>
-                <a:latin typeface="Courier New" panose="02070309020205020404" pitchFamily="49" charset="0"/>
+                <a:latin typeface="Consolas" panose="020B0609020204030204" pitchFamily="49" charset="0"/>
                 <a:cs typeface="Courier New" panose="02070309020205020404" pitchFamily="49" charset="0"/>
               </a:rPr>
               <a:t>(Saxony, type = "binomial", par=list(size=12))</a:t>
@@ -7492,7 +7546,7 @@
                     <a:lumOff val="40000"/>
                   </a:schemeClr>
                 </a:solidFill>
-                <a:latin typeface="Courier New" panose="02070309020205020404" pitchFamily="49" charset="0"/>
+                <a:latin typeface="Consolas" panose="020B0609020204030204" pitchFamily="49" charset="0"/>
                 <a:cs typeface="Courier New" panose="02070309020205020404" pitchFamily="49" charset="0"/>
               </a:rPr>
               <a:t>&gt; summary(</a:t>
@@ -7505,7 +7559,7 @@
                     <a:lumOff val="40000"/>
                   </a:schemeClr>
                 </a:solidFill>
-                <a:latin typeface="Courier New" panose="02070309020205020404" pitchFamily="49" charset="0"/>
+                <a:latin typeface="Consolas" panose="020B0609020204030204" pitchFamily="49" charset="0"/>
                 <a:cs typeface="Courier New" panose="02070309020205020404" pitchFamily="49" charset="0"/>
               </a:rPr>
               <a:t>Sax.fit</a:t>
@@ -7518,7 +7572,7 @@
                     <a:lumOff val="40000"/>
                   </a:schemeClr>
                 </a:solidFill>
-                <a:latin typeface="Courier New" panose="02070309020205020404" pitchFamily="49" charset="0"/>
+                <a:latin typeface="Consolas" panose="020B0609020204030204" pitchFamily="49" charset="0"/>
                 <a:cs typeface="Courier New" panose="02070309020205020404" pitchFamily="49" charset="0"/>
               </a:rPr>
               <a:t>)</a:t>
@@ -7526,14 +7580,14 @@
           </a:p>
           <a:p>
             <a:endParaRPr lang="en-CA" sz="1400" dirty="0">
-              <a:latin typeface="Courier New" panose="02070309020205020404" pitchFamily="49" charset="0"/>
+              <a:latin typeface="Consolas" panose="020B0609020204030204" pitchFamily="49" charset="0"/>
               <a:cs typeface="Courier New" panose="02070309020205020404" pitchFamily="49" charset="0"/>
             </a:endParaRPr>
           </a:p>
           <a:p>
             <a:r>
               <a:rPr lang="en-CA" sz="1400" dirty="0">
-                <a:latin typeface="Courier New" panose="02070309020205020404" pitchFamily="49" charset="0"/>
+                <a:latin typeface="Consolas" panose="020B0609020204030204" pitchFamily="49" charset="0"/>
                 <a:cs typeface="Courier New" panose="02070309020205020404" pitchFamily="49" charset="0"/>
               </a:rPr>
               <a:t>	 Goodness-of-fit test for binomial distribution</a:t>
@@ -7541,28 +7595,28 @@
           </a:p>
           <a:p>
             <a:endParaRPr lang="en-CA" sz="1400" dirty="0">
-              <a:latin typeface="Courier New" panose="02070309020205020404" pitchFamily="49" charset="0"/>
+              <a:latin typeface="Consolas" panose="020B0609020204030204" pitchFamily="49" charset="0"/>
               <a:cs typeface="Courier New" panose="02070309020205020404" pitchFamily="49" charset="0"/>
             </a:endParaRPr>
           </a:p>
           <a:p>
             <a:r>
               <a:rPr lang="en-CA" sz="1400" dirty="0">
-                <a:latin typeface="Courier New" panose="02070309020205020404" pitchFamily="49" charset="0"/>
+                <a:latin typeface="Consolas" panose="020B0609020204030204" pitchFamily="49" charset="0"/>
                 <a:cs typeface="Courier New" panose="02070309020205020404" pitchFamily="49" charset="0"/>
               </a:rPr>
               <a:t>                 X^2 </a:t>
             </a:r>
             <a:r>
               <a:rPr lang="en-CA" sz="1400" dirty="0" err="1">
-                <a:latin typeface="Courier New" panose="02070309020205020404" pitchFamily="49" charset="0"/>
+                <a:latin typeface="Consolas" panose="020B0609020204030204" pitchFamily="49" charset="0"/>
                 <a:cs typeface="Courier New" panose="02070309020205020404" pitchFamily="49" charset="0"/>
               </a:rPr>
               <a:t>df</a:t>
             </a:r>
             <a:r>
               <a:rPr lang="en-CA" sz="1400" dirty="0">
-                <a:latin typeface="Courier New" panose="02070309020205020404" pitchFamily="49" charset="0"/>
+                <a:latin typeface="Consolas" panose="020B0609020204030204" pitchFamily="49" charset="0"/>
                 <a:cs typeface="Courier New" panose="02070309020205020404" pitchFamily="49" charset="0"/>
               </a:rPr>
               <a:t> P(&gt; X^2)</a:t>
@@ -7571,7 +7625,7 @@
           <a:p>
             <a:r>
               <a:rPr lang="en-CA" sz="1400" dirty="0">
-                <a:latin typeface="Courier New" panose="02070309020205020404" pitchFamily="49" charset="0"/>
+                <a:latin typeface="Consolas" panose="020B0609020204030204" pitchFamily="49" charset="0"/>
                 <a:cs typeface="Courier New" panose="02070309020205020404" pitchFamily="49" charset="0"/>
               </a:rPr>
               <a:t>Likelihood Ratio  97 11 6.98e-16</a:t>
@@ -7758,7 +7812,7 @@
                 <a:solidFill>
                   <a:srgbClr val="0070C0"/>
                 </a:solidFill>
-                <a:latin typeface="Courier New" panose="02070309020205020404" pitchFamily="49" charset="0"/>
+                <a:latin typeface="Consolas" panose="020B0609020204030204" pitchFamily="49" charset="0"/>
                 <a:cs typeface="Courier New" panose="02070309020205020404" pitchFamily="49" charset="0"/>
               </a:rPr>
               <a:t>&gt; </a:t>
@@ -7768,7 +7822,7 @@
                 <a:solidFill>
                   <a:srgbClr val="0070C0"/>
                 </a:solidFill>
-                <a:latin typeface="Courier New" panose="02070309020205020404" pitchFamily="49" charset="0"/>
+                <a:latin typeface="Consolas" panose="020B0609020204030204" pitchFamily="49" charset="0"/>
                 <a:cs typeface="Courier New" panose="02070309020205020404" pitchFamily="49" charset="0"/>
               </a:rPr>
               <a:t>Sax.fit</a:t>
@@ -7778,7 +7832,7 @@
                 <a:solidFill>
                   <a:srgbClr val="0070C0"/>
                 </a:solidFill>
-                <a:latin typeface="Courier New" panose="02070309020205020404" pitchFamily="49" charset="0"/>
+                <a:latin typeface="Consolas" panose="020B0609020204030204" pitchFamily="49" charset="0"/>
                 <a:cs typeface="Courier New" panose="02070309020205020404" pitchFamily="49" charset="0"/>
               </a:rPr>
               <a:t>    </a:t>
@@ -7788,7 +7842,7 @@
                 <a:solidFill>
                   <a:srgbClr val="00B050"/>
                 </a:solidFill>
-                <a:latin typeface="Courier New" panose="02070309020205020404" pitchFamily="49" charset="0"/>
+                <a:latin typeface="Consolas" panose="020B0609020204030204" pitchFamily="49" charset="0"/>
                 <a:cs typeface="Courier New" panose="02070309020205020404" pitchFamily="49" charset="0"/>
               </a:rPr>
               <a:t># print</a:t>
@@ -7796,14 +7850,14 @@
           </a:p>
           <a:p>
             <a:endParaRPr lang="en-CA" sz="1400" dirty="0">
-              <a:latin typeface="Courier New" panose="02070309020205020404" pitchFamily="49" charset="0"/>
+              <a:latin typeface="Consolas" panose="020B0609020204030204" pitchFamily="49" charset="0"/>
               <a:cs typeface="Courier New" panose="02070309020205020404" pitchFamily="49" charset="0"/>
             </a:endParaRPr>
           </a:p>
           <a:p>
             <a:r>
               <a:rPr lang="en-CA" sz="1400" dirty="0">
-                <a:latin typeface="Courier New" panose="02070309020205020404" pitchFamily="49" charset="0"/>
+                <a:latin typeface="Consolas" panose="020B0609020204030204" pitchFamily="49" charset="0"/>
                 <a:cs typeface="Courier New" panose="02070309020205020404" pitchFamily="49" charset="0"/>
               </a:rPr>
               <a:t>Observed and fitted values for binomial distribution</a:t>
@@ -7812,7 +7866,7 @@
           <a:p>
             <a:r>
               <a:rPr lang="en-CA" sz="1400" dirty="0">
-                <a:latin typeface="Courier New" panose="02070309020205020404" pitchFamily="49" charset="0"/>
+                <a:latin typeface="Consolas" panose="020B0609020204030204" pitchFamily="49" charset="0"/>
                 <a:cs typeface="Courier New" panose="02070309020205020404" pitchFamily="49" charset="0"/>
               </a:rPr>
               <a:t>with parameters estimated by `ML' </a:t>
@@ -7820,28 +7874,28 @@
           </a:p>
           <a:p>
             <a:endParaRPr lang="en-CA" sz="1400" dirty="0">
-              <a:latin typeface="Courier New" panose="02070309020205020404" pitchFamily="49" charset="0"/>
+              <a:latin typeface="Consolas" panose="020B0609020204030204" pitchFamily="49" charset="0"/>
               <a:cs typeface="Courier New" panose="02070309020205020404" pitchFamily="49" charset="0"/>
             </a:endParaRPr>
           </a:p>
           <a:p>
             <a:r>
               <a:rPr lang="en-CA" sz="1400" dirty="0">
-                <a:latin typeface="Courier New" panose="02070309020205020404" pitchFamily="49" charset="0"/>
+                <a:latin typeface="Consolas" panose="020B0609020204030204" pitchFamily="49" charset="0"/>
                 <a:cs typeface="Courier New" panose="02070309020205020404" pitchFamily="49" charset="0"/>
               </a:rPr>
               <a:t> count observed   fitted </a:t>
             </a:r>
             <a:r>
               <a:rPr lang="en-CA" sz="1400" dirty="0" err="1">
-                <a:latin typeface="Courier New" panose="02070309020205020404" pitchFamily="49" charset="0"/>
+                <a:latin typeface="Consolas" panose="020B0609020204030204" pitchFamily="49" charset="0"/>
                 <a:cs typeface="Courier New" panose="02070309020205020404" pitchFamily="49" charset="0"/>
               </a:rPr>
               <a:t>pearson</a:t>
             </a:r>
             <a:r>
               <a:rPr lang="en-CA" sz="1400" dirty="0">
-                <a:latin typeface="Courier New" panose="02070309020205020404" pitchFamily="49" charset="0"/>
+                <a:latin typeface="Consolas" panose="020B0609020204030204" pitchFamily="49" charset="0"/>
                 <a:cs typeface="Courier New" panose="02070309020205020404" pitchFamily="49" charset="0"/>
               </a:rPr>
               <a:t> residual</a:t>
@@ -7850,7 +7904,7 @@
           <a:p>
             <a:r>
               <a:rPr lang="en-CA" sz="1400" dirty="0">
-                <a:latin typeface="Courier New" panose="02070309020205020404" pitchFamily="49" charset="0"/>
+                <a:latin typeface="Consolas" panose="020B0609020204030204" pitchFamily="49" charset="0"/>
                 <a:cs typeface="Courier New" panose="02070309020205020404" pitchFamily="49" charset="0"/>
               </a:rPr>
               <a:t>     0        3    0.933            2.140</a:t>
@@ -7859,7 +7913,7 @@
           <a:p>
             <a:r>
               <a:rPr lang="en-CA" sz="1400" dirty="0">
-                <a:latin typeface="Courier New" panose="02070309020205020404" pitchFamily="49" charset="0"/>
+                <a:latin typeface="Consolas" panose="020B0609020204030204" pitchFamily="49" charset="0"/>
                 <a:cs typeface="Courier New" panose="02070309020205020404" pitchFamily="49" charset="0"/>
               </a:rPr>
               <a:t>     1       24   12.089            3.426</a:t>
@@ -7868,7 +7922,7 @@
           <a:p>
             <a:r>
               <a:rPr lang="en-CA" sz="1400" dirty="0">
-                <a:latin typeface="Courier New" panose="02070309020205020404" pitchFamily="49" charset="0"/>
+                <a:latin typeface="Consolas" panose="020B0609020204030204" pitchFamily="49" charset="0"/>
                 <a:cs typeface="Courier New" panose="02070309020205020404" pitchFamily="49" charset="0"/>
               </a:rPr>
               <a:t>     2      104   71.803            3.800</a:t>
@@ -7877,7 +7931,7 @@
           <a:p>
             <a:r>
               <a:rPr lang="en-CA" sz="1400" dirty="0">
-                <a:latin typeface="Courier New" panose="02070309020205020404" pitchFamily="49" charset="0"/>
+                <a:latin typeface="Consolas" panose="020B0609020204030204" pitchFamily="49" charset="0"/>
                 <a:cs typeface="Courier New" panose="02070309020205020404" pitchFamily="49" charset="0"/>
               </a:rPr>
               <a:t>     3      286  258.475            1.712</a:t>
@@ -7886,7 +7940,7 @@
           <a:p>
             <a:r>
               <a:rPr lang="en-CA" sz="1400" dirty="0">
-                <a:latin typeface="Courier New" panose="02070309020205020404" pitchFamily="49" charset="0"/>
+                <a:latin typeface="Consolas" panose="020B0609020204030204" pitchFamily="49" charset="0"/>
                 <a:cs typeface="Courier New" panose="02070309020205020404" pitchFamily="49" charset="0"/>
               </a:rPr>
               <a:t>     4      670  628.055            1.674</a:t>
@@ -7895,7 +7949,7 @@
           <a:p>
             <a:r>
               <a:rPr lang="en-CA" sz="1400" dirty="0">
-                <a:latin typeface="Courier New" panose="02070309020205020404" pitchFamily="49" charset="0"/>
+                <a:latin typeface="Consolas" panose="020B0609020204030204" pitchFamily="49" charset="0"/>
                 <a:cs typeface="Courier New" panose="02070309020205020404" pitchFamily="49" charset="0"/>
               </a:rPr>
               <a:t>     5     1033 1085.211           -1.585</a:t>
@@ -7904,7 +7958,7 @@
           <a:p>
             <a:r>
               <a:rPr lang="en-CA" sz="1400" dirty="0">
-                <a:latin typeface="Courier New" panose="02070309020205020404" pitchFamily="49" charset="0"/>
+                <a:latin typeface="Consolas" panose="020B0609020204030204" pitchFamily="49" charset="0"/>
                 <a:cs typeface="Courier New" panose="02070309020205020404" pitchFamily="49" charset="0"/>
               </a:rPr>
               <a:t>     6     1343 1367.279           -0.657</a:t>
@@ -7913,7 +7967,7 @@
           <a:p>
             <a:r>
               <a:rPr lang="en-CA" sz="1400" dirty="0">
-                <a:latin typeface="Courier New" panose="02070309020205020404" pitchFamily="49" charset="0"/>
+                <a:latin typeface="Consolas" panose="020B0609020204030204" pitchFamily="49" charset="0"/>
                 <a:cs typeface="Courier New" panose="02070309020205020404" pitchFamily="49" charset="0"/>
               </a:rPr>
               <a:t>     7     1112 1265.630           -4.318</a:t>
@@ -7922,7 +7976,7 @@
           <a:p>
             <a:r>
               <a:rPr lang="en-CA" sz="1400" dirty="0">
-                <a:latin typeface="Courier New" panose="02070309020205020404" pitchFamily="49" charset="0"/>
+                <a:latin typeface="Consolas" panose="020B0609020204030204" pitchFamily="49" charset="0"/>
                 <a:cs typeface="Courier New" panose="02070309020205020404" pitchFamily="49" charset="0"/>
               </a:rPr>
               <a:t>     8      829  854.247           -0.864</a:t>
@@ -7931,7 +7985,7 @@
           <a:p>
             <a:r>
               <a:rPr lang="en-CA" sz="1400" dirty="0">
-                <a:latin typeface="Courier New" panose="02070309020205020404" pitchFamily="49" charset="0"/>
+                <a:latin typeface="Consolas" panose="020B0609020204030204" pitchFamily="49" charset="0"/>
                 <a:cs typeface="Courier New" panose="02070309020205020404" pitchFamily="49" charset="0"/>
               </a:rPr>
               <a:t>     9      478  410.013            3.358</a:t>
@@ -7940,7 +7994,7 @@
           <a:p>
             <a:r>
               <a:rPr lang="en-CA" sz="1400" dirty="0">
-                <a:latin typeface="Courier New" panose="02070309020205020404" pitchFamily="49" charset="0"/>
+                <a:latin typeface="Consolas" panose="020B0609020204030204" pitchFamily="49" charset="0"/>
                 <a:cs typeface="Courier New" panose="02070309020205020404" pitchFamily="49" charset="0"/>
               </a:rPr>
               <a:t>    10      181  132.836            4.179</a:t>
@@ -7949,7 +8003,7 @@
           <a:p>
             <a:r>
               <a:rPr lang="en-CA" sz="1400" dirty="0">
-                <a:latin typeface="Courier New" panose="02070309020205020404" pitchFamily="49" charset="0"/>
+                <a:latin typeface="Consolas" panose="020B0609020204030204" pitchFamily="49" charset="0"/>
                 <a:cs typeface="Courier New" panose="02070309020205020404" pitchFamily="49" charset="0"/>
               </a:rPr>
               <a:t>    11       45   26.082            3.704</a:t>
@@ -7958,7 +8012,7 @@
           <a:p>
             <a:r>
               <a:rPr lang="en-CA" sz="1400" dirty="0">
-                <a:latin typeface="Courier New" panose="02070309020205020404" pitchFamily="49" charset="0"/>
+                <a:latin typeface="Consolas" panose="020B0609020204030204" pitchFamily="49" charset="0"/>
                 <a:cs typeface="Courier New" panose="02070309020205020404" pitchFamily="49" charset="0"/>
               </a:rPr>
               <a:t>    12        7    2.347            3.037</a:t>
@@ -19590,13 +19644,13 @@
   <p:clrMapOvr>
     <a:masterClrMapping/>
   </p:clrMapOvr>
-  <mc:AlternateContent xmlns:mc="http://schemas.openxmlformats.org/markup-compatibility/2006">
-    <mc:Choice xmlns:p14="http://schemas.microsoft.com/office/powerpoint/2010/main" Requires="p14">
+  <mc:AlternateContent xmlns:mc="http://schemas.openxmlformats.org/markup-compatibility/2006" xmlns:p14="http://schemas.microsoft.com/office/powerpoint/2010/main">
+    <mc:Choice Requires="p14">
       <p:transition spd="slow" p14:dur="2000">
         <p14:prism isContent="1"/>
       </p:transition>
     </mc:Choice>
-    <mc:Fallback>
+    <mc:Fallback xmlns="">
       <p:transition spd="slow">
         <p:fade/>
       </p:transition>
@@ -19915,7 +19969,13 @@
           <a:prstGeom prst="rect">
             <a:avLst/>
           </a:prstGeom>
-          <a:noFill/>
+          <a:solidFill>
+            <a:schemeClr val="accent6">
+              <a:lumMod val="20000"/>
+              <a:lumOff val="80000"/>
+              <a:alpha val="60000"/>
+            </a:schemeClr>
+          </a:solidFill>
         </p:spPr>
         <p:txBody>
           <a:bodyPr wrap="square" rtlCol="0">
@@ -19931,6 +19991,7 @@
                     <a:lumOff val="40000"/>
                   </a:schemeClr>
                 </a:solidFill>
+                <a:latin typeface="Consolas" panose="020B0609020204030204" pitchFamily="49" charset="0"/>
               </a:rPr>
               <a:t>&gt; plot(</a:t>
             </a:r>
@@ -19942,6 +20003,7 @@
                     <a:lumOff val="40000"/>
                   </a:schemeClr>
                 </a:solidFill>
+                <a:latin typeface="Consolas" panose="020B0609020204030204" pitchFamily="49" charset="0"/>
               </a:rPr>
               <a:t>Sax.fit</a:t>
             </a:r>
@@ -19953,6 +20015,7 @@
                     <a:lumOff val="40000"/>
                   </a:schemeClr>
                 </a:solidFill>
+                <a:latin typeface="Consolas" panose="020B0609020204030204" pitchFamily="49" charset="0"/>
               </a:rPr>
               <a:t>, type = "standing", </a:t>
             </a:r>
@@ -19964,6 +20027,7 @@
                     <a:lumOff val="40000"/>
                   </a:schemeClr>
                 </a:solidFill>
+                <a:latin typeface="Consolas" panose="020B0609020204030204" pitchFamily="49" charset="0"/>
               </a:rPr>
               <a:t>xlab</a:t>
             </a:r>
@@ -19975,6 +20039,7 @@
                     <a:lumOff val="40000"/>
                   </a:schemeClr>
                 </a:solidFill>
+                <a:latin typeface="Consolas" panose="020B0609020204030204" pitchFamily="49" charset="0"/>
               </a:rPr>
               <a:t> = "Number of males")</a:t>
             </a:r>
@@ -20170,7 +20235,7 @@
         <p:spPr>
           <a:xfrm>
             <a:off x="457200" y="1219200"/>
-            <a:ext cx="8229600" cy="369332"/>
+            <a:ext cx="8229600" cy="338554"/>
           </a:xfrm>
           <a:prstGeom prst="rect">
             <a:avLst/>
@@ -20190,65 +20255,71 @@
           <a:lstStyle/>
           <a:p>
             <a:r>
-              <a:rPr lang="en-CA" dirty="0">
+              <a:rPr lang="en-CA" sz="1600" dirty="0">
                 <a:solidFill>
                   <a:schemeClr val="tx2">
                     <a:lumMod val="60000"/>
                     <a:lumOff val="40000"/>
                   </a:schemeClr>
                 </a:solidFill>
+                <a:latin typeface="Consolas" panose="020B0609020204030204" pitchFamily="49" charset="0"/>
               </a:rPr>
               <a:t>&gt; plot(</a:t>
             </a:r>
             <a:r>
-              <a:rPr lang="en-CA" dirty="0" err="1">
+              <a:rPr lang="en-CA" sz="1600" dirty="0" err="1">
                 <a:solidFill>
                   <a:schemeClr val="tx2">
                     <a:lumMod val="60000"/>
                     <a:lumOff val="40000"/>
                   </a:schemeClr>
                 </a:solidFill>
+                <a:latin typeface="Consolas" panose="020B0609020204030204" pitchFamily="49" charset="0"/>
               </a:rPr>
               <a:t>Sax.fit</a:t>
             </a:r>
             <a:r>
-              <a:rPr lang="en-CA" dirty="0">
+              <a:rPr lang="en-CA" sz="1600" dirty="0">
                 <a:solidFill>
                   <a:schemeClr val="tx2">
                     <a:lumMod val="60000"/>
                     <a:lumOff val="40000"/>
                   </a:schemeClr>
                 </a:solidFill>
+                <a:latin typeface="Consolas" panose="020B0609020204030204" pitchFamily="49" charset="0"/>
               </a:rPr>
               <a:t>, type = "hanging", </a:t>
             </a:r>
             <a:r>
-              <a:rPr lang="en-CA" dirty="0" err="1">
+              <a:rPr lang="en-CA" sz="1600" dirty="0" err="1">
                 <a:solidFill>
                   <a:schemeClr val="tx2">
                     <a:lumMod val="60000"/>
                     <a:lumOff val="40000"/>
                   </a:schemeClr>
                 </a:solidFill>
+                <a:latin typeface="Consolas" panose="020B0609020204030204" pitchFamily="49" charset="0"/>
               </a:rPr>
               <a:t>xlab</a:t>
             </a:r>
             <a:r>
-              <a:rPr lang="en-CA" dirty="0">
+              <a:rPr lang="en-CA" sz="1600" dirty="0">
                 <a:solidFill>
                   <a:schemeClr val="tx2">
                     <a:lumMod val="60000"/>
                     <a:lumOff val="40000"/>
                   </a:schemeClr>
                 </a:solidFill>
+                <a:latin typeface="Consolas" panose="020B0609020204030204" pitchFamily="49" charset="0"/>
               </a:rPr>
-              <a:t> = "Number of males")              </a:t>
-            </a:r>
-            <a:r>
-              <a:rPr lang="en-CA" dirty="0">
+              <a:t> = "Number of males")  </a:t>
+            </a:r>
+            <a:r>
+              <a:rPr lang="en-CA" sz="1600" dirty="0">
                 <a:solidFill>
                   <a:srgbClr val="00B050"/>
                 </a:solidFill>
+                <a:latin typeface="Consolas" panose="020B0609020204030204" pitchFamily="49" charset="0"/>
               </a:rPr>
               <a:t># default</a:t>
             </a:r>
@@ -23683,13 +23754,13 @@
   <p:clrMapOvr>
     <a:masterClrMapping/>
   </p:clrMapOvr>
-  <mc:AlternateContent xmlns:mc="http://schemas.openxmlformats.org/markup-compatibility/2006">
-    <mc:Choice xmlns:p14="http://schemas.microsoft.com/office/powerpoint/2010/main" Requires="p14">
+  <mc:AlternateContent xmlns:mc="http://schemas.openxmlformats.org/markup-compatibility/2006" xmlns:p14="http://schemas.microsoft.com/office/powerpoint/2010/main">
+    <mc:Choice Requires="p14">
       <p:transition spd="slow" p14:dur="2000">
         <p14:prism isContent="1"/>
       </p:transition>
     </mc:Choice>
-    <mc:Fallback>
+    <mc:Fallback xmlns="">
       <p:transition spd="slow">
         <p:fade/>
       </p:transition>
@@ -24270,21 +24341,21 @@
           <a:p>
             <a:r>
               <a:rPr lang="en-US" dirty="0">
-                <a:latin typeface="Courier New" panose="02070309020205020404" pitchFamily="49" charset="0"/>
+                <a:latin typeface="Consolas" panose="020B0609020204030204" pitchFamily="49" charset="0"/>
                 <a:cs typeface="Courier New" panose="02070309020205020404" pitchFamily="49" charset="0"/>
               </a:rPr>
               <a:t>&gt; data(Federalist, package = "</a:t>
             </a:r>
             <a:r>
               <a:rPr lang="en-US" dirty="0" err="1">
-                <a:latin typeface="Courier New" panose="02070309020205020404" pitchFamily="49" charset="0"/>
+                <a:latin typeface="Consolas" panose="020B0609020204030204" pitchFamily="49" charset="0"/>
                 <a:cs typeface="Courier New" panose="02070309020205020404" pitchFamily="49" charset="0"/>
               </a:rPr>
               <a:t>vcd</a:t>
             </a:r>
             <a:r>
               <a:rPr lang="en-US" dirty="0">
-                <a:latin typeface="Courier New" panose="02070309020205020404" pitchFamily="49" charset="0"/>
+                <a:latin typeface="Consolas" panose="020B0609020204030204" pitchFamily="49" charset="0"/>
                 <a:cs typeface="Courier New" panose="02070309020205020404" pitchFamily="49" charset="0"/>
               </a:rPr>
               <a:t>")</a:t>
@@ -24293,7 +24364,7 @@
           <a:p>
             <a:r>
               <a:rPr lang="en-US" dirty="0">
-                <a:latin typeface="Courier New" panose="02070309020205020404" pitchFamily="49" charset="0"/>
+                <a:latin typeface="Consolas" panose="020B0609020204030204" pitchFamily="49" charset="0"/>
                 <a:cs typeface="Courier New" panose="02070309020205020404" pitchFamily="49" charset="0"/>
               </a:rPr>
               <a:t>&gt; Federalist</a:t>
@@ -24302,20 +24373,20 @@
           <a:p>
             <a:r>
               <a:rPr lang="en-US" dirty="0" err="1">
-                <a:latin typeface="Courier New" panose="02070309020205020404" pitchFamily="49" charset="0"/>
+                <a:latin typeface="Consolas" panose="020B0609020204030204" pitchFamily="49" charset="0"/>
                 <a:cs typeface="Courier New" panose="02070309020205020404" pitchFamily="49" charset="0"/>
               </a:rPr>
               <a:t>nMay</a:t>
             </a:r>
             <a:endParaRPr lang="en-US" dirty="0">
-              <a:latin typeface="Courier New" panose="02070309020205020404" pitchFamily="49" charset="0"/>
+              <a:latin typeface="Consolas" panose="020B0609020204030204" pitchFamily="49" charset="0"/>
               <a:cs typeface="Courier New" panose="02070309020205020404" pitchFamily="49" charset="0"/>
             </a:endParaRPr>
           </a:p>
           <a:p>
             <a:r>
               <a:rPr lang="en-US" dirty="0">
-                <a:latin typeface="Courier New" panose="02070309020205020404" pitchFamily="49" charset="0"/>
+                <a:latin typeface="Consolas" panose="020B0609020204030204" pitchFamily="49" charset="0"/>
                 <a:cs typeface="Courier New" panose="02070309020205020404" pitchFamily="49" charset="0"/>
               </a:rPr>
               <a:t>  0   1   2   3   4   5   6 </a:t>
@@ -24324,7 +24395,7 @@
           <a:p>
             <a:r>
               <a:rPr lang="en-US" dirty="0">
-                <a:latin typeface="Courier New" panose="02070309020205020404" pitchFamily="49" charset="0"/>
+                <a:latin typeface="Consolas" panose="020B0609020204030204" pitchFamily="49" charset="0"/>
                 <a:cs typeface="Courier New" panose="02070309020205020404" pitchFamily="49" charset="0"/>
               </a:rPr>
               <a:t>156  63  29   8   4   1   1 </a:t>
@@ -24540,7 +24611,7 @@
         <p:spPr>
           <a:xfrm>
             <a:off x="444910" y="1219200"/>
-            <a:ext cx="6866524" cy="1812567"/>
+            <a:ext cx="7708490" cy="1812567"/>
           </a:xfrm>
           <a:prstGeom prst="rect">
             <a:avLst/>
@@ -24557,13 +24628,13 @@
   <p:clrMapOvr>
     <a:masterClrMapping/>
   </p:clrMapOvr>
-  <mc:AlternateContent xmlns:mc="http://schemas.openxmlformats.org/markup-compatibility/2006">
-    <mc:Choice xmlns:p14="http://schemas.microsoft.com/office/powerpoint/2010/main" Requires="p14">
+  <mc:AlternateContent xmlns:mc="http://schemas.openxmlformats.org/markup-compatibility/2006" xmlns:p14="http://schemas.microsoft.com/office/powerpoint/2010/main">
+    <mc:Choice Requires="p14">
       <p:transition spd="slow" p14:dur="2000">
         <p14:prism isContent="1"/>
       </p:transition>
     </mc:Choice>
-    <mc:Fallback>
+    <mc:Fallback xmlns="">
       <p:transition spd="slow">
         <p:fade/>
       </p:transition>
@@ -25754,21 +25825,21 @@
           <a:p>
             <a:r>
               <a:rPr lang="en-US" sz="1400" dirty="0">
-                <a:latin typeface="Courier New" panose="02070309020205020404" pitchFamily="49" charset="0"/>
+                <a:latin typeface="Consolas" panose="020B0609020204030204" pitchFamily="49" charset="0"/>
                 <a:cs typeface="Courier New" panose="02070309020205020404" pitchFamily="49" charset="0"/>
               </a:rPr>
               <a:t>data(Butterfly, package="</a:t>
             </a:r>
             <a:r>
               <a:rPr lang="en-US" sz="1400" dirty="0" err="1">
-                <a:latin typeface="Courier New" panose="02070309020205020404" pitchFamily="49" charset="0"/>
+                <a:latin typeface="Consolas" panose="020B0609020204030204" pitchFamily="49" charset="0"/>
                 <a:cs typeface="Courier New" panose="02070309020205020404" pitchFamily="49" charset="0"/>
               </a:rPr>
               <a:t>vcd</a:t>
             </a:r>
             <a:r>
               <a:rPr lang="en-US" sz="1400" dirty="0">
-                <a:latin typeface="Courier New" panose="02070309020205020404" pitchFamily="49" charset="0"/>
+                <a:latin typeface="Consolas" panose="020B0609020204030204" pitchFamily="49" charset="0"/>
                 <a:cs typeface="Courier New" panose="02070309020205020404" pitchFamily="49" charset="0"/>
               </a:rPr>
               <a:t>")</a:t>
@@ -25777,14 +25848,14 @@
           <a:p>
             <a:r>
               <a:rPr lang="en-US" sz="1400" dirty="0" err="1">
-                <a:latin typeface="Courier New" panose="02070309020205020404" pitchFamily="49" charset="0"/>
+                <a:latin typeface="Consolas" panose="020B0609020204030204" pitchFamily="49" charset="0"/>
                 <a:cs typeface="Courier New" panose="02070309020205020404" pitchFamily="49" charset="0"/>
               </a:rPr>
               <a:t>barplot</a:t>
             </a:r>
             <a:r>
               <a:rPr lang="en-US" sz="1400" dirty="0">
-                <a:latin typeface="Courier New" panose="02070309020205020404" pitchFamily="49" charset="0"/>
+                <a:latin typeface="Consolas" panose="020B0609020204030204" pitchFamily="49" charset="0"/>
                 <a:cs typeface="Courier New" panose="02070309020205020404" pitchFamily="49" charset="0"/>
               </a:rPr>
               <a:t>(Butterfly,</a:t>
@@ -25793,21 +25864,21 @@
           <a:p>
             <a:r>
               <a:rPr lang="en-US" sz="1400" dirty="0">
-                <a:latin typeface="Courier New" panose="02070309020205020404" pitchFamily="49" charset="0"/>
+                <a:latin typeface="Consolas" panose="020B0609020204030204" pitchFamily="49" charset="0"/>
                 <a:cs typeface="Courier New" panose="02070309020205020404" pitchFamily="49" charset="0"/>
               </a:rPr>
               <a:t>        </a:t>
             </a:r>
             <a:r>
               <a:rPr lang="en-US" sz="1400" dirty="0" err="1">
-                <a:latin typeface="Courier New" panose="02070309020205020404" pitchFamily="49" charset="0"/>
+                <a:latin typeface="Consolas" panose="020B0609020204030204" pitchFamily="49" charset="0"/>
                 <a:cs typeface="Courier New" panose="02070309020205020404" pitchFamily="49" charset="0"/>
               </a:rPr>
               <a:t>xlab</a:t>
             </a:r>
             <a:r>
               <a:rPr lang="en-US" sz="1400" dirty="0">
-                <a:latin typeface="Courier New" panose="02070309020205020404" pitchFamily="49" charset="0"/>
+                <a:latin typeface="Consolas" panose="020B0609020204030204" pitchFamily="49" charset="0"/>
                 <a:cs typeface="Courier New" panose="02070309020205020404" pitchFamily="49" charset="0"/>
               </a:rPr>
               <a:t> = "Number of individuals",</a:t>
@@ -25816,21 +25887,21 @@
           <a:p>
             <a:r>
               <a:rPr lang="en-US" sz="1400" dirty="0">
-                <a:latin typeface="Courier New" panose="02070309020205020404" pitchFamily="49" charset="0"/>
+                <a:latin typeface="Consolas" panose="020B0609020204030204" pitchFamily="49" charset="0"/>
                 <a:cs typeface="Courier New" panose="02070309020205020404" pitchFamily="49" charset="0"/>
               </a:rPr>
               <a:t>        </a:t>
             </a:r>
             <a:r>
               <a:rPr lang="en-US" sz="1400" dirty="0" err="1">
-                <a:latin typeface="Courier New" panose="02070309020205020404" pitchFamily="49" charset="0"/>
+                <a:latin typeface="Consolas" panose="020B0609020204030204" pitchFamily="49" charset="0"/>
                 <a:cs typeface="Courier New" panose="02070309020205020404" pitchFamily="49" charset="0"/>
               </a:rPr>
               <a:t>ylab</a:t>
             </a:r>
             <a:r>
               <a:rPr lang="en-US" sz="1400" dirty="0">
-                <a:latin typeface="Courier New" panose="02070309020205020404" pitchFamily="49" charset="0"/>
+                <a:latin typeface="Consolas" panose="020B0609020204030204" pitchFamily="49" charset="0"/>
                 <a:cs typeface="Courier New" panose="02070309020205020404" pitchFamily="49" charset="0"/>
               </a:rPr>
               <a:t> = "Number of species",</a:t>
@@ -25839,7 +25910,7 @@
           <a:p>
             <a:r>
               <a:rPr lang="en-US" sz="1400" dirty="0">
-                <a:latin typeface="Courier New" panose="02070309020205020404" pitchFamily="49" charset="0"/>
+                <a:latin typeface="Consolas" panose="020B0609020204030204" pitchFamily="49" charset="0"/>
                 <a:cs typeface="Courier New" panose="02070309020205020404" pitchFamily="49" charset="0"/>
               </a:rPr>
               <a:t>        col = "pink",</a:t>
@@ -25848,21 +25919,21 @@
           <a:p>
             <a:r>
               <a:rPr lang="en-US" sz="1400" dirty="0">
-                <a:latin typeface="Courier New" panose="02070309020205020404" pitchFamily="49" charset="0"/>
+                <a:latin typeface="Consolas" panose="020B0609020204030204" pitchFamily="49" charset="0"/>
                 <a:cs typeface="Courier New" panose="02070309020205020404" pitchFamily="49" charset="0"/>
               </a:rPr>
               <a:t>        </a:t>
             </a:r>
             <a:r>
               <a:rPr lang="en-US" sz="1400" dirty="0" err="1">
-                <a:latin typeface="Courier New" panose="02070309020205020404" pitchFamily="49" charset="0"/>
+                <a:latin typeface="Consolas" panose="020B0609020204030204" pitchFamily="49" charset="0"/>
                 <a:cs typeface="Courier New" panose="02070309020205020404" pitchFamily="49" charset="0"/>
               </a:rPr>
               <a:t>cex.lab</a:t>
             </a:r>
             <a:r>
               <a:rPr lang="en-US" sz="1400" dirty="0">
-                <a:latin typeface="Courier New" panose="02070309020205020404" pitchFamily="49" charset="0"/>
+                <a:latin typeface="Consolas" panose="020B0609020204030204" pitchFamily="49" charset="0"/>
                 <a:cs typeface="Courier New" panose="02070309020205020404" pitchFamily="49" charset="0"/>
               </a:rPr>
               <a:t> = 1.5)</a:t>

--- a/lectures/02-Discrete.pptx
+++ b/lectures/02-Discrete.pptx
@@ -5,74 +5,77 @@
     <p:sldMasterId id="2147483660" r:id="rId1"/>
   </p:sldMasterIdLst>
   <p:handoutMasterIdLst>
-    <p:handoutMasterId r:id="rId46"/>
+    <p:handoutMasterId r:id="rId49"/>
   </p:handoutMasterIdLst>
   <p:sldIdLst>
     <p:sldId id="256" r:id="rId2"/>
     <p:sldId id="257" r:id="rId3"/>
     <p:sldId id="258" r:id="rId4"/>
-    <p:sldId id="259" r:id="rId5"/>
-    <p:sldId id="260" r:id="rId6"/>
-    <p:sldId id="261" r:id="rId7"/>
-    <p:sldId id="262" r:id="rId8"/>
-    <p:sldId id="263" r:id="rId9"/>
-    <p:sldId id="264" r:id="rId10"/>
-    <p:sldId id="265" r:id="rId11"/>
-    <p:sldId id="266" r:id="rId12"/>
-    <p:sldId id="267" r:id="rId13"/>
-    <p:sldId id="268" r:id="rId14"/>
-    <p:sldId id="269" r:id="rId15"/>
-    <p:sldId id="270" r:id="rId16"/>
-    <p:sldId id="271" r:id="rId17"/>
-    <p:sldId id="272" r:id="rId18"/>
-    <p:sldId id="273" r:id="rId19"/>
-    <p:sldId id="274" r:id="rId20"/>
-    <p:sldId id="275" r:id="rId21"/>
-    <p:sldId id="276" r:id="rId22"/>
-    <p:sldId id="299" r:id="rId23"/>
-    <p:sldId id="277" r:id="rId24"/>
-    <p:sldId id="278" r:id="rId25"/>
-    <p:sldId id="279" r:id="rId26"/>
-    <p:sldId id="280" r:id="rId27"/>
-    <p:sldId id="281" r:id="rId28"/>
-    <p:sldId id="282" r:id="rId29"/>
-    <p:sldId id="283" r:id="rId30"/>
-    <p:sldId id="284" r:id="rId31"/>
-    <p:sldId id="285" r:id="rId32"/>
-    <p:sldId id="286" r:id="rId33"/>
-    <p:sldId id="287" r:id="rId34"/>
-    <p:sldId id="288" r:id="rId35"/>
-    <p:sldId id="289" r:id="rId36"/>
-    <p:sldId id="290" r:id="rId37"/>
-    <p:sldId id="291" r:id="rId38"/>
-    <p:sldId id="292" r:id="rId39"/>
-    <p:sldId id="293" r:id="rId40"/>
-    <p:sldId id="294" r:id="rId41"/>
-    <p:sldId id="295" r:id="rId42"/>
-    <p:sldId id="296" r:id="rId43"/>
-    <p:sldId id="297" r:id="rId44"/>
-    <p:sldId id="298" r:id="rId45"/>
+    <p:sldId id="300" r:id="rId5"/>
+    <p:sldId id="259" r:id="rId6"/>
+    <p:sldId id="260" r:id="rId7"/>
+    <p:sldId id="261" r:id="rId8"/>
+    <p:sldId id="262" r:id="rId9"/>
+    <p:sldId id="263" r:id="rId10"/>
+    <p:sldId id="264" r:id="rId11"/>
+    <p:sldId id="265" r:id="rId12"/>
+    <p:sldId id="266" r:id="rId13"/>
+    <p:sldId id="301" r:id="rId14"/>
+    <p:sldId id="267" r:id="rId15"/>
+    <p:sldId id="268" r:id="rId16"/>
+    <p:sldId id="269" r:id="rId17"/>
+    <p:sldId id="302" r:id="rId18"/>
+    <p:sldId id="270" r:id="rId19"/>
+    <p:sldId id="271" r:id="rId20"/>
+    <p:sldId id="272" r:id="rId21"/>
+    <p:sldId id="273" r:id="rId22"/>
+    <p:sldId id="274" r:id="rId23"/>
+    <p:sldId id="275" r:id="rId24"/>
+    <p:sldId id="276" r:id="rId25"/>
+    <p:sldId id="299" r:id="rId26"/>
+    <p:sldId id="277" r:id="rId27"/>
+    <p:sldId id="278" r:id="rId28"/>
+    <p:sldId id="279" r:id="rId29"/>
+    <p:sldId id="280" r:id="rId30"/>
+    <p:sldId id="281" r:id="rId31"/>
+    <p:sldId id="282" r:id="rId32"/>
+    <p:sldId id="283" r:id="rId33"/>
+    <p:sldId id="284" r:id="rId34"/>
+    <p:sldId id="285" r:id="rId35"/>
+    <p:sldId id="286" r:id="rId36"/>
+    <p:sldId id="287" r:id="rId37"/>
+    <p:sldId id="288" r:id="rId38"/>
+    <p:sldId id="289" r:id="rId39"/>
+    <p:sldId id="290" r:id="rId40"/>
+    <p:sldId id="291" r:id="rId41"/>
+    <p:sldId id="292" r:id="rId42"/>
+    <p:sldId id="293" r:id="rId43"/>
+    <p:sldId id="294" r:id="rId44"/>
+    <p:sldId id="295" r:id="rId45"/>
+    <p:sldId id="296" r:id="rId46"/>
+    <p:sldId id="297" r:id="rId47"/>
+    <p:sldId id="298" r:id="rId48"/>
   </p:sldIdLst>
   <p:sldSz cx="9144000" cy="6858000" type="screen4x3"/>
   <p:notesSz cx="6858000" cy="9144000"/>
   <p:embeddedFontLst>
     <p:embeddedFont>
       <p:font typeface="Calibri" panose="020F0502020204030204" pitchFamily="34" charset="0"/>
-      <p:regular r:id="rId47"/>
-      <p:bold r:id="rId48"/>
-      <p:italic r:id="rId49"/>
-      <p:boldItalic r:id="rId50"/>
+      <p:regular r:id="rId50"/>
+      <p:bold r:id="rId51"/>
+      <p:italic r:id="rId52"/>
+      <p:boldItalic r:id="rId53"/>
     </p:embeddedFont>
     <p:embeddedFont>
       <p:font typeface="Cambria Math" panose="02040503050406030204" pitchFamily="18" charset="0"/>
-      <p:regular r:id="rId51"/>
+      <p:regular r:id="rId54"/>
     </p:embeddedFont>
     <p:embeddedFont>
       <p:font typeface="Consolas" panose="020B0609020204030204" pitchFamily="49" charset="0"/>
-      <p:regular r:id="rId52"/>
-      <p:bold r:id="rId53"/>
-      <p:italic r:id="rId54"/>
-      <p:boldItalic r:id="rId55"/>
+      <p:regular r:id="rId55"/>
+      <p:bold r:id="rId56"/>
+      <p:italic r:id="rId57"/>
+      <p:boldItalic r:id="rId58"/>
     </p:embeddedFont>
   </p:embeddedFontLst>
   <p:defaultTextStyle>
@@ -178,6 +181,7 @@
             <p14:sldId id="256"/>
             <p14:sldId id="257"/>
             <p14:sldId id="258"/>
+            <p14:sldId id="300"/>
             <p14:sldId id="259"/>
             <p14:sldId id="260"/>
             <p14:sldId id="261"/>
@@ -190,6 +194,7 @@
         </p14:section>
         <p14:section name="Binomial" id="{29A50A7B-EE13-4D95-AC2C-94ECD8BED150}">
           <p14:sldIdLst>
+            <p14:sldId id="301"/>
             <p14:sldId id="267"/>
             <p14:sldId id="268"/>
           </p14:sldIdLst>
@@ -197,6 +202,7 @@
         <p14:section name="Poisson" id="{496C5C5C-A823-45E1-8483-211DC81BBB75}">
           <p14:sldIdLst>
             <p14:sldId id="269"/>
+            <p14:sldId id="302"/>
             <p14:sldId id="270"/>
           </p14:sldIdLst>
         </p14:section>
@@ -365,7 +371,7 @@
           <a:p>
             <a:fld id="{08BD4FA9-F3CE-45B3-A980-C331C6F1EF65}" type="datetimeFigureOut">
               <a:rPr lang="en-US" smtClean="0"/>
-              <a:t>1/5/2023</a:t>
+              <a:t>1/12/2023</a:t>
             </a:fld>
             <a:endParaRPr lang="en-US"/>
           </a:p>
@@ -638,7 +644,7 @@
           <a:p>
             <a:fld id="{EAAD3657-2200-4D14-82C0-10C39B0F0F06}" type="datetime1">
               <a:rPr lang="en-US" smtClean="0"/>
-              <a:t>1/5/2023</a:t>
+              <a:t>1/12/2023</a:t>
             </a:fld>
             <a:endParaRPr lang="en-US"/>
           </a:p>
@@ -806,7 +812,7 @@
           <a:p>
             <a:fld id="{11BBAF55-A85E-4993-914E-FC1E5AA7DF24}" type="datetime1">
               <a:rPr lang="en-US" smtClean="0"/>
-              <a:t>1/5/2023</a:t>
+              <a:t>1/12/2023</a:t>
             </a:fld>
             <a:endParaRPr lang="en-US"/>
           </a:p>
@@ -984,7 +990,7 @@
           <a:p>
             <a:fld id="{39816E07-E1DB-44A4-A5E5-9F4B54E8C933}" type="datetime1">
               <a:rPr lang="en-US" smtClean="0"/>
-              <a:t>1/5/2023</a:t>
+              <a:t>1/12/2023</a:t>
             </a:fld>
             <a:endParaRPr lang="en-US"/>
           </a:p>
@@ -1169,7 +1175,7 @@
           <a:p>
             <a:fld id="{C2B1AD17-B813-4477-8AFE-B1860CC59113}" type="datetime1">
               <a:rPr lang="en-US" smtClean="0"/>
-              <a:t>1/5/2023</a:t>
+              <a:t>1/12/2023</a:t>
             </a:fld>
             <a:endParaRPr lang="en-US"/>
           </a:p>
@@ -1414,7 +1420,7 @@
           <a:p>
             <a:fld id="{D0975C0D-5C9E-48CC-8D31-F42D19FA8F7A}" type="datetime1">
               <a:rPr lang="en-US" smtClean="0"/>
-              <a:t>1/5/2023</a:t>
+              <a:t>1/12/2023</a:t>
             </a:fld>
             <a:endParaRPr lang="en-US"/>
           </a:p>
@@ -1699,7 +1705,7 @@
           <a:p>
             <a:fld id="{28657551-0F2B-4F09-86FD-F7994CE83DC5}" type="datetime1">
               <a:rPr lang="en-US" smtClean="0"/>
-              <a:t>1/5/2023</a:t>
+              <a:t>1/12/2023</a:t>
             </a:fld>
             <a:endParaRPr lang="en-US"/>
           </a:p>
@@ -2118,7 +2124,7 @@
           <a:p>
             <a:fld id="{3929D2B2-4200-46B9-96C3-02A55D5FAA00}" type="datetime1">
               <a:rPr lang="en-US" smtClean="0"/>
-              <a:t>1/5/2023</a:t>
+              <a:t>1/12/2023</a:t>
             </a:fld>
             <a:endParaRPr lang="en-US"/>
           </a:p>
@@ -2235,7 +2241,7 @@
           <a:p>
             <a:fld id="{41FF7722-74E8-497F-A072-89677A2C2373}" type="datetime1">
               <a:rPr lang="en-US" smtClean="0"/>
-              <a:t>1/5/2023</a:t>
+              <a:t>1/12/2023</a:t>
             </a:fld>
             <a:endParaRPr lang="en-US"/>
           </a:p>
@@ -2330,7 +2336,7 @@
           <a:p>
             <a:fld id="{BD26212E-B46B-426F-AE59-AA326827D9E0}" type="datetime1">
               <a:rPr lang="en-US" smtClean="0"/>
-              <a:t>1/5/2023</a:t>
+              <a:t>1/12/2023</a:t>
             </a:fld>
             <a:endParaRPr lang="en-US"/>
           </a:p>
@@ -2605,7 +2611,7 @@
           <a:p>
             <a:fld id="{FB9B81E8-09EA-4684-A39F-38DE1E49D20C}" type="datetime1">
               <a:rPr lang="en-US" smtClean="0"/>
-              <a:t>1/5/2023</a:t>
+              <a:t>1/12/2023</a:t>
             </a:fld>
             <a:endParaRPr lang="en-US"/>
           </a:p>
@@ -2857,7 +2863,7 @@
           <a:p>
             <a:fld id="{35C5CC5F-056C-4047-9A5C-9F5B4BED129B}" type="datetime1">
               <a:rPr lang="en-US" smtClean="0"/>
-              <a:t>1/5/2023</a:t>
+              <a:t>1/12/2023</a:t>
             </a:fld>
             <a:endParaRPr lang="en-US"/>
           </a:p>
@@ -3071,7 +3077,7 @@
           <a:p>
             <a:fld id="{E8171053-07BD-4A17-AC24-0A22EAA36098}" type="datetime1">
               <a:rPr lang="en-US" smtClean="0"/>
-              <a:t>1/5/2023</a:t>
+              <a:t>1/12/2023</a:t>
             </a:fld>
             <a:endParaRPr lang="en-US"/>
           </a:p>
@@ -3702,6 +3708,155 @@
           <p:cNvPr id="2" name="Title 1">
             <a:extLst>
               <a:ext uri="{FF2B5EF4-FFF2-40B4-BE49-F238E27FC236}">
+                <a16:creationId xmlns:a16="http://schemas.microsoft.com/office/drawing/2014/main" id="{25AE5DC2-14E0-4093-ABEE-58D6F799C233}"/>
+              </a:ext>
+            </a:extLst>
+          </p:cNvPr>
+          <p:cNvSpPr>
+            <a:spLocks noGrp="1"/>
+          </p:cNvSpPr>
+          <p:nvPr>
+            <p:ph type="title"/>
+          </p:nvPr>
+        </p:nvSpPr>
+        <p:spPr/>
+        <p:txBody>
+          <a:bodyPr>
+            <a:normAutofit fontScale="90000"/>
+          </a:bodyPr>
+          <a:lstStyle/>
+          <a:p>
+            <a:r>
+              <a:rPr lang="en-US" dirty="0"/>
+              <a:t>Fitting discrete distributions</a:t>
+            </a:r>
+          </a:p>
+        </p:txBody>
+      </p:sp>
+      <p:sp>
+        <p:nvSpPr>
+          <p:cNvPr id="4" name="Slide Number Placeholder 3">
+            <a:extLst>
+              <a:ext uri="{FF2B5EF4-FFF2-40B4-BE49-F238E27FC236}">
+                <a16:creationId xmlns:a16="http://schemas.microsoft.com/office/drawing/2014/main" id="{AE926208-103D-4F6A-A274-049F8FC24246}"/>
+              </a:ext>
+            </a:extLst>
+          </p:cNvPr>
+          <p:cNvSpPr>
+            <a:spLocks noGrp="1"/>
+          </p:cNvSpPr>
+          <p:nvPr>
+            <p:ph type="sldNum" sz="quarter" idx="12"/>
+          </p:nvPr>
+        </p:nvSpPr>
+        <p:spPr/>
+        <p:txBody>
+          <a:bodyPr/>
+          <a:lstStyle/>
+          <a:p>
+            <a:fld id="{621225AB-15B9-4C79-A121-04D1DC7E2307}" type="slidenum">
+              <a:rPr lang="en-US" smtClean="0"/>
+              <a:t>10</a:t>
+            </a:fld>
+            <a:endParaRPr lang="en-US"/>
+          </a:p>
+        </p:txBody>
+      </p:sp>
+      <p:pic>
+        <p:nvPicPr>
+          <p:cNvPr id="5" name="Picture 4">
+            <a:extLst>
+              <a:ext uri="{FF2B5EF4-FFF2-40B4-BE49-F238E27FC236}">
+                <a16:creationId xmlns:a16="http://schemas.microsoft.com/office/drawing/2014/main" id="{A5EAC6D5-40CD-4558-BD67-22034648EFE8}"/>
+              </a:ext>
+            </a:extLst>
+          </p:cNvPr>
+          <p:cNvPicPr>
+            <a:picLocks noChangeAspect="1"/>
+          </p:cNvPicPr>
+          <p:nvPr/>
+        </p:nvPicPr>
+        <p:blipFill>
+          <a:blip r:embed="rId2"/>
+          <a:stretch>
+            <a:fillRect/>
+          </a:stretch>
+        </p:blipFill>
+        <p:spPr>
+          <a:xfrm>
+            <a:off x="457200" y="1219200"/>
+            <a:ext cx="8171428" cy="1809524"/>
+          </a:xfrm>
+          <a:prstGeom prst="rect">
+            <a:avLst/>
+          </a:prstGeom>
+        </p:spPr>
+      </p:pic>
+      <p:pic>
+        <p:nvPicPr>
+          <p:cNvPr id="6" name="Picture 5">
+            <a:extLst>
+              <a:ext uri="{FF2B5EF4-FFF2-40B4-BE49-F238E27FC236}">
+                <a16:creationId xmlns:a16="http://schemas.microsoft.com/office/drawing/2014/main" id="{DE436F5F-9939-4FE1-B137-DA870717BAE9}"/>
+              </a:ext>
+            </a:extLst>
+          </p:cNvPr>
+          <p:cNvPicPr>
+            <a:picLocks noChangeAspect="1"/>
+          </p:cNvPicPr>
+          <p:nvPr/>
+        </p:nvPicPr>
+        <p:blipFill>
+          <a:blip r:embed="rId3"/>
+          <a:stretch>
+            <a:fillRect/>
+          </a:stretch>
+        </p:blipFill>
+        <p:spPr>
+          <a:xfrm>
+            <a:off x="469490" y="3754442"/>
+            <a:ext cx="8190476" cy="1876190"/>
+          </a:xfrm>
+          <a:prstGeom prst="rect">
+            <a:avLst/>
+          </a:prstGeom>
+        </p:spPr>
+      </p:pic>
+    </p:spTree>
+    <p:extLst>
+      <p:ext uri="{BB962C8B-B14F-4D97-AF65-F5344CB8AC3E}">
+        <p14:creationId xmlns:p14="http://schemas.microsoft.com/office/powerpoint/2010/main" val="1874385390"/>
+      </p:ext>
+    </p:extLst>
+  </p:cSld>
+  <p:clrMapOvr>
+    <a:masterClrMapping/>
+  </p:clrMapOvr>
+</p:sld>
+</file>
+
+<file path=ppt/slides/slide11.xml><?xml version="1.0" encoding="utf-8"?>
+<p:sld xmlns:a="http://schemas.openxmlformats.org/drawingml/2006/main" xmlns:r="http://schemas.openxmlformats.org/officeDocument/2006/relationships" xmlns:p="http://schemas.openxmlformats.org/presentationml/2006/main">
+  <p:cSld>
+    <p:spTree>
+      <p:nvGrpSpPr>
+        <p:cNvPr id="1" name=""/>
+        <p:cNvGrpSpPr/>
+        <p:nvPr/>
+      </p:nvGrpSpPr>
+      <p:grpSpPr>
+        <a:xfrm>
+          <a:off x="0" y="0"/>
+          <a:ext cx="0" cy="0"/>
+          <a:chOff x="0" y="0"/>
+          <a:chExt cx="0" cy="0"/>
+        </a:xfrm>
+      </p:grpSpPr>
+      <p:sp>
+        <p:nvSpPr>
+          <p:cNvPr id="2" name="Title 1">
+            <a:extLst>
+              <a:ext uri="{FF2B5EF4-FFF2-40B4-BE49-F238E27FC236}">
                 <a16:creationId xmlns:a16="http://schemas.microsoft.com/office/drawing/2014/main" id="{C81E5F6B-9CC1-42EF-B293-24ED5445AF6D}"/>
               </a:ext>
             </a:extLst>
@@ -3841,7 +3996,7 @@
           <a:p>
             <a:fld id="{621225AB-15B9-4C79-A121-04D1DC7E2307}" type="slidenum">
               <a:rPr lang="en-US" smtClean="0"/>
-              <a:t>10</a:t>
+              <a:t>11</a:t>
             </a:fld>
             <a:endParaRPr lang="en-US"/>
           </a:p>
@@ -3890,7 +4045,7 @@
 </p:sld>
 </file>
 
-<file path=ppt/slides/slide11.xml><?xml version="1.0" encoding="utf-8"?>
+<file path=ppt/slides/slide12.xml><?xml version="1.0" encoding="utf-8"?>
 <p:sld xmlns:a="http://schemas.openxmlformats.org/drawingml/2006/main" xmlns:r="http://schemas.openxmlformats.org/officeDocument/2006/relationships" xmlns:p="http://schemas.openxmlformats.org/presentationml/2006/main">
   <p:cSld>
     <p:spTree>
@@ -3970,7 +4125,7 @@
                 </a:pPr>
                 <a:r>
                   <a:rPr lang="en-US" dirty="0"/>
-                  <a:t>R functions: {d, p, q, r}</a:t>
+                  <a:t>R functions: {d__, p__, q__, r__}</a:t>
                 </a:r>
               </a:p>
               <a:p>
@@ -3983,7 +4138,27 @@
                 </a:r>
                 <a:r>
                   <a:rPr lang="en-US" sz="1800" dirty="0"/>
-                  <a:t>    density function, </a:t>
+                  <a:t>    </a:t>
+                </a:r>
+                <a:r>
+                  <a:rPr lang="en-US" sz="1800" b="1" dirty="0">
+                    <a:solidFill>
+                      <a:srgbClr val="0070C0"/>
+                    </a:solidFill>
+                  </a:rPr>
+                  <a:t>d</a:t>
+                </a:r>
+                <a:r>
+                  <a:rPr lang="en-US" sz="1800" dirty="0">
+                    <a:solidFill>
+                      <a:srgbClr val="0070C0"/>
+                    </a:solidFill>
+                  </a:rPr>
+                  <a:t>ensity</a:t>
+                </a:r>
+                <a:r>
+                  <a:rPr lang="en-US" sz="1800" dirty="0"/>
+                  <a:t> function, </a:t>
                 </a:r>
                 <a:r>
                   <a:rPr lang="en-US" sz="1800" dirty="0" err="1"/>
@@ -4004,7 +4179,27 @@
                 </a:r>
                 <a:r>
                   <a:rPr lang="en-US" sz="1800" dirty="0"/>
-                  <a:t>    cumulative probability, F(k) = </a:t>
+                  <a:t>    </a:t>
+                </a:r>
+                <a:r>
+                  <a:rPr lang="en-US" sz="1800" dirty="0">
+                    <a:solidFill>
+                      <a:srgbClr val="0070C0"/>
+                    </a:solidFill>
+                  </a:rPr>
+                  <a:t>cumulative</a:t>
+                </a:r>
+                <a:r>
+                  <a:rPr lang="en-US" sz="1800" dirty="0"/>
+                  <a:t> </a:t>
+                </a:r>
+                <a:r>
+                  <a:rPr lang="en-US" sz="1800" b="1" dirty="0"/>
+                  <a:t>p</a:t>
+                </a:r>
+                <a:r>
+                  <a:rPr lang="en-US" sz="1800" dirty="0"/>
+                  <a:t>robability, F(k) = </a:t>
                 </a:r>
                 <a14:m>
                   <m:oMath xmlns:m="http://schemas.openxmlformats.org/officeDocument/2006/math">
@@ -4085,7 +4280,27 @@
                 </a:r>
                 <a:r>
                   <a:rPr lang="en-US" sz="1800" dirty="0"/>
-                  <a:t>    quantile function, find k = F</a:t>
+                  <a:t>    </a:t>
+                </a:r>
+                <a:r>
+                  <a:rPr lang="en-US" sz="1800" b="1" dirty="0">
+                    <a:solidFill>
+                      <a:srgbClr val="0070C0"/>
+                    </a:solidFill>
+                  </a:rPr>
+                  <a:t>q</a:t>
+                </a:r>
+                <a:r>
+                  <a:rPr lang="en-US" sz="1800" dirty="0">
+                    <a:solidFill>
+                      <a:srgbClr val="0070C0"/>
+                    </a:solidFill>
+                  </a:rPr>
+                  <a:t>uantile</a:t>
+                </a:r>
+                <a:r>
+                  <a:rPr lang="en-US" sz="1800" dirty="0"/>
+                  <a:t> function, find k = F</a:t>
                 </a:r>
                 <a:r>
                   <a:rPr lang="en-US" sz="1800" baseline="30000" dirty="0"/>
@@ -4142,7 +4357,27 @@
                 </a:r>
                 <a:r>
                   <a:rPr lang="en-US" sz="1800" dirty="0"/>
-                  <a:t>    random number generator</a:t>
+                  <a:t>    </a:t>
+                </a:r>
+                <a:r>
+                  <a:rPr lang="en-US" sz="1800" b="1" dirty="0">
+                    <a:solidFill>
+                      <a:srgbClr val="0070C0"/>
+                    </a:solidFill>
+                  </a:rPr>
+                  <a:t>r</a:t>
+                </a:r>
+                <a:r>
+                  <a:rPr lang="en-US" sz="1800" dirty="0">
+                    <a:solidFill>
+                      <a:srgbClr val="0070C0"/>
+                    </a:solidFill>
+                  </a:rPr>
+                  <a:t>andom</a:t>
+                </a:r>
+                <a:r>
+                  <a:rPr lang="en-US" sz="1800" dirty="0"/>
+                  <a:t> number generator</a:t>
                 </a:r>
               </a:p>
             </p:txBody>
@@ -4182,7 +4417,7 @@
               <a:lstStyle/>
               <a:p>
                 <a:r>
-                  <a:rPr lang="en-US">
+                  <a:rPr lang="en-CA">
                     <a:noFill/>
                   </a:rPr>
                   <a:t> </a:t>
@@ -4215,7 +4450,7 @@
           <a:p>
             <a:fld id="{621225AB-15B9-4C79-A121-04D1DC7E2307}" type="slidenum">
               <a:rPr lang="en-US" smtClean="0"/>
-              <a:t>11</a:t>
+              <a:t>12</a:t>
             </a:fld>
             <a:endParaRPr lang="en-US"/>
           </a:p>
@@ -4270,7 +4505,338 @@
 </p:sld>
 </file>
 
-<file path=ppt/slides/slide12.xml><?xml version="1.0" encoding="utf-8"?>
+<file path=ppt/slides/slide13.xml><?xml version="1.0" encoding="utf-8"?>
+<p:sld xmlns:a="http://schemas.openxmlformats.org/drawingml/2006/main" xmlns:r="http://schemas.openxmlformats.org/officeDocument/2006/relationships" xmlns:p="http://schemas.openxmlformats.org/presentationml/2006/main">
+  <p:cSld>
+    <p:spTree>
+      <p:nvGrpSpPr>
+        <p:cNvPr id="1" name=""/>
+        <p:cNvGrpSpPr/>
+        <p:nvPr/>
+      </p:nvGrpSpPr>
+      <p:grpSpPr>
+        <a:xfrm>
+          <a:off x="0" y="0"/>
+          <a:ext cx="0" cy="0"/>
+          <a:chOff x="0" y="0"/>
+          <a:chExt cx="0" cy="0"/>
+        </a:xfrm>
+      </p:grpSpPr>
+      <p:sp>
+        <p:nvSpPr>
+          <p:cNvPr id="2" name="Title 1">
+            <a:extLst>
+              <a:ext uri="{FF2B5EF4-FFF2-40B4-BE49-F238E27FC236}">
+                <a16:creationId xmlns:a16="http://schemas.microsoft.com/office/drawing/2014/main" id="{C6845EDA-B45A-AC68-B9AE-ACE99309B78A}"/>
+              </a:ext>
+            </a:extLst>
+          </p:cNvPr>
+          <p:cNvSpPr>
+            <a:spLocks noGrp="1"/>
+          </p:cNvSpPr>
+          <p:nvPr>
+            <p:ph type="title"/>
+          </p:nvPr>
+        </p:nvSpPr>
+        <p:spPr/>
+        <p:txBody>
+          <a:bodyPr>
+            <a:normAutofit fontScale="90000"/>
+          </a:bodyPr>
+          <a:lstStyle/>
+          <a:p>
+            <a:r>
+              <a:rPr lang="en-CA" dirty="0"/>
+              <a:t>What is “binomial”</a:t>
+            </a:r>
+          </a:p>
+        </p:txBody>
+      </p:sp>
+      <p:sp>
+        <p:nvSpPr>
+          <p:cNvPr id="3" name="Content Placeholder 2">
+            <a:extLst>
+              <a:ext uri="{FF2B5EF4-FFF2-40B4-BE49-F238E27FC236}">
+                <a16:creationId xmlns:a16="http://schemas.microsoft.com/office/drawing/2014/main" id="{A1275777-D3C4-BD67-81BE-1C029263D49A}"/>
+              </a:ext>
+            </a:extLst>
+          </p:cNvPr>
+          <p:cNvSpPr>
+            <a:spLocks noGrp="1"/>
+          </p:cNvSpPr>
+          <p:nvPr>
+            <p:ph idx="1"/>
+          </p:nvPr>
+        </p:nvSpPr>
+        <p:spPr>
+          <a:xfrm>
+            <a:off x="457200" y="1143000"/>
+            <a:ext cx="8229600" cy="1981200"/>
+          </a:xfrm>
+        </p:spPr>
+        <p:txBody>
+          <a:bodyPr/>
+          <a:lstStyle/>
+          <a:p>
+            <a:pPr marL="0" indent="0">
+              <a:buNone/>
+            </a:pPr>
+            <a:r>
+              <a:rPr lang="en-CA" dirty="0"/>
+              <a:t>Bi-no-mi-al /</a:t>
+            </a:r>
+            <a:r>
+              <a:rPr lang="en-CA" dirty="0" err="1"/>
+              <a:t>bīˈnōmēəl</a:t>
+            </a:r>
+            <a:r>
+              <a:rPr lang="en-CA" dirty="0"/>
+              <a:t>/</a:t>
+            </a:r>
+          </a:p>
+          <a:p>
+            <a:r>
+              <a:rPr lang="en-CA" sz="2000" b="1" dirty="0"/>
+              <a:t>Taxonomy</a:t>
+            </a:r>
+            <a:r>
+              <a:rPr lang="en-CA" sz="2000" dirty="0"/>
+              <a:t>: A </a:t>
+            </a:r>
+            <a:r>
+              <a:rPr lang="en-CA" sz="2000" dirty="0">
+                <a:solidFill>
+                  <a:srgbClr val="0070C0"/>
+                </a:solidFill>
+              </a:rPr>
+              <a:t>two-part name</a:t>
+            </a:r>
+            <a:r>
+              <a:rPr lang="en-CA" sz="2000" dirty="0"/>
+              <a:t>, (genus, species) e.g.,  </a:t>
+            </a:r>
+            <a:r>
+              <a:rPr lang="en-CA" sz="2000" i="1" dirty="0"/>
+              <a:t>Elephas maximus </a:t>
+            </a:r>
+            <a:r>
+              <a:rPr lang="en-CA" sz="2000" dirty="0"/>
+              <a:t>for the Asian elephant</a:t>
+            </a:r>
+          </a:p>
+          <a:p>
+            <a:r>
+              <a:rPr lang="en-CA" sz="2000" b="1" dirty="0"/>
+              <a:t>Mathematics</a:t>
+            </a:r>
+            <a:r>
+              <a:rPr lang="en-CA" sz="2000" dirty="0"/>
+              <a:t>: An algebraic expression of a sum of </a:t>
+            </a:r>
+            <a:r>
+              <a:rPr lang="en-CA" sz="2000" dirty="0">
+                <a:solidFill>
+                  <a:srgbClr val="0070C0"/>
+                </a:solidFill>
+              </a:rPr>
+              <a:t>two terms</a:t>
+            </a:r>
+            <a:r>
+              <a:rPr lang="en-CA" sz="2000" dirty="0"/>
+              <a:t>, (x + y) or expansion, (x + y)</a:t>
+            </a:r>
+            <a:r>
+              <a:rPr lang="en-CA" sz="2000" baseline="30000" dirty="0"/>
+              <a:t>n</a:t>
+            </a:r>
+          </a:p>
+          <a:p>
+            <a:endParaRPr lang="en-CA" dirty="0"/>
+          </a:p>
+        </p:txBody>
+      </p:sp>
+      <p:sp>
+        <p:nvSpPr>
+          <p:cNvPr id="4" name="Slide Number Placeholder 3">
+            <a:extLst>
+              <a:ext uri="{FF2B5EF4-FFF2-40B4-BE49-F238E27FC236}">
+                <a16:creationId xmlns:a16="http://schemas.microsoft.com/office/drawing/2014/main" id="{A2DB8CA3-A4A3-C5CE-E08A-5E05970D7062}"/>
+              </a:ext>
+            </a:extLst>
+          </p:cNvPr>
+          <p:cNvSpPr>
+            <a:spLocks noGrp="1"/>
+          </p:cNvSpPr>
+          <p:nvPr>
+            <p:ph type="sldNum" sz="quarter" idx="12"/>
+          </p:nvPr>
+        </p:nvSpPr>
+        <p:spPr/>
+        <p:txBody>
+          <a:bodyPr/>
+          <a:lstStyle/>
+          <a:p>
+            <a:fld id="{621225AB-15B9-4C79-A121-04D1DC7E2307}" type="slidenum">
+              <a:rPr lang="en-US" smtClean="0"/>
+              <a:t>13</a:t>
+            </a:fld>
+            <a:endParaRPr lang="en-US"/>
+          </a:p>
+        </p:txBody>
+      </p:sp>
+      <p:pic>
+        <p:nvPicPr>
+          <p:cNvPr id="6" name="Picture 5" descr="A picture containing text&#10;&#10;Description automatically generated">
+            <a:extLst>
+              <a:ext uri="{FF2B5EF4-FFF2-40B4-BE49-F238E27FC236}">
+                <a16:creationId xmlns:a16="http://schemas.microsoft.com/office/drawing/2014/main" id="{4EBD017C-BC94-48BD-7D32-E845109CCED5}"/>
+              </a:ext>
+            </a:extLst>
+          </p:cNvPr>
+          <p:cNvPicPr>
+            <a:picLocks noChangeAspect="1"/>
+          </p:cNvPicPr>
+          <p:nvPr/>
+        </p:nvPicPr>
+        <p:blipFill>
+          <a:blip r:embed="rId2">
+            <a:extLst>
+              <a:ext uri="{28A0092B-C50C-407E-A947-70E740481C1C}">
+                <a14:useLocalDpi xmlns:a14="http://schemas.microsoft.com/office/drawing/2010/main" val="0"/>
+              </a:ext>
+            </a:extLst>
+          </a:blip>
+          <a:stretch>
+            <a:fillRect/>
+          </a:stretch>
+        </p:blipFill>
+        <p:spPr>
+          <a:xfrm>
+            <a:off x="914400" y="3429000"/>
+            <a:ext cx="4414208" cy="2270567"/>
+          </a:xfrm>
+          <a:prstGeom prst="rect">
+            <a:avLst/>
+          </a:prstGeom>
+        </p:spPr>
+      </p:pic>
+      <p:sp>
+        <p:nvSpPr>
+          <p:cNvPr id="7" name="TextBox 6">
+            <a:extLst>
+              <a:ext uri="{FF2B5EF4-FFF2-40B4-BE49-F238E27FC236}">
+                <a16:creationId xmlns:a16="http://schemas.microsoft.com/office/drawing/2014/main" id="{38DF1C69-393E-996A-B2C0-ABE759B2BC5C}"/>
+              </a:ext>
+            </a:extLst>
+          </p:cNvPr>
+          <p:cNvSpPr txBox="1"/>
+          <p:nvPr/>
+        </p:nvSpPr>
+        <p:spPr>
+          <a:xfrm>
+            <a:off x="5486400" y="3429000"/>
+            <a:ext cx="3200400" cy="461665"/>
+          </a:xfrm>
+          <a:prstGeom prst="rect">
+            <a:avLst/>
+          </a:prstGeom>
+          <a:noFill/>
+        </p:spPr>
+        <p:txBody>
+          <a:bodyPr wrap="square" rtlCol="0">
+            <a:spAutoFit/>
+          </a:bodyPr>
+          <a:lstStyle/>
+          <a:p>
+            <a:r>
+              <a:rPr lang="en-CA" sz="2400" dirty="0"/>
+              <a:t>Coefficients of terms</a:t>
+            </a:r>
+          </a:p>
+        </p:txBody>
+      </p:sp>
+      <p:sp>
+        <p:nvSpPr>
+          <p:cNvPr id="5" name="TextBox 4">
+            <a:extLst>
+              <a:ext uri="{FF2B5EF4-FFF2-40B4-BE49-F238E27FC236}">
+                <a16:creationId xmlns:a16="http://schemas.microsoft.com/office/drawing/2014/main" id="{F33F5B21-D348-6FB8-822A-78324557B3EE}"/>
+              </a:ext>
+            </a:extLst>
+          </p:cNvPr>
+          <p:cNvSpPr txBox="1"/>
+          <p:nvPr/>
+        </p:nvSpPr>
+        <p:spPr>
+          <a:xfrm>
+            <a:off x="4114800" y="2971800"/>
+            <a:ext cx="65" cy="276999"/>
+          </a:xfrm>
+          <a:prstGeom prst="rect">
+            <a:avLst/>
+          </a:prstGeom>
+          <a:noFill/>
+        </p:spPr>
+        <p:txBody>
+          <a:bodyPr wrap="none" lIns="0" tIns="0" rIns="0" bIns="0" rtlCol="0">
+            <a:spAutoFit/>
+          </a:bodyPr>
+          <a:lstStyle/>
+          <a:p>
+            <a:endParaRPr lang="en-CA" dirty="0"/>
+          </a:p>
+        </p:txBody>
+      </p:sp>
+      <p:pic>
+        <p:nvPicPr>
+          <p:cNvPr id="9" name="Picture 8" descr="Shape&#10;&#10;Description automatically generated with medium confidence">
+            <a:extLst>
+              <a:ext uri="{FF2B5EF4-FFF2-40B4-BE49-F238E27FC236}">
+                <a16:creationId xmlns:a16="http://schemas.microsoft.com/office/drawing/2014/main" id="{A2FBE6A5-CEDB-DC5F-F330-225C06C8D3C3}"/>
+              </a:ext>
+            </a:extLst>
+          </p:cNvPr>
+          <p:cNvPicPr>
+            <a:picLocks noChangeAspect="1"/>
+          </p:cNvPicPr>
+          <p:nvPr/>
+        </p:nvPicPr>
+        <p:blipFill>
+          <a:blip r:embed="rId3">
+            <a:extLst>
+              <a:ext uri="{28A0092B-C50C-407E-A947-70E740481C1C}">
+                <a14:useLocalDpi xmlns:a14="http://schemas.microsoft.com/office/drawing/2010/main" val="0"/>
+              </a:ext>
+            </a:extLst>
+          </a:blip>
+          <a:stretch>
+            <a:fillRect/>
+          </a:stretch>
+        </p:blipFill>
+        <p:spPr>
+          <a:xfrm>
+            <a:off x="5638800" y="4153200"/>
+            <a:ext cx="2714496" cy="657012"/>
+          </a:xfrm>
+          <a:prstGeom prst="rect">
+            <a:avLst/>
+          </a:prstGeom>
+        </p:spPr>
+      </p:pic>
+    </p:spTree>
+    <p:extLst>
+      <p:ext uri="{BB962C8B-B14F-4D97-AF65-F5344CB8AC3E}">
+        <p14:creationId xmlns:p14="http://schemas.microsoft.com/office/powerpoint/2010/main" val="3838850856"/>
+      </p:ext>
+    </p:extLst>
+  </p:cSld>
+  <p:clrMapOvr>
+    <a:masterClrMapping/>
+  </p:clrMapOvr>
+</p:sld>
+</file>
+
+<file path=ppt/slides/slide14.xml><?xml version="1.0" encoding="utf-8"?>
 <p:sld xmlns:a="http://schemas.openxmlformats.org/drawingml/2006/main" xmlns:r="http://schemas.openxmlformats.org/officeDocument/2006/relationships" xmlns:p="http://schemas.openxmlformats.org/presentationml/2006/main">
   <p:cSld>
     <p:spTree>
@@ -4678,7 +5244,7 @@
           <a:p>
             <a:fld id="{621225AB-15B9-4C79-A121-04D1DC7E2307}" type="slidenum">
               <a:rPr lang="en-US" smtClean="0"/>
-              <a:t>12</a:t>
+              <a:t>14</a:t>
             </a:fld>
             <a:endParaRPr lang="en-US"/>
           </a:p>
@@ -4996,7 +5562,7 @@
 </p:sld>
 </file>
 
-<file path=ppt/slides/slide13.xml><?xml version="1.0" encoding="utf-8"?>
+<file path=ppt/slides/slide15.xml><?xml version="1.0" encoding="utf-8"?>
 <p:sld xmlns:a="http://schemas.openxmlformats.org/drawingml/2006/main" xmlns:r="http://schemas.openxmlformats.org/officeDocument/2006/relationships" xmlns:p="http://schemas.openxmlformats.org/presentationml/2006/main">
   <p:cSld>
     <p:spTree>
@@ -5066,7 +5632,7 @@
           <a:p>
             <a:fld id="{621225AB-15B9-4C79-A121-04D1DC7E2307}" type="slidenum">
               <a:rPr lang="en-US" smtClean="0"/>
-              <a:t>13</a:t>
+              <a:t>15</a:t>
             </a:fld>
             <a:endParaRPr lang="en-US"/>
           </a:p>
@@ -5250,7 +5816,7 @@
 </p:sld>
 </file>
 
-<file path=ppt/slides/slide14.xml><?xml version="1.0" encoding="utf-8"?>
+<file path=ppt/slides/slide16.xml><?xml version="1.0" encoding="utf-8"?>
 <p:sld xmlns:a="http://schemas.openxmlformats.org/drawingml/2006/main" xmlns:r="http://schemas.openxmlformats.org/officeDocument/2006/relationships" xmlns:p="http://schemas.openxmlformats.org/presentationml/2006/main">
   <p:cSld>
     <p:spTree>
@@ -5320,7 +5886,7 @@
           <a:p>
             <a:fld id="{621225AB-15B9-4C79-A121-04D1DC7E2307}" type="slidenum">
               <a:rPr lang="en-US" smtClean="0"/>
-              <a:t>14</a:t>
+              <a:t>16</a:t>
             </a:fld>
             <a:endParaRPr lang="en-US"/>
           </a:p>
@@ -5369,7 +5935,174 @@
 </p:sld>
 </file>
 
-<file path=ppt/slides/slide15.xml><?xml version="1.0" encoding="utf-8"?>
+<file path=ppt/slides/slide17.xml><?xml version="1.0" encoding="utf-8"?>
+<p:sld xmlns:a="http://schemas.openxmlformats.org/drawingml/2006/main" xmlns:r="http://schemas.openxmlformats.org/officeDocument/2006/relationships" xmlns:p="http://schemas.openxmlformats.org/presentationml/2006/main">
+  <p:cSld>
+    <p:spTree>
+      <p:nvGrpSpPr>
+        <p:cNvPr id="1" name=""/>
+        <p:cNvGrpSpPr/>
+        <p:nvPr/>
+      </p:nvGrpSpPr>
+      <p:grpSpPr>
+        <a:xfrm>
+          <a:off x="0" y="0"/>
+          <a:ext cx="0" cy="0"/>
+          <a:chOff x="0" y="0"/>
+          <a:chExt cx="0" cy="0"/>
+        </a:xfrm>
+      </p:grpSpPr>
+      <p:sp>
+        <p:nvSpPr>
+          <p:cNvPr id="2" name="Title 1">
+            <a:extLst>
+              <a:ext uri="{FF2B5EF4-FFF2-40B4-BE49-F238E27FC236}">
+                <a16:creationId xmlns:a16="http://schemas.microsoft.com/office/drawing/2014/main" id="{39AD7819-093C-AFCA-4E91-B5C0AC38F401}"/>
+              </a:ext>
+            </a:extLst>
+          </p:cNvPr>
+          <p:cNvSpPr>
+            <a:spLocks noGrp="1"/>
+          </p:cNvSpPr>
+          <p:nvPr>
+            <p:ph type="title"/>
+          </p:nvPr>
+        </p:nvSpPr>
+        <p:spPr/>
+        <p:txBody>
+          <a:bodyPr>
+            <a:normAutofit fontScale="90000"/>
+          </a:bodyPr>
+          <a:lstStyle/>
+          <a:p>
+            <a:r>
+              <a:rPr lang="en-CA" dirty="0"/>
+              <a:t>Poisson distribution</a:t>
+            </a:r>
+          </a:p>
+        </p:txBody>
+      </p:sp>
+      <p:sp>
+        <p:nvSpPr>
+          <p:cNvPr id="3" name="Slide Number Placeholder 2">
+            <a:extLst>
+              <a:ext uri="{FF2B5EF4-FFF2-40B4-BE49-F238E27FC236}">
+                <a16:creationId xmlns:a16="http://schemas.microsoft.com/office/drawing/2014/main" id="{0BEF08AD-9906-DFF7-C7B7-EF96E5D8AA1A}"/>
+              </a:ext>
+            </a:extLst>
+          </p:cNvPr>
+          <p:cNvSpPr>
+            <a:spLocks noGrp="1"/>
+          </p:cNvSpPr>
+          <p:nvPr>
+            <p:ph type="sldNum" sz="quarter" idx="12"/>
+          </p:nvPr>
+        </p:nvSpPr>
+        <p:spPr/>
+        <p:txBody>
+          <a:bodyPr/>
+          <a:lstStyle/>
+          <a:p>
+            <a:fld id="{621225AB-15B9-4C79-A121-04D1DC7E2307}" type="slidenum">
+              <a:rPr lang="en-US" smtClean="0"/>
+              <a:t>17</a:t>
+            </a:fld>
+            <a:endParaRPr lang="en-US"/>
+          </a:p>
+        </p:txBody>
+      </p:sp>
+      <p:pic>
+        <p:nvPicPr>
+          <p:cNvPr id="5" name="Picture 4" descr="Chart, line chart&#10;&#10;Description automatically generated">
+            <a:extLst>
+              <a:ext uri="{FF2B5EF4-FFF2-40B4-BE49-F238E27FC236}">
+                <a16:creationId xmlns:a16="http://schemas.microsoft.com/office/drawing/2014/main" id="{B9F7E10B-8527-67C9-E750-EA32045A7342}"/>
+              </a:ext>
+            </a:extLst>
+          </p:cNvPr>
+          <p:cNvPicPr>
+            <a:picLocks noChangeAspect="1"/>
+          </p:cNvPicPr>
+          <p:nvPr/>
+        </p:nvPicPr>
+        <p:blipFill>
+          <a:blip r:embed="rId2">
+            <a:extLst>
+              <a:ext uri="{28A0092B-C50C-407E-A947-70E740481C1C}">
+                <a14:useLocalDpi xmlns:a14="http://schemas.microsoft.com/office/drawing/2010/main" val="0"/>
+              </a:ext>
+            </a:extLst>
+          </a:blip>
+          <a:stretch>
+            <a:fillRect/>
+          </a:stretch>
+        </p:blipFill>
+        <p:spPr>
+          <a:xfrm>
+            <a:off x="838200" y="1885112"/>
+            <a:ext cx="7348752" cy="4972888"/>
+          </a:xfrm>
+          <a:prstGeom prst="rect">
+            <a:avLst/>
+          </a:prstGeom>
+        </p:spPr>
+      </p:pic>
+      <p:sp>
+        <p:nvSpPr>
+          <p:cNvPr id="6" name="TextBox 5">
+            <a:extLst>
+              <a:ext uri="{FF2B5EF4-FFF2-40B4-BE49-F238E27FC236}">
+                <a16:creationId xmlns:a16="http://schemas.microsoft.com/office/drawing/2014/main" id="{7A1D36A3-DEF4-DE54-E045-D41CDAA20F92}"/>
+              </a:ext>
+            </a:extLst>
+          </p:cNvPr>
+          <p:cNvSpPr txBox="1"/>
+          <p:nvPr/>
+        </p:nvSpPr>
+        <p:spPr>
+          <a:xfrm>
+            <a:off x="457200" y="1143000"/>
+            <a:ext cx="8229600" cy="461665"/>
+          </a:xfrm>
+          <a:prstGeom prst="rect">
+            <a:avLst/>
+          </a:prstGeom>
+          <a:noFill/>
+        </p:spPr>
+        <p:txBody>
+          <a:bodyPr wrap="square" rtlCol="0">
+            <a:spAutoFit/>
+          </a:bodyPr>
+          <a:lstStyle/>
+          <a:p>
+            <a:r>
+              <a:rPr lang="en-CA" sz="2400" dirty="0"/>
+              <a:t>Poisson distributions for </a:t>
+            </a:r>
+            <a:r>
+              <a:rPr lang="en-CA" sz="2400" dirty="0">
+                <a:sym typeface="Symbol" panose="05050102010706020507" pitchFamily="18" charset="2"/>
+              </a:rPr>
+              <a:t> = ½, 1, 2, 3, 6</a:t>
+            </a:r>
+            <a:endParaRPr lang="en-CA" sz="2400" dirty="0"/>
+          </a:p>
+        </p:txBody>
+      </p:sp>
+    </p:spTree>
+    <p:extLst>
+      <p:ext uri="{BB962C8B-B14F-4D97-AF65-F5344CB8AC3E}">
+        <p14:creationId xmlns:p14="http://schemas.microsoft.com/office/powerpoint/2010/main" val="3616210154"/>
+      </p:ext>
+    </p:extLst>
+  </p:cSld>
+  <p:clrMapOvr>
+    <a:masterClrMapping/>
+  </p:clrMapOvr>
+</p:sld>
+</file>
+
+<file path=ppt/slides/slide18.xml><?xml version="1.0" encoding="utf-8"?>
 <p:sld xmlns:a="http://schemas.openxmlformats.org/drawingml/2006/main" xmlns:r="http://schemas.openxmlformats.org/officeDocument/2006/relationships" xmlns:p="http://schemas.openxmlformats.org/presentationml/2006/main">
   <p:cSld>
     <p:spTree>
@@ -5439,7 +6172,7 @@
           <a:p>
             <a:fld id="{621225AB-15B9-4C79-A121-04D1DC7E2307}" type="slidenum">
               <a:rPr lang="en-US" smtClean="0"/>
-              <a:t>15</a:t>
+              <a:t>18</a:t>
             </a:fld>
             <a:endParaRPr lang="en-US"/>
           </a:p>
@@ -5490,7 +6223,7 @@
         <p:spPr>
           <a:xfrm>
             <a:off x="457200" y="1143000"/>
-            <a:ext cx="8229600" cy="369332"/>
+            <a:ext cx="8229600" cy="461665"/>
           </a:xfrm>
           <a:prstGeom prst="rect">
             <a:avLst/>
@@ -5504,16 +6237,16 @@
           <a:lstStyle/>
           <a:p>
             <a:r>
-              <a:rPr lang="en-CA" dirty="0"/>
+              <a:rPr lang="en-CA" sz="2400" dirty="0"/>
               <a:t>Poisson distributions for </a:t>
             </a:r>
             <a:r>
-              <a:rPr lang="en-CA" dirty="0">
+              <a:rPr lang="en-CA" sz="2400" dirty="0">
                 <a:sym typeface="Symbol" panose="05050102010706020507" pitchFamily="18" charset="2"/>
               </a:rPr>
               <a:t> = 1, 4, 10</a:t>
             </a:r>
-            <a:endParaRPr lang="en-CA" dirty="0"/>
+            <a:endParaRPr lang="en-CA" sz="2400" dirty="0"/>
           </a:p>
         </p:txBody>
       </p:sp>
@@ -5869,6 +6602,53 @@
           </a:p>
         </p:txBody>
       </p:sp>
+      <p:sp>
+        <p:nvSpPr>
+          <p:cNvPr id="4" name="Rectangle 3">
+            <a:extLst>
+              <a:ext uri="{FF2B5EF4-FFF2-40B4-BE49-F238E27FC236}">
+                <a16:creationId xmlns:a16="http://schemas.microsoft.com/office/drawing/2014/main" id="{845109D0-A93D-A851-5A12-61199CDFC469}"/>
+              </a:ext>
+            </a:extLst>
+          </p:cNvPr>
+          <p:cNvSpPr/>
+          <p:nvPr/>
+        </p:nvSpPr>
+        <p:spPr>
+          <a:xfrm>
+            <a:off x="3124200" y="5269228"/>
+            <a:ext cx="1295400" cy="445772"/>
+          </a:xfrm>
+          <a:prstGeom prst="rect">
+            <a:avLst/>
+          </a:prstGeom>
+          <a:noFill/>
+        </p:spPr>
+        <p:style>
+          <a:lnRef idx="2">
+            <a:schemeClr val="accent1">
+              <a:shade val="50000"/>
+            </a:schemeClr>
+          </a:lnRef>
+          <a:fillRef idx="1">
+            <a:schemeClr val="accent1"/>
+          </a:fillRef>
+          <a:effectRef idx="0">
+            <a:schemeClr val="accent1"/>
+          </a:effectRef>
+          <a:fontRef idx="minor">
+            <a:schemeClr val="lt1"/>
+          </a:fontRef>
+        </p:style>
+        <p:txBody>
+          <a:bodyPr rtlCol="0" anchor="ctr"/>
+          <a:lstStyle/>
+          <a:p>
+            <a:pPr algn="ctr"/>
+            <a:endParaRPr lang="en-CA"/>
+          </a:p>
+        </p:txBody>
+      </p:sp>
     </p:spTree>
     <p:extLst>
       <p:ext uri="{BB962C8B-B14F-4D97-AF65-F5344CB8AC3E}">
@@ -5882,7 +6662,7 @@
 </p:sld>
 </file>
 
-<file path=ppt/slides/slide16.xml><?xml version="1.0" encoding="utf-8"?>
+<file path=ppt/slides/slide19.xml><?xml version="1.0" encoding="utf-8"?>
 <p:sld xmlns:a="http://schemas.openxmlformats.org/drawingml/2006/main" xmlns:r="http://schemas.openxmlformats.org/officeDocument/2006/relationships" xmlns:p="http://schemas.openxmlformats.org/presentationml/2006/main">
   <p:cSld>
     <p:spTree>
@@ -5952,7 +6732,7 @@
           <a:p>
             <a:fld id="{621225AB-15B9-4C79-A121-04D1DC7E2307}" type="slidenum">
               <a:rPr lang="en-US" smtClean="0"/>
-              <a:t>16</a:t>
+              <a:t>19</a:t>
             </a:fld>
             <a:endParaRPr lang="en-US"/>
           </a:p>
@@ -6061,7 +6841,214 @@
 </p:sld>
 </file>
 
-<file path=ppt/slides/slide17.xml><?xml version="1.0" encoding="utf-8"?>
+<file path=ppt/slides/slide2.xml><?xml version="1.0" encoding="utf-8"?>
+<p:sld xmlns:a="http://schemas.openxmlformats.org/drawingml/2006/main" xmlns:r="http://schemas.openxmlformats.org/officeDocument/2006/relationships" xmlns:p="http://schemas.openxmlformats.org/presentationml/2006/main">
+  <p:cSld>
+    <p:spTree>
+      <p:nvGrpSpPr>
+        <p:cNvPr id="1" name=""/>
+        <p:cNvGrpSpPr/>
+        <p:nvPr/>
+      </p:nvGrpSpPr>
+      <p:grpSpPr>
+        <a:xfrm>
+          <a:off x="0" y="0"/>
+          <a:ext cx="0" cy="0"/>
+          <a:chOff x="0" y="0"/>
+          <a:chExt cx="0" cy="0"/>
+        </a:xfrm>
+      </p:grpSpPr>
+      <p:sp>
+        <p:nvSpPr>
+          <p:cNvPr id="2" name="Title 1">
+            <a:extLst>
+              <a:ext uri="{FF2B5EF4-FFF2-40B4-BE49-F238E27FC236}">
+                <a16:creationId xmlns:a16="http://schemas.microsoft.com/office/drawing/2014/main" id="{AAD44FF4-A6BA-41F6-8198-6DAD576CEDB4}"/>
+              </a:ext>
+            </a:extLst>
+          </p:cNvPr>
+          <p:cNvSpPr>
+            <a:spLocks noGrp="1"/>
+          </p:cNvSpPr>
+          <p:nvPr>
+            <p:ph type="title"/>
+          </p:nvPr>
+        </p:nvSpPr>
+        <p:spPr/>
+        <p:txBody>
+          <a:bodyPr>
+            <a:normAutofit fontScale="90000"/>
+          </a:bodyPr>
+          <a:lstStyle/>
+          <a:p>
+            <a:r>
+              <a:rPr lang="en-US" dirty="0"/>
+              <a:t>Discrete distributions: Basic ideas</a:t>
+            </a:r>
+          </a:p>
+        </p:txBody>
+      </p:sp>
+      <p:sp>
+        <p:nvSpPr>
+          <p:cNvPr id="3" name="Content Placeholder 2">
+            <a:extLst>
+              <a:ext uri="{FF2B5EF4-FFF2-40B4-BE49-F238E27FC236}">
+                <a16:creationId xmlns:a16="http://schemas.microsoft.com/office/drawing/2014/main" id="{CBDA77F0-C410-4300-8516-C91DE3BE608A}"/>
+              </a:ext>
+            </a:extLst>
+          </p:cNvPr>
+          <p:cNvSpPr>
+            <a:spLocks noGrp="1"/>
+          </p:cNvSpPr>
+          <p:nvPr>
+            <p:ph idx="1"/>
+          </p:nvPr>
+        </p:nvSpPr>
+        <p:spPr/>
+        <p:txBody>
+          <a:bodyPr/>
+          <a:lstStyle/>
+          <a:p>
+            <a:r>
+              <a:rPr lang="en-US" dirty="0"/>
+              <a:t>Quantitative data: often assumed Normal (</a:t>
+            </a:r>
+            <a:r>
+              <a:rPr lang="el-GR" dirty="0"/>
+              <a:t>μ</a:t>
+            </a:r>
+            <a:r>
+              <a:rPr lang="en-US" dirty="0"/>
+              <a:t>, </a:t>
+            </a:r>
+            <a:r>
+              <a:rPr lang="en-US" dirty="0">
+                <a:sym typeface="Symbol" panose="05050102010706020507" pitchFamily="18" charset="2"/>
+              </a:rPr>
+              <a:t></a:t>
+            </a:r>
+            <a:r>
+              <a:rPr lang="en-US" baseline="30000" dirty="0">
+                <a:sym typeface="Symbol" panose="05050102010706020507" pitchFamily="18" charset="2"/>
+              </a:rPr>
+              <a:t>2</a:t>
+            </a:r>
+            <a:r>
+              <a:rPr lang="en-US" dirty="0">
+                <a:sym typeface="Symbol" panose="05050102010706020507" pitchFamily="18" charset="2"/>
+              </a:rPr>
+              <a:t>) – unreasonable for CDA</a:t>
+            </a:r>
+            <a:endParaRPr lang="en-US" dirty="0"/>
+          </a:p>
+          <a:p>
+            <a:r>
+              <a:rPr lang="en-US" dirty="0"/>
+              <a:t>Binomial, Poisson, Negative binomial, … are the building blocks for CDA</a:t>
+            </a:r>
+          </a:p>
+          <a:p>
+            <a:r>
+              <a:rPr lang="en-US" dirty="0"/>
+              <a:t>Form the basis for modeling techniques</a:t>
+            </a:r>
+          </a:p>
+          <a:p>
+            <a:pPr lvl="1"/>
+            <a:r>
+              <a:rPr lang="en-US" dirty="0"/>
+              <a:t>logistic regression, generalized linear models, Poisson regression</a:t>
+            </a:r>
+          </a:p>
+          <a:p>
+            <a:r>
+              <a:rPr lang="en-US" dirty="0"/>
+              <a:t>Data:</a:t>
+            </a:r>
+          </a:p>
+          <a:p>
+            <a:pPr lvl="1"/>
+            <a:r>
+              <a:rPr lang="en-US" dirty="0"/>
+              <a:t>outcome variable (</a:t>
+            </a:r>
+            <a:r>
+              <a:rPr lang="en-US" i="1" dirty="0"/>
+              <a:t>k</a:t>
+            </a:r>
+            <a:r>
+              <a:rPr lang="en-US" dirty="0"/>
+              <a:t> = 0, 1, 2, … )</a:t>
+            </a:r>
+          </a:p>
+          <a:p>
+            <a:pPr lvl="1"/>
+            <a:r>
+              <a:rPr lang="en-US" dirty="0"/>
+              <a:t>counts of occurrences (</a:t>
+            </a:r>
+            <a:r>
+              <a:rPr lang="en-US" i="1" dirty="0" err="1"/>
+              <a:t>n</a:t>
+            </a:r>
+            <a:r>
+              <a:rPr lang="en-US" i="1" baseline="-25000" dirty="0" err="1"/>
+              <a:t>k</a:t>
+            </a:r>
+            <a:r>
+              <a:rPr lang="en-US" dirty="0"/>
+              <a:t>): accidents, words in text, males in families of size </a:t>
+            </a:r>
+            <a:r>
+              <a:rPr lang="en-US" i="1" dirty="0"/>
+              <a:t>k</a:t>
+            </a:r>
+          </a:p>
+        </p:txBody>
+      </p:sp>
+      <p:sp>
+        <p:nvSpPr>
+          <p:cNvPr id="4" name="Slide Number Placeholder 3">
+            <a:extLst>
+              <a:ext uri="{FF2B5EF4-FFF2-40B4-BE49-F238E27FC236}">
+                <a16:creationId xmlns:a16="http://schemas.microsoft.com/office/drawing/2014/main" id="{CD5A6B6B-722B-44AC-8D51-8A9E9AF56A31}"/>
+              </a:ext>
+            </a:extLst>
+          </p:cNvPr>
+          <p:cNvSpPr>
+            <a:spLocks noGrp="1"/>
+          </p:cNvSpPr>
+          <p:nvPr>
+            <p:ph type="sldNum" sz="quarter" idx="12"/>
+          </p:nvPr>
+        </p:nvSpPr>
+        <p:spPr/>
+        <p:txBody>
+          <a:bodyPr/>
+          <a:lstStyle/>
+          <a:p>
+            <a:fld id="{621225AB-15B9-4C79-A121-04D1DC7E2307}" type="slidenum">
+              <a:rPr lang="en-US" smtClean="0"/>
+              <a:t>2</a:t>
+            </a:fld>
+            <a:endParaRPr lang="en-US"/>
+          </a:p>
+        </p:txBody>
+      </p:sp>
+    </p:spTree>
+    <p:extLst>
+      <p:ext uri="{BB962C8B-B14F-4D97-AF65-F5344CB8AC3E}">
+        <p14:creationId xmlns:p14="http://schemas.microsoft.com/office/powerpoint/2010/main" val="3919522923"/>
+      </p:ext>
+    </p:extLst>
+  </p:cSld>
+  <p:clrMapOvr>
+    <a:masterClrMapping/>
+  </p:clrMapOvr>
+</p:sld>
+</file>
+
+<file path=ppt/slides/slide20.xml><?xml version="1.0" encoding="utf-8"?>
 <p:sld xmlns:a="http://schemas.openxmlformats.org/drawingml/2006/main" xmlns:r="http://schemas.openxmlformats.org/officeDocument/2006/relationships" xmlns:p="http://schemas.openxmlformats.org/presentationml/2006/main">
   <p:cSld>
     <p:spTree>
@@ -6101,7 +7088,7 @@
           <a:p>
             <a:fld id="{621225AB-15B9-4C79-A121-04D1DC7E2307}" type="slidenum">
               <a:rPr lang="en-US" smtClean="0"/>
-              <a:t>17</a:t>
+              <a:t>20</a:t>
             </a:fld>
             <a:endParaRPr lang="en-US"/>
           </a:p>
@@ -6381,7 +7368,7 @@
 </p:sld>
 </file>
 
-<file path=ppt/slides/slide18.xml><?xml version="1.0" encoding="utf-8"?>
+<file path=ppt/slides/slide21.xml><?xml version="1.0" encoding="utf-8"?>
 <p:sld xmlns:a="http://schemas.openxmlformats.org/drawingml/2006/main" xmlns:r="http://schemas.openxmlformats.org/officeDocument/2006/relationships" xmlns:p="http://schemas.openxmlformats.org/presentationml/2006/main">
   <p:cSld>
     <p:spTree>
@@ -6451,7 +7438,7 @@
           <a:p>
             <a:fld id="{621225AB-15B9-4C79-A121-04D1DC7E2307}" type="slidenum">
               <a:rPr lang="en-US" smtClean="0"/>
-              <a:t>18</a:t>
+              <a:t>21</a:t>
             </a:fld>
             <a:endParaRPr lang="en-US"/>
           </a:p>
@@ -6692,7 +7679,7 @@
 </p:sld>
 </file>
 
-<file path=ppt/slides/slide19.xml><?xml version="1.0" encoding="utf-8"?>
+<file path=ppt/slides/slide22.xml><?xml version="1.0" encoding="utf-8"?>
 <p:sld xmlns:a="http://schemas.openxmlformats.org/drawingml/2006/main" xmlns:r="http://schemas.openxmlformats.org/officeDocument/2006/relationships" xmlns:p="http://schemas.openxmlformats.org/presentationml/2006/main">
   <p:cSld>
     <p:spTree>
@@ -6970,7 +7957,7 @@
           <a:p>
             <a:fld id="{621225AB-15B9-4C79-A121-04D1DC7E2307}" type="slidenum">
               <a:rPr lang="en-US" smtClean="0"/>
-              <a:t>19</a:t>
+              <a:t>22</a:t>
             </a:fld>
             <a:endParaRPr lang="en-US"/>
           </a:p>
@@ -6989,214 +7976,7 @@
 </p:sld>
 </file>
 
-<file path=ppt/slides/slide2.xml><?xml version="1.0" encoding="utf-8"?>
-<p:sld xmlns:a="http://schemas.openxmlformats.org/drawingml/2006/main" xmlns:r="http://schemas.openxmlformats.org/officeDocument/2006/relationships" xmlns:p="http://schemas.openxmlformats.org/presentationml/2006/main">
-  <p:cSld>
-    <p:spTree>
-      <p:nvGrpSpPr>
-        <p:cNvPr id="1" name=""/>
-        <p:cNvGrpSpPr/>
-        <p:nvPr/>
-      </p:nvGrpSpPr>
-      <p:grpSpPr>
-        <a:xfrm>
-          <a:off x="0" y="0"/>
-          <a:ext cx="0" cy="0"/>
-          <a:chOff x="0" y="0"/>
-          <a:chExt cx="0" cy="0"/>
-        </a:xfrm>
-      </p:grpSpPr>
-      <p:sp>
-        <p:nvSpPr>
-          <p:cNvPr id="2" name="Title 1">
-            <a:extLst>
-              <a:ext uri="{FF2B5EF4-FFF2-40B4-BE49-F238E27FC236}">
-                <a16:creationId xmlns:a16="http://schemas.microsoft.com/office/drawing/2014/main" id="{AAD44FF4-A6BA-41F6-8198-6DAD576CEDB4}"/>
-              </a:ext>
-            </a:extLst>
-          </p:cNvPr>
-          <p:cNvSpPr>
-            <a:spLocks noGrp="1"/>
-          </p:cNvSpPr>
-          <p:nvPr>
-            <p:ph type="title"/>
-          </p:nvPr>
-        </p:nvSpPr>
-        <p:spPr/>
-        <p:txBody>
-          <a:bodyPr>
-            <a:normAutofit fontScale="90000"/>
-          </a:bodyPr>
-          <a:lstStyle/>
-          <a:p>
-            <a:r>
-              <a:rPr lang="en-US" dirty="0"/>
-              <a:t>Discrete distributions: Basic ideas</a:t>
-            </a:r>
-          </a:p>
-        </p:txBody>
-      </p:sp>
-      <p:sp>
-        <p:nvSpPr>
-          <p:cNvPr id="3" name="Content Placeholder 2">
-            <a:extLst>
-              <a:ext uri="{FF2B5EF4-FFF2-40B4-BE49-F238E27FC236}">
-                <a16:creationId xmlns:a16="http://schemas.microsoft.com/office/drawing/2014/main" id="{CBDA77F0-C410-4300-8516-C91DE3BE608A}"/>
-              </a:ext>
-            </a:extLst>
-          </p:cNvPr>
-          <p:cNvSpPr>
-            <a:spLocks noGrp="1"/>
-          </p:cNvSpPr>
-          <p:nvPr>
-            <p:ph idx="1"/>
-          </p:nvPr>
-        </p:nvSpPr>
-        <p:spPr/>
-        <p:txBody>
-          <a:bodyPr/>
-          <a:lstStyle/>
-          <a:p>
-            <a:r>
-              <a:rPr lang="en-US" dirty="0"/>
-              <a:t>Quantitative data: often assumed Normal (</a:t>
-            </a:r>
-            <a:r>
-              <a:rPr lang="el-GR" dirty="0"/>
-              <a:t>μ</a:t>
-            </a:r>
-            <a:r>
-              <a:rPr lang="en-US" dirty="0"/>
-              <a:t>, </a:t>
-            </a:r>
-            <a:r>
-              <a:rPr lang="en-US" dirty="0">
-                <a:sym typeface="Symbol" panose="05050102010706020507" pitchFamily="18" charset="2"/>
-              </a:rPr>
-              <a:t></a:t>
-            </a:r>
-            <a:r>
-              <a:rPr lang="en-US" baseline="30000" dirty="0">
-                <a:sym typeface="Symbol" panose="05050102010706020507" pitchFamily="18" charset="2"/>
-              </a:rPr>
-              <a:t>2</a:t>
-            </a:r>
-            <a:r>
-              <a:rPr lang="en-US" dirty="0">
-                <a:sym typeface="Symbol" panose="05050102010706020507" pitchFamily="18" charset="2"/>
-              </a:rPr>
-              <a:t>) – unreasonable for CDA</a:t>
-            </a:r>
-            <a:endParaRPr lang="en-US" dirty="0"/>
-          </a:p>
-          <a:p>
-            <a:r>
-              <a:rPr lang="en-US" dirty="0"/>
-              <a:t>Binomial, Poisson, Negative binomial, … are the building blocks for CDA</a:t>
-            </a:r>
-          </a:p>
-          <a:p>
-            <a:r>
-              <a:rPr lang="en-US" dirty="0"/>
-              <a:t>Form the basis for modeling techniques</a:t>
-            </a:r>
-          </a:p>
-          <a:p>
-            <a:pPr lvl="1"/>
-            <a:r>
-              <a:rPr lang="en-US" dirty="0"/>
-              <a:t>logistic regression, generalized linear models, Poisson regression</a:t>
-            </a:r>
-          </a:p>
-          <a:p>
-            <a:r>
-              <a:rPr lang="en-US" dirty="0"/>
-              <a:t>Data:</a:t>
-            </a:r>
-          </a:p>
-          <a:p>
-            <a:pPr lvl="1"/>
-            <a:r>
-              <a:rPr lang="en-US" dirty="0"/>
-              <a:t>outcome variable (</a:t>
-            </a:r>
-            <a:r>
-              <a:rPr lang="en-US" i="1" dirty="0"/>
-              <a:t>k</a:t>
-            </a:r>
-            <a:r>
-              <a:rPr lang="en-US" dirty="0"/>
-              <a:t> = 0, 1, 2, … )</a:t>
-            </a:r>
-          </a:p>
-          <a:p>
-            <a:pPr lvl="1"/>
-            <a:r>
-              <a:rPr lang="en-US" dirty="0"/>
-              <a:t>counts of occurrences (</a:t>
-            </a:r>
-            <a:r>
-              <a:rPr lang="en-US" i="1" dirty="0" err="1"/>
-              <a:t>n</a:t>
-            </a:r>
-            <a:r>
-              <a:rPr lang="en-US" i="1" baseline="-25000" dirty="0" err="1"/>
-              <a:t>k</a:t>
-            </a:r>
-            <a:r>
-              <a:rPr lang="en-US" dirty="0"/>
-              <a:t>): accidents, words in text, males in families of size </a:t>
-            </a:r>
-            <a:r>
-              <a:rPr lang="en-US" i="1" dirty="0"/>
-              <a:t>k</a:t>
-            </a:r>
-          </a:p>
-        </p:txBody>
-      </p:sp>
-      <p:sp>
-        <p:nvSpPr>
-          <p:cNvPr id="4" name="Slide Number Placeholder 3">
-            <a:extLst>
-              <a:ext uri="{FF2B5EF4-FFF2-40B4-BE49-F238E27FC236}">
-                <a16:creationId xmlns:a16="http://schemas.microsoft.com/office/drawing/2014/main" id="{CD5A6B6B-722B-44AC-8D51-8A9E9AF56A31}"/>
-              </a:ext>
-            </a:extLst>
-          </p:cNvPr>
-          <p:cNvSpPr>
-            <a:spLocks noGrp="1"/>
-          </p:cNvSpPr>
-          <p:nvPr>
-            <p:ph type="sldNum" sz="quarter" idx="12"/>
-          </p:nvPr>
-        </p:nvSpPr>
-        <p:spPr/>
-        <p:txBody>
-          <a:bodyPr/>
-          <a:lstStyle/>
-          <a:p>
-            <a:fld id="{621225AB-15B9-4C79-A121-04D1DC7E2307}" type="slidenum">
-              <a:rPr lang="en-US" smtClean="0"/>
-              <a:t>2</a:t>
-            </a:fld>
-            <a:endParaRPr lang="en-US"/>
-          </a:p>
-        </p:txBody>
-      </p:sp>
-    </p:spTree>
-    <p:extLst>
-      <p:ext uri="{BB962C8B-B14F-4D97-AF65-F5344CB8AC3E}">
-        <p14:creationId xmlns:p14="http://schemas.microsoft.com/office/powerpoint/2010/main" val="3919522923"/>
-      </p:ext>
-    </p:extLst>
-  </p:cSld>
-  <p:clrMapOvr>
-    <a:masterClrMapping/>
-  </p:clrMapOvr>
-</p:sld>
-</file>
-
-<file path=ppt/slides/slide20.xml><?xml version="1.0" encoding="utf-8"?>
+<file path=ppt/slides/slide23.xml><?xml version="1.0" encoding="utf-8"?>
 <p:sld xmlns:a="http://schemas.openxmlformats.org/drawingml/2006/main" xmlns:r="http://schemas.openxmlformats.org/officeDocument/2006/relationships" xmlns:p="http://schemas.openxmlformats.org/presentationml/2006/main">
   <p:cSld>
     <p:spTree>
@@ -7266,7 +8046,7 @@
           <a:p>
             <a:fld id="{621225AB-15B9-4C79-A121-04D1DC7E2307}" type="slidenum">
               <a:rPr lang="en-US" smtClean="0"/>
-              <a:t>20</a:t>
+              <a:t>23</a:t>
             </a:fld>
             <a:endParaRPr lang="en-US"/>
           </a:p>
@@ -7409,7 +8189,7 @@
         <p:spPr>
           <a:xfrm>
             <a:off x="457200" y="2895600"/>
-            <a:ext cx="8229600" cy="369332"/>
+            <a:ext cx="8229600" cy="461665"/>
           </a:xfrm>
           <a:prstGeom prst="rect">
             <a:avLst/>
@@ -7423,16 +8203,48 @@
           <a:lstStyle/>
           <a:p>
             <a:r>
-              <a:rPr lang="en-CA" dirty="0"/>
+              <a:rPr lang="en-CA" sz="2400" dirty="0"/>
               <a:t>Use </a:t>
             </a:r>
             <a:r>
-              <a:rPr lang="en-CA" dirty="0" err="1"/>
+              <a:rPr lang="en-CA" sz="2400" b="1" dirty="0" err="1">
+                <a:solidFill>
+                  <a:schemeClr val="accent6">
+                    <a:lumMod val="50000"/>
+                  </a:schemeClr>
+                </a:solidFill>
+                <a:latin typeface="Courier New" panose="02070309020205020404" pitchFamily="49" charset="0"/>
+                <a:cs typeface="Courier New" panose="02070309020205020404" pitchFamily="49" charset="0"/>
+              </a:rPr>
               <a:t>goodfit</a:t>
             </a:r>
             <a:r>
-              <a:rPr lang="en-CA" dirty="0"/>
-              <a:t>() to fit the binomial; test with summary()</a:t>
+              <a:rPr lang="en-CA" sz="2400" b="1" dirty="0">
+                <a:solidFill>
+                  <a:schemeClr val="accent6">
+                    <a:lumMod val="50000"/>
+                  </a:schemeClr>
+                </a:solidFill>
+                <a:latin typeface="Courier New" panose="02070309020205020404" pitchFamily="49" charset="0"/>
+                <a:cs typeface="Courier New" panose="02070309020205020404" pitchFamily="49" charset="0"/>
+              </a:rPr>
+              <a:t>() </a:t>
+            </a:r>
+            <a:r>
+              <a:rPr lang="en-CA" sz="2400" dirty="0"/>
+              <a:t>to fit the binomial; test with </a:t>
+            </a:r>
+            <a:r>
+              <a:rPr lang="en-CA" sz="2400" b="1" dirty="0">
+                <a:solidFill>
+                  <a:schemeClr val="accent6">
+                    <a:lumMod val="50000"/>
+                  </a:schemeClr>
+                </a:solidFill>
+                <a:latin typeface="Courier New" panose="02070309020205020404" pitchFamily="49" charset="0"/>
+                <a:cs typeface="Courier New" panose="02070309020205020404" pitchFamily="49" charset="0"/>
+              </a:rPr>
+              <a:t>summary()</a:t>
             </a:r>
           </a:p>
         </p:txBody>
@@ -7646,7 +8458,7 @@
 </p:sld>
 </file>
 
-<file path=ppt/slides/slide21.xml><?xml version="1.0" encoding="utf-8"?>
+<file path=ppt/slides/slide24.xml><?xml version="1.0" encoding="utf-8"?>
 <p:sld xmlns:a="http://schemas.openxmlformats.org/drawingml/2006/main" xmlns:r="http://schemas.openxmlformats.org/officeDocument/2006/relationships" xmlns:p="http://schemas.openxmlformats.org/presentationml/2006/main">
   <p:cSld>
     <p:spTree>
@@ -7716,7 +8528,7 @@
           <a:p>
             <a:fld id="{621225AB-15B9-4C79-A121-04D1DC7E2307}" type="slidenum">
               <a:rPr lang="en-US" smtClean="0"/>
-              <a:t>21</a:t>
+              <a:t>24</a:t>
             </a:fld>
             <a:endParaRPr lang="en-US"/>
           </a:p>
@@ -7737,7 +8549,7 @@
         <p:spPr>
           <a:xfrm>
             <a:off x="457200" y="1219200"/>
-            <a:ext cx="8229600" cy="369332"/>
+            <a:ext cx="8229600" cy="461665"/>
           </a:xfrm>
           <a:prstGeom prst="rect">
             <a:avLst/>
@@ -7751,11 +8563,11 @@
           <a:lstStyle/>
           <a:p>
             <a:r>
-              <a:rPr lang="en-CA" dirty="0"/>
+              <a:rPr lang="en-CA" sz="2400" dirty="0"/>
               <a:t>The print() method for </a:t>
             </a:r>
             <a:r>
-              <a:rPr lang="en-CA" b="1" dirty="0" err="1">
+              <a:rPr lang="en-CA" sz="2400" b="1" dirty="0" err="1">
                 <a:solidFill>
                   <a:schemeClr val="accent6">
                     <a:lumMod val="50000"/>
@@ -7767,7 +8579,7 @@
               <a:t>goodfit</a:t>
             </a:r>
             <a:r>
-              <a:rPr lang="en-CA" dirty="0"/>
+              <a:rPr lang="en-CA" sz="2400" dirty="0"/>
               <a:t> objects shows the details</a:t>
             </a:r>
           </a:p>
@@ -8136,7 +8948,7 @@
 </p:sld>
 </file>
 
-<file path=ppt/slides/slide22.xml><?xml version="1.0" encoding="utf-8"?>
+<file path=ppt/slides/slide25.xml><?xml version="1.0" encoding="utf-8"?>
 <p:sld xmlns:a="http://schemas.openxmlformats.org/drawingml/2006/main" xmlns:r="http://schemas.openxmlformats.org/officeDocument/2006/relationships" xmlns:p="http://schemas.openxmlformats.org/presentationml/2006/main">
   <p:cSld>
     <p:bg>
@@ -18833,7 +19645,7 @@
                   <a:spcPts val="600"/>
                 </a:spcAft>
               </a:pPr>
-              <a:t>22</a:t>
+              <a:t>25</a:t>
             </a:fld>
             <a:endParaRPr lang="en-US" sz="900">
               <a:solidFill>
@@ -19824,7 +20636,7 @@
 </p:sld>
 </file>
 
-<file path=ppt/slides/slide23.xml><?xml version="1.0" encoding="utf-8"?>
+<file path=ppt/slides/slide26.xml><?xml version="1.0" encoding="utf-8"?>
 <p:sld xmlns:a="http://schemas.openxmlformats.org/drawingml/2006/main" xmlns:r="http://schemas.openxmlformats.org/officeDocument/2006/relationships" xmlns:p="http://schemas.openxmlformats.org/presentationml/2006/main">
   <p:cSld>
     <p:spTree>
@@ -19894,7 +20706,7 @@
           <a:p>
             <a:fld id="{621225AB-15B9-4C79-A121-04D1DC7E2307}" type="slidenum">
               <a:rPr lang="en-US" smtClean="0"/>
-              <a:t>23</a:t>
+              <a:t>26</a:t>
             </a:fld>
             <a:endParaRPr lang="en-US"/>
           </a:p>
@@ -20144,7 +20956,7 @@
 </p:sld>
 </file>
 
-<file path=ppt/slides/slide24.xml><?xml version="1.0" encoding="utf-8"?>
+<file path=ppt/slides/slide27.xml><?xml version="1.0" encoding="utf-8"?>
 <p:sld xmlns:a="http://schemas.openxmlformats.org/drawingml/2006/main" xmlns:r="http://schemas.openxmlformats.org/officeDocument/2006/relationships" xmlns:p="http://schemas.openxmlformats.org/presentationml/2006/main">
   <p:cSld>
     <p:spTree>
@@ -20214,7 +21026,7 @@
           <a:p>
             <a:fld id="{621225AB-15B9-4C79-A121-04D1DC7E2307}" type="slidenum">
               <a:rPr lang="en-US" smtClean="0"/>
-              <a:t>24</a:t>
+              <a:t>27</a:t>
             </a:fld>
             <a:endParaRPr lang="en-US"/>
           </a:p>
@@ -20369,7 +21181,7 @@
 </p:sld>
 </file>
 
-<file path=ppt/slides/slide25.xml><?xml version="1.0" encoding="utf-8"?>
+<file path=ppt/slides/slide28.xml><?xml version="1.0" encoding="utf-8"?>
 <p:sld xmlns:a="http://schemas.openxmlformats.org/drawingml/2006/main" xmlns:r="http://schemas.openxmlformats.org/officeDocument/2006/relationships" xmlns:p="http://schemas.openxmlformats.org/presentationml/2006/main">
   <p:cSld>
     <p:spTree>
@@ -20439,7 +21251,7 @@
           <a:p>
             <a:fld id="{621225AB-15B9-4C79-A121-04D1DC7E2307}" type="slidenum">
               <a:rPr lang="en-US" smtClean="0"/>
-              <a:t>25</a:t>
+              <a:t>28</a:t>
             </a:fld>
             <a:endParaRPr lang="en-US"/>
           </a:p>
@@ -20507,7 +21319,17 @@
                 <a:latin typeface="Courier New" panose="02070309020205020404" pitchFamily="49" charset="0"/>
                 <a:cs typeface="Courier New" panose="02070309020205020404" pitchFamily="49" charset="0"/>
               </a:rPr>
-              <a:t>, type = "deviation", </a:t>
+              <a:t>, </a:t>
+            </a:r>
+            <a:r>
+              <a:rPr lang="en-CA" sz="1600" b="1" dirty="0">
+                <a:solidFill>
+                  <a:srgbClr val="0070C0"/>
+                </a:solidFill>
+                <a:latin typeface="Courier New" panose="02070309020205020404" pitchFamily="49" charset="0"/>
+                <a:cs typeface="Courier New" panose="02070309020205020404" pitchFamily="49" charset="0"/>
+              </a:rPr>
+              <a:t>type = "deviation", </a:t>
             </a:r>
             <a:r>
               <a:rPr lang="en-CA" sz="1600" dirty="0" err="1">
@@ -20575,7 +21397,7 @@
 </p:sld>
 </file>
 
-<file path=ppt/slides/slide26.xml><?xml version="1.0" encoding="utf-8"?>
+<file path=ppt/slides/slide29.xml><?xml version="1.0" encoding="utf-8"?>
 <p:sld xmlns:a="http://schemas.openxmlformats.org/drawingml/2006/main" xmlns:r="http://schemas.openxmlformats.org/officeDocument/2006/relationships" xmlns:p="http://schemas.openxmlformats.org/presentationml/2006/main">
   <p:cSld>
     <p:spTree>
@@ -20645,7 +21467,7 @@
           <a:p>
             <a:fld id="{621225AB-15B9-4C79-A121-04D1DC7E2307}" type="slidenum">
               <a:rPr lang="en-US" smtClean="0"/>
-              <a:t>26</a:t>
+              <a:t>29</a:t>
             </a:fld>
             <a:endParaRPr lang="en-US"/>
           </a:p>
@@ -20987,673 +21809,6 @@
     <p:extLst>
       <p:ext uri="{BB962C8B-B14F-4D97-AF65-F5344CB8AC3E}">
         <p14:creationId xmlns:p14="http://schemas.microsoft.com/office/powerpoint/2010/main" val="3786373535"/>
-      </p:ext>
-    </p:extLst>
-  </p:cSld>
-  <p:clrMapOvr>
-    <a:masterClrMapping/>
-  </p:clrMapOvr>
-</p:sld>
-</file>
-
-<file path=ppt/slides/slide27.xml><?xml version="1.0" encoding="utf-8"?>
-<p:sld xmlns:a="http://schemas.openxmlformats.org/drawingml/2006/main" xmlns:r="http://schemas.openxmlformats.org/officeDocument/2006/relationships" xmlns:p="http://schemas.openxmlformats.org/presentationml/2006/main">
-  <p:cSld>
-    <p:spTree>
-      <p:nvGrpSpPr>
-        <p:cNvPr id="1" name=""/>
-        <p:cNvGrpSpPr/>
-        <p:nvPr/>
-      </p:nvGrpSpPr>
-      <p:grpSpPr>
-        <a:xfrm>
-          <a:off x="0" y="0"/>
-          <a:ext cx="0" cy="0"/>
-          <a:chOff x="0" y="0"/>
-          <a:chExt cx="0" cy="0"/>
-        </a:xfrm>
-      </p:grpSpPr>
-      <p:sp>
-        <p:nvSpPr>
-          <p:cNvPr id="2" name="Title 1">
-            <a:extLst>
-              <a:ext uri="{FF2B5EF4-FFF2-40B4-BE49-F238E27FC236}">
-                <a16:creationId xmlns:a16="http://schemas.microsoft.com/office/drawing/2014/main" id="{CC75B64B-19A8-437F-AA64-2404A9A8C19C}"/>
-              </a:ext>
-            </a:extLst>
-          </p:cNvPr>
-          <p:cNvSpPr>
-            <a:spLocks noGrp="1"/>
-          </p:cNvSpPr>
-          <p:nvPr>
-            <p:ph type="title"/>
-          </p:nvPr>
-        </p:nvSpPr>
-        <p:spPr/>
-        <p:txBody>
-          <a:bodyPr>
-            <a:normAutofit fontScale="90000"/>
-          </a:bodyPr>
-          <a:lstStyle/>
-          <a:p>
-            <a:r>
-              <a:rPr lang="en-US" dirty="0"/>
-              <a:t>Example: Federalist papers</a:t>
-            </a:r>
-          </a:p>
-        </p:txBody>
-      </p:sp>
-      <p:sp>
-        <p:nvSpPr>
-          <p:cNvPr id="3" name="Slide Number Placeholder 2">
-            <a:extLst>
-              <a:ext uri="{FF2B5EF4-FFF2-40B4-BE49-F238E27FC236}">
-                <a16:creationId xmlns:a16="http://schemas.microsoft.com/office/drawing/2014/main" id="{3FE24799-2E4E-480D-BA43-6D8E51BCEEE5}"/>
-              </a:ext>
-            </a:extLst>
-          </p:cNvPr>
-          <p:cNvSpPr>
-            <a:spLocks noGrp="1"/>
-          </p:cNvSpPr>
-          <p:nvPr>
-            <p:ph type="sldNum" sz="quarter" idx="12"/>
-          </p:nvPr>
-        </p:nvSpPr>
-        <p:spPr/>
-        <p:txBody>
-          <a:bodyPr/>
-          <a:lstStyle/>
-          <a:p>
-            <a:fld id="{621225AB-15B9-4C79-A121-04D1DC7E2307}" type="slidenum">
-              <a:rPr lang="en-US" smtClean="0"/>
-              <a:t>27</a:t>
-            </a:fld>
-            <a:endParaRPr lang="en-US"/>
-          </a:p>
-        </p:txBody>
-      </p:sp>
-      <p:sp>
-        <p:nvSpPr>
-          <p:cNvPr id="5" name="TextBox 4">
-            <a:extLst>
-              <a:ext uri="{FF2B5EF4-FFF2-40B4-BE49-F238E27FC236}">
-                <a16:creationId xmlns:a16="http://schemas.microsoft.com/office/drawing/2014/main" id="{DB16FA5E-85AF-4604-A4B2-97809D5C12D5}"/>
-              </a:ext>
-            </a:extLst>
-          </p:cNvPr>
-          <p:cNvSpPr txBox="1"/>
-          <p:nvPr/>
-        </p:nvSpPr>
-        <p:spPr>
-          <a:xfrm>
-            <a:off x="457200" y="1265486"/>
-            <a:ext cx="5486400" cy="369332"/>
-          </a:xfrm>
-          <a:prstGeom prst="rect">
-            <a:avLst/>
-          </a:prstGeom>
-          <a:noFill/>
-        </p:spPr>
-        <p:txBody>
-          <a:bodyPr wrap="square" rtlCol="0">
-            <a:spAutoFit/>
-          </a:bodyPr>
-          <a:lstStyle/>
-          <a:p>
-            <a:r>
-              <a:rPr lang="en-US" dirty="0"/>
-              <a:t>Try the Negative binomial distribution</a:t>
-            </a:r>
-          </a:p>
-        </p:txBody>
-      </p:sp>
-      <p:sp>
-        <p:nvSpPr>
-          <p:cNvPr id="7" name="TextBox 6">
-            <a:extLst>
-              <a:ext uri="{FF2B5EF4-FFF2-40B4-BE49-F238E27FC236}">
-                <a16:creationId xmlns:a16="http://schemas.microsoft.com/office/drawing/2014/main" id="{FAE04EB8-2540-497F-8882-142FE318F698}"/>
-              </a:ext>
-            </a:extLst>
-          </p:cNvPr>
-          <p:cNvSpPr txBox="1"/>
-          <p:nvPr/>
-        </p:nvSpPr>
-        <p:spPr>
-          <a:xfrm>
-            <a:off x="609600" y="1905000"/>
-            <a:ext cx="7467600" cy="1815882"/>
-          </a:xfrm>
-          <a:prstGeom prst="rect">
-            <a:avLst/>
-          </a:prstGeom>
-          <a:solidFill>
-            <a:schemeClr val="accent6">
-              <a:lumMod val="20000"/>
-              <a:lumOff val="80000"/>
-              <a:alpha val="60000"/>
-            </a:schemeClr>
-          </a:solidFill>
-        </p:spPr>
-        <p:txBody>
-          <a:bodyPr wrap="square" rtlCol="0">
-            <a:spAutoFit/>
-          </a:bodyPr>
-          <a:lstStyle/>
-          <a:p>
-            <a:r>
-              <a:rPr lang="en-US" sz="1600" dirty="0">
-                <a:solidFill>
-                  <a:srgbClr val="0070C0"/>
-                </a:solidFill>
-                <a:latin typeface="Courier New" panose="02070309020205020404" pitchFamily="49" charset="0"/>
-                <a:cs typeface="Courier New" panose="02070309020205020404" pitchFamily="49" charset="0"/>
-              </a:rPr>
-              <a:t>&gt; Fed.fit1&lt;- </a:t>
-            </a:r>
-            <a:r>
-              <a:rPr lang="en-US" sz="1600" dirty="0" err="1">
-                <a:solidFill>
-                  <a:srgbClr val="0070C0"/>
-                </a:solidFill>
-                <a:latin typeface="Courier New" panose="02070309020205020404" pitchFamily="49" charset="0"/>
-                <a:cs typeface="Courier New" panose="02070309020205020404" pitchFamily="49" charset="0"/>
-              </a:rPr>
-              <a:t>goodfit</a:t>
-            </a:r>
-            <a:r>
-              <a:rPr lang="en-US" sz="1600" dirty="0">
-                <a:solidFill>
-                  <a:srgbClr val="0070C0"/>
-                </a:solidFill>
-                <a:latin typeface="Courier New" panose="02070309020205020404" pitchFamily="49" charset="0"/>
-                <a:cs typeface="Courier New" panose="02070309020205020404" pitchFamily="49" charset="0"/>
-              </a:rPr>
-              <a:t>(Federalist, type="</a:t>
-            </a:r>
-            <a:r>
-              <a:rPr lang="en-US" sz="1600" dirty="0" err="1">
-                <a:solidFill>
-                  <a:srgbClr val="0070C0"/>
-                </a:solidFill>
-                <a:latin typeface="Courier New" panose="02070309020205020404" pitchFamily="49" charset="0"/>
-                <a:cs typeface="Courier New" panose="02070309020205020404" pitchFamily="49" charset="0"/>
-              </a:rPr>
-              <a:t>nbinomial</a:t>
-            </a:r>
-            <a:r>
-              <a:rPr lang="en-US" sz="1600" dirty="0">
-                <a:solidFill>
-                  <a:srgbClr val="0070C0"/>
-                </a:solidFill>
-                <a:latin typeface="Courier New" panose="02070309020205020404" pitchFamily="49" charset="0"/>
-                <a:cs typeface="Courier New" panose="02070309020205020404" pitchFamily="49" charset="0"/>
-              </a:rPr>
-              <a:t>")</a:t>
-            </a:r>
-          </a:p>
-          <a:p>
-            <a:r>
-              <a:rPr lang="en-US" sz="1600" dirty="0">
-                <a:solidFill>
-                  <a:srgbClr val="0070C0"/>
-                </a:solidFill>
-                <a:latin typeface="Courier New" panose="02070309020205020404" pitchFamily="49" charset="0"/>
-                <a:cs typeface="Courier New" panose="02070309020205020404" pitchFamily="49" charset="0"/>
-              </a:rPr>
-              <a:t>&gt; summary(Fed.fit1)</a:t>
-            </a:r>
-          </a:p>
-          <a:p>
-            <a:endParaRPr lang="en-US" sz="1600" dirty="0">
-              <a:latin typeface="Courier New" panose="02070309020205020404" pitchFamily="49" charset="0"/>
-              <a:cs typeface="Courier New" panose="02070309020205020404" pitchFamily="49" charset="0"/>
-            </a:endParaRPr>
-          </a:p>
-          <a:p>
-            <a:r>
-              <a:rPr lang="en-US" sz="1600" dirty="0">
-                <a:latin typeface="Courier New" panose="02070309020205020404" pitchFamily="49" charset="0"/>
-                <a:cs typeface="Courier New" panose="02070309020205020404" pitchFamily="49" charset="0"/>
-              </a:rPr>
-              <a:t>	 Goodness-of-fit test for </a:t>
-            </a:r>
-            <a:r>
-              <a:rPr lang="en-US" sz="1600" dirty="0" err="1">
-                <a:latin typeface="Courier New" panose="02070309020205020404" pitchFamily="49" charset="0"/>
-                <a:cs typeface="Courier New" panose="02070309020205020404" pitchFamily="49" charset="0"/>
-              </a:rPr>
-              <a:t>nbinomial</a:t>
-            </a:r>
-            <a:r>
-              <a:rPr lang="en-US" sz="1600" dirty="0">
-                <a:latin typeface="Courier New" panose="02070309020205020404" pitchFamily="49" charset="0"/>
-                <a:cs typeface="Courier New" panose="02070309020205020404" pitchFamily="49" charset="0"/>
-              </a:rPr>
-              <a:t> distribution</a:t>
-            </a:r>
-          </a:p>
-          <a:p>
-            <a:endParaRPr lang="en-US" sz="1600" dirty="0">
-              <a:latin typeface="Courier New" panose="02070309020205020404" pitchFamily="49" charset="0"/>
-              <a:cs typeface="Courier New" panose="02070309020205020404" pitchFamily="49" charset="0"/>
-            </a:endParaRPr>
-          </a:p>
-          <a:p>
-            <a:r>
-              <a:rPr lang="en-US" sz="1600" dirty="0">
-                <a:latin typeface="Courier New" panose="02070309020205020404" pitchFamily="49" charset="0"/>
-                <a:cs typeface="Courier New" panose="02070309020205020404" pitchFamily="49" charset="0"/>
-              </a:rPr>
-              <a:t>                  X^2 df P(&gt; X^2)</a:t>
-            </a:r>
-          </a:p>
-          <a:p>
-            <a:r>
-              <a:rPr lang="en-US" sz="1600" dirty="0">
-                <a:latin typeface="Courier New" panose="02070309020205020404" pitchFamily="49" charset="0"/>
-                <a:cs typeface="Courier New" panose="02070309020205020404" pitchFamily="49" charset="0"/>
-              </a:rPr>
-              <a:t>Likelihood Ratio 1.96  4    0.742</a:t>
-            </a:r>
-          </a:p>
-        </p:txBody>
-      </p:sp>
-      <p:pic>
-        <p:nvPicPr>
-          <p:cNvPr id="9" name="Picture 8">
-            <a:extLst>
-              <a:ext uri="{FF2B5EF4-FFF2-40B4-BE49-F238E27FC236}">
-                <a16:creationId xmlns:a16="http://schemas.microsoft.com/office/drawing/2014/main" id="{76422B9C-66A1-425C-9DA3-7A58FB6E6A31}"/>
-              </a:ext>
-            </a:extLst>
-          </p:cNvPr>
-          <p:cNvPicPr>
-            <a:picLocks noChangeAspect="1"/>
-          </p:cNvPicPr>
-          <p:nvPr/>
-        </p:nvPicPr>
-        <p:blipFill>
-          <a:blip r:embed="rId2"/>
-          <a:stretch>
-            <a:fillRect/>
-          </a:stretch>
-        </p:blipFill>
-        <p:spPr>
-          <a:xfrm>
-            <a:off x="457200" y="4310530"/>
-            <a:ext cx="8285714" cy="1314286"/>
-          </a:xfrm>
-          <a:prstGeom prst="rect">
-            <a:avLst/>
-          </a:prstGeom>
-        </p:spPr>
-      </p:pic>
-    </p:spTree>
-    <p:extLst>
-      <p:ext uri="{BB962C8B-B14F-4D97-AF65-F5344CB8AC3E}">
-        <p14:creationId xmlns:p14="http://schemas.microsoft.com/office/powerpoint/2010/main" val="525136733"/>
-      </p:ext>
-    </p:extLst>
-  </p:cSld>
-  <p:clrMapOvr>
-    <a:masterClrMapping/>
-  </p:clrMapOvr>
-</p:sld>
-</file>
-
-<file path=ppt/slides/slide28.xml><?xml version="1.0" encoding="utf-8"?>
-<p:sld xmlns:a="http://schemas.openxmlformats.org/drawingml/2006/main" xmlns:r="http://schemas.openxmlformats.org/officeDocument/2006/relationships" xmlns:p="http://schemas.openxmlformats.org/presentationml/2006/main">
-  <p:cSld>
-    <p:spTree>
-      <p:nvGrpSpPr>
-        <p:cNvPr id="1" name=""/>
-        <p:cNvGrpSpPr/>
-        <p:nvPr/>
-      </p:nvGrpSpPr>
-      <p:grpSpPr>
-        <a:xfrm>
-          <a:off x="0" y="0"/>
-          <a:ext cx="0" cy="0"/>
-          <a:chOff x="0" y="0"/>
-          <a:chExt cx="0" cy="0"/>
-        </a:xfrm>
-      </p:grpSpPr>
-      <p:sp>
-        <p:nvSpPr>
-          <p:cNvPr id="2" name="Title 1">
-            <a:extLst>
-              <a:ext uri="{FF2B5EF4-FFF2-40B4-BE49-F238E27FC236}">
-                <a16:creationId xmlns:a16="http://schemas.microsoft.com/office/drawing/2014/main" id="{A91E6BE6-1044-4FC7-B547-48F9E948A756}"/>
-              </a:ext>
-            </a:extLst>
-          </p:cNvPr>
-          <p:cNvSpPr>
-            <a:spLocks noGrp="1"/>
-          </p:cNvSpPr>
-          <p:nvPr>
-            <p:ph type="title"/>
-          </p:nvPr>
-        </p:nvSpPr>
-        <p:spPr/>
-        <p:txBody>
-          <a:bodyPr>
-            <a:normAutofit fontScale="90000"/>
-          </a:bodyPr>
-          <a:lstStyle/>
-          <a:p>
-            <a:r>
-              <a:rPr lang="en-US" dirty="0"/>
-              <a:t>Federalist papers: Rootograms</a:t>
-            </a:r>
-          </a:p>
-        </p:txBody>
-      </p:sp>
-      <p:sp>
-        <p:nvSpPr>
-          <p:cNvPr id="3" name="Slide Number Placeholder 2">
-            <a:extLst>
-              <a:ext uri="{FF2B5EF4-FFF2-40B4-BE49-F238E27FC236}">
-                <a16:creationId xmlns:a16="http://schemas.microsoft.com/office/drawing/2014/main" id="{D69FCCF3-0CB5-415D-A501-1D64EEC398A2}"/>
-              </a:ext>
-            </a:extLst>
-          </p:cNvPr>
-          <p:cNvSpPr>
-            <a:spLocks noGrp="1"/>
-          </p:cNvSpPr>
-          <p:nvPr>
-            <p:ph type="sldNum" sz="quarter" idx="12"/>
-          </p:nvPr>
-        </p:nvSpPr>
-        <p:spPr/>
-        <p:txBody>
-          <a:bodyPr/>
-          <a:lstStyle/>
-          <a:p>
-            <a:fld id="{621225AB-15B9-4C79-A121-04D1DC7E2307}" type="slidenum">
-              <a:rPr lang="en-US" smtClean="0"/>
-              <a:t>28</a:t>
-            </a:fld>
-            <a:endParaRPr lang="en-US"/>
-          </a:p>
-        </p:txBody>
-      </p:sp>
-      <p:sp>
-        <p:nvSpPr>
-          <p:cNvPr id="4" name="TextBox 3">
-            <a:extLst>
-              <a:ext uri="{FF2B5EF4-FFF2-40B4-BE49-F238E27FC236}">
-                <a16:creationId xmlns:a16="http://schemas.microsoft.com/office/drawing/2014/main" id="{0D44720C-7E83-4785-A2BF-781F53A2A81E}"/>
-              </a:ext>
-            </a:extLst>
-          </p:cNvPr>
-          <p:cNvSpPr txBox="1"/>
-          <p:nvPr/>
-        </p:nvSpPr>
-        <p:spPr>
-          <a:xfrm>
-            <a:off x="457200" y="1295400"/>
-            <a:ext cx="8229600" cy="646331"/>
-          </a:xfrm>
-          <a:prstGeom prst="rect">
-            <a:avLst/>
-          </a:prstGeom>
-          <a:noFill/>
-        </p:spPr>
-        <p:txBody>
-          <a:bodyPr wrap="square" rtlCol="0">
-            <a:spAutoFit/>
-          </a:bodyPr>
-          <a:lstStyle/>
-          <a:p>
-            <a:r>
-              <a:rPr lang="en-US" dirty="0"/>
-              <a:t>Hanging rootograms for the Federalist papers data, comparing Poisson and Negative binomial</a:t>
-            </a:r>
-          </a:p>
-        </p:txBody>
-      </p:sp>
-      <p:sp>
-        <p:nvSpPr>
-          <p:cNvPr id="5" name="TextBox 4">
-            <a:extLst>
-              <a:ext uri="{FF2B5EF4-FFF2-40B4-BE49-F238E27FC236}">
-                <a16:creationId xmlns:a16="http://schemas.microsoft.com/office/drawing/2014/main" id="{4EB92838-0C0E-4BD7-94FF-3CF73032C988}"/>
-              </a:ext>
-            </a:extLst>
-          </p:cNvPr>
-          <p:cNvSpPr txBox="1"/>
-          <p:nvPr/>
-        </p:nvSpPr>
-        <p:spPr>
-          <a:xfrm>
-            <a:off x="457200" y="2076012"/>
-            <a:ext cx="8229600" cy="584775"/>
-          </a:xfrm>
-          <a:prstGeom prst="rect">
-            <a:avLst/>
-          </a:prstGeom>
-          <a:solidFill>
-            <a:schemeClr val="accent6">
-              <a:lumMod val="20000"/>
-              <a:lumOff val="80000"/>
-              <a:alpha val="60000"/>
-            </a:schemeClr>
-          </a:solidFill>
-        </p:spPr>
-        <p:txBody>
-          <a:bodyPr wrap="square" rtlCol="0">
-            <a:spAutoFit/>
-          </a:bodyPr>
-          <a:lstStyle/>
-          <a:p>
-            <a:r>
-              <a:rPr lang="en-US" sz="1600" dirty="0">
-                <a:latin typeface="Courier New" panose="02070309020205020404" pitchFamily="49" charset="0"/>
-                <a:cs typeface="Courier New" panose="02070309020205020404" pitchFamily="49" charset="0"/>
-              </a:rPr>
-              <a:t>&gt; plot(Fed.fit0, main = "Poisson")</a:t>
-            </a:r>
-          </a:p>
-          <a:p>
-            <a:r>
-              <a:rPr lang="en-US" sz="1600" dirty="0">
-                <a:latin typeface="Courier New" panose="02070309020205020404" pitchFamily="49" charset="0"/>
-                <a:cs typeface="Courier New" panose="02070309020205020404" pitchFamily="49" charset="0"/>
-              </a:rPr>
-              <a:t>&gt; plot(Fed.fit1, main = "Negative binomial")</a:t>
-            </a:r>
-          </a:p>
-        </p:txBody>
-      </p:sp>
-      <p:pic>
-        <p:nvPicPr>
-          <p:cNvPr id="6" name="Picture 5">
-            <a:extLst>
-              <a:ext uri="{FF2B5EF4-FFF2-40B4-BE49-F238E27FC236}">
-                <a16:creationId xmlns:a16="http://schemas.microsoft.com/office/drawing/2014/main" id="{4F5DCAC5-B66F-49B1-9AF4-5C13D670030A}"/>
-              </a:ext>
-            </a:extLst>
-          </p:cNvPr>
-          <p:cNvPicPr>
-            <a:picLocks noChangeAspect="1"/>
-          </p:cNvPicPr>
-          <p:nvPr/>
-        </p:nvPicPr>
-        <p:blipFill>
-          <a:blip r:embed="rId2"/>
-          <a:stretch>
-            <a:fillRect/>
-          </a:stretch>
-        </p:blipFill>
-        <p:spPr>
-          <a:xfrm>
-            <a:off x="675744" y="3200400"/>
-            <a:ext cx="8038095" cy="3276190"/>
-          </a:xfrm>
-          <a:prstGeom prst="rect">
-            <a:avLst/>
-          </a:prstGeom>
-        </p:spPr>
-      </p:pic>
-    </p:spTree>
-    <p:extLst>
-      <p:ext uri="{BB962C8B-B14F-4D97-AF65-F5344CB8AC3E}">
-        <p14:creationId xmlns:p14="http://schemas.microsoft.com/office/powerpoint/2010/main" val="1309456658"/>
-      </p:ext>
-    </p:extLst>
-  </p:cSld>
-  <p:clrMapOvr>
-    <a:masterClrMapping/>
-  </p:clrMapOvr>
-</p:sld>
-</file>
-
-<file path=ppt/slides/slide29.xml><?xml version="1.0" encoding="utf-8"?>
-<p:sld xmlns:a="http://schemas.openxmlformats.org/drawingml/2006/main" xmlns:r="http://schemas.openxmlformats.org/officeDocument/2006/relationships" xmlns:p="http://schemas.openxmlformats.org/presentationml/2006/main">
-  <p:cSld>
-    <p:spTree>
-      <p:nvGrpSpPr>
-        <p:cNvPr id="1" name=""/>
-        <p:cNvGrpSpPr/>
-        <p:nvPr/>
-      </p:nvGrpSpPr>
-      <p:grpSpPr>
-        <a:xfrm>
-          <a:off x="0" y="0"/>
-          <a:ext cx="0" cy="0"/>
-          <a:chOff x="0" y="0"/>
-          <a:chExt cx="0" cy="0"/>
-        </a:xfrm>
-      </p:grpSpPr>
-      <p:sp>
-        <p:nvSpPr>
-          <p:cNvPr id="2" name="Title 1">
-            <a:extLst>
-              <a:ext uri="{FF2B5EF4-FFF2-40B4-BE49-F238E27FC236}">
-                <a16:creationId xmlns:a16="http://schemas.microsoft.com/office/drawing/2014/main" id="{F4F35CCF-AED5-4108-A251-3DA72B6AB52C}"/>
-              </a:ext>
-            </a:extLst>
-          </p:cNvPr>
-          <p:cNvSpPr>
-            <a:spLocks noGrp="1"/>
-          </p:cNvSpPr>
-          <p:nvPr>
-            <p:ph type="title"/>
-          </p:nvPr>
-        </p:nvSpPr>
-        <p:spPr/>
-        <p:txBody>
-          <a:bodyPr>
-            <a:normAutofit fontScale="90000"/>
-          </a:bodyPr>
-          <a:lstStyle/>
-          <a:p>
-            <a:r>
-              <a:rPr lang="en-US" dirty="0"/>
-              <a:t>Butterfly data</a:t>
-            </a:r>
-          </a:p>
-        </p:txBody>
-      </p:sp>
-      <p:sp>
-        <p:nvSpPr>
-          <p:cNvPr id="3" name="Slide Number Placeholder 2">
-            <a:extLst>
-              <a:ext uri="{FF2B5EF4-FFF2-40B4-BE49-F238E27FC236}">
-                <a16:creationId xmlns:a16="http://schemas.microsoft.com/office/drawing/2014/main" id="{DD357A98-329E-4668-BC24-A7F729FA2659}"/>
-              </a:ext>
-            </a:extLst>
-          </p:cNvPr>
-          <p:cNvSpPr>
-            <a:spLocks noGrp="1"/>
-          </p:cNvSpPr>
-          <p:nvPr>
-            <p:ph type="sldNum" sz="quarter" idx="12"/>
-          </p:nvPr>
-        </p:nvSpPr>
-        <p:spPr/>
-        <p:txBody>
-          <a:bodyPr/>
-          <a:lstStyle/>
-          <a:p>
-            <a:fld id="{621225AB-15B9-4C79-A121-04D1DC7E2307}" type="slidenum">
-              <a:rPr lang="en-US" smtClean="0"/>
-              <a:t>29</a:t>
-            </a:fld>
-            <a:endParaRPr lang="en-US"/>
-          </a:p>
-        </p:txBody>
-      </p:sp>
-      <p:sp>
-        <p:nvSpPr>
-          <p:cNvPr id="4" name="TextBox 3">
-            <a:extLst>
-              <a:ext uri="{FF2B5EF4-FFF2-40B4-BE49-F238E27FC236}">
-                <a16:creationId xmlns:a16="http://schemas.microsoft.com/office/drawing/2014/main" id="{2753D545-9245-4942-99FC-0ECD05806E40}"/>
-              </a:ext>
-            </a:extLst>
-          </p:cNvPr>
-          <p:cNvSpPr txBox="1"/>
-          <p:nvPr/>
-        </p:nvSpPr>
-        <p:spPr>
-          <a:xfrm>
-            <a:off x="457200" y="1295400"/>
-            <a:ext cx="8229600" cy="369332"/>
-          </a:xfrm>
-          <a:prstGeom prst="rect">
-            <a:avLst/>
-          </a:prstGeom>
-          <a:noFill/>
-        </p:spPr>
-        <p:txBody>
-          <a:bodyPr wrap="square" rtlCol="0">
-            <a:spAutoFit/>
-          </a:bodyPr>
-          <a:lstStyle/>
-          <a:p>
-            <a:r>
-              <a:rPr lang="en-US" dirty="0"/>
-              <a:t>Both Poisson and Negative binomial are terrible fits!   What to do??</a:t>
-            </a:r>
-          </a:p>
-        </p:txBody>
-      </p:sp>
-      <p:pic>
-        <p:nvPicPr>
-          <p:cNvPr id="5" name="Picture 4">
-            <a:extLst>
-              <a:ext uri="{FF2B5EF4-FFF2-40B4-BE49-F238E27FC236}">
-                <a16:creationId xmlns:a16="http://schemas.microsoft.com/office/drawing/2014/main" id="{748BF931-FF32-48F6-8529-622B7184A63F}"/>
-              </a:ext>
-            </a:extLst>
-          </p:cNvPr>
-          <p:cNvPicPr>
-            <a:picLocks noChangeAspect="1"/>
-          </p:cNvPicPr>
-          <p:nvPr/>
-        </p:nvPicPr>
-        <p:blipFill>
-          <a:blip r:embed="rId2"/>
-          <a:stretch>
-            <a:fillRect/>
-          </a:stretch>
-        </p:blipFill>
-        <p:spPr>
-          <a:xfrm>
-            <a:off x="493686" y="1905000"/>
-            <a:ext cx="8180952" cy="4552381"/>
-          </a:xfrm>
-          <a:prstGeom prst="rect">
-            <a:avLst/>
-          </a:prstGeom>
-        </p:spPr>
-      </p:pic>
-    </p:spTree>
-    <p:extLst>
-      <p:ext uri="{BB962C8B-B14F-4D97-AF65-F5344CB8AC3E}">
-        <p14:creationId xmlns:p14="http://schemas.microsoft.com/office/powerpoint/2010/main" val="2936555555"/>
       </p:ext>
     </p:extLst>
   </p:cSld>
@@ -21847,6 +22002,673 @@
           <p:cNvPr id="2" name="Title 1">
             <a:extLst>
               <a:ext uri="{FF2B5EF4-FFF2-40B4-BE49-F238E27FC236}">
+                <a16:creationId xmlns:a16="http://schemas.microsoft.com/office/drawing/2014/main" id="{CC75B64B-19A8-437F-AA64-2404A9A8C19C}"/>
+              </a:ext>
+            </a:extLst>
+          </p:cNvPr>
+          <p:cNvSpPr>
+            <a:spLocks noGrp="1"/>
+          </p:cNvSpPr>
+          <p:nvPr>
+            <p:ph type="title"/>
+          </p:nvPr>
+        </p:nvSpPr>
+        <p:spPr/>
+        <p:txBody>
+          <a:bodyPr>
+            <a:normAutofit fontScale="90000"/>
+          </a:bodyPr>
+          <a:lstStyle/>
+          <a:p>
+            <a:r>
+              <a:rPr lang="en-US" dirty="0"/>
+              <a:t>Example: Federalist papers</a:t>
+            </a:r>
+          </a:p>
+        </p:txBody>
+      </p:sp>
+      <p:sp>
+        <p:nvSpPr>
+          <p:cNvPr id="3" name="Slide Number Placeholder 2">
+            <a:extLst>
+              <a:ext uri="{FF2B5EF4-FFF2-40B4-BE49-F238E27FC236}">
+                <a16:creationId xmlns:a16="http://schemas.microsoft.com/office/drawing/2014/main" id="{3FE24799-2E4E-480D-BA43-6D8E51BCEEE5}"/>
+              </a:ext>
+            </a:extLst>
+          </p:cNvPr>
+          <p:cNvSpPr>
+            <a:spLocks noGrp="1"/>
+          </p:cNvSpPr>
+          <p:nvPr>
+            <p:ph type="sldNum" sz="quarter" idx="12"/>
+          </p:nvPr>
+        </p:nvSpPr>
+        <p:spPr/>
+        <p:txBody>
+          <a:bodyPr/>
+          <a:lstStyle/>
+          <a:p>
+            <a:fld id="{621225AB-15B9-4C79-A121-04D1DC7E2307}" type="slidenum">
+              <a:rPr lang="en-US" smtClean="0"/>
+              <a:t>30</a:t>
+            </a:fld>
+            <a:endParaRPr lang="en-US"/>
+          </a:p>
+        </p:txBody>
+      </p:sp>
+      <p:sp>
+        <p:nvSpPr>
+          <p:cNvPr id="5" name="TextBox 4">
+            <a:extLst>
+              <a:ext uri="{FF2B5EF4-FFF2-40B4-BE49-F238E27FC236}">
+                <a16:creationId xmlns:a16="http://schemas.microsoft.com/office/drawing/2014/main" id="{DB16FA5E-85AF-4604-A4B2-97809D5C12D5}"/>
+              </a:ext>
+            </a:extLst>
+          </p:cNvPr>
+          <p:cNvSpPr txBox="1"/>
+          <p:nvPr/>
+        </p:nvSpPr>
+        <p:spPr>
+          <a:xfrm>
+            <a:off x="457200" y="1265486"/>
+            <a:ext cx="5486400" cy="369332"/>
+          </a:xfrm>
+          <a:prstGeom prst="rect">
+            <a:avLst/>
+          </a:prstGeom>
+          <a:noFill/>
+        </p:spPr>
+        <p:txBody>
+          <a:bodyPr wrap="square" rtlCol="0">
+            <a:spAutoFit/>
+          </a:bodyPr>
+          <a:lstStyle/>
+          <a:p>
+            <a:r>
+              <a:rPr lang="en-US" dirty="0"/>
+              <a:t>Try the Negative binomial distribution</a:t>
+            </a:r>
+          </a:p>
+        </p:txBody>
+      </p:sp>
+      <p:sp>
+        <p:nvSpPr>
+          <p:cNvPr id="7" name="TextBox 6">
+            <a:extLst>
+              <a:ext uri="{FF2B5EF4-FFF2-40B4-BE49-F238E27FC236}">
+                <a16:creationId xmlns:a16="http://schemas.microsoft.com/office/drawing/2014/main" id="{FAE04EB8-2540-497F-8882-142FE318F698}"/>
+              </a:ext>
+            </a:extLst>
+          </p:cNvPr>
+          <p:cNvSpPr txBox="1"/>
+          <p:nvPr/>
+        </p:nvSpPr>
+        <p:spPr>
+          <a:xfrm>
+            <a:off x="609600" y="1905000"/>
+            <a:ext cx="7467600" cy="1815882"/>
+          </a:xfrm>
+          <a:prstGeom prst="rect">
+            <a:avLst/>
+          </a:prstGeom>
+          <a:solidFill>
+            <a:schemeClr val="accent6">
+              <a:lumMod val="20000"/>
+              <a:lumOff val="80000"/>
+              <a:alpha val="60000"/>
+            </a:schemeClr>
+          </a:solidFill>
+        </p:spPr>
+        <p:txBody>
+          <a:bodyPr wrap="square" rtlCol="0">
+            <a:spAutoFit/>
+          </a:bodyPr>
+          <a:lstStyle/>
+          <a:p>
+            <a:r>
+              <a:rPr lang="en-US" sz="1600" dirty="0">
+                <a:solidFill>
+                  <a:srgbClr val="0070C0"/>
+                </a:solidFill>
+                <a:latin typeface="Courier New" panose="02070309020205020404" pitchFamily="49" charset="0"/>
+                <a:cs typeface="Courier New" panose="02070309020205020404" pitchFamily="49" charset="0"/>
+              </a:rPr>
+              <a:t>&gt; Fed.fit1&lt;- </a:t>
+            </a:r>
+            <a:r>
+              <a:rPr lang="en-US" sz="1600" dirty="0" err="1">
+                <a:solidFill>
+                  <a:srgbClr val="0070C0"/>
+                </a:solidFill>
+                <a:latin typeface="Courier New" panose="02070309020205020404" pitchFamily="49" charset="0"/>
+                <a:cs typeface="Courier New" panose="02070309020205020404" pitchFamily="49" charset="0"/>
+              </a:rPr>
+              <a:t>goodfit</a:t>
+            </a:r>
+            <a:r>
+              <a:rPr lang="en-US" sz="1600" dirty="0">
+                <a:solidFill>
+                  <a:srgbClr val="0070C0"/>
+                </a:solidFill>
+                <a:latin typeface="Courier New" panose="02070309020205020404" pitchFamily="49" charset="0"/>
+                <a:cs typeface="Courier New" panose="02070309020205020404" pitchFamily="49" charset="0"/>
+              </a:rPr>
+              <a:t>(Federalist, type="</a:t>
+            </a:r>
+            <a:r>
+              <a:rPr lang="en-US" sz="1600" dirty="0" err="1">
+                <a:solidFill>
+                  <a:srgbClr val="0070C0"/>
+                </a:solidFill>
+                <a:latin typeface="Courier New" panose="02070309020205020404" pitchFamily="49" charset="0"/>
+                <a:cs typeface="Courier New" panose="02070309020205020404" pitchFamily="49" charset="0"/>
+              </a:rPr>
+              <a:t>nbinomial</a:t>
+            </a:r>
+            <a:r>
+              <a:rPr lang="en-US" sz="1600" dirty="0">
+                <a:solidFill>
+                  <a:srgbClr val="0070C0"/>
+                </a:solidFill>
+                <a:latin typeface="Courier New" panose="02070309020205020404" pitchFamily="49" charset="0"/>
+                <a:cs typeface="Courier New" panose="02070309020205020404" pitchFamily="49" charset="0"/>
+              </a:rPr>
+              <a:t>")</a:t>
+            </a:r>
+          </a:p>
+          <a:p>
+            <a:r>
+              <a:rPr lang="en-US" sz="1600" dirty="0">
+                <a:solidFill>
+                  <a:srgbClr val="0070C0"/>
+                </a:solidFill>
+                <a:latin typeface="Courier New" panose="02070309020205020404" pitchFamily="49" charset="0"/>
+                <a:cs typeface="Courier New" panose="02070309020205020404" pitchFamily="49" charset="0"/>
+              </a:rPr>
+              <a:t>&gt; summary(Fed.fit1)</a:t>
+            </a:r>
+          </a:p>
+          <a:p>
+            <a:endParaRPr lang="en-US" sz="1600" dirty="0">
+              <a:latin typeface="Courier New" panose="02070309020205020404" pitchFamily="49" charset="0"/>
+              <a:cs typeface="Courier New" panose="02070309020205020404" pitchFamily="49" charset="0"/>
+            </a:endParaRPr>
+          </a:p>
+          <a:p>
+            <a:r>
+              <a:rPr lang="en-US" sz="1600" dirty="0">
+                <a:latin typeface="Courier New" panose="02070309020205020404" pitchFamily="49" charset="0"/>
+                <a:cs typeface="Courier New" panose="02070309020205020404" pitchFamily="49" charset="0"/>
+              </a:rPr>
+              <a:t>	 Goodness-of-fit test for </a:t>
+            </a:r>
+            <a:r>
+              <a:rPr lang="en-US" sz="1600" dirty="0" err="1">
+                <a:latin typeface="Courier New" panose="02070309020205020404" pitchFamily="49" charset="0"/>
+                <a:cs typeface="Courier New" panose="02070309020205020404" pitchFamily="49" charset="0"/>
+              </a:rPr>
+              <a:t>nbinomial</a:t>
+            </a:r>
+            <a:r>
+              <a:rPr lang="en-US" sz="1600" dirty="0">
+                <a:latin typeface="Courier New" panose="02070309020205020404" pitchFamily="49" charset="0"/>
+                <a:cs typeface="Courier New" panose="02070309020205020404" pitchFamily="49" charset="0"/>
+              </a:rPr>
+              <a:t> distribution</a:t>
+            </a:r>
+          </a:p>
+          <a:p>
+            <a:endParaRPr lang="en-US" sz="1600" dirty="0">
+              <a:latin typeface="Courier New" panose="02070309020205020404" pitchFamily="49" charset="0"/>
+              <a:cs typeface="Courier New" panose="02070309020205020404" pitchFamily="49" charset="0"/>
+            </a:endParaRPr>
+          </a:p>
+          <a:p>
+            <a:r>
+              <a:rPr lang="en-US" sz="1600" dirty="0">
+                <a:latin typeface="Courier New" panose="02070309020205020404" pitchFamily="49" charset="0"/>
+                <a:cs typeface="Courier New" panose="02070309020205020404" pitchFamily="49" charset="0"/>
+              </a:rPr>
+              <a:t>                  X^2 df P(&gt; X^2)</a:t>
+            </a:r>
+          </a:p>
+          <a:p>
+            <a:r>
+              <a:rPr lang="en-US" sz="1600" dirty="0">
+                <a:latin typeface="Courier New" panose="02070309020205020404" pitchFamily="49" charset="0"/>
+                <a:cs typeface="Courier New" panose="02070309020205020404" pitchFamily="49" charset="0"/>
+              </a:rPr>
+              <a:t>Likelihood Ratio 1.96  4    0.742</a:t>
+            </a:r>
+          </a:p>
+        </p:txBody>
+      </p:sp>
+      <p:pic>
+        <p:nvPicPr>
+          <p:cNvPr id="9" name="Picture 8">
+            <a:extLst>
+              <a:ext uri="{FF2B5EF4-FFF2-40B4-BE49-F238E27FC236}">
+                <a16:creationId xmlns:a16="http://schemas.microsoft.com/office/drawing/2014/main" id="{76422B9C-66A1-425C-9DA3-7A58FB6E6A31}"/>
+              </a:ext>
+            </a:extLst>
+          </p:cNvPr>
+          <p:cNvPicPr>
+            <a:picLocks noChangeAspect="1"/>
+          </p:cNvPicPr>
+          <p:nvPr/>
+        </p:nvPicPr>
+        <p:blipFill>
+          <a:blip r:embed="rId2"/>
+          <a:stretch>
+            <a:fillRect/>
+          </a:stretch>
+        </p:blipFill>
+        <p:spPr>
+          <a:xfrm>
+            <a:off x="457200" y="4310530"/>
+            <a:ext cx="8285714" cy="1314286"/>
+          </a:xfrm>
+          <a:prstGeom prst="rect">
+            <a:avLst/>
+          </a:prstGeom>
+        </p:spPr>
+      </p:pic>
+    </p:spTree>
+    <p:extLst>
+      <p:ext uri="{BB962C8B-B14F-4D97-AF65-F5344CB8AC3E}">
+        <p14:creationId xmlns:p14="http://schemas.microsoft.com/office/powerpoint/2010/main" val="525136733"/>
+      </p:ext>
+    </p:extLst>
+  </p:cSld>
+  <p:clrMapOvr>
+    <a:masterClrMapping/>
+  </p:clrMapOvr>
+</p:sld>
+</file>
+
+<file path=ppt/slides/slide31.xml><?xml version="1.0" encoding="utf-8"?>
+<p:sld xmlns:a="http://schemas.openxmlformats.org/drawingml/2006/main" xmlns:r="http://schemas.openxmlformats.org/officeDocument/2006/relationships" xmlns:p="http://schemas.openxmlformats.org/presentationml/2006/main">
+  <p:cSld>
+    <p:spTree>
+      <p:nvGrpSpPr>
+        <p:cNvPr id="1" name=""/>
+        <p:cNvGrpSpPr/>
+        <p:nvPr/>
+      </p:nvGrpSpPr>
+      <p:grpSpPr>
+        <a:xfrm>
+          <a:off x="0" y="0"/>
+          <a:ext cx="0" cy="0"/>
+          <a:chOff x="0" y="0"/>
+          <a:chExt cx="0" cy="0"/>
+        </a:xfrm>
+      </p:grpSpPr>
+      <p:sp>
+        <p:nvSpPr>
+          <p:cNvPr id="2" name="Title 1">
+            <a:extLst>
+              <a:ext uri="{FF2B5EF4-FFF2-40B4-BE49-F238E27FC236}">
+                <a16:creationId xmlns:a16="http://schemas.microsoft.com/office/drawing/2014/main" id="{A91E6BE6-1044-4FC7-B547-48F9E948A756}"/>
+              </a:ext>
+            </a:extLst>
+          </p:cNvPr>
+          <p:cNvSpPr>
+            <a:spLocks noGrp="1"/>
+          </p:cNvSpPr>
+          <p:nvPr>
+            <p:ph type="title"/>
+          </p:nvPr>
+        </p:nvSpPr>
+        <p:spPr/>
+        <p:txBody>
+          <a:bodyPr>
+            <a:normAutofit fontScale="90000"/>
+          </a:bodyPr>
+          <a:lstStyle/>
+          <a:p>
+            <a:r>
+              <a:rPr lang="en-US" dirty="0"/>
+              <a:t>Federalist papers: Rootograms</a:t>
+            </a:r>
+          </a:p>
+        </p:txBody>
+      </p:sp>
+      <p:sp>
+        <p:nvSpPr>
+          <p:cNvPr id="3" name="Slide Number Placeholder 2">
+            <a:extLst>
+              <a:ext uri="{FF2B5EF4-FFF2-40B4-BE49-F238E27FC236}">
+                <a16:creationId xmlns:a16="http://schemas.microsoft.com/office/drawing/2014/main" id="{D69FCCF3-0CB5-415D-A501-1D64EEC398A2}"/>
+              </a:ext>
+            </a:extLst>
+          </p:cNvPr>
+          <p:cNvSpPr>
+            <a:spLocks noGrp="1"/>
+          </p:cNvSpPr>
+          <p:nvPr>
+            <p:ph type="sldNum" sz="quarter" idx="12"/>
+          </p:nvPr>
+        </p:nvSpPr>
+        <p:spPr/>
+        <p:txBody>
+          <a:bodyPr/>
+          <a:lstStyle/>
+          <a:p>
+            <a:fld id="{621225AB-15B9-4C79-A121-04D1DC7E2307}" type="slidenum">
+              <a:rPr lang="en-US" smtClean="0"/>
+              <a:t>31</a:t>
+            </a:fld>
+            <a:endParaRPr lang="en-US"/>
+          </a:p>
+        </p:txBody>
+      </p:sp>
+      <p:sp>
+        <p:nvSpPr>
+          <p:cNvPr id="4" name="TextBox 3">
+            <a:extLst>
+              <a:ext uri="{FF2B5EF4-FFF2-40B4-BE49-F238E27FC236}">
+                <a16:creationId xmlns:a16="http://schemas.microsoft.com/office/drawing/2014/main" id="{0D44720C-7E83-4785-A2BF-781F53A2A81E}"/>
+              </a:ext>
+            </a:extLst>
+          </p:cNvPr>
+          <p:cNvSpPr txBox="1"/>
+          <p:nvPr/>
+        </p:nvSpPr>
+        <p:spPr>
+          <a:xfrm>
+            <a:off x="457200" y="1295400"/>
+            <a:ext cx="8229600" cy="646331"/>
+          </a:xfrm>
+          <a:prstGeom prst="rect">
+            <a:avLst/>
+          </a:prstGeom>
+          <a:noFill/>
+        </p:spPr>
+        <p:txBody>
+          <a:bodyPr wrap="square" rtlCol="0">
+            <a:spAutoFit/>
+          </a:bodyPr>
+          <a:lstStyle/>
+          <a:p>
+            <a:r>
+              <a:rPr lang="en-US" dirty="0"/>
+              <a:t>Hanging rootograms for the Federalist papers data, comparing Poisson and Negative binomial</a:t>
+            </a:r>
+          </a:p>
+        </p:txBody>
+      </p:sp>
+      <p:sp>
+        <p:nvSpPr>
+          <p:cNvPr id="5" name="TextBox 4">
+            <a:extLst>
+              <a:ext uri="{FF2B5EF4-FFF2-40B4-BE49-F238E27FC236}">
+                <a16:creationId xmlns:a16="http://schemas.microsoft.com/office/drawing/2014/main" id="{4EB92838-0C0E-4BD7-94FF-3CF73032C988}"/>
+              </a:ext>
+            </a:extLst>
+          </p:cNvPr>
+          <p:cNvSpPr txBox="1"/>
+          <p:nvPr/>
+        </p:nvSpPr>
+        <p:spPr>
+          <a:xfrm>
+            <a:off x="457200" y="2076012"/>
+            <a:ext cx="8229600" cy="584775"/>
+          </a:xfrm>
+          <a:prstGeom prst="rect">
+            <a:avLst/>
+          </a:prstGeom>
+          <a:solidFill>
+            <a:schemeClr val="accent6">
+              <a:lumMod val="20000"/>
+              <a:lumOff val="80000"/>
+              <a:alpha val="60000"/>
+            </a:schemeClr>
+          </a:solidFill>
+        </p:spPr>
+        <p:txBody>
+          <a:bodyPr wrap="square" rtlCol="0">
+            <a:spAutoFit/>
+          </a:bodyPr>
+          <a:lstStyle/>
+          <a:p>
+            <a:r>
+              <a:rPr lang="en-US" sz="1600" dirty="0">
+                <a:latin typeface="Courier New" panose="02070309020205020404" pitchFamily="49" charset="0"/>
+                <a:cs typeface="Courier New" panose="02070309020205020404" pitchFamily="49" charset="0"/>
+              </a:rPr>
+              <a:t>&gt; plot(Fed.fit0, main = "Poisson")</a:t>
+            </a:r>
+          </a:p>
+          <a:p>
+            <a:r>
+              <a:rPr lang="en-US" sz="1600" dirty="0">
+                <a:latin typeface="Courier New" panose="02070309020205020404" pitchFamily="49" charset="0"/>
+                <a:cs typeface="Courier New" panose="02070309020205020404" pitchFamily="49" charset="0"/>
+              </a:rPr>
+              <a:t>&gt; plot(Fed.fit1, main = "Negative binomial")</a:t>
+            </a:r>
+          </a:p>
+        </p:txBody>
+      </p:sp>
+      <p:pic>
+        <p:nvPicPr>
+          <p:cNvPr id="6" name="Picture 5">
+            <a:extLst>
+              <a:ext uri="{FF2B5EF4-FFF2-40B4-BE49-F238E27FC236}">
+                <a16:creationId xmlns:a16="http://schemas.microsoft.com/office/drawing/2014/main" id="{4F5DCAC5-B66F-49B1-9AF4-5C13D670030A}"/>
+              </a:ext>
+            </a:extLst>
+          </p:cNvPr>
+          <p:cNvPicPr>
+            <a:picLocks noChangeAspect="1"/>
+          </p:cNvPicPr>
+          <p:nvPr/>
+        </p:nvPicPr>
+        <p:blipFill>
+          <a:blip r:embed="rId2"/>
+          <a:stretch>
+            <a:fillRect/>
+          </a:stretch>
+        </p:blipFill>
+        <p:spPr>
+          <a:xfrm>
+            <a:off x="675744" y="3200400"/>
+            <a:ext cx="8038095" cy="3276190"/>
+          </a:xfrm>
+          <a:prstGeom prst="rect">
+            <a:avLst/>
+          </a:prstGeom>
+        </p:spPr>
+      </p:pic>
+    </p:spTree>
+    <p:extLst>
+      <p:ext uri="{BB962C8B-B14F-4D97-AF65-F5344CB8AC3E}">
+        <p14:creationId xmlns:p14="http://schemas.microsoft.com/office/powerpoint/2010/main" val="1309456658"/>
+      </p:ext>
+    </p:extLst>
+  </p:cSld>
+  <p:clrMapOvr>
+    <a:masterClrMapping/>
+  </p:clrMapOvr>
+</p:sld>
+</file>
+
+<file path=ppt/slides/slide32.xml><?xml version="1.0" encoding="utf-8"?>
+<p:sld xmlns:a="http://schemas.openxmlformats.org/drawingml/2006/main" xmlns:r="http://schemas.openxmlformats.org/officeDocument/2006/relationships" xmlns:p="http://schemas.openxmlformats.org/presentationml/2006/main">
+  <p:cSld>
+    <p:spTree>
+      <p:nvGrpSpPr>
+        <p:cNvPr id="1" name=""/>
+        <p:cNvGrpSpPr/>
+        <p:nvPr/>
+      </p:nvGrpSpPr>
+      <p:grpSpPr>
+        <a:xfrm>
+          <a:off x="0" y="0"/>
+          <a:ext cx="0" cy="0"/>
+          <a:chOff x="0" y="0"/>
+          <a:chExt cx="0" cy="0"/>
+        </a:xfrm>
+      </p:grpSpPr>
+      <p:sp>
+        <p:nvSpPr>
+          <p:cNvPr id="2" name="Title 1">
+            <a:extLst>
+              <a:ext uri="{FF2B5EF4-FFF2-40B4-BE49-F238E27FC236}">
+                <a16:creationId xmlns:a16="http://schemas.microsoft.com/office/drawing/2014/main" id="{F4F35CCF-AED5-4108-A251-3DA72B6AB52C}"/>
+              </a:ext>
+            </a:extLst>
+          </p:cNvPr>
+          <p:cNvSpPr>
+            <a:spLocks noGrp="1"/>
+          </p:cNvSpPr>
+          <p:nvPr>
+            <p:ph type="title"/>
+          </p:nvPr>
+        </p:nvSpPr>
+        <p:spPr/>
+        <p:txBody>
+          <a:bodyPr>
+            <a:normAutofit fontScale="90000"/>
+          </a:bodyPr>
+          <a:lstStyle/>
+          <a:p>
+            <a:r>
+              <a:rPr lang="en-US" dirty="0"/>
+              <a:t>Butterfly data</a:t>
+            </a:r>
+          </a:p>
+        </p:txBody>
+      </p:sp>
+      <p:sp>
+        <p:nvSpPr>
+          <p:cNvPr id="3" name="Slide Number Placeholder 2">
+            <a:extLst>
+              <a:ext uri="{FF2B5EF4-FFF2-40B4-BE49-F238E27FC236}">
+                <a16:creationId xmlns:a16="http://schemas.microsoft.com/office/drawing/2014/main" id="{DD357A98-329E-4668-BC24-A7F729FA2659}"/>
+              </a:ext>
+            </a:extLst>
+          </p:cNvPr>
+          <p:cNvSpPr>
+            <a:spLocks noGrp="1"/>
+          </p:cNvSpPr>
+          <p:nvPr>
+            <p:ph type="sldNum" sz="quarter" idx="12"/>
+          </p:nvPr>
+        </p:nvSpPr>
+        <p:spPr/>
+        <p:txBody>
+          <a:bodyPr/>
+          <a:lstStyle/>
+          <a:p>
+            <a:fld id="{621225AB-15B9-4C79-A121-04D1DC7E2307}" type="slidenum">
+              <a:rPr lang="en-US" smtClean="0"/>
+              <a:t>32</a:t>
+            </a:fld>
+            <a:endParaRPr lang="en-US"/>
+          </a:p>
+        </p:txBody>
+      </p:sp>
+      <p:sp>
+        <p:nvSpPr>
+          <p:cNvPr id="4" name="TextBox 3">
+            <a:extLst>
+              <a:ext uri="{FF2B5EF4-FFF2-40B4-BE49-F238E27FC236}">
+                <a16:creationId xmlns:a16="http://schemas.microsoft.com/office/drawing/2014/main" id="{2753D545-9245-4942-99FC-0ECD05806E40}"/>
+              </a:ext>
+            </a:extLst>
+          </p:cNvPr>
+          <p:cNvSpPr txBox="1"/>
+          <p:nvPr/>
+        </p:nvSpPr>
+        <p:spPr>
+          <a:xfrm>
+            <a:off x="457200" y="1295400"/>
+            <a:ext cx="8229600" cy="369332"/>
+          </a:xfrm>
+          <a:prstGeom prst="rect">
+            <a:avLst/>
+          </a:prstGeom>
+          <a:noFill/>
+        </p:spPr>
+        <p:txBody>
+          <a:bodyPr wrap="square" rtlCol="0">
+            <a:spAutoFit/>
+          </a:bodyPr>
+          <a:lstStyle/>
+          <a:p>
+            <a:r>
+              <a:rPr lang="en-US" dirty="0"/>
+              <a:t>Both Poisson and Negative binomial are terrible fits!   What to do??</a:t>
+            </a:r>
+          </a:p>
+        </p:txBody>
+      </p:sp>
+      <p:pic>
+        <p:nvPicPr>
+          <p:cNvPr id="5" name="Picture 4">
+            <a:extLst>
+              <a:ext uri="{FF2B5EF4-FFF2-40B4-BE49-F238E27FC236}">
+                <a16:creationId xmlns:a16="http://schemas.microsoft.com/office/drawing/2014/main" id="{748BF931-FF32-48F6-8529-622B7184A63F}"/>
+              </a:ext>
+            </a:extLst>
+          </p:cNvPr>
+          <p:cNvPicPr>
+            <a:picLocks noChangeAspect="1"/>
+          </p:cNvPicPr>
+          <p:nvPr/>
+        </p:nvPicPr>
+        <p:blipFill>
+          <a:blip r:embed="rId2"/>
+          <a:stretch>
+            <a:fillRect/>
+          </a:stretch>
+        </p:blipFill>
+        <p:spPr>
+          <a:xfrm>
+            <a:off x="493686" y="1905000"/>
+            <a:ext cx="8180952" cy="4552381"/>
+          </a:xfrm>
+          <a:prstGeom prst="rect">
+            <a:avLst/>
+          </a:prstGeom>
+        </p:spPr>
+      </p:pic>
+    </p:spTree>
+    <p:extLst>
+      <p:ext uri="{BB962C8B-B14F-4D97-AF65-F5344CB8AC3E}">
+        <p14:creationId xmlns:p14="http://schemas.microsoft.com/office/powerpoint/2010/main" val="2936555555"/>
+      </p:ext>
+    </p:extLst>
+  </p:cSld>
+  <p:clrMapOvr>
+    <a:masterClrMapping/>
+  </p:clrMapOvr>
+</p:sld>
+</file>
+
+<file path=ppt/slides/slide33.xml><?xml version="1.0" encoding="utf-8"?>
+<p:sld xmlns:a="http://schemas.openxmlformats.org/drawingml/2006/main" xmlns:r="http://schemas.openxmlformats.org/officeDocument/2006/relationships" xmlns:p="http://schemas.openxmlformats.org/presentationml/2006/main">
+  <p:cSld>
+    <p:spTree>
+      <p:nvGrpSpPr>
+        <p:cNvPr id="1" name=""/>
+        <p:cNvGrpSpPr/>
+        <p:nvPr/>
+      </p:nvGrpSpPr>
+      <p:grpSpPr>
+        <a:xfrm>
+          <a:off x="0" y="0"/>
+          <a:ext cx="0" cy="0"/>
+          <a:chOff x="0" y="0"/>
+          <a:chExt cx="0" cy="0"/>
+        </a:xfrm>
+      </p:grpSpPr>
+      <p:sp>
+        <p:nvSpPr>
+          <p:cNvPr id="2" name="Title 1">
+            <a:extLst>
+              <a:ext uri="{FF2B5EF4-FFF2-40B4-BE49-F238E27FC236}">
                 <a16:creationId xmlns:a16="http://schemas.microsoft.com/office/drawing/2014/main" id="{819C93B2-6151-42A5-BF5C-2EB3D7DEEC0C}"/>
               </a:ext>
             </a:extLst>
@@ -21895,7 +22717,7 @@
           <a:p>
             <a:fld id="{621225AB-15B9-4C79-A121-04D1DC7E2307}" type="slidenum">
               <a:rPr lang="en-US" smtClean="0"/>
-              <a:t>30</a:t>
+              <a:t>33</a:t>
             </a:fld>
             <a:endParaRPr lang="en-US"/>
           </a:p>
@@ -21944,7 +22766,7 @@
 </p:sld>
 </file>
 
-<file path=ppt/slides/slide31.xml><?xml version="1.0" encoding="utf-8"?>
+<file path=ppt/slides/slide34.xml><?xml version="1.0" encoding="utf-8"?>
 <p:sld xmlns:a="http://schemas.openxmlformats.org/drawingml/2006/main" xmlns:r="http://schemas.openxmlformats.org/officeDocument/2006/relationships" xmlns:p="http://schemas.openxmlformats.org/presentationml/2006/main">
   <p:cSld>
     <p:spTree>
@@ -22014,7 +22836,7 @@
           <a:p>
             <a:fld id="{621225AB-15B9-4C79-A121-04D1DC7E2307}" type="slidenum">
               <a:rPr lang="en-US" smtClean="0"/>
-              <a:t>31</a:t>
+              <a:t>34</a:t>
             </a:fld>
             <a:endParaRPr lang="en-US"/>
           </a:p>
@@ -22303,7 +23125,7 @@
 </p:sld>
 </file>
 
-<file path=ppt/slides/slide32.xml><?xml version="1.0" encoding="utf-8"?>
+<file path=ppt/slides/slide35.xml><?xml version="1.0" encoding="utf-8"?>
 <p:sld xmlns:a="http://schemas.openxmlformats.org/drawingml/2006/main" xmlns:r="http://schemas.openxmlformats.org/officeDocument/2006/relationships" xmlns:p="http://schemas.openxmlformats.org/presentationml/2006/main">
   <p:cSld>
     <p:spTree>
@@ -22373,7 +23195,7 @@
           <a:p>
             <a:fld id="{621225AB-15B9-4C79-A121-04D1DC7E2307}" type="slidenum">
               <a:rPr lang="en-US" smtClean="0"/>
-              <a:t>32</a:t>
+              <a:t>35</a:t>
             </a:fld>
             <a:endParaRPr lang="en-US"/>
           </a:p>
@@ -22584,7 +23406,7 @@
 </p:sld>
 </file>
 
-<file path=ppt/slides/slide33.xml><?xml version="1.0" encoding="utf-8"?>
+<file path=ppt/slides/slide36.xml><?xml version="1.0" encoding="utf-8"?>
 <p:sld xmlns:a="http://schemas.openxmlformats.org/drawingml/2006/main" xmlns:r="http://schemas.openxmlformats.org/officeDocument/2006/relationships" xmlns:p="http://schemas.openxmlformats.org/presentationml/2006/main">
   <p:cSld>
     <p:spTree>
@@ -22654,7 +23476,7 @@
           <a:p>
             <a:fld id="{621225AB-15B9-4C79-A121-04D1DC7E2307}" type="slidenum">
               <a:rPr lang="en-US" smtClean="0"/>
-              <a:t>33</a:t>
+              <a:t>36</a:t>
             </a:fld>
             <a:endParaRPr lang="en-US"/>
           </a:p>
@@ -22782,7 +23604,7 @@
 </p:sld>
 </file>
 
-<file path=ppt/slides/slide34.xml><?xml version="1.0" encoding="utf-8"?>
+<file path=ppt/slides/slide37.xml><?xml version="1.0" encoding="utf-8"?>
 <p:sld xmlns:a="http://schemas.openxmlformats.org/drawingml/2006/main" xmlns:r="http://schemas.openxmlformats.org/officeDocument/2006/relationships" xmlns:p="http://schemas.openxmlformats.org/presentationml/2006/main">
   <p:cSld>
     <p:spTree>
@@ -22856,7 +23678,7 @@
           <a:p>
             <a:fld id="{621225AB-15B9-4C79-A121-04D1DC7E2307}" type="slidenum">
               <a:rPr lang="en-US" smtClean="0"/>
-              <a:t>34</a:t>
+              <a:t>37</a:t>
             </a:fld>
             <a:endParaRPr lang="en-US"/>
           </a:p>
@@ -22987,7 +23809,7 @@
 </p:sld>
 </file>
 
-<file path=ppt/slides/slide35.xml><?xml version="1.0" encoding="utf-8"?>
+<file path=ppt/slides/slide38.xml><?xml version="1.0" encoding="utf-8"?>
 <p:sld xmlns:a="http://schemas.openxmlformats.org/drawingml/2006/main" xmlns:r="http://schemas.openxmlformats.org/officeDocument/2006/relationships" xmlns:p="http://schemas.openxmlformats.org/presentationml/2006/main">
   <p:cSld>
     <p:spTree>
@@ -23057,7 +23879,7 @@
           <a:p>
             <a:fld id="{621225AB-15B9-4C79-A121-04D1DC7E2307}" type="slidenum">
               <a:rPr lang="en-US" smtClean="0"/>
-              <a:t>35</a:t>
+              <a:t>38</a:t>
             </a:fld>
             <a:endParaRPr lang="en-US"/>
           </a:p>
@@ -23211,7 +24033,7 @@
 </p:sld>
 </file>
 
-<file path=ppt/slides/slide36.xml><?xml version="1.0" encoding="utf-8"?>
+<file path=ppt/slides/slide39.xml><?xml version="1.0" encoding="utf-8"?>
 <p:sld xmlns:a="http://schemas.openxmlformats.org/drawingml/2006/main" xmlns:r="http://schemas.openxmlformats.org/officeDocument/2006/relationships" xmlns:p="http://schemas.openxmlformats.org/presentationml/2006/main">
   <p:cSld>
     <p:spTree>
@@ -23285,7 +24107,7 @@
           <a:p>
             <a:fld id="{621225AB-15B9-4C79-A121-04D1DC7E2307}" type="slidenum">
               <a:rPr lang="en-US" smtClean="0"/>
-              <a:t>36</a:t>
+              <a:t>39</a:t>
             </a:fld>
             <a:endParaRPr lang="en-US"/>
           </a:p>
@@ -23369,7 +24191,403 @@
 </p:sld>
 </file>
 
-<file path=ppt/slides/slide37.xml><?xml version="1.0" encoding="utf-8"?>
+<file path=ppt/slides/slide4.xml><?xml version="1.0" encoding="utf-8"?>
+<p:sld xmlns:a="http://schemas.openxmlformats.org/drawingml/2006/main" xmlns:r="http://schemas.openxmlformats.org/officeDocument/2006/relationships" xmlns:p="http://schemas.openxmlformats.org/presentationml/2006/main">
+  <p:cSld>
+    <p:spTree>
+      <p:nvGrpSpPr>
+        <p:cNvPr id="1" name=""/>
+        <p:cNvGrpSpPr/>
+        <p:nvPr/>
+      </p:nvGrpSpPr>
+      <p:grpSpPr>
+        <a:xfrm>
+          <a:off x="0" y="0"/>
+          <a:ext cx="0" cy="0"/>
+          <a:chOff x="0" y="0"/>
+          <a:chExt cx="0" cy="0"/>
+        </a:xfrm>
+      </p:grpSpPr>
+      <p:sp>
+        <p:nvSpPr>
+          <p:cNvPr id="2" name="Title 1">
+            <a:extLst>
+              <a:ext uri="{FF2B5EF4-FFF2-40B4-BE49-F238E27FC236}">
+                <a16:creationId xmlns:a16="http://schemas.microsoft.com/office/drawing/2014/main" id="{B2748031-E510-19CC-5E78-5C1AE1499DC4}"/>
+              </a:ext>
+            </a:extLst>
+          </p:cNvPr>
+          <p:cNvSpPr>
+            <a:spLocks noGrp="1"/>
+          </p:cNvSpPr>
+          <p:nvPr>
+            <p:ph type="title"/>
+          </p:nvPr>
+        </p:nvSpPr>
+        <p:spPr/>
+        <p:txBody>
+          <a:bodyPr>
+            <a:normAutofit fontScale="90000"/>
+          </a:bodyPr>
+          <a:lstStyle/>
+          <a:p>
+            <a:r>
+              <a:rPr lang="en-CA" dirty="0"/>
+              <a:t>Examples: Poisson</a:t>
+            </a:r>
+          </a:p>
+        </p:txBody>
+      </p:sp>
+      <p:sp>
+        <p:nvSpPr>
+          <p:cNvPr id="3" name="Slide Number Placeholder 2">
+            <a:extLst>
+              <a:ext uri="{FF2B5EF4-FFF2-40B4-BE49-F238E27FC236}">
+                <a16:creationId xmlns:a16="http://schemas.microsoft.com/office/drawing/2014/main" id="{15640339-1A0B-1943-59D3-B3A922CD264E}"/>
+              </a:ext>
+            </a:extLst>
+          </p:cNvPr>
+          <p:cNvSpPr>
+            <a:spLocks noGrp="1"/>
+          </p:cNvSpPr>
+          <p:nvPr>
+            <p:ph type="sldNum" sz="quarter" idx="12"/>
+          </p:nvPr>
+        </p:nvSpPr>
+        <p:spPr/>
+        <p:txBody>
+          <a:bodyPr/>
+          <a:lstStyle/>
+          <a:p>
+            <a:fld id="{621225AB-15B9-4C79-A121-04D1DC7E2307}" type="slidenum">
+              <a:rPr lang="en-US" smtClean="0"/>
+              <a:t>4</a:t>
+            </a:fld>
+            <a:endParaRPr lang="en-US"/>
+          </a:p>
+        </p:txBody>
+      </p:sp>
+      <p:sp>
+        <p:nvSpPr>
+          <p:cNvPr id="4" name="TextBox 3">
+            <a:extLst>
+              <a:ext uri="{FF2B5EF4-FFF2-40B4-BE49-F238E27FC236}">
+                <a16:creationId xmlns:a16="http://schemas.microsoft.com/office/drawing/2014/main" id="{08A10D38-6B78-36A2-DD70-BE33AA3D6BDF}"/>
+              </a:ext>
+            </a:extLst>
+          </p:cNvPr>
+          <p:cNvSpPr txBox="1"/>
+          <p:nvPr/>
+        </p:nvSpPr>
+        <p:spPr>
+          <a:xfrm>
+            <a:off x="457200" y="1143000"/>
+            <a:ext cx="8229600" cy="1200329"/>
+          </a:xfrm>
+          <a:prstGeom prst="rect">
+            <a:avLst/>
+          </a:prstGeom>
+          <a:noFill/>
+        </p:spPr>
+        <p:txBody>
+          <a:bodyPr wrap="square" rtlCol="0">
+            <a:spAutoFit/>
+          </a:bodyPr>
+          <a:lstStyle/>
+          <a:p>
+            <a:r>
+              <a:rPr lang="en-CA" dirty="0"/>
+              <a:t>L. Von </a:t>
+            </a:r>
+            <a:r>
+              <a:rPr lang="en-CA" dirty="0" err="1"/>
+              <a:t>Bortkiewicz</a:t>
+            </a:r>
+            <a:r>
+              <a:rPr lang="en-CA" dirty="0"/>
+              <a:t> (1898) tallied the numbers of deaths by horse or mule kicks in 10 corps of the Prussian army over 20 years, </a:t>
+            </a:r>
+            <a:r>
+              <a:rPr lang="en-CA" dirty="0">
+                <a:sym typeface="Symbol" panose="05050102010706020507" pitchFamily="18" charset="2"/>
+              </a:rPr>
+              <a:t> </a:t>
+            </a:r>
+            <a:r>
+              <a:rPr lang="en-CA" dirty="0"/>
+              <a:t>200 corps-years</a:t>
+            </a:r>
+          </a:p>
+          <a:p>
+            <a:pPr marL="285750" indent="-285750">
+              <a:buFont typeface="Arial" panose="020B0604020202020204" pitchFamily="34" charset="0"/>
+              <a:buChar char="•"/>
+            </a:pPr>
+            <a:r>
+              <a:rPr lang="en-CA" dirty="0"/>
+              <a:t>In how many corps-years were there 0, 1, 2, … deaths?</a:t>
+            </a:r>
+          </a:p>
+          <a:p>
+            <a:pPr marL="285750" indent="-285750">
+              <a:buFont typeface="Arial" panose="020B0604020202020204" pitchFamily="34" charset="0"/>
+              <a:buChar char="•"/>
+            </a:pPr>
+            <a:r>
+              <a:rPr lang="en-CA" dirty="0"/>
+              <a:t>This is among the earliest examples of a Poisson distribution</a:t>
+            </a:r>
+          </a:p>
+        </p:txBody>
+      </p:sp>
+      <p:sp>
+        <p:nvSpPr>
+          <p:cNvPr id="5" name="TextBox 4">
+            <a:extLst>
+              <a:ext uri="{FF2B5EF4-FFF2-40B4-BE49-F238E27FC236}">
+                <a16:creationId xmlns:a16="http://schemas.microsoft.com/office/drawing/2014/main" id="{4514870A-62F9-ECE1-0E6F-1CA1B3DBC920}"/>
+              </a:ext>
+            </a:extLst>
+          </p:cNvPr>
+          <p:cNvSpPr txBox="1"/>
+          <p:nvPr/>
+        </p:nvSpPr>
+        <p:spPr>
+          <a:xfrm>
+            <a:off x="457200" y="2638961"/>
+            <a:ext cx="8229600" cy="1169551"/>
+          </a:xfrm>
+          <a:prstGeom prst="rect">
+            <a:avLst/>
+          </a:prstGeom>
+          <a:solidFill>
+            <a:schemeClr val="accent6">
+              <a:lumMod val="20000"/>
+              <a:lumOff val="80000"/>
+              <a:alpha val="60000"/>
+            </a:schemeClr>
+          </a:solidFill>
+        </p:spPr>
+        <p:txBody>
+          <a:bodyPr wrap="square" rtlCol="0">
+            <a:spAutoFit/>
+          </a:bodyPr>
+          <a:lstStyle/>
+          <a:p>
+            <a:r>
+              <a:rPr lang="en-CA" sz="1400" dirty="0">
+                <a:latin typeface="Courier New" panose="02070309020205020404" pitchFamily="49" charset="0"/>
+                <a:cs typeface="Courier New" panose="02070309020205020404" pitchFamily="49" charset="0"/>
+              </a:rPr>
+              <a:t>&gt; data(</a:t>
+            </a:r>
+            <a:r>
+              <a:rPr lang="en-CA" sz="1400" dirty="0" err="1">
+                <a:latin typeface="Courier New" panose="02070309020205020404" pitchFamily="49" charset="0"/>
+                <a:cs typeface="Courier New" panose="02070309020205020404" pitchFamily="49" charset="0"/>
+              </a:rPr>
+              <a:t>HorseKicks</a:t>
+            </a:r>
+            <a:r>
+              <a:rPr lang="en-CA" sz="1400" dirty="0">
+                <a:latin typeface="Courier New" panose="02070309020205020404" pitchFamily="49" charset="0"/>
+                <a:cs typeface="Courier New" panose="02070309020205020404" pitchFamily="49" charset="0"/>
+              </a:rPr>
+              <a:t>, package="</a:t>
+            </a:r>
+            <a:r>
+              <a:rPr lang="en-CA" sz="1400" dirty="0" err="1">
+                <a:latin typeface="Courier New" panose="02070309020205020404" pitchFamily="49" charset="0"/>
+                <a:cs typeface="Courier New" panose="02070309020205020404" pitchFamily="49" charset="0"/>
+              </a:rPr>
+              <a:t>vcd</a:t>
+            </a:r>
+            <a:r>
+              <a:rPr lang="en-CA" sz="1400" dirty="0">
+                <a:latin typeface="Courier New" panose="02070309020205020404" pitchFamily="49" charset="0"/>
+                <a:cs typeface="Courier New" panose="02070309020205020404" pitchFamily="49" charset="0"/>
+              </a:rPr>
+              <a:t>")</a:t>
+            </a:r>
+          </a:p>
+          <a:p>
+            <a:r>
+              <a:rPr lang="en-CA" sz="1400" dirty="0">
+                <a:latin typeface="Courier New" panose="02070309020205020404" pitchFamily="49" charset="0"/>
+                <a:cs typeface="Courier New" panose="02070309020205020404" pitchFamily="49" charset="0"/>
+              </a:rPr>
+              <a:t>&gt; </a:t>
+            </a:r>
+            <a:r>
+              <a:rPr lang="en-CA" sz="1400" dirty="0" err="1">
+                <a:latin typeface="Courier New" panose="02070309020205020404" pitchFamily="49" charset="0"/>
+                <a:cs typeface="Courier New" panose="02070309020205020404" pitchFamily="49" charset="0"/>
+              </a:rPr>
+              <a:t>HorseKicks</a:t>
+            </a:r>
+            <a:endParaRPr lang="en-CA" sz="1400" dirty="0">
+              <a:latin typeface="Courier New" panose="02070309020205020404" pitchFamily="49" charset="0"/>
+              <a:cs typeface="Courier New" panose="02070309020205020404" pitchFamily="49" charset="0"/>
+            </a:endParaRPr>
+          </a:p>
+          <a:p>
+            <a:r>
+              <a:rPr lang="en-CA" sz="1400" dirty="0" err="1">
+                <a:latin typeface="Courier New" panose="02070309020205020404" pitchFamily="49" charset="0"/>
+                <a:cs typeface="Courier New" panose="02070309020205020404" pitchFamily="49" charset="0"/>
+              </a:rPr>
+              <a:t>nDeaths</a:t>
+            </a:r>
+            <a:endParaRPr lang="en-CA" sz="1400" dirty="0">
+              <a:latin typeface="Courier New" panose="02070309020205020404" pitchFamily="49" charset="0"/>
+              <a:cs typeface="Courier New" panose="02070309020205020404" pitchFamily="49" charset="0"/>
+            </a:endParaRPr>
+          </a:p>
+          <a:p>
+            <a:r>
+              <a:rPr lang="en-CA" sz="1400" dirty="0">
+                <a:latin typeface="Courier New" panose="02070309020205020404" pitchFamily="49" charset="0"/>
+                <a:cs typeface="Courier New" panose="02070309020205020404" pitchFamily="49" charset="0"/>
+              </a:rPr>
+              <a:t>  0   1   2   3   4 </a:t>
+            </a:r>
+          </a:p>
+          <a:p>
+            <a:r>
+              <a:rPr lang="en-CA" sz="1400" dirty="0">
+                <a:latin typeface="Courier New" panose="02070309020205020404" pitchFamily="49" charset="0"/>
+                <a:cs typeface="Courier New" panose="02070309020205020404" pitchFamily="49" charset="0"/>
+              </a:rPr>
+              <a:t>109  65  22   3   1</a:t>
+            </a:r>
+          </a:p>
+        </p:txBody>
+      </p:sp>
+      <p:pic>
+        <p:nvPicPr>
+          <p:cNvPr id="7" name="Picture 6" descr="Chart, bar chart&#10;&#10;Description automatically generated">
+            <a:extLst>
+              <a:ext uri="{FF2B5EF4-FFF2-40B4-BE49-F238E27FC236}">
+                <a16:creationId xmlns:a16="http://schemas.microsoft.com/office/drawing/2014/main" id="{AF03879E-56BF-11CE-07CB-9181103F12F9}"/>
+              </a:ext>
+            </a:extLst>
+          </p:cNvPr>
+          <p:cNvPicPr>
+            <a:picLocks noChangeAspect="1"/>
+          </p:cNvPicPr>
+          <p:nvPr/>
+        </p:nvPicPr>
+        <p:blipFill>
+          <a:blip r:embed="rId2">
+            <a:extLst>
+              <a:ext uri="{28A0092B-C50C-407E-A947-70E740481C1C}">
+                <a14:useLocalDpi xmlns:a14="http://schemas.microsoft.com/office/drawing/2010/main" val="0"/>
+              </a:ext>
+            </a:extLst>
+          </a:blip>
+          <a:stretch>
+            <a:fillRect/>
+          </a:stretch>
+        </p:blipFill>
+        <p:spPr>
+          <a:xfrm>
+            <a:off x="457200" y="3874856"/>
+            <a:ext cx="4852704" cy="2830744"/>
+          </a:xfrm>
+          <a:prstGeom prst="rect">
+            <a:avLst/>
+          </a:prstGeom>
+        </p:spPr>
+      </p:pic>
+      <p:sp>
+        <p:nvSpPr>
+          <p:cNvPr id="8" name="TextBox 7">
+            <a:extLst>
+              <a:ext uri="{FF2B5EF4-FFF2-40B4-BE49-F238E27FC236}">
+                <a16:creationId xmlns:a16="http://schemas.microsoft.com/office/drawing/2014/main" id="{60E7BEAF-7184-872B-8CEE-CB979D958695}"/>
+              </a:ext>
+            </a:extLst>
+          </p:cNvPr>
+          <p:cNvSpPr txBox="1"/>
+          <p:nvPr/>
+        </p:nvSpPr>
+        <p:spPr>
+          <a:xfrm>
+            <a:off x="4724400" y="4267200"/>
+            <a:ext cx="3962400" cy="1200329"/>
+          </a:xfrm>
+          <a:prstGeom prst="rect">
+            <a:avLst/>
+          </a:prstGeom>
+          <a:noFill/>
+        </p:spPr>
+        <p:txBody>
+          <a:bodyPr wrap="square" rtlCol="0">
+            <a:spAutoFit/>
+          </a:bodyPr>
+          <a:lstStyle/>
+          <a:p>
+            <a:r>
+              <a:rPr lang="en-CA" dirty="0"/>
+              <a:t>The Poisson distribution arises as that of the probability of 0, 1, 2, … </a:t>
+            </a:r>
+          </a:p>
+          <a:p>
+            <a:pPr marL="285750" indent="-285750">
+              <a:buFont typeface="Arial" panose="020B0604020202020204" pitchFamily="34" charset="0"/>
+              <a:buChar char="•"/>
+            </a:pPr>
+            <a:r>
+              <a:rPr lang="en-CA" dirty="0">
+                <a:solidFill>
+                  <a:srgbClr val="0070C0"/>
+                </a:solidFill>
+              </a:rPr>
+              <a:t>Rare</a:t>
+            </a:r>
+            <a:r>
+              <a:rPr lang="en-CA" dirty="0"/>
+              <a:t> events, that</a:t>
+            </a:r>
+          </a:p>
+          <a:p>
+            <a:pPr marL="285750" indent="-285750">
+              <a:buFont typeface="Arial" panose="020B0604020202020204" pitchFamily="34" charset="0"/>
+              <a:buChar char="•"/>
+            </a:pPr>
+            <a:r>
+              <a:rPr lang="en-CA" dirty="0"/>
+              <a:t>Occur with </a:t>
+            </a:r>
+            <a:r>
+              <a:rPr lang="en-CA" dirty="0">
+                <a:solidFill>
+                  <a:srgbClr val="0070C0"/>
+                </a:solidFill>
+              </a:rPr>
+              <a:t>constant</a:t>
+            </a:r>
+            <a:r>
+              <a:rPr lang="en-CA" dirty="0"/>
+              <a:t> probability</a:t>
+            </a:r>
+          </a:p>
+        </p:txBody>
+      </p:sp>
+    </p:spTree>
+    <p:extLst>
+      <p:ext uri="{BB962C8B-B14F-4D97-AF65-F5344CB8AC3E}">
+        <p14:creationId xmlns:p14="http://schemas.microsoft.com/office/powerpoint/2010/main" val="309589590"/>
+      </p:ext>
+    </p:extLst>
+  </p:cSld>
+  <p:clrMapOvr>
+    <a:masterClrMapping/>
+  </p:clrMapOvr>
+</p:sld>
+</file>
+
+<file path=ppt/slides/slide40.xml><?xml version="1.0" encoding="utf-8"?>
 <p:sld xmlns:a="http://schemas.openxmlformats.org/drawingml/2006/main" xmlns:r="http://schemas.openxmlformats.org/officeDocument/2006/relationships" xmlns:p="http://schemas.openxmlformats.org/presentationml/2006/main">
   <p:cSld>
     <p:spTree>
@@ -23443,7 +24661,7 @@
           <a:p>
             <a:fld id="{621225AB-15B9-4C79-A121-04D1DC7E2307}" type="slidenum">
               <a:rPr lang="en-US" smtClean="0"/>
-              <a:t>37</a:t>
+              <a:t>40</a:t>
             </a:fld>
             <a:endParaRPr lang="en-US"/>
           </a:p>
@@ -23578,7 +24796,7 @@
 </p:sld>
 </file>
 
-<file path=ppt/slides/slide38.xml><?xml version="1.0" encoding="utf-8"?>
+<file path=ppt/slides/slide41.xml><?xml version="1.0" encoding="utf-8"?>
 <p:sld xmlns:a="http://schemas.openxmlformats.org/drawingml/2006/main" xmlns:r="http://schemas.openxmlformats.org/officeDocument/2006/relationships" xmlns:p="http://schemas.openxmlformats.org/presentationml/2006/main">
   <p:cSld>
     <p:spTree>
@@ -23648,7 +24866,7 @@
           <a:p>
             <a:fld id="{621225AB-15B9-4C79-A121-04D1DC7E2307}" type="slidenum">
               <a:rPr lang="en-US" smtClean="0"/>
-              <a:t>38</a:t>
+              <a:t>41</a:t>
             </a:fld>
             <a:endParaRPr lang="en-US"/>
           </a:p>
@@ -23889,7 +25107,7 @@
 </p:sld>
 </file>
 
-<file path=ppt/slides/slide39.xml><?xml version="1.0" encoding="utf-8"?>
+<file path=ppt/slides/slide42.xml><?xml version="1.0" encoding="utf-8"?>
 <p:sld xmlns:a="http://schemas.openxmlformats.org/drawingml/2006/main" xmlns:r="http://schemas.openxmlformats.org/officeDocument/2006/relationships" xmlns:p="http://schemas.openxmlformats.org/presentationml/2006/main">
   <p:cSld>
     <p:spTree>
@@ -23959,7 +25177,7 @@
           <a:p>
             <a:fld id="{621225AB-15B9-4C79-A121-04D1DC7E2307}" type="slidenum">
               <a:rPr lang="en-US" smtClean="0"/>
-              <a:t>39</a:t>
+              <a:t>42</a:t>
             </a:fld>
             <a:endParaRPr lang="en-US"/>
           </a:p>
@@ -24113,310 +25331,7 @@
 </p:sld>
 </file>
 
-<file path=ppt/slides/slide4.xml><?xml version="1.0" encoding="utf-8"?>
-<p:sld xmlns:a="http://schemas.openxmlformats.org/drawingml/2006/main" xmlns:r="http://schemas.openxmlformats.org/officeDocument/2006/relationships" xmlns:p="http://schemas.openxmlformats.org/presentationml/2006/main">
-  <p:cSld>
-    <p:spTree>
-      <p:nvGrpSpPr>
-        <p:cNvPr id="1" name=""/>
-        <p:cNvGrpSpPr/>
-        <p:nvPr/>
-      </p:nvGrpSpPr>
-      <p:grpSpPr>
-        <a:xfrm>
-          <a:off x="0" y="0"/>
-          <a:ext cx="0" cy="0"/>
-          <a:chOff x="0" y="0"/>
-          <a:chExt cx="0" cy="0"/>
-        </a:xfrm>
-      </p:grpSpPr>
-      <p:sp>
-        <p:nvSpPr>
-          <p:cNvPr id="2" name="Title 1">
-            <a:extLst>
-              <a:ext uri="{FF2B5EF4-FFF2-40B4-BE49-F238E27FC236}">
-                <a16:creationId xmlns:a16="http://schemas.microsoft.com/office/drawing/2014/main" id="{8FAF1B42-0BEF-43EF-A7B0-280A2CC70DCE}"/>
-              </a:ext>
-            </a:extLst>
-          </p:cNvPr>
-          <p:cNvSpPr>
-            <a:spLocks noGrp="1"/>
-          </p:cNvSpPr>
-          <p:nvPr>
-            <p:ph type="title"/>
-          </p:nvPr>
-        </p:nvSpPr>
-        <p:spPr/>
-        <p:txBody>
-          <a:bodyPr>
-            <a:normAutofit fontScale="90000"/>
-          </a:bodyPr>
-          <a:lstStyle/>
-          <a:p>
-            <a:r>
-              <a:rPr lang="en-US" dirty="0"/>
-              <a:t>Examples: count data</a:t>
-            </a:r>
-          </a:p>
-        </p:txBody>
-      </p:sp>
-      <p:sp>
-        <p:nvSpPr>
-          <p:cNvPr id="4" name="Content Placeholder 3">
-            <a:extLst>
-              <a:ext uri="{FF2B5EF4-FFF2-40B4-BE49-F238E27FC236}">
-                <a16:creationId xmlns:a16="http://schemas.microsoft.com/office/drawing/2014/main" id="{6F67D333-31B0-459D-BF1E-7C874F6DED0B}"/>
-              </a:ext>
-            </a:extLst>
-          </p:cNvPr>
-          <p:cNvSpPr>
-            <a:spLocks noGrp="1"/>
-          </p:cNvSpPr>
-          <p:nvPr>
-            <p:ph idx="1"/>
-          </p:nvPr>
-        </p:nvSpPr>
-        <p:spPr>
-          <a:xfrm>
-            <a:off x="457200" y="1143000"/>
-            <a:ext cx="8229600" cy="3200400"/>
-          </a:xfrm>
-        </p:spPr>
-        <p:txBody>
-          <a:bodyPr/>
-          <a:lstStyle/>
-          <a:p>
-            <a:pPr marL="0" indent="0">
-              <a:buNone/>
-            </a:pPr>
-            <a:r>
-              <a:rPr lang="en-US" sz="2400" dirty="0"/>
-              <a:t>Federalist papers: Disputed authorship</a:t>
-            </a:r>
-          </a:p>
-          <a:p>
-            <a:r>
-              <a:rPr lang="en-US" sz="2000" dirty="0"/>
-              <a:t>77 essays by Alexander Hamilton, John Jay, James Madison to persuade voters to ratify the US constitution, all signed with pseudonym “Publius”</a:t>
-            </a:r>
-          </a:p>
-          <a:p>
-            <a:pPr lvl="1"/>
-            <a:r>
-              <a:rPr lang="en-US" sz="1800" dirty="0"/>
-              <a:t>Who wrote each?</a:t>
-            </a:r>
-          </a:p>
-          <a:p>
-            <a:pPr lvl="1"/>
-            <a:r>
-              <a:rPr lang="en-US" sz="1800" dirty="0"/>
-              <a:t>65 known, 12 disputed (H &amp; M both claimed sole authorship)</a:t>
-            </a:r>
-          </a:p>
-          <a:p>
-            <a:r>
-              <a:rPr lang="en-US" sz="2000" dirty="0" err="1"/>
-              <a:t>Mosteller</a:t>
-            </a:r>
-            <a:r>
-              <a:rPr lang="en-US" sz="2000" dirty="0"/>
-              <a:t> &amp; Wallace (1984): analysis of frequency </a:t>
-            </a:r>
-            <a:r>
-              <a:rPr lang="en-US" sz="2000" dirty="0" err="1"/>
-              <a:t>dist</a:t>
-            </a:r>
-            <a:r>
-              <a:rPr lang="en-US" sz="2000" baseline="30000" dirty="0" err="1"/>
-              <a:t>n</a:t>
-            </a:r>
-            <a:r>
-              <a:rPr lang="en-US" sz="2000" dirty="0" err="1"/>
-              <a:t>s</a:t>
-            </a:r>
-            <a:r>
-              <a:rPr lang="en-US" sz="2000" dirty="0"/>
-              <a:t> of key “marker” words: from, </a:t>
-            </a:r>
-            <a:r>
-              <a:rPr lang="en-US" sz="2000" b="1" dirty="0"/>
-              <a:t>may</a:t>
-            </a:r>
-            <a:r>
-              <a:rPr lang="en-US" sz="2000" dirty="0"/>
-              <a:t>, whilst, …</a:t>
-            </a:r>
-          </a:p>
-          <a:p>
-            <a:r>
-              <a:rPr lang="en-US" sz="2000" dirty="0"/>
-              <a:t>e.g., blocks of 200 words: occurrences (</a:t>
-            </a:r>
-            <a:r>
-              <a:rPr lang="en-US" sz="2000" i="1" dirty="0"/>
-              <a:t>k</a:t>
-            </a:r>
-            <a:r>
-              <a:rPr lang="en-US" sz="2000" dirty="0"/>
-              <a:t>) of “may” in how many blocks (</a:t>
-            </a:r>
-            <a:r>
-              <a:rPr lang="en-US" sz="2000" i="1" dirty="0" err="1"/>
-              <a:t>n</a:t>
-            </a:r>
-            <a:r>
-              <a:rPr lang="en-US" sz="2000" i="1" baseline="-25000" dirty="0" err="1"/>
-              <a:t>k</a:t>
-            </a:r>
-            <a:r>
-              <a:rPr lang="en-US" sz="2000" dirty="0"/>
-              <a:t>)</a:t>
-            </a:r>
-          </a:p>
-        </p:txBody>
-      </p:sp>
-      <p:sp>
-        <p:nvSpPr>
-          <p:cNvPr id="3" name="Slide Number Placeholder 2">
-            <a:extLst>
-              <a:ext uri="{FF2B5EF4-FFF2-40B4-BE49-F238E27FC236}">
-                <a16:creationId xmlns:a16="http://schemas.microsoft.com/office/drawing/2014/main" id="{16F99E38-16CE-4978-857E-996C402890E1}"/>
-              </a:ext>
-            </a:extLst>
-          </p:cNvPr>
-          <p:cNvSpPr>
-            <a:spLocks noGrp="1"/>
-          </p:cNvSpPr>
-          <p:nvPr>
-            <p:ph type="sldNum" sz="quarter" idx="12"/>
-          </p:nvPr>
-        </p:nvSpPr>
-        <p:spPr/>
-        <p:txBody>
-          <a:bodyPr/>
-          <a:lstStyle/>
-          <a:p>
-            <a:fld id="{621225AB-15B9-4C79-A121-04D1DC7E2307}" type="slidenum">
-              <a:rPr lang="en-US" smtClean="0"/>
-              <a:t>4</a:t>
-            </a:fld>
-            <a:endParaRPr lang="en-US"/>
-          </a:p>
-        </p:txBody>
-      </p:sp>
-      <p:sp>
-        <p:nvSpPr>
-          <p:cNvPr id="6" name="TextBox 5">
-            <a:extLst>
-              <a:ext uri="{FF2B5EF4-FFF2-40B4-BE49-F238E27FC236}">
-                <a16:creationId xmlns:a16="http://schemas.microsoft.com/office/drawing/2014/main" id="{C85080A8-28EA-40D9-B9CF-FAABAFECEA3D}"/>
-              </a:ext>
-            </a:extLst>
-          </p:cNvPr>
-          <p:cNvSpPr txBox="1"/>
-          <p:nvPr/>
-        </p:nvSpPr>
-        <p:spPr>
-          <a:xfrm>
-            <a:off x="838200" y="4371975"/>
-            <a:ext cx="7848600" cy="1477328"/>
-          </a:xfrm>
-          <a:prstGeom prst="rect">
-            <a:avLst/>
-          </a:prstGeom>
-          <a:solidFill>
-            <a:schemeClr val="accent6">
-              <a:lumMod val="20000"/>
-              <a:lumOff val="80000"/>
-              <a:alpha val="50000"/>
-            </a:schemeClr>
-          </a:solidFill>
-        </p:spPr>
-        <p:txBody>
-          <a:bodyPr wrap="square" rtlCol="0">
-            <a:spAutoFit/>
-          </a:bodyPr>
-          <a:lstStyle/>
-          <a:p>
-            <a:r>
-              <a:rPr lang="en-US" dirty="0">
-                <a:latin typeface="Consolas" panose="020B0609020204030204" pitchFamily="49" charset="0"/>
-                <a:cs typeface="Courier New" panose="02070309020205020404" pitchFamily="49" charset="0"/>
-              </a:rPr>
-              <a:t>&gt; data(Federalist, package = "</a:t>
-            </a:r>
-            <a:r>
-              <a:rPr lang="en-US" dirty="0" err="1">
-                <a:latin typeface="Consolas" panose="020B0609020204030204" pitchFamily="49" charset="0"/>
-                <a:cs typeface="Courier New" panose="02070309020205020404" pitchFamily="49" charset="0"/>
-              </a:rPr>
-              <a:t>vcd</a:t>
-            </a:r>
-            <a:r>
-              <a:rPr lang="en-US" dirty="0">
-                <a:latin typeface="Consolas" panose="020B0609020204030204" pitchFamily="49" charset="0"/>
-                <a:cs typeface="Courier New" panose="02070309020205020404" pitchFamily="49" charset="0"/>
-              </a:rPr>
-              <a:t>")</a:t>
-            </a:r>
-          </a:p>
-          <a:p>
-            <a:r>
-              <a:rPr lang="en-US" dirty="0">
-                <a:latin typeface="Consolas" panose="020B0609020204030204" pitchFamily="49" charset="0"/>
-                <a:cs typeface="Courier New" panose="02070309020205020404" pitchFamily="49" charset="0"/>
-              </a:rPr>
-              <a:t>&gt; Federalist</a:t>
-            </a:r>
-          </a:p>
-          <a:p>
-            <a:r>
-              <a:rPr lang="en-US" dirty="0" err="1">
-                <a:latin typeface="Consolas" panose="020B0609020204030204" pitchFamily="49" charset="0"/>
-                <a:cs typeface="Courier New" panose="02070309020205020404" pitchFamily="49" charset="0"/>
-              </a:rPr>
-              <a:t>nMay</a:t>
-            </a:r>
-            <a:endParaRPr lang="en-US" dirty="0">
-              <a:latin typeface="Consolas" panose="020B0609020204030204" pitchFamily="49" charset="0"/>
-              <a:cs typeface="Courier New" panose="02070309020205020404" pitchFamily="49" charset="0"/>
-            </a:endParaRPr>
-          </a:p>
-          <a:p>
-            <a:r>
-              <a:rPr lang="en-US" dirty="0">
-                <a:latin typeface="Consolas" panose="020B0609020204030204" pitchFamily="49" charset="0"/>
-                <a:cs typeface="Courier New" panose="02070309020205020404" pitchFamily="49" charset="0"/>
-              </a:rPr>
-              <a:t>  0   1   2   3   4   5   6 </a:t>
-            </a:r>
-          </a:p>
-          <a:p>
-            <a:r>
-              <a:rPr lang="en-US" dirty="0">
-                <a:latin typeface="Consolas" panose="020B0609020204030204" pitchFamily="49" charset="0"/>
-                <a:cs typeface="Courier New" panose="02070309020205020404" pitchFamily="49" charset="0"/>
-              </a:rPr>
-              <a:t>156  63  29   8   4   1   1 </a:t>
-            </a:r>
-          </a:p>
-        </p:txBody>
-      </p:sp>
-    </p:spTree>
-    <p:extLst>
-      <p:ext uri="{BB962C8B-B14F-4D97-AF65-F5344CB8AC3E}">
-        <p14:creationId xmlns:p14="http://schemas.microsoft.com/office/powerpoint/2010/main" val="3088756913"/>
-      </p:ext>
-    </p:extLst>
-  </p:cSld>
-  <p:clrMapOvr>
-    <a:masterClrMapping/>
-  </p:clrMapOvr>
-</p:sld>
-</file>
-
-<file path=ppt/slides/slide40.xml><?xml version="1.0" encoding="utf-8"?>
+<file path=ppt/slides/slide43.xml><?xml version="1.0" encoding="utf-8"?>
 <p:sld xmlns:a="http://schemas.openxmlformats.org/drawingml/2006/main" xmlns:r="http://schemas.openxmlformats.org/officeDocument/2006/relationships" xmlns:p="http://schemas.openxmlformats.org/presentationml/2006/main">
   <p:cSld>
     <p:spTree>
@@ -24582,7 +25497,7 @@
           <a:p>
             <a:fld id="{621225AB-15B9-4C79-A121-04D1DC7E2307}" type="slidenum">
               <a:rPr lang="en-US" smtClean="0"/>
-              <a:t>40</a:t>
+              <a:t>43</a:t>
             </a:fld>
             <a:endParaRPr lang="en-US"/>
           </a:p>
@@ -24643,7 +25558,7 @@
 </p:sld>
 </file>
 
-<file path=ppt/slides/slide41.xml><?xml version="1.0" encoding="utf-8"?>
+<file path=ppt/slides/slide44.xml><?xml version="1.0" encoding="utf-8"?>
 <p:sld xmlns:a="http://schemas.openxmlformats.org/drawingml/2006/main" xmlns:r="http://schemas.openxmlformats.org/officeDocument/2006/relationships" xmlns:p="http://schemas.openxmlformats.org/presentationml/2006/main">
   <p:cSld>
     <p:spTree>
@@ -24718,7 +25633,7 @@
           <a:p>
             <a:fld id="{621225AB-15B9-4C79-A121-04D1DC7E2307}" type="slidenum">
               <a:rPr lang="en-US" smtClean="0"/>
-              <a:t>41</a:t>
+              <a:t>44</a:t>
             </a:fld>
             <a:endParaRPr lang="en-US"/>
           </a:p>
@@ -24808,7 +25723,7 @@
 </p:sld>
 </file>
 
-<file path=ppt/slides/slide42.xml><?xml version="1.0" encoding="utf-8"?>
+<file path=ppt/slides/slide45.xml><?xml version="1.0" encoding="utf-8"?>
 <p:sld xmlns:a="http://schemas.openxmlformats.org/drawingml/2006/main" xmlns:r="http://schemas.openxmlformats.org/officeDocument/2006/relationships" xmlns:p="http://schemas.openxmlformats.org/presentationml/2006/main">
   <p:cSld>
     <p:spTree>
@@ -24878,7 +25793,7 @@
           <a:p>
             <a:fld id="{621225AB-15B9-4C79-A121-04D1DC7E2307}" type="slidenum">
               <a:rPr lang="en-US" smtClean="0"/>
-              <a:t>42</a:t>
+              <a:t>45</a:t>
             </a:fld>
             <a:endParaRPr lang="en-US"/>
           </a:p>
@@ -25010,7 +25925,7 @@
 </p:sld>
 </file>
 
-<file path=ppt/slides/slide43.xml><?xml version="1.0" encoding="utf-8"?>
+<file path=ppt/slides/slide46.xml><?xml version="1.0" encoding="utf-8"?>
 <p:sld xmlns:a="http://schemas.openxmlformats.org/drawingml/2006/main" xmlns:r="http://schemas.openxmlformats.org/officeDocument/2006/relationships" xmlns:p="http://schemas.openxmlformats.org/presentationml/2006/main">
   <p:cSld>
     <p:spTree>
@@ -25080,7 +25995,7 @@
           <a:p>
             <a:fld id="{621225AB-15B9-4C79-A121-04D1DC7E2307}" type="slidenum">
               <a:rPr lang="en-US" smtClean="0"/>
-              <a:t>43</a:t>
+              <a:t>46</a:t>
             </a:fld>
             <a:endParaRPr lang="en-US"/>
           </a:p>
@@ -25129,7 +26044,7 @@
 </p:sld>
 </file>
 
-<file path=ppt/slides/slide44.xml><?xml version="1.0" encoding="utf-8"?>
+<file path=ppt/slides/slide47.xml><?xml version="1.0" encoding="utf-8"?>
 <p:sld xmlns:a="http://schemas.openxmlformats.org/drawingml/2006/main" xmlns:r="http://schemas.openxmlformats.org/officeDocument/2006/relationships" xmlns:p="http://schemas.openxmlformats.org/presentationml/2006/main">
   <p:cSld>
     <p:spTree>
@@ -25367,7 +26282,7 @@
           <a:p>
             <a:fld id="{621225AB-15B9-4C79-A121-04D1DC7E2307}" type="slidenum">
               <a:rPr lang="en-US" smtClean="0"/>
-              <a:t>44</a:t>
+              <a:t>47</a:t>
             </a:fld>
             <a:endParaRPr lang="en-US"/>
           </a:p>
@@ -25387,6 +26302,309 @@
 </file>
 
 <file path=ppt/slides/slide5.xml><?xml version="1.0" encoding="utf-8"?>
+<p:sld xmlns:a="http://schemas.openxmlformats.org/drawingml/2006/main" xmlns:r="http://schemas.openxmlformats.org/officeDocument/2006/relationships" xmlns:p="http://schemas.openxmlformats.org/presentationml/2006/main">
+  <p:cSld>
+    <p:spTree>
+      <p:nvGrpSpPr>
+        <p:cNvPr id="1" name=""/>
+        <p:cNvGrpSpPr/>
+        <p:nvPr/>
+      </p:nvGrpSpPr>
+      <p:grpSpPr>
+        <a:xfrm>
+          <a:off x="0" y="0"/>
+          <a:ext cx="0" cy="0"/>
+          <a:chOff x="0" y="0"/>
+          <a:chExt cx="0" cy="0"/>
+        </a:xfrm>
+      </p:grpSpPr>
+      <p:sp>
+        <p:nvSpPr>
+          <p:cNvPr id="2" name="Title 1">
+            <a:extLst>
+              <a:ext uri="{FF2B5EF4-FFF2-40B4-BE49-F238E27FC236}">
+                <a16:creationId xmlns:a16="http://schemas.microsoft.com/office/drawing/2014/main" id="{8FAF1B42-0BEF-43EF-A7B0-280A2CC70DCE}"/>
+              </a:ext>
+            </a:extLst>
+          </p:cNvPr>
+          <p:cNvSpPr>
+            <a:spLocks noGrp="1"/>
+          </p:cNvSpPr>
+          <p:nvPr>
+            <p:ph type="title"/>
+          </p:nvPr>
+        </p:nvSpPr>
+        <p:spPr/>
+        <p:txBody>
+          <a:bodyPr>
+            <a:normAutofit fontScale="90000"/>
+          </a:bodyPr>
+          <a:lstStyle/>
+          <a:p>
+            <a:r>
+              <a:rPr lang="en-US" dirty="0"/>
+              <a:t>Examples: count data</a:t>
+            </a:r>
+          </a:p>
+        </p:txBody>
+      </p:sp>
+      <p:sp>
+        <p:nvSpPr>
+          <p:cNvPr id="4" name="Content Placeholder 3">
+            <a:extLst>
+              <a:ext uri="{FF2B5EF4-FFF2-40B4-BE49-F238E27FC236}">
+                <a16:creationId xmlns:a16="http://schemas.microsoft.com/office/drawing/2014/main" id="{6F67D333-31B0-459D-BF1E-7C874F6DED0B}"/>
+              </a:ext>
+            </a:extLst>
+          </p:cNvPr>
+          <p:cNvSpPr>
+            <a:spLocks noGrp="1"/>
+          </p:cNvSpPr>
+          <p:nvPr>
+            <p:ph idx="1"/>
+          </p:nvPr>
+        </p:nvSpPr>
+        <p:spPr>
+          <a:xfrm>
+            <a:off x="457200" y="1143000"/>
+            <a:ext cx="8229600" cy="3200400"/>
+          </a:xfrm>
+        </p:spPr>
+        <p:txBody>
+          <a:bodyPr/>
+          <a:lstStyle/>
+          <a:p>
+            <a:pPr marL="0" indent="0">
+              <a:buNone/>
+            </a:pPr>
+            <a:r>
+              <a:rPr lang="en-US" sz="2400" dirty="0"/>
+              <a:t>Federalist papers: Disputed authorship</a:t>
+            </a:r>
+          </a:p>
+          <a:p>
+            <a:r>
+              <a:rPr lang="en-US" sz="2000" dirty="0"/>
+              <a:t>77 essays by Alexander Hamilton, John Jay, James Madison to persuade voters to ratify the US constitution, all signed with pseudonym “Publius”</a:t>
+            </a:r>
+          </a:p>
+          <a:p>
+            <a:pPr lvl="1"/>
+            <a:r>
+              <a:rPr lang="en-US" sz="1800" dirty="0"/>
+              <a:t>Who wrote each?</a:t>
+            </a:r>
+          </a:p>
+          <a:p>
+            <a:pPr lvl="1"/>
+            <a:r>
+              <a:rPr lang="en-US" sz="1800" dirty="0"/>
+              <a:t>65 known, 12 disputed (H &amp; M both claimed sole authorship)</a:t>
+            </a:r>
+          </a:p>
+          <a:p>
+            <a:r>
+              <a:rPr lang="en-US" sz="2000" dirty="0" err="1"/>
+              <a:t>Mosteller</a:t>
+            </a:r>
+            <a:r>
+              <a:rPr lang="en-US" sz="2000" dirty="0"/>
+              <a:t> &amp; Wallace (1984): analysis of frequency </a:t>
+            </a:r>
+            <a:r>
+              <a:rPr lang="en-US" sz="2000" dirty="0" err="1"/>
+              <a:t>dist</a:t>
+            </a:r>
+            <a:r>
+              <a:rPr lang="en-US" sz="2000" baseline="30000" dirty="0" err="1"/>
+              <a:t>n</a:t>
+            </a:r>
+            <a:r>
+              <a:rPr lang="en-US" sz="2000" dirty="0" err="1"/>
+              <a:t>s</a:t>
+            </a:r>
+            <a:r>
+              <a:rPr lang="en-US" sz="2000" dirty="0"/>
+              <a:t> of key “marker” words: from, </a:t>
+            </a:r>
+            <a:r>
+              <a:rPr lang="en-US" sz="2000" b="1" dirty="0"/>
+              <a:t>may</a:t>
+            </a:r>
+            <a:r>
+              <a:rPr lang="en-US" sz="2000" dirty="0"/>
+              <a:t>, whilst, …</a:t>
+            </a:r>
+          </a:p>
+          <a:p>
+            <a:r>
+              <a:rPr lang="en-US" sz="2000" dirty="0"/>
+              <a:t>e.g., blocks of 200 words: occurrences (</a:t>
+            </a:r>
+            <a:r>
+              <a:rPr lang="en-US" sz="2000" i="1" dirty="0"/>
+              <a:t>k</a:t>
+            </a:r>
+            <a:r>
+              <a:rPr lang="en-US" sz="2000" dirty="0"/>
+              <a:t>) of “may” in how many blocks (</a:t>
+            </a:r>
+            <a:r>
+              <a:rPr lang="en-US" sz="2000" i="1" dirty="0" err="1"/>
+              <a:t>n</a:t>
+            </a:r>
+            <a:r>
+              <a:rPr lang="en-US" sz="2000" i="1" baseline="-25000" dirty="0" err="1"/>
+              <a:t>k</a:t>
+            </a:r>
+            <a:r>
+              <a:rPr lang="en-US" sz="2000" dirty="0"/>
+              <a:t>)</a:t>
+            </a:r>
+          </a:p>
+        </p:txBody>
+      </p:sp>
+      <p:sp>
+        <p:nvSpPr>
+          <p:cNvPr id="3" name="Slide Number Placeholder 2">
+            <a:extLst>
+              <a:ext uri="{FF2B5EF4-FFF2-40B4-BE49-F238E27FC236}">
+                <a16:creationId xmlns:a16="http://schemas.microsoft.com/office/drawing/2014/main" id="{16F99E38-16CE-4978-857E-996C402890E1}"/>
+              </a:ext>
+            </a:extLst>
+          </p:cNvPr>
+          <p:cNvSpPr>
+            <a:spLocks noGrp="1"/>
+          </p:cNvSpPr>
+          <p:nvPr>
+            <p:ph type="sldNum" sz="quarter" idx="12"/>
+          </p:nvPr>
+        </p:nvSpPr>
+        <p:spPr/>
+        <p:txBody>
+          <a:bodyPr/>
+          <a:lstStyle/>
+          <a:p>
+            <a:fld id="{621225AB-15B9-4C79-A121-04D1DC7E2307}" type="slidenum">
+              <a:rPr lang="en-US" smtClean="0"/>
+              <a:t>5</a:t>
+            </a:fld>
+            <a:endParaRPr lang="en-US"/>
+          </a:p>
+        </p:txBody>
+      </p:sp>
+      <p:sp>
+        <p:nvSpPr>
+          <p:cNvPr id="6" name="TextBox 5">
+            <a:extLst>
+              <a:ext uri="{FF2B5EF4-FFF2-40B4-BE49-F238E27FC236}">
+                <a16:creationId xmlns:a16="http://schemas.microsoft.com/office/drawing/2014/main" id="{C85080A8-28EA-40D9-B9CF-FAABAFECEA3D}"/>
+              </a:ext>
+            </a:extLst>
+          </p:cNvPr>
+          <p:cNvSpPr txBox="1"/>
+          <p:nvPr/>
+        </p:nvSpPr>
+        <p:spPr>
+          <a:xfrm>
+            <a:off x="838200" y="4371975"/>
+            <a:ext cx="7848600" cy="1477328"/>
+          </a:xfrm>
+          <a:prstGeom prst="rect">
+            <a:avLst/>
+          </a:prstGeom>
+          <a:solidFill>
+            <a:schemeClr val="accent6">
+              <a:lumMod val="20000"/>
+              <a:lumOff val="80000"/>
+              <a:alpha val="50000"/>
+            </a:schemeClr>
+          </a:solidFill>
+        </p:spPr>
+        <p:txBody>
+          <a:bodyPr wrap="square" rtlCol="0">
+            <a:spAutoFit/>
+          </a:bodyPr>
+          <a:lstStyle/>
+          <a:p>
+            <a:r>
+              <a:rPr lang="en-US" dirty="0">
+                <a:latin typeface="Consolas" panose="020B0609020204030204" pitchFamily="49" charset="0"/>
+                <a:cs typeface="Courier New" panose="02070309020205020404" pitchFamily="49" charset="0"/>
+              </a:rPr>
+              <a:t>&gt; data(Federalist, package = "</a:t>
+            </a:r>
+            <a:r>
+              <a:rPr lang="en-US" dirty="0" err="1">
+                <a:latin typeface="Consolas" panose="020B0609020204030204" pitchFamily="49" charset="0"/>
+                <a:cs typeface="Courier New" panose="02070309020205020404" pitchFamily="49" charset="0"/>
+              </a:rPr>
+              <a:t>vcd</a:t>
+            </a:r>
+            <a:r>
+              <a:rPr lang="en-US" dirty="0">
+                <a:latin typeface="Consolas" panose="020B0609020204030204" pitchFamily="49" charset="0"/>
+                <a:cs typeface="Courier New" panose="02070309020205020404" pitchFamily="49" charset="0"/>
+              </a:rPr>
+              <a:t>")</a:t>
+            </a:r>
+          </a:p>
+          <a:p>
+            <a:r>
+              <a:rPr lang="en-US" dirty="0">
+                <a:latin typeface="Consolas" panose="020B0609020204030204" pitchFamily="49" charset="0"/>
+                <a:cs typeface="Courier New" panose="02070309020205020404" pitchFamily="49" charset="0"/>
+              </a:rPr>
+              <a:t>&gt; Federalist</a:t>
+            </a:r>
+          </a:p>
+          <a:p>
+            <a:r>
+              <a:rPr lang="en-US" dirty="0" err="1">
+                <a:latin typeface="Consolas" panose="020B0609020204030204" pitchFamily="49" charset="0"/>
+                <a:cs typeface="Courier New" panose="02070309020205020404" pitchFamily="49" charset="0"/>
+              </a:rPr>
+              <a:t>nMay</a:t>
+            </a:r>
+            <a:endParaRPr lang="en-US" dirty="0">
+              <a:latin typeface="Consolas" panose="020B0609020204030204" pitchFamily="49" charset="0"/>
+              <a:cs typeface="Courier New" panose="02070309020205020404" pitchFamily="49" charset="0"/>
+            </a:endParaRPr>
+          </a:p>
+          <a:p>
+            <a:r>
+              <a:rPr lang="en-US" dirty="0">
+                <a:latin typeface="Consolas" panose="020B0609020204030204" pitchFamily="49" charset="0"/>
+                <a:cs typeface="Courier New" panose="02070309020205020404" pitchFamily="49" charset="0"/>
+              </a:rPr>
+              <a:t>  0   1   2   3   4   5   6 </a:t>
+            </a:r>
+          </a:p>
+          <a:p>
+            <a:r>
+              <a:rPr lang="en-US" dirty="0">
+                <a:latin typeface="Consolas" panose="020B0609020204030204" pitchFamily="49" charset="0"/>
+                <a:cs typeface="Courier New" panose="02070309020205020404" pitchFamily="49" charset="0"/>
+              </a:rPr>
+              <a:t>156  63  29   8   4   1   1 </a:t>
+            </a:r>
+          </a:p>
+        </p:txBody>
+      </p:sp>
+    </p:spTree>
+    <p:extLst>
+      <p:ext uri="{BB962C8B-B14F-4D97-AF65-F5344CB8AC3E}">
+        <p14:creationId xmlns:p14="http://schemas.microsoft.com/office/powerpoint/2010/main" val="3088756913"/>
+      </p:ext>
+    </p:extLst>
+  </p:cSld>
+  <p:clrMapOvr>
+    <a:masterClrMapping/>
+  </p:clrMapOvr>
+</p:sld>
+</file>
+
+<file path=ppt/slides/slide6.xml><?xml version="1.0" encoding="utf-8"?>
 <p:sld xmlns:a="http://schemas.openxmlformats.org/drawingml/2006/main" xmlns:r="http://schemas.openxmlformats.org/officeDocument/2006/relationships" xmlns:p="http://schemas.openxmlformats.org/presentationml/2006/main">
   <p:cSld>
     <p:spTree>
@@ -25456,7 +26674,7 @@
           <a:p>
             <a:fld id="{621225AB-15B9-4C79-A121-04D1DC7E2307}" type="slidenum">
               <a:rPr lang="en-US" smtClean="0"/>
-              <a:t>5</a:t>
+              <a:t>6</a:t>
             </a:fld>
             <a:endParaRPr lang="en-US"/>
           </a:p>
@@ -25532,7 +26750,17 @@
             </a:pPr>
             <a:r>
               <a:rPr lang="en-US" sz="2400" dirty="0"/>
-              <a:t>Fit a probability model (Poisson, </a:t>
+              <a:t>Fit a probability model [Poisson(</a:t>
+            </a:r>
+            <a:r>
+              <a:rPr lang="en-US" sz="2400" dirty="0">
+                <a:sym typeface="Symbol" panose="05050102010706020507" pitchFamily="18" charset="2"/>
+              </a:rPr>
+              <a:t></a:t>
+            </a:r>
+            <a:r>
+              <a:rPr lang="en-US" sz="2400" dirty="0"/>
+              <a:t>), </a:t>
             </a:r>
             <a:r>
               <a:rPr lang="en-US" sz="2400" dirty="0" err="1"/>
@@ -25540,8 +26768,27 @@
             </a:r>
             <a:r>
               <a:rPr lang="en-US" sz="2400" dirty="0"/>
-              <a:t>)</a:t>
-            </a:r>
+              <a:t>(</a:t>
+            </a:r>
+            <a:r>
+              <a:rPr lang="en-US" sz="2400" dirty="0">
+                <a:sym typeface="Symbol" panose="05050102010706020507" pitchFamily="18" charset="2"/>
+              </a:rPr>
+              <a:t>, </a:t>
+            </a:r>
+            <a:r>
+              <a:rPr lang="en-CA" sz="2400" dirty="0">
+                <a:sym typeface="Symbol" panose="05050102010706020507" pitchFamily="18" charset="2"/>
+              </a:rPr>
+              <a:t>p</a:t>
+            </a:r>
+            <a:r>
+              <a:rPr lang="en-US" sz="2400" dirty="0">
+                <a:sym typeface="Symbol" panose="05050102010706020507" pitchFamily="18" charset="2"/>
+              </a:rPr>
+              <a:t>)]</a:t>
+            </a:r>
+            <a:endParaRPr lang="en-US" sz="2400" dirty="0"/>
           </a:p>
           <a:p>
             <a:pPr marL="285750" indent="-285750">
@@ -25556,19 +26803,7 @@
               <a:rPr lang="en-US" sz="2400" dirty="0">
                 <a:sym typeface="Symbol" panose="05050102010706020507" pitchFamily="18" charset="2"/>
               </a:rPr>
-              <a:t>, </a:t>
-            </a:r>
-            <a:r>
-              <a:rPr lang="el-GR" sz="2400" dirty="0">
-                <a:sym typeface="Symbol" panose="05050102010706020507" pitchFamily="18" charset="2"/>
-              </a:rPr>
-              <a:t>θ</a:t>
-            </a:r>
-            <a:r>
-              <a:rPr lang="en-US" sz="2400" dirty="0">
-                <a:sym typeface="Symbol" panose="05050102010706020507" pitchFamily="18" charset="2"/>
-              </a:rPr>
-              <a:t>)</a:t>
+              <a:t>,p)</a:t>
             </a:r>
           </a:p>
           <a:p>
@@ -25624,7 +26859,7 @@
 </p:sld>
 </file>
 
-<file path=ppt/slides/slide6.xml><?xml version="1.0" encoding="utf-8"?>
+<file path=ppt/slides/slide7.xml><?xml version="1.0" encoding="utf-8"?>
 <p:sld xmlns:a="http://schemas.openxmlformats.org/drawingml/2006/main" xmlns:r="http://schemas.openxmlformats.org/officeDocument/2006/relationships" xmlns:p="http://schemas.openxmlformats.org/presentationml/2006/main">
   <p:cSld>
     <p:spTree>
@@ -25694,7 +26929,7 @@
           <a:p>
             <a:fld id="{621225AB-15B9-4C79-A121-04D1DC7E2307}" type="slidenum">
               <a:rPr lang="en-US" smtClean="0"/>
-              <a:t>6</a:t>
+              <a:t>7</a:t>
             </a:fld>
             <a:endParaRPr lang="en-US"/>
           </a:p>
@@ -25743,7 +26978,7 @@
 </p:sld>
 </file>
 
-<file path=ppt/slides/slide7.xml><?xml version="1.0" encoding="utf-8"?>
+<file path=ppt/slides/slide8.xml><?xml version="1.0" encoding="utf-8"?>
 <p:sld xmlns:a="http://schemas.openxmlformats.org/drawingml/2006/main" xmlns:r="http://schemas.openxmlformats.org/officeDocument/2006/relationships" xmlns:p="http://schemas.openxmlformats.org/presentationml/2006/main">
   <p:cSld>
     <p:spTree>
@@ -25783,7 +27018,7 @@
           <a:p>
             <a:fld id="{621225AB-15B9-4C79-A121-04D1DC7E2307}" type="slidenum">
               <a:rPr lang="en-US" smtClean="0"/>
-              <a:t>7</a:t>
+              <a:t>8</a:t>
             </a:fld>
             <a:endParaRPr lang="en-US"/>
           </a:p>
@@ -26062,7 +27297,7 @@
         <p:spPr>
           <a:xfrm>
             <a:off x="3352800" y="3733800"/>
-            <a:ext cx="5105400" cy="369332"/>
+            <a:ext cx="5105400" cy="461665"/>
           </a:xfrm>
           <a:prstGeom prst="rect">
             <a:avLst/>
@@ -26076,15 +27311,15 @@
           <a:lstStyle/>
           <a:p>
             <a:r>
-              <a:rPr lang="en-US" dirty="0"/>
+              <a:rPr lang="en-US" sz="2400" dirty="0"/>
               <a:t>Answers depend on estimating </a:t>
             </a:r>
             <a:r>
-              <a:rPr lang="en-US" dirty="0" err="1"/>
+              <a:rPr lang="en-US" sz="2400" dirty="0" err="1"/>
               <a:t>Pr</a:t>
             </a:r>
             <a:r>
-              <a:rPr lang="en-US" dirty="0"/>
+              <a:rPr lang="en-US" sz="2400" dirty="0"/>
               <a:t>(k=0)</a:t>
             </a:r>
           </a:p>
@@ -26100,10 +27335,231 @@
   <p:clrMapOvr>
     <a:masterClrMapping/>
   </p:clrMapOvr>
+  <p:timing>
+    <p:tnLst>
+      <p:par>
+        <p:cTn id="1" dur="indefinite" restart="never" nodeType="tmRoot">
+          <p:childTnLst>
+            <p:seq concurrent="1" nextAc="seek">
+              <p:cTn id="2" dur="indefinite" nodeType="mainSeq">
+                <p:childTnLst>
+                  <p:par>
+                    <p:cTn id="3" fill="hold">
+                      <p:stCondLst>
+                        <p:cond delay="indefinite"/>
+                      </p:stCondLst>
+                      <p:childTnLst>
+                        <p:par>
+                          <p:cTn id="4" fill="hold">
+                            <p:stCondLst>
+                              <p:cond delay="0"/>
+                            </p:stCondLst>
+                            <p:childTnLst>
+                              <p:par>
+                                <p:cTn id="5" presetID="1" presetClass="entr" presetSubtype="0" fill="hold" nodeType="clickEffect">
+                                  <p:stCondLst>
+                                    <p:cond delay="0"/>
+                                  </p:stCondLst>
+                                  <p:childTnLst>
+                                    <p:set>
+                                      <p:cBhvr>
+                                        <p:cTn id="6" dur="1" fill="hold">
+                                          <p:stCondLst>
+                                            <p:cond delay="0"/>
+                                          </p:stCondLst>
+                                        </p:cTn>
+                                        <p:tgtEl>
+                                          <p:spTgt spid="7">
+                                            <p:txEl>
+                                              <p:pRg st="0" end="0"/>
+                                            </p:txEl>
+                                          </p:spTgt>
+                                        </p:tgtEl>
+                                        <p:attrNameLst>
+                                          <p:attrName>style.visibility</p:attrName>
+                                        </p:attrNameLst>
+                                      </p:cBhvr>
+                                      <p:to>
+                                        <p:strVal val="visible"/>
+                                      </p:to>
+                                    </p:set>
+                                  </p:childTnLst>
+                                </p:cTn>
+                              </p:par>
+                              <p:par>
+                                <p:cTn id="7" presetID="1" presetClass="entr" presetSubtype="0" fill="hold" nodeType="withEffect">
+                                  <p:stCondLst>
+                                    <p:cond delay="0"/>
+                                  </p:stCondLst>
+                                  <p:childTnLst>
+                                    <p:set>
+                                      <p:cBhvr>
+                                        <p:cTn id="8" dur="1" fill="hold">
+                                          <p:stCondLst>
+                                            <p:cond delay="0"/>
+                                          </p:stCondLst>
+                                        </p:cTn>
+                                        <p:tgtEl>
+                                          <p:spTgt spid="7">
+                                            <p:txEl>
+                                              <p:pRg st="1" end="1"/>
+                                            </p:txEl>
+                                          </p:spTgt>
+                                        </p:tgtEl>
+                                        <p:attrNameLst>
+                                          <p:attrName>style.visibility</p:attrName>
+                                        </p:attrNameLst>
+                                      </p:cBhvr>
+                                      <p:to>
+                                        <p:strVal val="visible"/>
+                                      </p:to>
+                                    </p:set>
+                                  </p:childTnLst>
+                                </p:cTn>
+                              </p:par>
+                              <p:par>
+                                <p:cTn id="9" presetID="1" presetClass="entr" presetSubtype="0" fill="hold" nodeType="withEffect">
+                                  <p:stCondLst>
+                                    <p:cond delay="0"/>
+                                  </p:stCondLst>
+                                  <p:childTnLst>
+                                    <p:set>
+                                      <p:cBhvr>
+                                        <p:cTn id="10" dur="1" fill="hold">
+                                          <p:stCondLst>
+                                            <p:cond delay="0"/>
+                                          </p:stCondLst>
+                                        </p:cTn>
+                                        <p:tgtEl>
+                                          <p:spTgt spid="7">
+                                            <p:txEl>
+                                              <p:pRg st="2" end="2"/>
+                                            </p:txEl>
+                                          </p:spTgt>
+                                        </p:tgtEl>
+                                        <p:attrNameLst>
+                                          <p:attrName>style.visibility</p:attrName>
+                                        </p:attrNameLst>
+                                      </p:cBhvr>
+                                      <p:to>
+                                        <p:strVal val="visible"/>
+                                      </p:to>
+                                    </p:set>
+                                  </p:childTnLst>
+                                </p:cTn>
+                              </p:par>
+                              <p:par>
+                                <p:cTn id="11" presetID="1" presetClass="entr" presetSubtype="0" fill="hold" nodeType="withEffect">
+                                  <p:stCondLst>
+                                    <p:cond delay="0"/>
+                                  </p:stCondLst>
+                                  <p:childTnLst>
+                                    <p:set>
+                                      <p:cBhvr>
+                                        <p:cTn id="12" dur="1" fill="hold">
+                                          <p:stCondLst>
+                                            <p:cond delay="0"/>
+                                          </p:stCondLst>
+                                        </p:cTn>
+                                        <p:tgtEl>
+                                          <p:spTgt spid="7">
+                                            <p:txEl>
+                                              <p:pRg st="3" end="3"/>
+                                            </p:txEl>
+                                          </p:spTgt>
+                                        </p:tgtEl>
+                                        <p:attrNameLst>
+                                          <p:attrName>style.visibility</p:attrName>
+                                        </p:attrNameLst>
+                                      </p:cBhvr>
+                                      <p:to>
+                                        <p:strVal val="visible"/>
+                                      </p:to>
+                                    </p:set>
+                                  </p:childTnLst>
+                                </p:cTn>
+                              </p:par>
+                            </p:childTnLst>
+                          </p:cTn>
+                        </p:par>
+                      </p:childTnLst>
+                    </p:cTn>
+                  </p:par>
+                  <p:par>
+                    <p:cTn id="13" fill="hold">
+                      <p:stCondLst>
+                        <p:cond delay="indefinite"/>
+                      </p:stCondLst>
+                      <p:childTnLst>
+                        <p:par>
+                          <p:cTn id="14" fill="hold">
+                            <p:stCondLst>
+                              <p:cond delay="0"/>
+                            </p:stCondLst>
+                            <p:childTnLst>
+                              <p:par>
+                                <p:cTn id="15" presetID="1" presetClass="entr" presetSubtype="0" fill="hold" nodeType="clickEffect">
+                                  <p:stCondLst>
+                                    <p:cond delay="0"/>
+                                  </p:stCondLst>
+                                  <p:childTnLst>
+                                    <p:set>
+                                      <p:cBhvr>
+                                        <p:cTn id="16" dur="1" fill="hold">
+                                          <p:stCondLst>
+                                            <p:cond delay="0"/>
+                                          </p:stCondLst>
+                                        </p:cTn>
+                                        <p:tgtEl>
+                                          <p:spTgt spid="8">
+                                            <p:txEl>
+                                              <p:pRg st="0" end="0"/>
+                                            </p:txEl>
+                                          </p:spTgt>
+                                        </p:tgtEl>
+                                        <p:attrNameLst>
+                                          <p:attrName>style.visibility</p:attrName>
+                                        </p:attrNameLst>
+                                      </p:cBhvr>
+                                      <p:to>
+                                        <p:strVal val="visible"/>
+                                      </p:to>
+                                    </p:set>
+                                  </p:childTnLst>
+                                </p:cTn>
+                              </p:par>
+                            </p:childTnLst>
+                          </p:cTn>
+                        </p:par>
+                      </p:childTnLst>
+                    </p:cTn>
+                  </p:par>
+                </p:childTnLst>
+              </p:cTn>
+              <p:prevCondLst>
+                <p:cond evt="onPrev" delay="0">
+                  <p:tgtEl>
+                    <p:sldTgt/>
+                  </p:tgtEl>
+                </p:cond>
+              </p:prevCondLst>
+              <p:nextCondLst>
+                <p:cond evt="onNext" delay="0">
+                  <p:tgtEl>
+                    <p:sldTgt/>
+                  </p:tgtEl>
+                </p:cond>
+              </p:nextCondLst>
+            </p:seq>
+          </p:childTnLst>
+        </p:cTn>
+      </p:par>
+    </p:tnLst>
+  </p:timing>
 </p:sld>
 </file>
 
-<file path=ppt/slides/slide8.xml><?xml version="1.0" encoding="utf-8"?>
+<file path=ppt/slides/slide9.xml><?xml version="1.0" encoding="utf-8"?>
 <p:sld xmlns:a="http://schemas.openxmlformats.org/drawingml/2006/main" xmlns:r="http://schemas.openxmlformats.org/officeDocument/2006/relationships" xmlns:p="http://schemas.openxmlformats.org/presentationml/2006/main">
   <p:cSld>
     <p:spTree>
@@ -26168,7 +27624,9 @@
         </p:nvSpPr>
         <p:spPr/>
         <p:txBody>
-          <a:bodyPr/>
+          <a:bodyPr>
+            <a:normAutofit lnSpcReduction="10000"/>
+          </a:bodyPr>
           <a:lstStyle/>
           <a:p>
             <a:r>
@@ -26243,19 +27701,68 @@
           <a:p>
             <a:pPr lvl="1"/>
             <a:r>
-              <a:rPr lang="en-US" i="1" dirty="0"/>
-              <a:t>Federalist papers</a:t>
+              <a:rPr lang="en-US" i="1" dirty="0" err="1"/>
+              <a:t>HorseKicks</a:t>
             </a:r>
             <a:r>
               <a:rPr lang="en-US" dirty="0"/>
-              <a:t>: Perhaps Poisson(</a:t>
+              <a:t>: Poisson (</a:t>
             </a:r>
             <a:r>
               <a:rPr lang="en-US" dirty="0">
                 <a:sym typeface="Symbol" panose="05050102010706020507" pitchFamily="18" charset="2"/>
               </a:rPr>
-              <a:t>)</a:t>
-            </a:r>
+              <a:t>); here,  = mean = 0.61</a:t>
+            </a:r>
+            <a:endParaRPr lang="en-US" dirty="0"/>
+          </a:p>
+          <a:p>
+            <a:pPr lvl="1"/>
+            <a:r>
+              <a:rPr lang="en-US" i="1" dirty="0"/>
+              <a:t>Federalist papers</a:t>
+            </a:r>
+            <a:r>
+              <a:rPr lang="en-US" dirty="0"/>
+              <a:t>: Perhaps Poisson(</a:t>
+            </a:r>
+            <a:r>
+              <a:rPr lang="en-US" dirty="0">
+                <a:sym typeface="Symbol" panose="05050102010706020507" pitchFamily="18" charset="2"/>
+              </a:rPr>
+              <a:t>) or </a:t>
+            </a:r>
+            <a:r>
+              <a:rPr lang="en-US" dirty="0" err="1">
+                <a:sym typeface="Symbol" panose="05050102010706020507" pitchFamily="18" charset="2"/>
+              </a:rPr>
+              <a:t>NegBin</a:t>
+            </a:r>
+            <a:r>
+              <a:rPr lang="en-US" sz="2400" dirty="0"/>
+              <a:t> (</a:t>
+            </a:r>
+            <a:r>
+              <a:rPr lang="en-US" sz="2400" dirty="0">
+                <a:sym typeface="Symbol" panose="05050102010706020507" pitchFamily="18" charset="2"/>
+              </a:rPr>
+              <a:t>, </a:t>
+            </a:r>
+            <a:r>
+              <a:rPr lang="en-CA" dirty="0">
+                <a:sym typeface="Symbol" panose="05050102010706020507" pitchFamily="18" charset="2"/>
+              </a:rPr>
+              <a:t>p</a:t>
+            </a:r>
+            <a:r>
+              <a:rPr lang="en-US" sz="2400" dirty="0">
+                <a:sym typeface="Symbol" panose="05050102010706020507" pitchFamily="18" charset="2"/>
+              </a:rPr>
+              <a:t>)</a:t>
+            </a:r>
+            <a:endParaRPr lang="en-US" dirty="0">
+              <a:sym typeface="Symbol" panose="05050102010706020507" pitchFamily="18" charset="2"/>
+            </a:endParaRPr>
           </a:p>
           <a:p>
             <a:pPr lvl="1"/>
@@ -26298,7 +27805,7 @@
           <a:p>
             <a:fld id="{621225AB-15B9-4C79-A121-04D1DC7E2307}" type="slidenum">
               <a:rPr lang="en-US" smtClean="0"/>
-              <a:t>8</a:t>
+              <a:t>9</a:t>
             </a:fld>
             <a:endParaRPr lang="en-US"/>
           </a:p>
@@ -26308,155 +27815,6 @@
     <p:extLst>
       <p:ext uri="{BB962C8B-B14F-4D97-AF65-F5344CB8AC3E}">
         <p14:creationId xmlns:p14="http://schemas.microsoft.com/office/powerpoint/2010/main" val="1982512620"/>
-      </p:ext>
-    </p:extLst>
-  </p:cSld>
-  <p:clrMapOvr>
-    <a:masterClrMapping/>
-  </p:clrMapOvr>
-</p:sld>
-</file>
-
-<file path=ppt/slides/slide9.xml><?xml version="1.0" encoding="utf-8"?>
-<p:sld xmlns:a="http://schemas.openxmlformats.org/drawingml/2006/main" xmlns:r="http://schemas.openxmlformats.org/officeDocument/2006/relationships" xmlns:p="http://schemas.openxmlformats.org/presentationml/2006/main">
-  <p:cSld>
-    <p:spTree>
-      <p:nvGrpSpPr>
-        <p:cNvPr id="1" name=""/>
-        <p:cNvGrpSpPr/>
-        <p:nvPr/>
-      </p:nvGrpSpPr>
-      <p:grpSpPr>
-        <a:xfrm>
-          <a:off x="0" y="0"/>
-          <a:ext cx="0" cy="0"/>
-          <a:chOff x="0" y="0"/>
-          <a:chExt cx="0" cy="0"/>
-        </a:xfrm>
-      </p:grpSpPr>
-      <p:sp>
-        <p:nvSpPr>
-          <p:cNvPr id="2" name="Title 1">
-            <a:extLst>
-              <a:ext uri="{FF2B5EF4-FFF2-40B4-BE49-F238E27FC236}">
-                <a16:creationId xmlns:a16="http://schemas.microsoft.com/office/drawing/2014/main" id="{25AE5DC2-14E0-4093-ABEE-58D6F799C233}"/>
-              </a:ext>
-            </a:extLst>
-          </p:cNvPr>
-          <p:cNvSpPr>
-            <a:spLocks noGrp="1"/>
-          </p:cNvSpPr>
-          <p:nvPr>
-            <p:ph type="title"/>
-          </p:nvPr>
-        </p:nvSpPr>
-        <p:spPr/>
-        <p:txBody>
-          <a:bodyPr>
-            <a:normAutofit fontScale="90000"/>
-          </a:bodyPr>
-          <a:lstStyle/>
-          <a:p>
-            <a:r>
-              <a:rPr lang="en-US" dirty="0"/>
-              <a:t>Fitting discrete distributions</a:t>
-            </a:r>
-          </a:p>
-        </p:txBody>
-      </p:sp>
-      <p:sp>
-        <p:nvSpPr>
-          <p:cNvPr id="4" name="Slide Number Placeholder 3">
-            <a:extLst>
-              <a:ext uri="{FF2B5EF4-FFF2-40B4-BE49-F238E27FC236}">
-                <a16:creationId xmlns:a16="http://schemas.microsoft.com/office/drawing/2014/main" id="{AE926208-103D-4F6A-A274-049F8FC24246}"/>
-              </a:ext>
-            </a:extLst>
-          </p:cNvPr>
-          <p:cNvSpPr>
-            <a:spLocks noGrp="1"/>
-          </p:cNvSpPr>
-          <p:nvPr>
-            <p:ph type="sldNum" sz="quarter" idx="12"/>
-          </p:nvPr>
-        </p:nvSpPr>
-        <p:spPr/>
-        <p:txBody>
-          <a:bodyPr/>
-          <a:lstStyle/>
-          <a:p>
-            <a:fld id="{621225AB-15B9-4C79-A121-04D1DC7E2307}" type="slidenum">
-              <a:rPr lang="en-US" smtClean="0"/>
-              <a:t>9</a:t>
-            </a:fld>
-            <a:endParaRPr lang="en-US"/>
-          </a:p>
-        </p:txBody>
-      </p:sp>
-      <p:pic>
-        <p:nvPicPr>
-          <p:cNvPr id="5" name="Picture 4">
-            <a:extLst>
-              <a:ext uri="{FF2B5EF4-FFF2-40B4-BE49-F238E27FC236}">
-                <a16:creationId xmlns:a16="http://schemas.microsoft.com/office/drawing/2014/main" id="{A5EAC6D5-40CD-4558-BD67-22034648EFE8}"/>
-              </a:ext>
-            </a:extLst>
-          </p:cNvPr>
-          <p:cNvPicPr>
-            <a:picLocks noChangeAspect="1"/>
-          </p:cNvPicPr>
-          <p:nvPr/>
-        </p:nvPicPr>
-        <p:blipFill>
-          <a:blip r:embed="rId2"/>
-          <a:stretch>
-            <a:fillRect/>
-          </a:stretch>
-        </p:blipFill>
-        <p:spPr>
-          <a:xfrm>
-            <a:off x="457200" y="1219200"/>
-            <a:ext cx="8171428" cy="1809524"/>
-          </a:xfrm>
-          <a:prstGeom prst="rect">
-            <a:avLst/>
-          </a:prstGeom>
-        </p:spPr>
-      </p:pic>
-      <p:pic>
-        <p:nvPicPr>
-          <p:cNvPr id="6" name="Picture 5">
-            <a:extLst>
-              <a:ext uri="{FF2B5EF4-FFF2-40B4-BE49-F238E27FC236}">
-                <a16:creationId xmlns:a16="http://schemas.microsoft.com/office/drawing/2014/main" id="{DE436F5F-9939-4FE1-B137-DA870717BAE9}"/>
-              </a:ext>
-            </a:extLst>
-          </p:cNvPr>
-          <p:cNvPicPr>
-            <a:picLocks noChangeAspect="1"/>
-          </p:cNvPicPr>
-          <p:nvPr/>
-        </p:nvPicPr>
-        <p:blipFill>
-          <a:blip r:embed="rId3"/>
-          <a:stretch>
-            <a:fillRect/>
-          </a:stretch>
-        </p:blipFill>
-        <p:spPr>
-          <a:xfrm>
-            <a:off x="469490" y="3754442"/>
-            <a:ext cx="8190476" cy="1876190"/>
-          </a:xfrm>
-          <a:prstGeom prst="rect">
-            <a:avLst/>
-          </a:prstGeom>
-        </p:spPr>
-      </p:pic>
-    </p:spTree>
-    <p:extLst>
-      <p:ext uri="{BB962C8B-B14F-4D97-AF65-F5344CB8AC3E}">
-        <p14:creationId xmlns:p14="http://schemas.microsoft.com/office/powerpoint/2010/main" val="1874385390"/>
       </p:ext>
     </p:extLst>
   </p:cSld>

--- a/lectures/02-Discrete.pptx
+++ b/lectures/02-Discrete.pptx
@@ -5,7 +5,7 @@
     <p:sldMasterId id="2147483660" r:id="rId1"/>
   </p:sldMasterIdLst>
   <p:handoutMasterIdLst>
-    <p:handoutMasterId r:id="rId49"/>
+    <p:handoutMasterId r:id="rId54"/>
   </p:handoutMasterIdLst>
   <p:sldIdLst>
     <p:sldId id="256" r:id="rId2"/>
@@ -19,63 +19,68 @@
     <p:sldId id="263" r:id="rId10"/>
     <p:sldId id="264" r:id="rId11"/>
     <p:sldId id="265" r:id="rId12"/>
-    <p:sldId id="266" r:id="rId13"/>
-    <p:sldId id="301" r:id="rId14"/>
-    <p:sldId id="267" r:id="rId15"/>
-    <p:sldId id="268" r:id="rId16"/>
-    <p:sldId id="269" r:id="rId17"/>
-    <p:sldId id="302" r:id="rId18"/>
-    <p:sldId id="270" r:id="rId19"/>
-    <p:sldId id="271" r:id="rId20"/>
-    <p:sldId id="272" r:id="rId21"/>
-    <p:sldId id="273" r:id="rId22"/>
-    <p:sldId id="274" r:id="rId23"/>
-    <p:sldId id="275" r:id="rId24"/>
-    <p:sldId id="276" r:id="rId25"/>
-    <p:sldId id="299" r:id="rId26"/>
-    <p:sldId id="277" r:id="rId27"/>
-    <p:sldId id="278" r:id="rId28"/>
-    <p:sldId id="279" r:id="rId29"/>
-    <p:sldId id="280" r:id="rId30"/>
-    <p:sldId id="281" r:id="rId31"/>
-    <p:sldId id="282" r:id="rId32"/>
-    <p:sldId id="283" r:id="rId33"/>
-    <p:sldId id="284" r:id="rId34"/>
-    <p:sldId id="285" r:id="rId35"/>
-    <p:sldId id="286" r:id="rId36"/>
-    <p:sldId id="287" r:id="rId37"/>
-    <p:sldId id="288" r:id="rId38"/>
-    <p:sldId id="289" r:id="rId39"/>
-    <p:sldId id="290" r:id="rId40"/>
-    <p:sldId id="291" r:id="rId41"/>
-    <p:sldId id="292" r:id="rId42"/>
-    <p:sldId id="293" r:id="rId43"/>
-    <p:sldId id="294" r:id="rId44"/>
-    <p:sldId id="295" r:id="rId45"/>
-    <p:sldId id="296" r:id="rId46"/>
-    <p:sldId id="297" r:id="rId47"/>
-    <p:sldId id="298" r:id="rId48"/>
+    <p:sldId id="307" r:id="rId13"/>
+    <p:sldId id="266" r:id="rId14"/>
+    <p:sldId id="301" r:id="rId15"/>
+    <p:sldId id="267" r:id="rId16"/>
+    <p:sldId id="268" r:id="rId17"/>
+    <p:sldId id="269" r:id="rId18"/>
+    <p:sldId id="302" r:id="rId19"/>
+    <p:sldId id="270" r:id="rId20"/>
+    <p:sldId id="303" r:id="rId21"/>
+    <p:sldId id="271" r:id="rId22"/>
+    <p:sldId id="304" r:id="rId23"/>
+    <p:sldId id="272" r:id="rId24"/>
+    <p:sldId id="305" r:id="rId25"/>
+    <p:sldId id="273" r:id="rId26"/>
+    <p:sldId id="306" r:id="rId27"/>
+    <p:sldId id="274" r:id="rId28"/>
+    <p:sldId id="275" r:id="rId29"/>
+    <p:sldId id="276" r:id="rId30"/>
+    <p:sldId id="299" r:id="rId31"/>
+    <p:sldId id="277" r:id="rId32"/>
+    <p:sldId id="278" r:id="rId33"/>
+    <p:sldId id="279" r:id="rId34"/>
+    <p:sldId id="280" r:id="rId35"/>
+    <p:sldId id="281" r:id="rId36"/>
+    <p:sldId id="282" r:id="rId37"/>
+    <p:sldId id="283" r:id="rId38"/>
+    <p:sldId id="284" r:id="rId39"/>
+    <p:sldId id="285" r:id="rId40"/>
+    <p:sldId id="286" r:id="rId41"/>
+    <p:sldId id="287" r:id="rId42"/>
+    <p:sldId id="288" r:id="rId43"/>
+    <p:sldId id="289" r:id="rId44"/>
+    <p:sldId id="290" r:id="rId45"/>
+    <p:sldId id="291" r:id="rId46"/>
+    <p:sldId id="292" r:id="rId47"/>
+    <p:sldId id="293" r:id="rId48"/>
+    <p:sldId id="294" r:id="rId49"/>
+    <p:sldId id="295" r:id="rId50"/>
+    <p:sldId id="296" r:id="rId51"/>
+    <p:sldId id="297" r:id="rId52"/>
+    <p:sldId id="298" r:id="rId53"/>
   </p:sldIdLst>
   <p:sldSz cx="9144000" cy="6858000" type="screen4x3"/>
   <p:notesSz cx="6858000" cy="9144000"/>
   <p:embeddedFontLst>
     <p:embeddedFont>
       <p:font typeface="Calibri" panose="020F0502020204030204" pitchFamily="34" charset="0"/>
-      <p:regular r:id="rId50"/>
-      <p:bold r:id="rId51"/>
-      <p:italic r:id="rId52"/>
-      <p:boldItalic r:id="rId53"/>
-    </p:embeddedFont>
-    <p:embeddedFont>
-      <p:font typeface="Cambria Math" panose="02040503050406030204" pitchFamily="18" charset="0"/>
-      <p:regular r:id="rId54"/>
-    </p:embeddedFont>
-    <p:embeddedFont>
-      <p:font typeface="Consolas" panose="020B0609020204030204" pitchFamily="49" charset="0"/>
       <p:regular r:id="rId55"/>
       <p:bold r:id="rId56"/>
       <p:italic r:id="rId57"/>
       <p:boldItalic r:id="rId58"/>
+    </p:embeddedFont>
+    <p:embeddedFont>
+      <p:font typeface="Cambria Math" panose="02040503050406030204" pitchFamily="18" charset="0"/>
+      <p:regular r:id="rId59"/>
+    </p:embeddedFont>
+    <p:embeddedFont>
+      <p:font typeface="Consolas" panose="020B0609020204030204" pitchFamily="49" charset="0"/>
+      <p:regular r:id="rId60"/>
+      <p:bold r:id="rId61"/>
+      <p:italic r:id="rId62"/>
+      <p:boldItalic r:id="rId63"/>
     </p:embeddedFont>
   </p:embeddedFontLst>
   <p:defaultTextStyle>
@@ -189,6 +194,7 @@
             <p14:sldId id="263"/>
             <p14:sldId id="264"/>
             <p14:sldId id="265"/>
+            <p14:sldId id="307"/>
             <p14:sldId id="266"/>
           </p14:sldIdLst>
         </p14:section>
@@ -204,17 +210,21 @@
             <p14:sldId id="269"/>
             <p14:sldId id="302"/>
             <p14:sldId id="270"/>
+            <p14:sldId id="303"/>
           </p14:sldIdLst>
         </p14:section>
         <p14:section name="Negative binomial" id="{5883FE3A-0D25-4F3B-8E40-64CCFD144D5C}">
           <p14:sldIdLst>
             <p14:sldId id="271"/>
+            <p14:sldId id="304"/>
             <p14:sldId id="272"/>
+            <p14:sldId id="305"/>
           </p14:sldIdLst>
         </p14:section>
         <p14:section name="Fitting" id="{97DFD32E-116D-44EA-9BFC-E22BB3CAD8B3}">
           <p14:sldIdLst>
             <p14:sldId id="273"/>
+            <p14:sldId id="306"/>
             <p14:sldId id="274"/>
             <p14:sldId id="275"/>
             <p14:sldId id="276"/>
@@ -371,7 +381,7 @@
           <a:p>
             <a:fld id="{08BD4FA9-F3CE-45B3-A980-C331C6F1EF65}" type="datetimeFigureOut">
               <a:rPr lang="en-US" smtClean="0"/>
-              <a:t>1/12/2023</a:t>
+              <a:t>1/16/2023</a:t>
             </a:fld>
             <a:endParaRPr lang="en-US"/>
           </a:p>
@@ -644,7 +654,7 @@
           <a:p>
             <a:fld id="{EAAD3657-2200-4D14-82C0-10C39B0F0F06}" type="datetime1">
               <a:rPr lang="en-US" smtClean="0"/>
-              <a:t>1/12/2023</a:t>
+              <a:t>1/16/2023</a:t>
             </a:fld>
             <a:endParaRPr lang="en-US"/>
           </a:p>
@@ -812,7 +822,7 @@
           <a:p>
             <a:fld id="{11BBAF55-A85E-4993-914E-FC1E5AA7DF24}" type="datetime1">
               <a:rPr lang="en-US" smtClean="0"/>
-              <a:t>1/12/2023</a:t>
+              <a:t>1/16/2023</a:t>
             </a:fld>
             <a:endParaRPr lang="en-US"/>
           </a:p>
@@ -990,7 +1000,7 @@
           <a:p>
             <a:fld id="{39816E07-E1DB-44A4-A5E5-9F4B54E8C933}" type="datetime1">
               <a:rPr lang="en-US" smtClean="0"/>
-              <a:t>1/12/2023</a:t>
+              <a:t>1/16/2023</a:t>
             </a:fld>
             <a:endParaRPr lang="en-US"/>
           </a:p>
@@ -1175,7 +1185,7 @@
           <a:p>
             <a:fld id="{C2B1AD17-B813-4477-8AFE-B1860CC59113}" type="datetime1">
               <a:rPr lang="en-US" smtClean="0"/>
-              <a:t>1/12/2023</a:t>
+              <a:t>1/16/2023</a:t>
             </a:fld>
             <a:endParaRPr lang="en-US"/>
           </a:p>
@@ -1420,7 +1430,7 @@
           <a:p>
             <a:fld id="{D0975C0D-5C9E-48CC-8D31-F42D19FA8F7A}" type="datetime1">
               <a:rPr lang="en-US" smtClean="0"/>
-              <a:t>1/12/2023</a:t>
+              <a:t>1/16/2023</a:t>
             </a:fld>
             <a:endParaRPr lang="en-US"/>
           </a:p>
@@ -1705,7 +1715,7 @@
           <a:p>
             <a:fld id="{28657551-0F2B-4F09-86FD-F7994CE83DC5}" type="datetime1">
               <a:rPr lang="en-US" smtClean="0"/>
-              <a:t>1/12/2023</a:t>
+              <a:t>1/16/2023</a:t>
             </a:fld>
             <a:endParaRPr lang="en-US"/>
           </a:p>
@@ -2124,7 +2134,7 @@
           <a:p>
             <a:fld id="{3929D2B2-4200-46B9-96C3-02A55D5FAA00}" type="datetime1">
               <a:rPr lang="en-US" smtClean="0"/>
-              <a:t>1/12/2023</a:t>
+              <a:t>1/16/2023</a:t>
             </a:fld>
             <a:endParaRPr lang="en-US"/>
           </a:p>
@@ -2241,7 +2251,7 @@
           <a:p>
             <a:fld id="{41FF7722-74E8-497F-A072-89677A2C2373}" type="datetime1">
               <a:rPr lang="en-US" smtClean="0"/>
-              <a:t>1/12/2023</a:t>
+              <a:t>1/16/2023</a:t>
             </a:fld>
             <a:endParaRPr lang="en-US"/>
           </a:p>
@@ -2336,7 +2346,7 @@
           <a:p>
             <a:fld id="{BD26212E-B46B-426F-AE59-AA326827D9E0}" type="datetime1">
               <a:rPr lang="en-US" smtClean="0"/>
-              <a:t>1/12/2023</a:t>
+              <a:t>1/16/2023</a:t>
             </a:fld>
             <a:endParaRPr lang="en-US"/>
           </a:p>
@@ -2611,7 +2621,7 @@
           <a:p>
             <a:fld id="{FB9B81E8-09EA-4684-A39F-38DE1E49D20C}" type="datetime1">
               <a:rPr lang="en-US" smtClean="0"/>
-              <a:t>1/12/2023</a:t>
+              <a:t>1/16/2023</a:t>
             </a:fld>
             <a:endParaRPr lang="en-US"/>
           </a:p>
@@ -2863,7 +2873,7 @@
           <a:p>
             <a:fld id="{35C5CC5F-056C-4047-9A5C-9F5B4BED129B}" type="datetime1">
               <a:rPr lang="en-US" smtClean="0"/>
-              <a:t>1/12/2023</a:t>
+              <a:t>1/16/2023</a:t>
             </a:fld>
             <a:endParaRPr lang="en-US"/>
           </a:p>
@@ -3077,7 +3087,7 @@
           <a:p>
             <a:fld id="{E8171053-07BD-4A17-AC24-0A22EAA36098}" type="datetime1">
               <a:rPr lang="en-US" smtClean="0"/>
-              <a:t>1/12/2023</a:t>
+              <a:t>1/16/2023</a:t>
             </a:fld>
             <a:endParaRPr lang="en-US"/>
           </a:p>
@@ -3836,7 +3846,7 @@
 </file>
 
 <file path=ppt/slides/slide11.xml><?xml version="1.0" encoding="utf-8"?>
-<p:sld xmlns:a="http://schemas.openxmlformats.org/drawingml/2006/main" xmlns:r="http://schemas.openxmlformats.org/officeDocument/2006/relationships" xmlns:p="http://schemas.openxmlformats.org/presentationml/2006/main">
+<p:sld xmlns:a="http://schemas.openxmlformats.org/drawingml/2006/main" xmlns:r="http://schemas.openxmlformats.org/officeDocument/2006/relationships" xmlns:p="http://schemas.openxmlformats.org/presentationml/2006/main" show="0">
   <p:cSld>
     <p:spTree>
       <p:nvGrpSpPr>
@@ -4046,6 +4056,3040 @@
 </file>
 
 <file path=ppt/slides/slide12.xml><?xml version="1.0" encoding="utf-8"?>
+<p:sld xmlns:a="http://schemas.openxmlformats.org/drawingml/2006/main" xmlns:r="http://schemas.openxmlformats.org/officeDocument/2006/relationships" xmlns:p="http://schemas.openxmlformats.org/presentationml/2006/main">
+  <p:cSld>
+    <p:spTree>
+      <p:nvGrpSpPr>
+        <p:cNvPr id="1" name=""/>
+        <p:cNvGrpSpPr/>
+        <p:nvPr/>
+      </p:nvGrpSpPr>
+      <p:grpSpPr>
+        <a:xfrm>
+          <a:off x="0" y="0"/>
+          <a:ext cx="0" cy="0"/>
+          <a:chOff x="0" y="0"/>
+          <a:chExt cx="0" cy="0"/>
+        </a:xfrm>
+      </p:grpSpPr>
+      <p:sp>
+        <p:nvSpPr>
+          <p:cNvPr id="2" name="Title 1">
+            <a:extLst>
+              <a:ext uri="{FF2B5EF4-FFF2-40B4-BE49-F238E27FC236}">
+                <a16:creationId xmlns:a16="http://schemas.microsoft.com/office/drawing/2014/main" id="{4B889041-E4BF-6E6C-6933-4BBC82A904B0}"/>
+              </a:ext>
+            </a:extLst>
+          </p:cNvPr>
+          <p:cNvSpPr>
+            <a:spLocks noGrp="1"/>
+          </p:cNvSpPr>
+          <p:nvPr>
+            <p:ph type="title"/>
+          </p:nvPr>
+        </p:nvSpPr>
+        <p:spPr/>
+        <p:txBody>
+          <a:bodyPr>
+            <a:normAutofit fontScale="90000"/>
+          </a:bodyPr>
+          <a:lstStyle/>
+          <a:p>
+            <a:r>
+              <a:rPr lang="en-CA" dirty="0"/>
+              <a:t>Common discrete distributions</a:t>
+            </a:r>
+          </a:p>
+        </p:txBody>
+      </p:sp>
+      <p:sp>
+        <p:nvSpPr>
+          <p:cNvPr id="4" name="Slide Number Placeholder 3">
+            <a:extLst>
+              <a:ext uri="{FF2B5EF4-FFF2-40B4-BE49-F238E27FC236}">
+                <a16:creationId xmlns:a16="http://schemas.microsoft.com/office/drawing/2014/main" id="{59AB707E-97EB-DD8B-ACDF-37D588166BB5}"/>
+              </a:ext>
+            </a:extLst>
+          </p:cNvPr>
+          <p:cNvSpPr>
+            <a:spLocks noGrp="1"/>
+          </p:cNvSpPr>
+          <p:nvPr>
+            <p:ph type="sldNum" sz="quarter" idx="12"/>
+          </p:nvPr>
+        </p:nvSpPr>
+        <p:spPr/>
+        <p:txBody>
+          <a:bodyPr/>
+          <a:lstStyle/>
+          <a:p>
+            <a:fld id="{621225AB-15B9-4C79-A121-04D1DC7E2307}" type="slidenum">
+              <a:rPr lang="en-US" smtClean="0"/>
+              <a:t>12</a:t>
+            </a:fld>
+            <a:endParaRPr lang="en-US"/>
+          </a:p>
+        </p:txBody>
+      </p:sp>
+      <mc:AlternateContent xmlns:mc="http://schemas.openxmlformats.org/markup-compatibility/2006">
+        <mc:Choice xmlns:a14="http://schemas.microsoft.com/office/drawing/2010/main" Requires="a14">
+          <p:graphicFrame>
+            <p:nvGraphicFramePr>
+              <p:cNvPr id="5" name="Table 5">
+                <a:extLst>
+                  <a:ext uri="{FF2B5EF4-FFF2-40B4-BE49-F238E27FC236}">
+                    <a16:creationId xmlns:a16="http://schemas.microsoft.com/office/drawing/2014/main" id="{024EA2C6-DBAF-EDA1-A270-9FE4D66E283E}"/>
+                  </a:ext>
+                </a:extLst>
+              </p:cNvPr>
+              <p:cNvGraphicFramePr>
+                <a:graphicFrameLocks noGrp="1"/>
+              </p:cNvGraphicFramePr>
+              <p:nvPr>
+                <p:extLst>
+                  <p:ext uri="{D42A27DB-BD31-4B8C-83A1-F6EECF244321}">
+                    <p14:modId xmlns:p14="http://schemas.microsoft.com/office/powerpoint/2010/main" val="3346250953"/>
+                  </p:ext>
+                </p:extLst>
+              </p:nvPr>
+            </p:nvGraphicFramePr>
+            <p:xfrm>
+              <a:off x="457200" y="1407164"/>
+              <a:ext cx="8229600" cy="4927602"/>
+            </p:xfrm>
+            <a:graphic>
+              <a:graphicData uri="http://schemas.openxmlformats.org/drawingml/2006/table">
+                <a:tbl>
+                  <a:tblPr firstRow="1" bandRow="1">
+                    <a:tableStyleId>{5C22544A-7EE6-4342-B048-85BDC9FD1C3A}</a:tableStyleId>
+                  </a:tblPr>
+                  <a:tblGrid>
+                    <a:gridCol w="1371600">
+                      <a:extLst>
+                        <a:ext uri="{9D8B030D-6E8A-4147-A177-3AD203B41FA5}">
+                          <a16:colId xmlns:a16="http://schemas.microsoft.com/office/drawing/2014/main" val="464689213"/>
+                        </a:ext>
+                      </a:extLst>
+                    </a:gridCol>
+                    <a:gridCol w="1371600">
+                      <a:extLst>
+                        <a:ext uri="{9D8B030D-6E8A-4147-A177-3AD203B41FA5}">
+                          <a16:colId xmlns:a16="http://schemas.microsoft.com/office/drawing/2014/main" val="3067458921"/>
+                        </a:ext>
+                      </a:extLst>
+                    </a:gridCol>
+                    <a:gridCol w="1143000">
+                      <a:extLst>
+                        <a:ext uri="{9D8B030D-6E8A-4147-A177-3AD203B41FA5}">
+                          <a16:colId xmlns:a16="http://schemas.microsoft.com/office/drawing/2014/main" val="548656342"/>
+                        </a:ext>
+                      </a:extLst>
+                    </a:gridCol>
+                    <a:gridCol w="1828800">
+                      <a:extLst>
+                        <a:ext uri="{9D8B030D-6E8A-4147-A177-3AD203B41FA5}">
+                          <a16:colId xmlns:a16="http://schemas.microsoft.com/office/drawing/2014/main" val="2951206783"/>
+                        </a:ext>
+                      </a:extLst>
+                    </a:gridCol>
+                    <a:gridCol w="1143000">
+                      <a:extLst>
+                        <a:ext uri="{9D8B030D-6E8A-4147-A177-3AD203B41FA5}">
+                          <a16:colId xmlns:a16="http://schemas.microsoft.com/office/drawing/2014/main" val="1826657873"/>
+                        </a:ext>
+                      </a:extLst>
+                    </a:gridCol>
+                    <a:gridCol w="1371600">
+                      <a:extLst>
+                        <a:ext uri="{9D8B030D-6E8A-4147-A177-3AD203B41FA5}">
+                          <a16:colId xmlns:a16="http://schemas.microsoft.com/office/drawing/2014/main" val="3672865144"/>
+                        </a:ext>
+                      </a:extLst>
+                    </a:gridCol>
+                  </a:tblGrid>
+                  <a:tr h="864000">
+                    <a:tc>
+                      <a:txBody>
+                        <a:bodyPr/>
+                        <a:lstStyle/>
+                        <a:p>
+                          <a:r>
+                            <a:rPr lang="en-CA" dirty="0"/>
+                            <a:t>Distribution</a:t>
+                          </a:r>
+                        </a:p>
+                      </a:txBody>
+                      <a:tcPr/>
+                    </a:tc>
+                    <a:tc>
+                      <a:txBody>
+                        <a:bodyPr/>
+                        <a:lstStyle/>
+                        <a:p>
+                          <a:r>
+                            <a:rPr lang="en-CA" dirty="0"/>
+                            <a:t>Counts, </a:t>
+                          </a:r>
+                          <a:r>
+                            <a:rPr lang="en-CA" i="1" dirty="0"/>
+                            <a:t>k</a:t>
+                          </a:r>
+                        </a:p>
+                      </a:txBody>
+                      <a:tcPr/>
+                    </a:tc>
+                    <a:tc>
+                      <a:txBody>
+                        <a:bodyPr/>
+                        <a:lstStyle/>
+                        <a:p>
+                          <a:r>
+                            <a:rPr lang="en-CA" dirty="0"/>
+                            <a:t>Values of </a:t>
+                          </a:r>
+                          <a:r>
+                            <a:rPr lang="en-CA" i="1" dirty="0"/>
+                            <a:t>X</a:t>
+                          </a:r>
+                        </a:p>
+                      </a:txBody>
+                      <a:tcPr/>
+                    </a:tc>
+                    <a:tc>
+                      <a:txBody>
+                        <a:bodyPr/>
+                        <a:lstStyle/>
+                        <a:p>
+                          <a:pPr marL="0" marR="0" lvl="0" indent="0" algn="l" defTabSz="914400" rtl="0" eaLnBrk="1" fontAlgn="auto" latinLnBrk="0" hangingPunct="1">
+                            <a:lnSpc>
+                              <a:spcPct val="100000"/>
+                            </a:lnSpc>
+                            <a:spcBef>
+                              <a:spcPts val="0"/>
+                            </a:spcBef>
+                            <a:spcAft>
+                              <a:spcPts val="0"/>
+                            </a:spcAft>
+                            <a:buClrTx/>
+                            <a:buSzTx/>
+                            <a:buFontTx/>
+                            <a:buNone/>
+                            <a:tabLst/>
+                            <a:defRPr/>
+                          </a:pPr>
+                          <a:r>
+                            <a:rPr lang="en-CA" dirty="0" err="1"/>
+                            <a:t>Pr</a:t>
+                          </a:r>
+                          <a:r>
+                            <a:rPr lang="en-CA" dirty="0"/>
+                            <a:t>(</a:t>
+                          </a:r>
+                          <a:r>
+                            <a:rPr lang="en-CA" i="1" dirty="0"/>
+                            <a:t>X=k</a:t>
+                          </a:r>
+                          <a:r>
+                            <a:rPr lang="en-CA" dirty="0"/>
+                            <a:t>)</a:t>
+                          </a:r>
+                        </a:p>
+                        <a:p>
+                          <a:endParaRPr lang="en-CA" dirty="0"/>
+                        </a:p>
+                      </a:txBody>
+                      <a:tcPr/>
+                    </a:tc>
+                    <a:tc>
+                      <a:txBody>
+                        <a:bodyPr/>
+                        <a:lstStyle/>
+                        <a:p>
+                          <a:pPr marL="0" marR="0" lvl="0" indent="0" algn="l" defTabSz="914400" rtl="0" eaLnBrk="1" fontAlgn="auto" latinLnBrk="0" hangingPunct="1">
+                            <a:lnSpc>
+                              <a:spcPct val="100000"/>
+                            </a:lnSpc>
+                            <a:spcBef>
+                              <a:spcPts val="0"/>
+                            </a:spcBef>
+                            <a:spcAft>
+                              <a:spcPts val="0"/>
+                            </a:spcAft>
+                            <a:buClrTx/>
+                            <a:buSzTx/>
+                            <a:buFontTx/>
+                            <a:buNone/>
+                            <a:tabLst/>
+                            <a:defRPr/>
+                          </a:pPr>
+                          <a:r>
+                            <a:rPr lang="en-CA" dirty="0"/>
+                            <a:t>Mean, E(X)</a:t>
+                          </a:r>
+                        </a:p>
+                        <a:p>
+                          <a:endParaRPr lang="en-CA" dirty="0"/>
+                        </a:p>
+                      </a:txBody>
+                      <a:tcPr/>
+                    </a:tc>
+                    <a:tc>
+                      <a:txBody>
+                        <a:bodyPr/>
+                        <a:lstStyle/>
+                        <a:p>
+                          <a:r>
+                            <a:rPr lang="en-CA" dirty="0"/>
+                            <a:t>Var, V(X)</a:t>
+                          </a:r>
+                        </a:p>
+                      </a:txBody>
+                      <a:tcPr/>
+                    </a:tc>
+                    <a:extLst>
+                      <a:ext uri="{0D108BD9-81ED-4DB2-BD59-A6C34878D82A}">
+                        <a16:rowId xmlns:a16="http://schemas.microsoft.com/office/drawing/2014/main" val="3113164507"/>
+                      </a:ext>
+                    </a:extLst>
+                  </a:tr>
+                  <a:tr h="668867">
+                    <a:tc>
+                      <a:txBody>
+                        <a:bodyPr/>
+                        <a:lstStyle/>
+                        <a:p>
+                          <a:r>
+                            <a:rPr lang="en-CA" sz="1600" dirty="0"/>
+                            <a:t>Bernoulli(p)</a:t>
+                          </a:r>
+                        </a:p>
+                      </a:txBody>
+                      <a:tcPr/>
+                    </a:tc>
+                    <a:tc>
+                      <a:txBody>
+                        <a:bodyPr/>
+                        <a:lstStyle/>
+                        <a:p>
+                          <a:r>
+                            <a:rPr lang="en-CA" dirty="0"/>
+                            <a:t>Success in 1 trial</a:t>
+                          </a:r>
+                        </a:p>
+                      </a:txBody>
+                      <a:tcPr/>
+                    </a:tc>
+                    <a:tc>
+                      <a:txBody>
+                        <a:bodyPr/>
+                        <a:lstStyle/>
+                        <a:p>
+                          <a:r>
+                            <a:rPr lang="en-CA" dirty="0"/>
+                            <a:t>0, 1</a:t>
+                          </a:r>
+                        </a:p>
+                      </a:txBody>
+                      <a:tcPr/>
+                    </a:tc>
+                    <a:tc>
+                      <a:txBody>
+                        <a:bodyPr/>
+                        <a:lstStyle/>
+                        <a:p>
+                          <a:pPr/>
+                          <a14:m>
+                            <m:oMathPara xmlns:m="http://schemas.openxmlformats.org/officeDocument/2006/math">
+                              <m:oMathParaPr>
+                                <m:jc m:val="centerGroup"/>
+                              </m:oMathParaPr>
+                              <m:oMath xmlns:m="http://schemas.openxmlformats.org/officeDocument/2006/math">
+                                <m:sSup>
+                                  <m:sSupPr>
+                                    <m:ctrlPr>
+                                      <a:rPr lang="en-CA" sz="1800" i="1" kern="1200" smtClean="0">
+                                        <a:solidFill>
+                                          <a:schemeClr val="dk1"/>
+                                        </a:solidFill>
+                                        <a:latin typeface="Cambria Math" panose="02040503050406030204" pitchFamily="18" charset="0"/>
+                                        <a:ea typeface="+mn-ea"/>
+                                        <a:cs typeface="+mn-cs"/>
+                                      </a:rPr>
+                                    </m:ctrlPr>
+                                  </m:sSupPr>
+                                  <m:e>
+                                    <m:r>
+                                      <a:rPr lang="en-CA" sz="1800" i="1" kern="1200">
+                                        <a:solidFill>
+                                          <a:schemeClr val="dk1"/>
+                                        </a:solidFill>
+                                        <a:latin typeface="Cambria Math" panose="02040503050406030204" pitchFamily="18" charset="0"/>
+                                        <a:ea typeface="+mn-ea"/>
+                                        <a:cs typeface="+mn-cs"/>
+                                      </a:rPr>
+                                      <m:t>𝑝</m:t>
+                                    </m:r>
+                                  </m:e>
+                                  <m:sup>
+                                    <m:r>
+                                      <a:rPr lang="en-CA" sz="1800" i="1" kern="1200">
+                                        <a:solidFill>
+                                          <a:schemeClr val="dk1"/>
+                                        </a:solidFill>
+                                        <a:latin typeface="Cambria Math" panose="02040503050406030204" pitchFamily="18" charset="0"/>
+                                        <a:ea typeface="+mn-ea"/>
+                                        <a:cs typeface="+mn-cs"/>
+                                      </a:rPr>
+                                      <m:t>𝑘</m:t>
+                                    </m:r>
+                                  </m:sup>
+                                </m:sSup>
+                                <m:sSup>
+                                  <m:sSupPr>
+                                    <m:ctrlPr>
+                                      <a:rPr lang="en-CA" sz="1800" i="1" kern="1200">
+                                        <a:solidFill>
+                                          <a:schemeClr val="dk1"/>
+                                        </a:solidFill>
+                                        <a:latin typeface="Cambria Math" panose="02040503050406030204" pitchFamily="18" charset="0"/>
+                                        <a:ea typeface="+mn-ea"/>
+                                        <a:cs typeface="+mn-cs"/>
+                                      </a:rPr>
+                                    </m:ctrlPr>
+                                  </m:sSupPr>
+                                  <m:e>
+                                    <m:d>
+                                      <m:dPr>
+                                        <m:ctrlPr>
+                                          <a:rPr lang="en-CA" sz="1800" i="1" kern="1200">
+                                            <a:solidFill>
+                                              <a:schemeClr val="dk1"/>
+                                            </a:solidFill>
+                                            <a:latin typeface="Cambria Math" panose="02040503050406030204" pitchFamily="18" charset="0"/>
+                                            <a:ea typeface="+mn-ea"/>
+                                            <a:cs typeface="+mn-cs"/>
+                                          </a:rPr>
+                                        </m:ctrlPr>
+                                      </m:dPr>
+                                      <m:e>
+                                        <m:r>
+                                          <a:rPr lang="en-CA" sz="1800" i="0" kern="1200">
+                                            <a:solidFill>
+                                              <a:schemeClr val="dk1"/>
+                                            </a:solidFill>
+                                            <a:latin typeface="Cambria Math" panose="02040503050406030204" pitchFamily="18" charset="0"/>
+                                            <a:ea typeface="+mn-ea"/>
+                                            <a:cs typeface="+mn-cs"/>
+                                          </a:rPr>
+                                          <m:t>1−</m:t>
+                                        </m:r>
+                                        <m:r>
+                                          <a:rPr lang="en-CA" sz="1800" i="1" kern="1200">
+                                            <a:solidFill>
+                                              <a:schemeClr val="dk1"/>
+                                            </a:solidFill>
+                                            <a:latin typeface="Cambria Math" panose="02040503050406030204" pitchFamily="18" charset="0"/>
+                                            <a:ea typeface="+mn-ea"/>
+                                            <a:cs typeface="+mn-cs"/>
+                                          </a:rPr>
+                                          <m:t>𝑝</m:t>
+                                        </m:r>
+                                      </m:e>
+                                    </m:d>
+                                  </m:e>
+                                  <m:sup>
+                                    <m:r>
+                                      <a:rPr lang="en-CA" sz="1800" i="0" kern="1200">
+                                        <a:solidFill>
+                                          <a:schemeClr val="dk1"/>
+                                        </a:solidFill>
+                                        <a:latin typeface="Cambria Math" panose="02040503050406030204" pitchFamily="18" charset="0"/>
+                                        <a:ea typeface="+mn-ea"/>
+                                        <a:cs typeface="+mn-cs"/>
+                                      </a:rPr>
+                                      <m:t>1−</m:t>
+                                    </m:r>
+                                    <m:r>
+                                      <a:rPr lang="en-CA" sz="1800" i="1" kern="1200">
+                                        <a:solidFill>
+                                          <a:schemeClr val="dk1"/>
+                                        </a:solidFill>
+                                        <a:latin typeface="Cambria Math" panose="02040503050406030204" pitchFamily="18" charset="0"/>
+                                        <a:ea typeface="+mn-ea"/>
+                                        <a:cs typeface="+mn-cs"/>
+                                      </a:rPr>
+                                      <m:t>𝑘</m:t>
+                                    </m:r>
+                                  </m:sup>
+                                </m:sSup>
+                              </m:oMath>
+                            </m:oMathPara>
+                          </a14:m>
+                          <a:endParaRPr lang="en-CA" dirty="0"/>
+                        </a:p>
+                      </a:txBody>
+                      <a:tcPr/>
+                    </a:tc>
+                    <a:tc>
+                      <a:txBody>
+                        <a:bodyPr/>
+                        <a:lstStyle/>
+                        <a:p>
+                          <a:pPr algn="ctr"/>
+                          <a:r>
+                            <a:rPr lang="en-CA" i="1" dirty="0"/>
+                            <a:t>p</a:t>
+                          </a:r>
+                        </a:p>
+                      </a:txBody>
+                      <a:tcPr/>
+                    </a:tc>
+                    <a:tc>
+                      <a:txBody>
+                        <a:bodyPr/>
+                        <a:lstStyle/>
+                        <a:p>
+                          <a:pPr/>
+                          <a14:m>
+                            <m:oMathPara xmlns:m="http://schemas.openxmlformats.org/officeDocument/2006/math">
+                              <m:oMathParaPr>
+                                <m:jc m:val="centerGroup"/>
+                              </m:oMathParaPr>
+                              <m:oMath xmlns:m="http://schemas.openxmlformats.org/officeDocument/2006/math">
+                                <m:r>
+                                  <a:rPr lang="en-CA" b="0" i="1" smtClean="0">
+                                    <a:latin typeface="Cambria Math" panose="02040503050406030204" pitchFamily="18" charset="0"/>
+                                  </a:rPr>
+                                  <m:t>𝑝</m:t>
+                                </m:r>
+                                <m:r>
+                                  <a:rPr lang="en-CA" b="0" i="1" smtClean="0">
+                                    <a:latin typeface="Cambria Math" panose="02040503050406030204" pitchFamily="18" charset="0"/>
+                                  </a:rPr>
+                                  <m:t>(1−</m:t>
+                                </m:r>
+                                <m:r>
+                                  <a:rPr lang="en-CA" b="0" i="1" smtClean="0">
+                                    <a:latin typeface="Cambria Math" panose="02040503050406030204" pitchFamily="18" charset="0"/>
+                                  </a:rPr>
+                                  <m:t>𝑝</m:t>
+                                </m:r>
+                                <m:r>
+                                  <a:rPr lang="en-CA" b="0" i="1" smtClean="0">
+                                    <a:latin typeface="Cambria Math" panose="02040503050406030204" pitchFamily="18" charset="0"/>
+                                  </a:rPr>
+                                  <m:t>)</m:t>
+                                </m:r>
+                              </m:oMath>
+                            </m:oMathPara>
+                          </a14:m>
+                          <a:endParaRPr lang="en-CA" dirty="0"/>
+                        </a:p>
+                      </a:txBody>
+                      <a:tcPr/>
+                    </a:tc>
+                    <a:extLst>
+                      <a:ext uri="{0D108BD9-81ED-4DB2-BD59-A6C34878D82A}">
+                        <a16:rowId xmlns:a16="http://schemas.microsoft.com/office/drawing/2014/main" val="603408837"/>
+                      </a:ext>
+                    </a:extLst>
+                  </a:tr>
+                  <a:tr h="668867">
+                    <a:tc>
+                      <a:txBody>
+                        <a:bodyPr/>
+                        <a:lstStyle/>
+                        <a:p>
+                          <a:r>
+                            <a:rPr lang="en-CA" sz="1600" dirty="0"/>
+                            <a:t>Binomial(</a:t>
+                          </a:r>
+                          <a:r>
+                            <a:rPr lang="en-CA" sz="1600" dirty="0" err="1"/>
+                            <a:t>n,p</a:t>
+                          </a:r>
+                          <a:r>
+                            <a:rPr lang="en-CA" sz="1600" dirty="0"/>
+                            <a:t>)</a:t>
+                          </a:r>
+                        </a:p>
+                      </a:txBody>
+                      <a:tcPr/>
+                    </a:tc>
+                    <a:tc>
+                      <a:txBody>
+                        <a:bodyPr/>
+                        <a:lstStyle/>
+                        <a:p>
+                          <a:r>
+                            <a:rPr lang="en-CA" dirty="0"/>
+                            <a:t># successes in n trials</a:t>
+                          </a:r>
+                        </a:p>
+                      </a:txBody>
+                      <a:tcPr/>
+                    </a:tc>
+                    <a:tc>
+                      <a:txBody>
+                        <a:bodyPr/>
+                        <a:lstStyle/>
+                        <a:p>
+                          <a:r>
+                            <a:rPr lang="en-CA" dirty="0"/>
+                            <a:t>0, 1, …, n</a:t>
+                          </a:r>
+                        </a:p>
+                      </a:txBody>
+                      <a:tcPr/>
+                    </a:tc>
+                    <a:tc>
+                      <a:txBody>
+                        <a:bodyPr/>
+                        <a:lstStyle/>
+                        <a:p>
+                          <a:pPr/>
+                          <a14:m>
+                            <m:oMathPara xmlns:m="http://schemas.openxmlformats.org/officeDocument/2006/math">
+                              <m:oMathParaPr>
+                                <m:jc m:val="centerGroup"/>
+                              </m:oMathParaPr>
+                              <m:oMath xmlns:m="http://schemas.openxmlformats.org/officeDocument/2006/math">
+                                <m:d>
+                                  <m:dPr>
+                                    <m:ctrlPr>
+                                      <a:rPr lang="en-CA" sz="1400" i="1" kern="1200" smtClean="0">
+                                        <a:solidFill>
+                                          <a:schemeClr val="dk1"/>
+                                        </a:solidFill>
+                                        <a:latin typeface="Cambria Math" panose="02040503050406030204" pitchFamily="18" charset="0"/>
+                                        <a:ea typeface="+mn-ea"/>
+                                        <a:cs typeface="+mn-cs"/>
+                                      </a:rPr>
+                                    </m:ctrlPr>
+                                  </m:dPr>
+                                  <m:e>
+                                    <m:m>
+                                      <m:mPr>
+                                        <m:plcHide m:val="on"/>
+                                        <m:mcs>
+                                          <m:mc>
+                                            <m:mcPr>
+                                              <m:count m:val="1"/>
+                                              <m:mcJc m:val="center"/>
+                                            </m:mcPr>
+                                          </m:mc>
+                                        </m:mcs>
+                                        <m:ctrlPr>
+                                          <a:rPr lang="en-CA" sz="1400" i="1" kern="1200">
+                                            <a:solidFill>
+                                              <a:schemeClr val="dk1"/>
+                                            </a:solidFill>
+                                            <a:latin typeface="Cambria Math" panose="02040503050406030204" pitchFamily="18" charset="0"/>
+                                            <a:ea typeface="+mn-ea"/>
+                                            <a:cs typeface="+mn-cs"/>
+                                          </a:rPr>
+                                        </m:ctrlPr>
+                                      </m:mPr>
+                                      <m:mr>
+                                        <m:e>
+                                          <m:r>
+                                            <a:rPr lang="en-CA" sz="1400" i="1" kern="1200">
+                                              <a:solidFill>
+                                                <a:schemeClr val="dk1"/>
+                                              </a:solidFill>
+                                              <a:latin typeface="Cambria Math" panose="02040503050406030204" pitchFamily="18" charset="0"/>
+                                              <a:ea typeface="+mn-ea"/>
+                                              <a:cs typeface="+mn-cs"/>
+                                            </a:rPr>
+                                            <m:t>𝑛</m:t>
+                                          </m:r>
+                                        </m:e>
+                                      </m:mr>
+                                      <m:mr>
+                                        <m:e>
+                                          <m:r>
+                                            <a:rPr lang="en-CA" sz="1400" i="1" kern="1200">
+                                              <a:solidFill>
+                                                <a:schemeClr val="dk1"/>
+                                              </a:solidFill>
+                                              <a:latin typeface="Cambria Math" panose="02040503050406030204" pitchFamily="18" charset="0"/>
+                                              <a:ea typeface="+mn-ea"/>
+                                              <a:cs typeface="+mn-cs"/>
+                                            </a:rPr>
+                                            <m:t>𝑘</m:t>
+                                          </m:r>
+                                        </m:e>
+                                      </m:mr>
+                                    </m:m>
+                                  </m:e>
+                                </m:d>
+                                <m:sSup>
+                                  <m:sSupPr>
+                                    <m:ctrlPr>
+                                      <a:rPr lang="en-CA" sz="1400" i="1" kern="1200">
+                                        <a:solidFill>
+                                          <a:schemeClr val="dk1"/>
+                                        </a:solidFill>
+                                        <a:latin typeface="Cambria Math" panose="02040503050406030204" pitchFamily="18" charset="0"/>
+                                        <a:ea typeface="+mn-ea"/>
+                                        <a:cs typeface="+mn-cs"/>
+                                      </a:rPr>
+                                    </m:ctrlPr>
+                                  </m:sSupPr>
+                                  <m:e>
+                                    <m:r>
+                                      <a:rPr lang="en-CA" sz="1400" i="1" kern="1200">
+                                        <a:solidFill>
+                                          <a:schemeClr val="dk1"/>
+                                        </a:solidFill>
+                                        <a:latin typeface="Cambria Math" panose="02040503050406030204" pitchFamily="18" charset="0"/>
+                                        <a:ea typeface="+mn-ea"/>
+                                        <a:cs typeface="+mn-cs"/>
+                                      </a:rPr>
+                                      <m:t>𝑝</m:t>
+                                    </m:r>
+                                  </m:e>
+                                  <m:sup>
+                                    <m:r>
+                                      <a:rPr lang="en-CA" sz="1400" i="1" kern="1200">
+                                        <a:solidFill>
+                                          <a:schemeClr val="dk1"/>
+                                        </a:solidFill>
+                                        <a:latin typeface="Cambria Math" panose="02040503050406030204" pitchFamily="18" charset="0"/>
+                                        <a:ea typeface="+mn-ea"/>
+                                        <a:cs typeface="+mn-cs"/>
+                                      </a:rPr>
+                                      <m:t>𝑘</m:t>
+                                    </m:r>
+                                  </m:sup>
+                                </m:sSup>
+                                <m:sSup>
+                                  <m:sSupPr>
+                                    <m:ctrlPr>
+                                      <a:rPr lang="en-CA" sz="1400" i="1" kern="1200">
+                                        <a:solidFill>
+                                          <a:schemeClr val="dk1"/>
+                                        </a:solidFill>
+                                        <a:latin typeface="Cambria Math" panose="02040503050406030204" pitchFamily="18" charset="0"/>
+                                        <a:ea typeface="+mn-ea"/>
+                                        <a:cs typeface="+mn-cs"/>
+                                      </a:rPr>
+                                    </m:ctrlPr>
+                                  </m:sSupPr>
+                                  <m:e>
+                                    <m:d>
+                                      <m:dPr>
+                                        <m:ctrlPr>
+                                          <a:rPr lang="en-CA" sz="1400" i="1" kern="1200">
+                                            <a:solidFill>
+                                              <a:schemeClr val="dk1"/>
+                                            </a:solidFill>
+                                            <a:latin typeface="Cambria Math" panose="02040503050406030204" pitchFamily="18" charset="0"/>
+                                            <a:ea typeface="+mn-ea"/>
+                                            <a:cs typeface="+mn-cs"/>
+                                          </a:rPr>
+                                        </m:ctrlPr>
+                                      </m:dPr>
+                                      <m:e>
+                                        <m:r>
+                                          <a:rPr lang="en-CA" sz="1400" i="0" kern="1200">
+                                            <a:solidFill>
+                                              <a:schemeClr val="dk1"/>
+                                            </a:solidFill>
+                                            <a:latin typeface="Cambria Math" panose="02040503050406030204" pitchFamily="18" charset="0"/>
+                                            <a:ea typeface="+mn-ea"/>
+                                            <a:cs typeface="+mn-cs"/>
+                                          </a:rPr>
+                                          <m:t>1−</m:t>
+                                        </m:r>
+                                        <m:r>
+                                          <a:rPr lang="en-CA" sz="1400" i="1" kern="1200">
+                                            <a:solidFill>
+                                              <a:schemeClr val="dk1"/>
+                                            </a:solidFill>
+                                            <a:latin typeface="Cambria Math" panose="02040503050406030204" pitchFamily="18" charset="0"/>
+                                            <a:ea typeface="+mn-ea"/>
+                                            <a:cs typeface="+mn-cs"/>
+                                          </a:rPr>
+                                          <m:t>𝑝</m:t>
+                                        </m:r>
+                                      </m:e>
+                                    </m:d>
+                                  </m:e>
+                                  <m:sup>
+                                    <m:r>
+                                      <a:rPr lang="en-CA" sz="1400" i="1" kern="1200">
+                                        <a:solidFill>
+                                          <a:schemeClr val="dk1"/>
+                                        </a:solidFill>
+                                        <a:latin typeface="Cambria Math" panose="02040503050406030204" pitchFamily="18" charset="0"/>
+                                        <a:ea typeface="+mn-ea"/>
+                                        <a:cs typeface="+mn-cs"/>
+                                      </a:rPr>
+                                      <m:t>𝑛</m:t>
+                                    </m:r>
+                                    <m:r>
+                                      <a:rPr lang="en-CA" sz="1400" i="0" kern="1200">
+                                        <a:solidFill>
+                                          <a:schemeClr val="dk1"/>
+                                        </a:solidFill>
+                                        <a:latin typeface="Cambria Math" panose="02040503050406030204" pitchFamily="18" charset="0"/>
+                                        <a:ea typeface="+mn-ea"/>
+                                        <a:cs typeface="+mn-cs"/>
+                                      </a:rPr>
+                                      <m:t>−</m:t>
+                                    </m:r>
+                                    <m:r>
+                                      <a:rPr lang="en-CA" sz="1400" i="1" kern="1200">
+                                        <a:solidFill>
+                                          <a:schemeClr val="dk1"/>
+                                        </a:solidFill>
+                                        <a:latin typeface="Cambria Math" panose="02040503050406030204" pitchFamily="18" charset="0"/>
+                                        <a:ea typeface="+mn-ea"/>
+                                        <a:cs typeface="+mn-cs"/>
+                                      </a:rPr>
+                                      <m:t>𝑘</m:t>
+                                    </m:r>
+                                  </m:sup>
+                                </m:sSup>
+                              </m:oMath>
+                            </m:oMathPara>
+                          </a14:m>
+                          <a:endParaRPr lang="en-CA" sz="1400" dirty="0"/>
+                        </a:p>
+                      </a:txBody>
+                      <a:tcPr/>
+                    </a:tc>
+                    <a:tc>
+                      <a:txBody>
+                        <a:bodyPr/>
+                        <a:lstStyle/>
+                        <a:p>
+                          <a:pPr algn="ctr"/>
+                          <a14:m>
+                            <m:oMathPara xmlns:m="http://schemas.openxmlformats.org/officeDocument/2006/math">
+                              <m:oMathParaPr>
+                                <m:jc m:val="centerGroup"/>
+                              </m:oMathParaPr>
+                              <m:oMath xmlns:m="http://schemas.openxmlformats.org/officeDocument/2006/math">
+                                <m:r>
+                                  <a:rPr lang="en-CA" i="1" dirty="0" smtClean="0">
+                                    <a:latin typeface="Cambria Math" panose="02040503050406030204" pitchFamily="18" charset="0"/>
+                                  </a:rPr>
+                                  <m:t>𝑛𝑝</m:t>
+                                </m:r>
+                              </m:oMath>
+                            </m:oMathPara>
+                          </a14:m>
+                          <a:endParaRPr lang="en-CA" dirty="0"/>
+                        </a:p>
+                      </a:txBody>
+                      <a:tcPr/>
+                    </a:tc>
+                    <a:tc>
+                      <a:txBody>
+                        <a:bodyPr/>
+                        <a:lstStyle/>
+                        <a:p>
+                          <a:pPr/>
+                          <a14:m>
+                            <m:oMathPara xmlns:m="http://schemas.openxmlformats.org/officeDocument/2006/math">
+                              <m:oMathParaPr>
+                                <m:jc m:val="centerGroup"/>
+                              </m:oMathParaPr>
+                              <m:oMath xmlns:m="http://schemas.openxmlformats.org/officeDocument/2006/math">
+                                <m:r>
+                                  <a:rPr lang="en-CA" b="0" i="1" smtClean="0">
+                                    <a:latin typeface="Cambria Math" panose="02040503050406030204" pitchFamily="18" charset="0"/>
+                                  </a:rPr>
+                                  <m:t>𝑛𝑝</m:t>
+                                </m:r>
+                                <m:r>
+                                  <a:rPr lang="en-CA" b="0" i="1" smtClean="0">
+                                    <a:latin typeface="Cambria Math" panose="02040503050406030204" pitchFamily="18" charset="0"/>
+                                  </a:rPr>
+                                  <m:t>(1−</m:t>
+                                </m:r>
+                                <m:r>
+                                  <a:rPr lang="en-CA" b="0" i="1" smtClean="0">
+                                    <a:latin typeface="Cambria Math" panose="02040503050406030204" pitchFamily="18" charset="0"/>
+                                  </a:rPr>
+                                  <m:t>𝑝</m:t>
+                                </m:r>
+                                <m:r>
+                                  <a:rPr lang="en-CA" b="0" i="1" smtClean="0">
+                                    <a:latin typeface="Cambria Math" panose="02040503050406030204" pitchFamily="18" charset="0"/>
+                                  </a:rPr>
+                                  <m:t>)</m:t>
+                                </m:r>
+                              </m:oMath>
+                            </m:oMathPara>
+                          </a14:m>
+                          <a:endParaRPr lang="en-CA" dirty="0"/>
+                        </a:p>
+                      </a:txBody>
+                      <a:tcPr/>
+                    </a:tc>
+                    <a:extLst>
+                      <a:ext uri="{0D108BD9-81ED-4DB2-BD59-A6C34878D82A}">
+                        <a16:rowId xmlns:a16="http://schemas.microsoft.com/office/drawing/2014/main" val="1899637409"/>
+                      </a:ext>
+                    </a:extLst>
+                  </a:tr>
+                  <a:tr h="668867">
+                    <a:tc>
+                      <a:txBody>
+                        <a:bodyPr/>
+                        <a:lstStyle/>
+                        <a:p>
+                          <a:r>
+                            <a:rPr lang="en-CA" sz="1600" dirty="0"/>
+                            <a:t>Geometric(p)</a:t>
+                          </a:r>
+                        </a:p>
+                      </a:txBody>
+                      <a:tcPr/>
+                    </a:tc>
+                    <a:tc>
+                      <a:txBody>
+                        <a:bodyPr/>
+                        <a:lstStyle/>
+                        <a:p>
+                          <a:r>
+                            <a:rPr lang="en-CA" dirty="0"/>
+                            <a:t># of trials to 1</a:t>
+                          </a:r>
+                          <a:r>
+                            <a:rPr lang="en-CA" baseline="30000" dirty="0"/>
+                            <a:t>st</a:t>
+                          </a:r>
+                          <a:r>
+                            <a:rPr lang="en-CA" dirty="0"/>
+                            <a:t> success</a:t>
+                          </a:r>
+                        </a:p>
+                      </a:txBody>
+                      <a:tcPr/>
+                    </a:tc>
+                    <a:tc>
+                      <a:txBody>
+                        <a:bodyPr/>
+                        <a:lstStyle/>
+                        <a:p>
+                          <a:r>
+                            <a:rPr lang="en-CA" dirty="0"/>
+                            <a:t>0, 1, 2, …</a:t>
+                          </a:r>
+                        </a:p>
+                      </a:txBody>
+                      <a:tcPr/>
+                    </a:tc>
+                    <a:tc>
+                      <a:txBody>
+                        <a:bodyPr/>
+                        <a:lstStyle/>
+                        <a:p>
+                          <a:pPr/>
+                          <a14:m>
+                            <m:oMathPara xmlns:m="http://schemas.openxmlformats.org/officeDocument/2006/math">
+                              <m:oMathParaPr>
+                                <m:jc m:val="centerGroup"/>
+                              </m:oMathParaPr>
+                              <m:oMath xmlns:m="http://schemas.openxmlformats.org/officeDocument/2006/math">
+                                <m:r>
+                                  <a:rPr lang="en-CA" sz="1800" i="1" kern="1200" smtClean="0">
+                                    <a:solidFill>
+                                      <a:schemeClr val="dk1"/>
+                                    </a:solidFill>
+                                    <a:latin typeface="Cambria Math" panose="02040503050406030204" pitchFamily="18" charset="0"/>
+                                    <a:ea typeface="+mn-ea"/>
+                                    <a:cs typeface="+mn-cs"/>
+                                  </a:rPr>
+                                  <m:t>𝑝</m:t>
+                                </m:r>
+                                <m:sSup>
+                                  <m:sSupPr>
+                                    <m:ctrlPr>
+                                      <a:rPr lang="en-CA" sz="1800" i="1" kern="1200">
+                                        <a:solidFill>
+                                          <a:schemeClr val="dk1"/>
+                                        </a:solidFill>
+                                        <a:latin typeface="Cambria Math" panose="02040503050406030204" pitchFamily="18" charset="0"/>
+                                        <a:ea typeface="+mn-ea"/>
+                                        <a:cs typeface="+mn-cs"/>
+                                      </a:rPr>
+                                    </m:ctrlPr>
+                                  </m:sSupPr>
+                                  <m:e>
+                                    <m:d>
+                                      <m:dPr>
+                                        <m:ctrlPr>
+                                          <a:rPr lang="en-CA" sz="1800" i="1" kern="1200">
+                                            <a:solidFill>
+                                              <a:schemeClr val="dk1"/>
+                                            </a:solidFill>
+                                            <a:latin typeface="Cambria Math" panose="02040503050406030204" pitchFamily="18" charset="0"/>
+                                            <a:ea typeface="+mn-ea"/>
+                                            <a:cs typeface="+mn-cs"/>
+                                          </a:rPr>
+                                        </m:ctrlPr>
+                                      </m:dPr>
+                                      <m:e>
+                                        <m:r>
+                                          <a:rPr lang="en-CA" sz="1800" i="0" kern="1200">
+                                            <a:solidFill>
+                                              <a:schemeClr val="dk1"/>
+                                            </a:solidFill>
+                                            <a:latin typeface="Cambria Math" panose="02040503050406030204" pitchFamily="18" charset="0"/>
+                                            <a:ea typeface="+mn-ea"/>
+                                            <a:cs typeface="+mn-cs"/>
+                                          </a:rPr>
+                                          <m:t>1−</m:t>
+                                        </m:r>
+                                        <m:r>
+                                          <a:rPr lang="en-CA" sz="1800" i="1" kern="1200">
+                                            <a:solidFill>
+                                              <a:schemeClr val="dk1"/>
+                                            </a:solidFill>
+                                            <a:latin typeface="Cambria Math" panose="02040503050406030204" pitchFamily="18" charset="0"/>
+                                            <a:ea typeface="+mn-ea"/>
+                                            <a:cs typeface="+mn-cs"/>
+                                          </a:rPr>
+                                          <m:t>𝑝</m:t>
+                                        </m:r>
+                                      </m:e>
+                                    </m:d>
+                                  </m:e>
+                                  <m:sup>
+                                    <m:r>
+                                      <a:rPr lang="en-CA" sz="1800" i="1" kern="1200">
+                                        <a:solidFill>
+                                          <a:schemeClr val="dk1"/>
+                                        </a:solidFill>
+                                        <a:latin typeface="Cambria Math" panose="02040503050406030204" pitchFamily="18" charset="0"/>
+                                        <a:ea typeface="+mn-ea"/>
+                                        <a:cs typeface="+mn-cs"/>
+                                      </a:rPr>
+                                      <m:t>𝑘</m:t>
+                                    </m:r>
+                                  </m:sup>
+                                </m:sSup>
+                              </m:oMath>
+                            </m:oMathPara>
+                          </a14:m>
+                          <a:endParaRPr lang="en-CA" dirty="0"/>
+                        </a:p>
+                      </a:txBody>
+                      <a:tcPr/>
+                    </a:tc>
+                    <a:tc>
+                      <a:txBody>
+                        <a:bodyPr/>
+                        <a:lstStyle/>
+                        <a:p>
+                          <a:pPr algn="ctr"/>
+                          <a14:m>
+                            <m:oMathPara xmlns:m="http://schemas.openxmlformats.org/officeDocument/2006/math">
+                              <m:oMathParaPr>
+                                <m:jc m:val="centerGroup"/>
+                              </m:oMathParaPr>
+                              <m:oMath xmlns:m="http://schemas.openxmlformats.org/officeDocument/2006/math">
+                                <m:box>
+                                  <m:boxPr>
+                                    <m:ctrlPr>
+                                      <a:rPr lang="en-CA" sz="2400" i="1" smtClean="0">
+                                        <a:latin typeface="Cambria Math" panose="02040503050406030204" pitchFamily="18" charset="0"/>
+                                      </a:rPr>
+                                    </m:ctrlPr>
+                                  </m:boxPr>
+                                  <m:e>
+                                    <m:argPr>
+                                      <m:argSz m:val="-1"/>
+                                    </m:argPr>
+                                    <m:f>
+                                      <m:fPr>
+                                        <m:ctrlPr>
+                                          <a:rPr lang="en-CA" sz="2400" i="1" smtClean="0">
+                                            <a:latin typeface="Cambria Math" panose="02040503050406030204" pitchFamily="18" charset="0"/>
+                                          </a:rPr>
+                                        </m:ctrlPr>
+                                      </m:fPr>
+                                      <m:num>
+                                        <m:r>
+                                          <a:rPr lang="en-CA" sz="2400" b="0" i="1" smtClean="0">
+                                            <a:latin typeface="Cambria Math" panose="02040503050406030204" pitchFamily="18" charset="0"/>
+                                          </a:rPr>
+                                          <m:t>1−</m:t>
+                                        </m:r>
+                                        <m:r>
+                                          <a:rPr lang="en-CA" sz="2400" b="0" i="1" smtClean="0">
+                                            <a:latin typeface="Cambria Math" panose="02040503050406030204" pitchFamily="18" charset="0"/>
+                                          </a:rPr>
+                                          <m:t>𝑝</m:t>
+                                        </m:r>
+                                      </m:num>
+                                      <m:den>
+                                        <m:r>
+                                          <a:rPr lang="en-CA" sz="2400" b="0" i="1" smtClean="0">
+                                            <a:latin typeface="Cambria Math" panose="02040503050406030204" pitchFamily="18" charset="0"/>
+                                          </a:rPr>
+                                          <m:t>𝑝</m:t>
+                                        </m:r>
+                                      </m:den>
+                                    </m:f>
+                                  </m:e>
+                                </m:box>
+                              </m:oMath>
+                            </m:oMathPara>
+                          </a14:m>
+                          <a:endParaRPr lang="en-CA" sz="2400" dirty="0"/>
+                        </a:p>
+                      </a:txBody>
+                      <a:tcPr/>
+                    </a:tc>
+                    <a:tc>
+                      <a:txBody>
+                        <a:bodyPr/>
+                        <a:lstStyle/>
+                        <a:p>
+                          <a:pPr/>
+                          <a14:m>
+                            <m:oMathPara xmlns:m="http://schemas.openxmlformats.org/officeDocument/2006/math">
+                              <m:oMathParaPr>
+                                <m:jc m:val="centerGroup"/>
+                              </m:oMathParaPr>
+                              <m:oMath xmlns:m="http://schemas.openxmlformats.org/officeDocument/2006/math">
+                                <m:f>
+                                  <m:fPr>
+                                    <m:ctrlPr>
+                                      <a:rPr lang="en-CA" sz="1800" i="1" smtClean="0">
+                                        <a:latin typeface="Cambria Math" panose="02040503050406030204" pitchFamily="18" charset="0"/>
+                                      </a:rPr>
+                                    </m:ctrlPr>
+                                  </m:fPr>
+                                  <m:num>
+                                    <m:r>
+                                      <a:rPr lang="en-CA" sz="1800" b="0" i="1" smtClean="0">
+                                        <a:latin typeface="Cambria Math" panose="02040503050406030204" pitchFamily="18" charset="0"/>
+                                      </a:rPr>
+                                      <m:t>1−</m:t>
+                                    </m:r>
+                                    <m:r>
+                                      <a:rPr lang="en-CA" sz="1800" b="0" i="1" smtClean="0">
+                                        <a:latin typeface="Cambria Math" panose="02040503050406030204" pitchFamily="18" charset="0"/>
+                                      </a:rPr>
+                                      <m:t>𝑝</m:t>
+                                    </m:r>
+                                  </m:num>
+                                  <m:den>
+                                    <m:r>
+                                      <a:rPr lang="en-CA" sz="1800" b="0" i="1" smtClean="0">
+                                        <a:latin typeface="Cambria Math" panose="02040503050406030204" pitchFamily="18" charset="0"/>
+                                      </a:rPr>
+                                      <m:t>𝑝</m:t>
+                                    </m:r>
+                                    <m:r>
+                                      <a:rPr lang="en-CA" sz="1800" b="0" i="1" baseline="30000" smtClean="0">
+                                        <a:latin typeface="Cambria Math" panose="02040503050406030204" pitchFamily="18" charset="0"/>
+                                      </a:rPr>
+                                      <m:t>2</m:t>
+                                    </m:r>
+                                  </m:den>
+                                </m:f>
+                              </m:oMath>
+                            </m:oMathPara>
+                          </a14:m>
+                          <a:endParaRPr lang="en-CA" dirty="0"/>
+                        </a:p>
+                      </a:txBody>
+                      <a:tcPr/>
+                    </a:tc>
+                    <a:extLst>
+                      <a:ext uri="{0D108BD9-81ED-4DB2-BD59-A6C34878D82A}">
+                        <a16:rowId xmlns:a16="http://schemas.microsoft.com/office/drawing/2014/main" val="3260097535"/>
+                      </a:ext>
+                    </a:extLst>
+                  </a:tr>
+                  <a:tr h="668867">
+                    <a:tc>
+                      <a:txBody>
+                        <a:bodyPr/>
+                        <a:lstStyle/>
+                        <a:p>
+                          <a:r>
+                            <a:rPr lang="en-CA" sz="1600" dirty="0"/>
+                            <a:t>Neg. binomial(</a:t>
+                          </a:r>
+                          <a:r>
+                            <a:rPr lang="en-CA" sz="1600" dirty="0" err="1"/>
+                            <a:t>k,p</a:t>
+                          </a:r>
+                          <a:r>
+                            <a:rPr lang="en-CA" sz="1600" dirty="0"/>
+                            <a:t>)</a:t>
+                          </a:r>
+                        </a:p>
+                      </a:txBody>
+                      <a:tcPr/>
+                    </a:tc>
+                    <a:tc>
+                      <a:txBody>
+                        <a:bodyPr/>
+                        <a:lstStyle/>
+                        <a:p>
+                          <a:r>
+                            <a:rPr lang="en-CA" dirty="0"/>
+                            <a:t># of trials to k</a:t>
+                          </a:r>
+                          <a:r>
+                            <a:rPr lang="en-CA" baseline="30000" dirty="0"/>
+                            <a:t>th</a:t>
+                          </a:r>
+                          <a:r>
+                            <a:rPr lang="en-CA" dirty="0"/>
+                            <a:t> success</a:t>
+                          </a:r>
+                        </a:p>
+                      </a:txBody>
+                      <a:tcPr/>
+                    </a:tc>
+                    <a:tc>
+                      <a:txBody>
+                        <a:bodyPr/>
+                        <a:lstStyle/>
+                        <a:p>
+                          <a:pPr marL="0" marR="0" lvl="0" indent="0" algn="l" defTabSz="914400" rtl="0" eaLnBrk="1" fontAlgn="auto" latinLnBrk="0" hangingPunct="1">
+                            <a:lnSpc>
+                              <a:spcPct val="100000"/>
+                            </a:lnSpc>
+                            <a:spcBef>
+                              <a:spcPts val="0"/>
+                            </a:spcBef>
+                            <a:spcAft>
+                              <a:spcPts val="0"/>
+                            </a:spcAft>
+                            <a:buClrTx/>
+                            <a:buSzTx/>
+                            <a:buFontTx/>
+                            <a:buNone/>
+                            <a:tabLst/>
+                            <a:defRPr/>
+                          </a:pPr>
+                          <a:r>
+                            <a:rPr lang="en-CA" dirty="0"/>
+                            <a:t>0, 1, 2, …</a:t>
+                          </a:r>
+                        </a:p>
+                        <a:p>
+                          <a:endParaRPr lang="en-CA" dirty="0"/>
+                        </a:p>
+                      </a:txBody>
+                      <a:tcPr/>
+                    </a:tc>
+                    <a:tc>
+                      <a:txBody>
+                        <a:bodyPr/>
+                        <a:lstStyle/>
+                        <a:p>
+                          <a:pPr/>
+                          <a14:m>
+                            <m:oMathPara xmlns:m="http://schemas.openxmlformats.org/officeDocument/2006/math">
+                              <m:oMathParaPr>
+                                <m:jc m:val="centerGroup"/>
+                              </m:oMathParaPr>
+                              <m:oMath xmlns:m="http://schemas.openxmlformats.org/officeDocument/2006/math">
+                                <m:d>
+                                  <m:dPr>
+                                    <m:ctrlPr>
+                                      <a:rPr lang="en-CA" sz="1300" i="1" kern="1200" smtClean="0">
+                                        <a:solidFill>
+                                          <a:schemeClr val="dk1"/>
+                                        </a:solidFill>
+                                        <a:latin typeface="Cambria Math" panose="02040503050406030204" pitchFamily="18" charset="0"/>
+                                        <a:ea typeface="+mn-ea"/>
+                                        <a:cs typeface="+mn-cs"/>
+                                      </a:rPr>
+                                    </m:ctrlPr>
+                                  </m:dPr>
+                                  <m:e>
+                                    <m:m>
+                                      <m:mPr>
+                                        <m:plcHide m:val="on"/>
+                                        <m:mcs>
+                                          <m:mc>
+                                            <m:mcPr>
+                                              <m:count m:val="1"/>
+                                              <m:mcJc m:val="center"/>
+                                            </m:mcPr>
+                                          </m:mc>
+                                        </m:mcs>
+                                        <m:ctrlPr>
+                                          <a:rPr lang="en-CA" sz="1300" i="1" kern="1200">
+                                            <a:solidFill>
+                                              <a:schemeClr val="dk1"/>
+                                            </a:solidFill>
+                                            <a:latin typeface="Cambria Math" panose="02040503050406030204" pitchFamily="18" charset="0"/>
+                                            <a:ea typeface="+mn-ea"/>
+                                            <a:cs typeface="+mn-cs"/>
+                                          </a:rPr>
+                                        </m:ctrlPr>
+                                      </m:mPr>
+                                      <m:mr>
+                                        <m:e>
+                                          <m:r>
+                                            <a:rPr lang="en-CA" sz="1300" i="1" kern="1200">
+                                              <a:solidFill>
+                                                <a:schemeClr val="dk1"/>
+                                              </a:solidFill>
+                                              <a:latin typeface="Cambria Math" panose="02040503050406030204" pitchFamily="18" charset="0"/>
+                                              <a:ea typeface="+mn-ea"/>
+                                              <a:cs typeface="+mn-cs"/>
+                                            </a:rPr>
+                                            <m:t>𝑛</m:t>
+                                          </m:r>
+                                          <m:r>
+                                            <a:rPr lang="en-CA" sz="1300" i="0" kern="1200">
+                                              <a:solidFill>
+                                                <a:schemeClr val="dk1"/>
+                                              </a:solidFill>
+                                              <a:latin typeface="Cambria Math" panose="02040503050406030204" pitchFamily="18" charset="0"/>
+                                              <a:ea typeface="+mn-ea"/>
+                                              <a:cs typeface="+mn-cs"/>
+                                            </a:rPr>
+                                            <m:t>+</m:t>
+                                          </m:r>
+                                          <m:r>
+                                            <a:rPr lang="en-CA" sz="1300" i="1" kern="1200">
+                                              <a:solidFill>
+                                                <a:schemeClr val="dk1"/>
+                                              </a:solidFill>
+                                              <a:latin typeface="Cambria Math" panose="02040503050406030204" pitchFamily="18" charset="0"/>
+                                              <a:ea typeface="+mn-ea"/>
+                                              <a:cs typeface="+mn-cs"/>
+                                            </a:rPr>
+                                            <m:t>𝑘</m:t>
+                                          </m:r>
+                                          <m:r>
+                                            <a:rPr lang="en-CA" sz="1300" i="0" kern="1200">
+                                              <a:solidFill>
+                                                <a:schemeClr val="dk1"/>
+                                              </a:solidFill>
+                                              <a:latin typeface="Cambria Math" panose="02040503050406030204" pitchFamily="18" charset="0"/>
+                                              <a:ea typeface="+mn-ea"/>
+                                              <a:cs typeface="+mn-cs"/>
+                                            </a:rPr>
+                                            <m:t>−1</m:t>
+                                          </m:r>
+                                        </m:e>
+                                      </m:mr>
+                                      <m:mr>
+                                        <m:e>
+                                          <m:r>
+                                            <a:rPr lang="en-CA" sz="1300" i="1" kern="1200">
+                                              <a:solidFill>
+                                                <a:schemeClr val="dk1"/>
+                                              </a:solidFill>
+                                              <a:latin typeface="Cambria Math" panose="02040503050406030204" pitchFamily="18" charset="0"/>
+                                              <a:ea typeface="+mn-ea"/>
+                                              <a:cs typeface="+mn-cs"/>
+                                            </a:rPr>
+                                            <m:t>𝑘</m:t>
+                                          </m:r>
+                                        </m:e>
+                                      </m:mr>
+                                    </m:m>
+                                  </m:e>
+                                </m:d>
+                                <m:sSup>
+                                  <m:sSupPr>
+                                    <m:ctrlPr>
+                                      <a:rPr lang="en-CA" sz="1300" i="1" kern="1200">
+                                        <a:solidFill>
+                                          <a:schemeClr val="dk1"/>
+                                        </a:solidFill>
+                                        <a:latin typeface="Cambria Math" panose="02040503050406030204" pitchFamily="18" charset="0"/>
+                                        <a:ea typeface="+mn-ea"/>
+                                        <a:cs typeface="+mn-cs"/>
+                                      </a:rPr>
+                                    </m:ctrlPr>
+                                  </m:sSupPr>
+                                  <m:e>
+                                    <m:r>
+                                      <a:rPr lang="en-CA" sz="1300" i="1" kern="1200">
+                                        <a:solidFill>
+                                          <a:schemeClr val="dk1"/>
+                                        </a:solidFill>
+                                        <a:latin typeface="Cambria Math" panose="02040503050406030204" pitchFamily="18" charset="0"/>
+                                        <a:ea typeface="+mn-ea"/>
+                                        <a:cs typeface="+mn-cs"/>
+                                      </a:rPr>
+                                      <m:t>𝑝</m:t>
+                                    </m:r>
+                                  </m:e>
+                                  <m:sup>
+                                    <m:r>
+                                      <a:rPr lang="en-CA" sz="1300" i="1" kern="1200">
+                                        <a:solidFill>
+                                          <a:schemeClr val="dk1"/>
+                                        </a:solidFill>
+                                        <a:latin typeface="Cambria Math" panose="02040503050406030204" pitchFamily="18" charset="0"/>
+                                        <a:ea typeface="+mn-ea"/>
+                                        <a:cs typeface="+mn-cs"/>
+                                      </a:rPr>
+                                      <m:t>𝑛</m:t>
+                                    </m:r>
+                                  </m:sup>
+                                </m:sSup>
+                                <m:sSup>
+                                  <m:sSupPr>
+                                    <m:ctrlPr>
+                                      <a:rPr lang="en-CA" sz="1300" i="1" kern="1200">
+                                        <a:solidFill>
+                                          <a:schemeClr val="dk1"/>
+                                        </a:solidFill>
+                                        <a:latin typeface="Cambria Math" panose="02040503050406030204" pitchFamily="18" charset="0"/>
+                                        <a:ea typeface="+mn-ea"/>
+                                        <a:cs typeface="+mn-cs"/>
+                                      </a:rPr>
+                                    </m:ctrlPr>
+                                  </m:sSupPr>
+                                  <m:e>
+                                    <m:d>
+                                      <m:dPr>
+                                        <m:ctrlPr>
+                                          <a:rPr lang="en-CA" sz="1300" i="1" kern="1200">
+                                            <a:solidFill>
+                                              <a:schemeClr val="dk1"/>
+                                            </a:solidFill>
+                                            <a:latin typeface="Cambria Math" panose="02040503050406030204" pitchFamily="18" charset="0"/>
+                                            <a:ea typeface="+mn-ea"/>
+                                            <a:cs typeface="+mn-cs"/>
+                                          </a:rPr>
+                                        </m:ctrlPr>
+                                      </m:dPr>
+                                      <m:e>
+                                        <m:r>
+                                          <a:rPr lang="en-CA" sz="1300" i="0" kern="1200">
+                                            <a:solidFill>
+                                              <a:schemeClr val="dk1"/>
+                                            </a:solidFill>
+                                            <a:latin typeface="Cambria Math" panose="02040503050406030204" pitchFamily="18" charset="0"/>
+                                            <a:ea typeface="+mn-ea"/>
+                                            <a:cs typeface="+mn-cs"/>
+                                          </a:rPr>
+                                          <m:t>1−</m:t>
+                                        </m:r>
+                                        <m:r>
+                                          <a:rPr lang="en-CA" sz="1300" i="1" kern="1200">
+                                            <a:solidFill>
+                                              <a:schemeClr val="dk1"/>
+                                            </a:solidFill>
+                                            <a:latin typeface="Cambria Math" panose="02040503050406030204" pitchFamily="18" charset="0"/>
+                                            <a:ea typeface="+mn-ea"/>
+                                            <a:cs typeface="+mn-cs"/>
+                                          </a:rPr>
+                                          <m:t>𝑝</m:t>
+                                        </m:r>
+                                      </m:e>
+                                    </m:d>
+                                  </m:e>
+                                  <m:sup>
+                                    <m:r>
+                                      <a:rPr lang="en-CA" sz="1300" i="1" kern="1200">
+                                        <a:solidFill>
+                                          <a:schemeClr val="dk1"/>
+                                        </a:solidFill>
+                                        <a:latin typeface="Cambria Math" panose="02040503050406030204" pitchFamily="18" charset="0"/>
+                                        <a:ea typeface="+mn-ea"/>
+                                        <a:cs typeface="+mn-cs"/>
+                                      </a:rPr>
+                                      <m:t>𝑘</m:t>
+                                    </m:r>
+                                  </m:sup>
+                                </m:sSup>
+                              </m:oMath>
+                            </m:oMathPara>
+                          </a14:m>
+                          <a:endParaRPr lang="en-CA" sz="1300" dirty="0"/>
+                        </a:p>
+                      </a:txBody>
+                      <a:tcPr/>
+                    </a:tc>
+                    <a:tc>
+                      <a:txBody>
+                        <a:bodyPr/>
+                        <a:lstStyle/>
+                        <a:p>
+                          <a:pPr algn="ctr"/>
+                          <a14:m>
+                            <m:oMathPara xmlns:m="http://schemas.openxmlformats.org/officeDocument/2006/math">
+                              <m:oMathParaPr>
+                                <m:jc m:val="centerGroup"/>
+                              </m:oMathParaPr>
+                              <m:oMath xmlns:m="http://schemas.openxmlformats.org/officeDocument/2006/math">
+                                <m:box>
+                                  <m:boxPr>
+                                    <m:ctrlPr>
+                                      <a:rPr kumimoji="0" lang="en-CA" sz="2400" b="0" i="1" u="none" strike="noStrike" kern="1200" cap="none" spc="0" normalizeH="0" baseline="0" noProof="0" smtClean="0">
+                                        <a:ln>
+                                          <a:noFill/>
+                                        </a:ln>
+                                        <a:solidFill>
+                                          <a:prstClr val="black"/>
+                                        </a:solidFill>
+                                        <a:effectLst/>
+                                        <a:uLnTx/>
+                                        <a:uFillTx/>
+                                        <a:latin typeface="Cambria Math" panose="02040503050406030204" pitchFamily="18" charset="0"/>
+                                        <a:ea typeface="+mn-ea"/>
+                                        <a:cs typeface="+mn-cs"/>
+                                      </a:rPr>
+                                    </m:ctrlPr>
+                                  </m:boxPr>
+                                  <m:e>
+                                    <m:argPr>
+                                      <m:argSz m:val="-1"/>
+                                    </m:argPr>
+                                    <m:f>
+                                      <m:fPr>
+                                        <m:ctrlPr>
+                                          <a:rPr kumimoji="0" lang="en-CA" sz="2400" b="0" i="1" u="none" strike="noStrike" kern="1200" cap="none" spc="0" normalizeH="0" baseline="0" noProof="0" smtClean="0">
+                                            <a:ln>
+                                              <a:noFill/>
+                                            </a:ln>
+                                            <a:solidFill>
+                                              <a:prstClr val="black"/>
+                                            </a:solidFill>
+                                            <a:effectLst/>
+                                            <a:uLnTx/>
+                                            <a:uFillTx/>
+                                            <a:latin typeface="Cambria Math" panose="02040503050406030204" pitchFamily="18" charset="0"/>
+                                            <a:ea typeface="+mn-ea"/>
+                                            <a:cs typeface="+mn-cs"/>
+                                          </a:rPr>
+                                        </m:ctrlPr>
+                                      </m:fPr>
+                                      <m:num>
+                                        <m:r>
+                                          <a:rPr kumimoji="0" lang="en-CA" sz="2400" b="0" i="1" u="none" strike="noStrike" kern="1200" cap="none" spc="0" normalizeH="0" baseline="0" noProof="0" smtClean="0">
+                                            <a:ln>
+                                              <a:noFill/>
+                                            </a:ln>
+                                            <a:solidFill>
+                                              <a:prstClr val="black"/>
+                                            </a:solidFill>
+                                            <a:effectLst/>
+                                            <a:uLnTx/>
+                                            <a:uFillTx/>
+                                            <a:latin typeface="Cambria Math" panose="02040503050406030204" pitchFamily="18" charset="0"/>
+                                            <a:ea typeface="+mn-ea"/>
+                                            <a:cs typeface="+mn-cs"/>
+                                          </a:rPr>
+                                          <m:t>𝑘</m:t>
+                                        </m:r>
+                                        <m:r>
+                                          <a:rPr kumimoji="0" lang="en-CA" sz="2400" b="0" i="1" u="none" strike="noStrike" kern="1200" cap="none" spc="0" normalizeH="0" baseline="0" noProof="0" smtClean="0">
+                                            <a:ln>
+                                              <a:noFill/>
+                                            </a:ln>
+                                            <a:solidFill>
+                                              <a:prstClr val="black"/>
+                                            </a:solidFill>
+                                            <a:effectLst/>
+                                            <a:uLnTx/>
+                                            <a:uFillTx/>
+                                            <a:latin typeface="Cambria Math" panose="02040503050406030204" pitchFamily="18" charset="0"/>
+                                            <a:ea typeface="+mn-ea"/>
+                                            <a:cs typeface="+mn-cs"/>
+                                          </a:rPr>
+                                          <m:t>(1−</m:t>
+                                        </m:r>
+                                        <m:r>
+                                          <a:rPr kumimoji="0" lang="en-CA" sz="2400" b="0" i="1" u="none" strike="noStrike" kern="1200" cap="none" spc="0" normalizeH="0" baseline="0" noProof="0" smtClean="0">
+                                            <a:ln>
+                                              <a:noFill/>
+                                            </a:ln>
+                                            <a:solidFill>
+                                              <a:prstClr val="black"/>
+                                            </a:solidFill>
+                                            <a:effectLst/>
+                                            <a:uLnTx/>
+                                            <a:uFillTx/>
+                                            <a:latin typeface="Cambria Math" panose="02040503050406030204" pitchFamily="18" charset="0"/>
+                                            <a:ea typeface="+mn-ea"/>
+                                            <a:cs typeface="+mn-cs"/>
+                                          </a:rPr>
+                                          <m:t>𝑝</m:t>
+                                        </m:r>
+                                        <m:r>
+                                          <a:rPr kumimoji="0" lang="en-CA" sz="2400" b="0" i="1" u="none" strike="noStrike" kern="1200" cap="none" spc="0" normalizeH="0" baseline="0" noProof="0" smtClean="0">
+                                            <a:ln>
+                                              <a:noFill/>
+                                            </a:ln>
+                                            <a:solidFill>
+                                              <a:prstClr val="black"/>
+                                            </a:solidFill>
+                                            <a:effectLst/>
+                                            <a:uLnTx/>
+                                            <a:uFillTx/>
+                                            <a:latin typeface="Cambria Math" panose="02040503050406030204" pitchFamily="18" charset="0"/>
+                                            <a:ea typeface="+mn-ea"/>
+                                            <a:cs typeface="+mn-cs"/>
+                                          </a:rPr>
+                                          <m:t>)</m:t>
+                                        </m:r>
+                                      </m:num>
+                                      <m:den>
+                                        <m:r>
+                                          <a:rPr kumimoji="0" lang="en-CA" sz="2400" b="0" i="1" u="none" strike="noStrike" kern="1200" cap="none" spc="0" normalizeH="0" baseline="0" noProof="0" smtClean="0">
+                                            <a:ln>
+                                              <a:noFill/>
+                                            </a:ln>
+                                            <a:solidFill>
+                                              <a:prstClr val="black"/>
+                                            </a:solidFill>
+                                            <a:effectLst/>
+                                            <a:uLnTx/>
+                                            <a:uFillTx/>
+                                            <a:latin typeface="Cambria Math" panose="02040503050406030204" pitchFamily="18" charset="0"/>
+                                            <a:ea typeface="+mn-ea"/>
+                                            <a:cs typeface="+mn-cs"/>
+                                          </a:rPr>
+                                          <m:t>𝑝</m:t>
+                                        </m:r>
+                                      </m:den>
+                                    </m:f>
+                                  </m:e>
+                                </m:box>
+                              </m:oMath>
+                            </m:oMathPara>
+                          </a14:m>
+                          <a:endParaRPr lang="en-CA" dirty="0"/>
+                        </a:p>
+                      </a:txBody>
+                      <a:tcPr/>
+                    </a:tc>
+                    <a:tc>
+                      <a:txBody>
+                        <a:bodyPr/>
+                        <a:lstStyle/>
+                        <a:p>
+                          <a:pPr/>
+                          <a14:m>
+                            <m:oMathPara xmlns:m="http://schemas.openxmlformats.org/officeDocument/2006/math">
+                              <m:oMathParaPr>
+                                <m:jc m:val="centerGroup"/>
+                              </m:oMathParaPr>
+                              <m:oMath xmlns:m="http://schemas.openxmlformats.org/officeDocument/2006/math">
+                                <m:box>
+                                  <m:boxPr>
+                                    <m:ctrlPr>
+                                      <a:rPr kumimoji="0" lang="en-CA" sz="2400" b="0" i="1" u="none" strike="noStrike" kern="1200" cap="none" spc="0" normalizeH="0" baseline="0" noProof="0" smtClean="0">
+                                        <a:ln>
+                                          <a:noFill/>
+                                        </a:ln>
+                                        <a:solidFill>
+                                          <a:prstClr val="black"/>
+                                        </a:solidFill>
+                                        <a:effectLst/>
+                                        <a:uLnTx/>
+                                        <a:uFillTx/>
+                                        <a:latin typeface="Cambria Math" panose="02040503050406030204" pitchFamily="18" charset="0"/>
+                                        <a:ea typeface="+mn-ea"/>
+                                        <a:cs typeface="+mn-cs"/>
+                                      </a:rPr>
+                                    </m:ctrlPr>
+                                  </m:boxPr>
+                                  <m:e>
+                                    <m:argPr>
+                                      <m:argSz m:val="-1"/>
+                                    </m:argPr>
+                                    <m:f>
+                                      <m:fPr>
+                                        <m:ctrlPr>
+                                          <a:rPr kumimoji="0" lang="en-CA" sz="2400" b="0" i="1" u="none" strike="noStrike" kern="1200" cap="none" spc="0" normalizeH="0" baseline="0" noProof="0" smtClean="0">
+                                            <a:ln>
+                                              <a:noFill/>
+                                            </a:ln>
+                                            <a:solidFill>
+                                              <a:prstClr val="black"/>
+                                            </a:solidFill>
+                                            <a:effectLst/>
+                                            <a:uLnTx/>
+                                            <a:uFillTx/>
+                                            <a:latin typeface="Cambria Math" panose="02040503050406030204" pitchFamily="18" charset="0"/>
+                                            <a:ea typeface="+mn-ea"/>
+                                            <a:cs typeface="+mn-cs"/>
+                                          </a:rPr>
+                                        </m:ctrlPr>
+                                      </m:fPr>
+                                      <m:num>
+                                        <m:r>
+                                          <a:rPr kumimoji="0" lang="en-CA" sz="2400" b="0" i="1" u="none" strike="noStrike" kern="1200" cap="none" spc="0" normalizeH="0" baseline="0" noProof="0" smtClean="0">
+                                            <a:ln>
+                                              <a:noFill/>
+                                            </a:ln>
+                                            <a:solidFill>
+                                              <a:prstClr val="black"/>
+                                            </a:solidFill>
+                                            <a:effectLst/>
+                                            <a:uLnTx/>
+                                            <a:uFillTx/>
+                                            <a:latin typeface="Cambria Math" panose="02040503050406030204" pitchFamily="18" charset="0"/>
+                                            <a:ea typeface="+mn-ea"/>
+                                            <a:cs typeface="+mn-cs"/>
+                                          </a:rPr>
+                                          <m:t>𝑘</m:t>
+                                        </m:r>
+                                        <m:r>
+                                          <a:rPr kumimoji="0" lang="en-CA" sz="2400" b="0" i="1" u="none" strike="noStrike" kern="1200" cap="none" spc="0" normalizeH="0" baseline="0" noProof="0" smtClean="0">
+                                            <a:ln>
+                                              <a:noFill/>
+                                            </a:ln>
+                                            <a:solidFill>
+                                              <a:prstClr val="black"/>
+                                            </a:solidFill>
+                                            <a:effectLst/>
+                                            <a:uLnTx/>
+                                            <a:uFillTx/>
+                                            <a:latin typeface="Cambria Math" panose="02040503050406030204" pitchFamily="18" charset="0"/>
+                                            <a:ea typeface="+mn-ea"/>
+                                            <a:cs typeface="+mn-cs"/>
+                                          </a:rPr>
+                                          <m:t>(1−</m:t>
+                                        </m:r>
+                                        <m:r>
+                                          <a:rPr kumimoji="0" lang="en-CA" sz="2400" b="0" i="1" u="none" strike="noStrike" kern="1200" cap="none" spc="0" normalizeH="0" baseline="0" noProof="0" smtClean="0">
+                                            <a:ln>
+                                              <a:noFill/>
+                                            </a:ln>
+                                            <a:solidFill>
+                                              <a:prstClr val="black"/>
+                                            </a:solidFill>
+                                            <a:effectLst/>
+                                            <a:uLnTx/>
+                                            <a:uFillTx/>
+                                            <a:latin typeface="Cambria Math" panose="02040503050406030204" pitchFamily="18" charset="0"/>
+                                            <a:ea typeface="+mn-ea"/>
+                                            <a:cs typeface="+mn-cs"/>
+                                          </a:rPr>
+                                          <m:t>𝑝</m:t>
+                                        </m:r>
+                                        <m:r>
+                                          <a:rPr kumimoji="0" lang="en-CA" sz="2400" b="0" i="1" u="none" strike="noStrike" kern="1200" cap="none" spc="0" normalizeH="0" baseline="0" noProof="0" smtClean="0">
+                                            <a:ln>
+                                              <a:noFill/>
+                                            </a:ln>
+                                            <a:solidFill>
+                                              <a:prstClr val="black"/>
+                                            </a:solidFill>
+                                            <a:effectLst/>
+                                            <a:uLnTx/>
+                                            <a:uFillTx/>
+                                            <a:latin typeface="Cambria Math" panose="02040503050406030204" pitchFamily="18" charset="0"/>
+                                            <a:ea typeface="+mn-ea"/>
+                                            <a:cs typeface="+mn-cs"/>
+                                          </a:rPr>
+                                          <m:t>)</m:t>
+                                        </m:r>
+                                      </m:num>
+                                      <m:den>
+                                        <m:r>
+                                          <a:rPr kumimoji="0" lang="en-CA" sz="2400" b="0" i="1" u="none" strike="noStrike" kern="1200" cap="none" spc="0" normalizeH="0" baseline="0" noProof="0" smtClean="0">
+                                            <a:ln>
+                                              <a:noFill/>
+                                            </a:ln>
+                                            <a:solidFill>
+                                              <a:prstClr val="black"/>
+                                            </a:solidFill>
+                                            <a:effectLst/>
+                                            <a:uLnTx/>
+                                            <a:uFillTx/>
+                                            <a:latin typeface="Cambria Math" panose="02040503050406030204" pitchFamily="18" charset="0"/>
+                                            <a:ea typeface="+mn-ea"/>
+                                            <a:cs typeface="+mn-cs"/>
+                                          </a:rPr>
+                                          <m:t>𝑝</m:t>
+                                        </m:r>
+                                        <m:r>
+                                          <a:rPr kumimoji="0" lang="en-CA" sz="2400" b="0" i="1" u="none" strike="noStrike" kern="1200" cap="none" spc="0" normalizeH="0" baseline="30000" noProof="0" smtClean="0">
+                                            <a:ln>
+                                              <a:noFill/>
+                                            </a:ln>
+                                            <a:solidFill>
+                                              <a:prstClr val="black"/>
+                                            </a:solidFill>
+                                            <a:effectLst/>
+                                            <a:uLnTx/>
+                                            <a:uFillTx/>
+                                            <a:latin typeface="Cambria Math" panose="02040503050406030204" pitchFamily="18" charset="0"/>
+                                            <a:ea typeface="+mn-ea"/>
+                                            <a:cs typeface="+mn-cs"/>
+                                          </a:rPr>
+                                          <m:t>2</m:t>
+                                        </m:r>
+                                      </m:den>
+                                    </m:f>
+                                  </m:e>
+                                </m:box>
+                              </m:oMath>
+                            </m:oMathPara>
+                          </a14:m>
+                          <a:endParaRPr lang="en-CA" dirty="0"/>
+                        </a:p>
+                      </a:txBody>
+                      <a:tcPr/>
+                    </a:tc>
+                    <a:extLst>
+                      <a:ext uri="{0D108BD9-81ED-4DB2-BD59-A6C34878D82A}">
+                        <a16:rowId xmlns:a16="http://schemas.microsoft.com/office/drawing/2014/main" val="2215915387"/>
+                      </a:ext>
+                    </a:extLst>
+                  </a:tr>
+                  <a:tr h="668867">
+                    <a:tc>
+                      <a:txBody>
+                        <a:bodyPr/>
+                        <a:lstStyle/>
+                        <a:p>
+                          <a:r>
+                            <a:rPr lang="en-CA" sz="1600" dirty="0"/>
+                            <a:t>Poisson(</a:t>
+                          </a:r>
+                          <a:r>
+                            <a:rPr lang="el-GR" sz="1600" dirty="0"/>
+                            <a:t>λ</a:t>
+                          </a:r>
+                          <a:r>
+                            <a:rPr lang="en-CA" sz="1600" dirty="0"/>
+                            <a:t>)</a:t>
+                          </a:r>
+                        </a:p>
+                      </a:txBody>
+                      <a:tcPr/>
+                    </a:tc>
+                    <a:tc>
+                      <a:txBody>
+                        <a:bodyPr/>
+                        <a:lstStyle/>
+                        <a:p>
+                          <a:r>
+                            <a:rPr lang="en-CA" dirty="0"/>
+                            <a:t># of events in interval</a:t>
+                          </a:r>
+                        </a:p>
+                      </a:txBody>
+                      <a:tcPr/>
+                    </a:tc>
+                    <a:tc>
+                      <a:txBody>
+                        <a:bodyPr/>
+                        <a:lstStyle/>
+                        <a:p>
+                          <a:pPr marL="0" marR="0" lvl="0" indent="0" algn="l" defTabSz="914400" rtl="0" eaLnBrk="1" fontAlgn="auto" latinLnBrk="0" hangingPunct="1">
+                            <a:lnSpc>
+                              <a:spcPct val="100000"/>
+                            </a:lnSpc>
+                            <a:spcBef>
+                              <a:spcPts val="0"/>
+                            </a:spcBef>
+                            <a:spcAft>
+                              <a:spcPts val="0"/>
+                            </a:spcAft>
+                            <a:buClrTx/>
+                            <a:buSzTx/>
+                            <a:buFontTx/>
+                            <a:buNone/>
+                            <a:tabLst/>
+                            <a:defRPr/>
+                          </a:pPr>
+                          <a:r>
+                            <a:rPr lang="en-CA" dirty="0"/>
+                            <a:t>0, 1, 2, …</a:t>
+                          </a:r>
+                        </a:p>
+                        <a:p>
+                          <a:endParaRPr lang="en-CA" dirty="0"/>
+                        </a:p>
+                      </a:txBody>
+                      <a:tcPr/>
+                    </a:tc>
+                    <a:tc>
+                      <a:txBody>
+                        <a:bodyPr/>
+                        <a:lstStyle/>
+                        <a:p>
+                          <a:pPr/>
+                          <a14:m>
+                            <m:oMathPara xmlns:m="http://schemas.openxmlformats.org/officeDocument/2006/math">
+                              <m:oMathParaPr>
+                                <m:jc m:val="centerGroup"/>
+                              </m:oMathParaPr>
+                              <m:oMath xmlns:m="http://schemas.openxmlformats.org/officeDocument/2006/math">
+                                <m:f>
+                                  <m:fPr>
+                                    <m:ctrlPr>
+                                      <a:rPr lang="en-CA" sz="1800" i="1" kern="1200" smtClean="0">
+                                        <a:solidFill>
+                                          <a:schemeClr val="dk1"/>
+                                        </a:solidFill>
+                                        <a:latin typeface="Cambria Math" panose="02040503050406030204" pitchFamily="18" charset="0"/>
+                                        <a:ea typeface="+mn-ea"/>
+                                        <a:cs typeface="+mn-cs"/>
+                                      </a:rPr>
+                                    </m:ctrlPr>
+                                  </m:fPr>
+                                  <m:num>
+                                    <m:sSup>
+                                      <m:sSupPr>
+                                        <m:ctrlPr>
+                                          <a:rPr lang="en-CA" sz="1800" i="1" kern="1200">
+                                            <a:solidFill>
+                                              <a:schemeClr val="dk1"/>
+                                            </a:solidFill>
+                                            <a:latin typeface="Cambria Math" panose="02040503050406030204" pitchFamily="18" charset="0"/>
+                                            <a:ea typeface="+mn-ea"/>
+                                            <a:cs typeface="+mn-cs"/>
+                                          </a:rPr>
+                                        </m:ctrlPr>
+                                      </m:sSupPr>
+                                      <m:e>
+                                        <m:r>
+                                          <a:rPr lang="en-CA" sz="1800" i="1" kern="1200">
+                                            <a:solidFill>
+                                              <a:schemeClr val="dk1"/>
+                                            </a:solidFill>
+                                            <a:latin typeface="Cambria Math" panose="02040503050406030204" pitchFamily="18" charset="0"/>
+                                            <a:ea typeface="+mn-ea"/>
+                                            <a:cs typeface="+mn-cs"/>
+                                          </a:rPr>
+                                          <m:t>𝜆</m:t>
+                                        </m:r>
+                                      </m:e>
+                                      <m:sup>
+                                        <m:r>
+                                          <a:rPr lang="en-CA" sz="1800" i="1" kern="1200">
+                                            <a:solidFill>
+                                              <a:schemeClr val="dk1"/>
+                                            </a:solidFill>
+                                            <a:latin typeface="Cambria Math" panose="02040503050406030204" pitchFamily="18" charset="0"/>
+                                            <a:ea typeface="+mn-ea"/>
+                                            <a:cs typeface="+mn-cs"/>
+                                          </a:rPr>
+                                          <m:t>𝑘</m:t>
+                                        </m:r>
+                                      </m:sup>
+                                    </m:sSup>
+                                    <m:sSup>
+                                      <m:sSupPr>
+                                        <m:ctrlPr>
+                                          <a:rPr lang="en-CA" sz="1800" i="1" kern="1200">
+                                            <a:solidFill>
+                                              <a:schemeClr val="dk1"/>
+                                            </a:solidFill>
+                                            <a:latin typeface="Cambria Math" panose="02040503050406030204" pitchFamily="18" charset="0"/>
+                                            <a:ea typeface="+mn-ea"/>
+                                            <a:cs typeface="+mn-cs"/>
+                                          </a:rPr>
+                                        </m:ctrlPr>
+                                      </m:sSupPr>
+                                      <m:e>
+                                        <m:r>
+                                          <a:rPr lang="en-CA" sz="1800" i="1" kern="1200">
+                                            <a:solidFill>
+                                              <a:schemeClr val="dk1"/>
+                                            </a:solidFill>
+                                            <a:latin typeface="Cambria Math" panose="02040503050406030204" pitchFamily="18" charset="0"/>
+                                            <a:ea typeface="+mn-ea"/>
+                                            <a:cs typeface="+mn-cs"/>
+                                          </a:rPr>
+                                          <m:t>𝑒</m:t>
+                                        </m:r>
+                                      </m:e>
+                                      <m:sup>
+                                        <m:r>
+                                          <a:rPr lang="en-CA" sz="1800" i="0" kern="1200">
+                                            <a:solidFill>
+                                              <a:schemeClr val="dk1"/>
+                                            </a:solidFill>
+                                            <a:latin typeface="Cambria Math" panose="02040503050406030204" pitchFamily="18" charset="0"/>
+                                            <a:ea typeface="+mn-ea"/>
+                                            <a:cs typeface="+mn-cs"/>
+                                          </a:rPr>
+                                          <m:t>−</m:t>
+                                        </m:r>
+                                        <m:r>
+                                          <a:rPr lang="en-CA" sz="1800" i="1" kern="1200">
+                                            <a:solidFill>
+                                              <a:schemeClr val="dk1"/>
+                                            </a:solidFill>
+                                            <a:latin typeface="Cambria Math" panose="02040503050406030204" pitchFamily="18" charset="0"/>
+                                            <a:ea typeface="+mn-ea"/>
+                                            <a:cs typeface="+mn-cs"/>
+                                          </a:rPr>
+                                          <m:t>𝜆</m:t>
+                                        </m:r>
+                                      </m:sup>
+                                    </m:sSup>
+                                  </m:num>
+                                  <m:den>
+                                    <m:r>
+                                      <a:rPr lang="en-CA" sz="1800" i="1" kern="1200">
+                                        <a:solidFill>
+                                          <a:schemeClr val="dk1"/>
+                                        </a:solidFill>
+                                        <a:latin typeface="Cambria Math" panose="02040503050406030204" pitchFamily="18" charset="0"/>
+                                        <a:ea typeface="+mn-ea"/>
+                                        <a:cs typeface="+mn-cs"/>
+                                      </a:rPr>
+                                      <m:t>𝑘</m:t>
+                                    </m:r>
+                                    <m:r>
+                                      <a:rPr lang="en-CA" sz="1800" i="0" kern="1200">
+                                        <a:solidFill>
+                                          <a:schemeClr val="dk1"/>
+                                        </a:solidFill>
+                                        <a:latin typeface="Cambria Math" panose="02040503050406030204" pitchFamily="18" charset="0"/>
+                                        <a:ea typeface="+mn-ea"/>
+                                        <a:cs typeface="+mn-cs"/>
+                                      </a:rPr>
+                                      <m:t>!</m:t>
+                                    </m:r>
+                                  </m:den>
+                                </m:f>
+                              </m:oMath>
+                            </m:oMathPara>
+                          </a14:m>
+                          <a:endParaRPr lang="en-CA" dirty="0"/>
+                        </a:p>
+                      </a:txBody>
+                      <a:tcPr/>
+                    </a:tc>
+                    <a:tc>
+                      <a:txBody>
+                        <a:bodyPr/>
+                        <a:lstStyle/>
+                        <a:p>
+                          <a:pPr algn="ctr"/>
+                          <a:r>
+                            <a:rPr lang="el-GR" sz="1800" dirty="0"/>
+                            <a:t>λ</a:t>
+                          </a:r>
+                          <a:endParaRPr lang="en-CA" dirty="0"/>
+                        </a:p>
+                      </a:txBody>
+                      <a:tcPr/>
+                    </a:tc>
+                    <a:tc>
+                      <a:txBody>
+                        <a:bodyPr/>
+                        <a:lstStyle/>
+                        <a:p>
+                          <a:pPr algn="ctr"/>
+                          <a:r>
+                            <a:rPr lang="el-GR" sz="1800" dirty="0"/>
+                            <a:t>λ</a:t>
+                          </a:r>
+                          <a:endParaRPr lang="en-CA" dirty="0"/>
+                        </a:p>
+                      </a:txBody>
+                      <a:tcPr/>
+                    </a:tc>
+                    <a:extLst>
+                      <a:ext uri="{0D108BD9-81ED-4DB2-BD59-A6C34878D82A}">
+                        <a16:rowId xmlns:a16="http://schemas.microsoft.com/office/drawing/2014/main" val="1147099392"/>
+                      </a:ext>
+                    </a:extLst>
+                  </a:tr>
+                  <a:tr h="668867">
+                    <a:tc>
+                      <a:txBody>
+                        <a:bodyPr/>
+                        <a:lstStyle/>
+                        <a:p>
+                          <a:r>
+                            <a:rPr lang="en-CA" sz="1600" dirty="0"/>
+                            <a:t>Log series(p)</a:t>
+                          </a:r>
+                        </a:p>
+                      </a:txBody>
+                      <a:tcPr/>
+                    </a:tc>
+                    <a:tc>
+                      <a:txBody>
+                        <a:bodyPr/>
+                        <a:lstStyle/>
+                        <a:p>
+                          <a:r>
+                            <a:rPr lang="en-CA" dirty="0"/>
+                            <a:t># of types observed</a:t>
+                          </a:r>
+                        </a:p>
+                      </a:txBody>
+                      <a:tcPr/>
+                    </a:tc>
+                    <a:tc>
+                      <a:txBody>
+                        <a:bodyPr/>
+                        <a:lstStyle/>
+                        <a:p>
+                          <a:r>
+                            <a:rPr lang="en-CA" dirty="0"/>
+                            <a:t>0, 1, 2, …</a:t>
+                          </a:r>
+                        </a:p>
+                      </a:txBody>
+                      <a:tcPr/>
+                    </a:tc>
+                    <a:tc>
+                      <a:txBody>
+                        <a:bodyPr/>
+                        <a:lstStyle/>
+                        <a:p>
+                          <a:endParaRPr lang="en-CA" dirty="0"/>
+                        </a:p>
+                      </a:txBody>
+                      <a:tcPr/>
+                    </a:tc>
+                    <a:tc>
+                      <a:txBody>
+                        <a:bodyPr/>
+                        <a:lstStyle/>
+                        <a:p>
+                          <a:pPr algn="ctr"/>
+                          <a:endParaRPr lang="en-CA" dirty="0"/>
+                        </a:p>
+                      </a:txBody>
+                      <a:tcPr/>
+                    </a:tc>
+                    <a:tc>
+                      <a:txBody>
+                        <a:bodyPr/>
+                        <a:lstStyle/>
+                        <a:p>
+                          <a:pPr algn="ctr"/>
+                          <a:endParaRPr lang="en-CA" dirty="0"/>
+                        </a:p>
+                      </a:txBody>
+                      <a:tcPr/>
+                    </a:tc>
+                    <a:extLst>
+                      <a:ext uri="{0D108BD9-81ED-4DB2-BD59-A6C34878D82A}">
+                        <a16:rowId xmlns:a16="http://schemas.microsoft.com/office/drawing/2014/main" val="2045516986"/>
+                      </a:ext>
+                    </a:extLst>
+                  </a:tr>
+                </a:tbl>
+              </a:graphicData>
+            </a:graphic>
+          </p:graphicFrame>
+        </mc:Choice>
+        <mc:Fallback>
+          <p:graphicFrame>
+            <p:nvGraphicFramePr>
+              <p:cNvPr id="5" name="Table 5">
+                <a:extLst>
+                  <a:ext uri="{FF2B5EF4-FFF2-40B4-BE49-F238E27FC236}">
+                    <a16:creationId xmlns:a16="http://schemas.microsoft.com/office/drawing/2014/main" id="{024EA2C6-DBAF-EDA1-A270-9FE4D66E283E}"/>
+                  </a:ext>
+                </a:extLst>
+              </p:cNvPr>
+              <p:cNvGraphicFramePr>
+                <a:graphicFrameLocks noGrp="1"/>
+              </p:cNvGraphicFramePr>
+              <p:nvPr>
+                <p:extLst>
+                  <p:ext uri="{D42A27DB-BD31-4B8C-83A1-F6EECF244321}">
+                    <p14:modId xmlns:p14="http://schemas.microsoft.com/office/powerpoint/2010/main" val="3346250953"/>
+                  </p:ext>
+                </p:extLst>
+              </p:nvPr>
+            </p:nvGraphicFramePr>
+            <p:xfrm>
+              <a:off x="457200" y="1407164"/>
+              <a:ext cx="8229600" cy="4927602"/>
+            </p:xfrm>
+            <a:graphic>
+              <a:graphicData uri="http://schemas.openxmlformats.org/drawingml/2006/table">
+                <a:tbl>
+                  <a:tblPr firstRow="1" bandRow="1">
+                    <a:tableStyleId>{5C22544A-7EE6-4342-B048-85BDC9FD1C3A}</a:tableStyleId>
+                  </a:tblPr>
+                  <a:tblGrid>
+                    <a:gridCol w="1371600">
+                      <a:extLst>
+                        <a:ext uri="{9D8B030D-6E8A-4147-A177-3AD203B41FA5}">
+                          <a16:colId xmlns:a16="http://schemas.microsoft.com/office/drawing/2014/main" val="464689213"/>
+                        </a:ext>
+                      </a:extLst>
+                    </a:gridCol>
+                    <a:gridCol w="1371600">
+                      <a:extLst>
+                        <a:ext uri="{9D8B030D-6E8A-4147-A177-3AD203B41FA5}">
+                          <a16:colId xmlns:a16="http://schemas.microsoft.com/office/drawing/2014/main" val="3067458921"/>
+                        </a:ext>
+                      </a:extLst>
+                    </a:gridCol>
+                    <a:gridCol w="1143000">
+                      <a:extLst>
+                        <a:ext uri="{9D8B030D-6E8A-4147-A177-3AD203B41FA5}">
+                          <a16:colId xmlns:a16="http://schemas.microsoft.com/office/drawing/2014/main" val="548656342"/>
+                        </a:ext>
+                      </a:extLst>
+                    </a:gridCol>
+                    <a:gridCol w="1828800">
+                      <a:extLst>
+                        <a:ext uri="{9D8B030D-6E8A-4147-A177-3AD203B41FA5}">
+                          <a16:colId xmlns:a16="http://schemas.microsoft.com/office/drawing/2014/main" val="2951206783"/>
+                        </a:ext>
+                      </a:extLst>
+                    </a:gridCol>
+                    <a:gridCol w="1143000">
+                      <a:extLst>
+                        <a:ext uri="{9D8B030D-6E8A-4147-A177-3AD203B41FA5}">
+                          <a16:colId xmlns:a16="http://schemas.microsoft.com/office/drawing/2014/main" val="1826657873"/>
+                        </a:ext>
+                      </a:extLst>
+                    </a:gridCol>
+                    <a:gridCol w="1371600">
+                      <a:extLst>
+                        <a:ext uri="{9D8B030D-6E8A-4147-A177-3AD203B41FA5}">
+                          <a16:colId xmlns:a16="http://schemas.microsoft.com/office/drawing/2014/main" val="3672865144"/>
+                        </a:ext>
+                      </a:extLst>
+                    </a:gridCol>
+                  </a:tblGrid>
+                  <a:tr h="914400">
+                    <a:tc>
+                      <a:txBody>
+                        <a:bodyPr/>
+                        <a:lstStyle/>
+                        <a:p>
+                          <a:r>
+                            <a:rPr lang="en-CA" dirty="0"/>
+                            <a:t>Distribution</a:t>
+                          </a:r>
+                        </a:p>
+                      </a:txBody>
+                      <a:tcPr/>
+                    </a:tc>
+                    <a:tc>
+                      <a:txBody>
+                        <a:bodyPr/>
+                        <a:lstStyle/>
+                        <a:p>
+                          <a:r>
+                            <a:rPr lang="en-CA" dirty="0"/>
+                            <a:t>Counts, </a:t>
+                          </a:r>
+                          <a:r>
+                            <a:rPr lang="en-CA" i="1" dirty="0"/>
+                            <a:t>k</a:t>
+                          </a:r>
+                        </a:p>
+                      </a:txBody>
+                      <a:tcPr/>
+                    </a:tc>
+                    <a:tc>
+                      <a:txBody>
+                        <a:bodyPr/>
+                        <a:lstStyle/>
+                        <a:p>
+                          <a:r>
+                            <a:rPr lang="en-CA" dirty="0"/>
+                            <a:t>Values of </a:t>
+                          </a:r>
+                          <a:r>
+                            <a:rPr lang="en-CA" i="1" dirty="0"/>
+                            <a:t>X</a:t>
+                          </a:r>
+                        </a:p>
+                      </a:txBody>
+                      <a:tcPr/>
+                    </a:tc>
+                    <a:tc>
+                      <a:txBody>
+                        <a:bodyPr/>
+                        <a:lstStyle/>
+                        <a:p>
+                          <a:pPr marL="0" marR="0" lvl="0" indent="0" algn="l" defTabSz="914400" rtl="0" eaLnBrk="1" fontAlgn="auto" latinLnBrk="0" hangingPunct="1">
+                            <a:lnSpc>
+                              <a:spcPct val="100000"/>
+                            </a:lnSpc>
+                            <a:spcBef>
+                              <a:spcPts val="0"/>
+                            </a:spcBef>
+                            <a:spcAft>
+                              <a:spcPts val="0"/>
+                            </a:spcAft>
+                            <a:buClrTx/>
+                            <a:buSzTx/>
+                            <a:buFontTx/>
+                            <a:buNone/>
+                            <a:tabLst/>
+                            <a:defRPr/>
+                          </a:pPr>
+                          <a:r>
+                            <a:rPr lang="en-CA" dirty="0" err="1"/>
+                            <a:t>Pr</a:t>
+                          </a:r>
+                          <a:r>
+                            <a:rPr lang="en-CA" dirty="0"/>
+                            <a:t>(</a:t>
+                          </a:r>
+                          <a:r>
+                            <a:rPr lang="en-CA" i="1" dirty="0"/>
+                            <a:t>X=k</a:t>
+                          </a:r>
+                          <a:r>
+                            <a:rPr lang="en-CA" dirty="0"/>
+                            <a:t>)</a:t>
+                          </a:r>
+                        </a:p>
+                        <a:p>
+                          <a:endParaRPr lang="en-CA" dirty="0"/>
+                        </a:p>
+                      </a:txBody>
+                      <a:tcPr/>
+                    </a:tc>
+                    <a:tc>
+                      <a:txBody>
+                        <a:bodyPr/>
+                        <a:lstStyle/>
+                        <a:p>
+                          <a:pPr marL="0" marR="0" lvl="0" indent="0" algn="l" defTabSz="914400" rtl="0" eaLnBrk="1" fontAlgn="auto" latinLnBrk="0" hangingPunct="1">
+                            <a:lnSpc>
+                              <a:spcPct val="100000"/>
+                            </a:lnSpc>
+                            <a:spcBef>
+                              <a:spcPts val="0"/>
+                            </a:spcBef>
+                            <a:spcAft>
+                              <a:spcPts val="0"/>
+                            </a:spcAft>
+                            <a:buClrTx/>
+                            <a:buSzTx/>
+                            <a:buFontTx/>
+                            <a:buNone/>
+                            <a:tabLst/>
+                            <a:defRPr/>
+                          </a:pPr>
+                          <a:r>
+                            <a:rPr lang="en-CA" dirty="0"/>
+                            <a:t>Mean, E(X)</a:t>
+                          </a:r>
+                        </a:p>
+                        <a:p>
+                          <a:endParaRPr lang="en-CA" dirty="0"/>
+                        </a:p>
+                      </a:txBody>
+                      <a:tcPr/>
+                    </a:tc>
+                    <a:tc>
+                      <a:txBody>
+                        <a:bodyPr/>
+                        <a:lstStyle/>
+                        <a:p>
+                          <a:r>
+                            <a:rPr lang="en-CA" dirty="0"/>
+                            <a:t>Var, V(X)</a:t>
+                          </a:r>
+                        </a:p>
+                      </a:txBody>
+                      <a:tcPr/>
+                    </a:tc>
+                    <a:extLst>
+                      <a:ext uri="{0D108BD9-81ED-4DB2-BD59-A6C34878D82A}">
+                        <a16:rowId xmlns:a16="http://schemas.microsoft.com/office/drawing/2014/main" val="3113164507"/>
+                      </a:ext>
+                    </a:extLst>
+                  </a:tr>
+                  <a:tr h="668867">
+                    <a:tc>
+                      <a:txBody>
+                        <a:bodyPr/>
+                        <a:lstStyle/>
+                        <a:p>
+                          <a:r>
+                            <a:rPr lang="en-CA" sz="1600" dirty="0"/>
+                            <a:t>Bernoulli(p)</a:t>
+                          </a:r>
+                        </a:p>
+                      </a:txBody>
+                      <a:tcPr/>
+                    </a:tc>
+                    <a:tc>
+                      <a:txBody>
+                        <a:bodyPr/>
+                        <a:lstStyle/>
+                        <a:p>
+                          <a:r>
+                            <a:rPr lang="en-CA" dirty="0"/>
+                            <a:t>Success in 1 trial</a:t>
+                          </a:r>
+                        </a:p>
+                      </a:txBody>
+                      <a:tcPr/>
+                    </a:tc>
+                    <a:tc>
+                      <a:txBody>
+                        <a:bodyPr/>
+                        <a:lstStyle/>
+                        <a:p>
+                          <a:r>
+                            <a:rPr lang="en-CA" dirty="0"/>
+                            <a:t>0, 1</a:t>
+                          </a:r>
+                        </a:p>
+                      </a:txBody>
+                      <a:tcPr/>
+                    </a:tc>
+                    <a:tc>
+                      <a:txBody>
+                        <a:bodyPr/>
+                        <a:lstStyle/>
+                        <a:p>
+                          <a:endParaRPr lang="en-US"/>
+                        </a:p>
+                      </a:txBody>
+                      <a:tcPr>
+                        <a:blipFill>
+                          <a:blip r:embed="rId2"/>
+                          <a:stretch>
+                            <a:fillRect l="-213333" t="-140909" r="-139000" b="-509091"/>
+                          </a:stretch>
+                        </a:blipFill>
+                      </a:tcPr>
+                    </a:tc>
+                    <a:tc>
+                      <a:txBody>
+                        <a:bodyPr/>
+                        <a:lstStyle/>
+                        <a:p>
+                          <a:pPr algn="ctr"/>
+                          <a:r>
+                            <a:rPr lang="en-CA" i="1" dirty="0"/>
+                            <a:t>p</a:t>
+                          </a:r>
+                        </a:p>
+                      </a:txBody>
+                      <a:tcPr/>
+                    </a:tc>
+                    <a:tc>
+                      <a:txBody>
+                        <a:bodyPr/>
+                        <a:lstStyle/>
+                        <a:p>
+                          <a:endParaRPr lang="en-US"/>
+                        </a:p>
+                      </a:txBody>
+                      <a:tcPr>
+                        <a:blipFill>
+                          <a:blip r:embed="rId2"/>
+                          <a:stretch>
+                            <a:fillRect l="-500889" t="-140909" r="-2222" b="-509091"/>
+                          </a:stretch>
+                        </a:blipFill>
+                      </a:tcPr>
+                    </a:tc>
+                    <a:extLst>
+                      <a:ext uri="{0D108BD9-81ED-4DB2-BD59-A6C34878D82A}">
+                        <a16:rowId xmlns:a16="http://schemas.microsoft.com/office/drawing/2014/main" val="603408837"/>
+                      </a:ext>
+                    </a:extLst>
+                  </a:tr>
+                  <a:tr h="668867">
+                    <a:tc>
+                      <a:txBody>
+                        <a:bodyPr/>
+                        <a:lstStyle/>
+                        <a:p>
+                          <a:r>
+                            <a:rPr lang="en-CA" sz="1600" dirty="0"/>
+                            <a:t>Binomial(</a:t>
+                          </a:r>
+                          <a:r>
+                            <a:rPr lang="en-CA" sz="1600" dirty="0" err="1"/>
+                            <a:t>n,p</a:t>
+                          </a:r>
+                          <a:r>
+                            <a:rPr lang="en-CA" sz="1600" dirty="0"/>
+                            <a:t>)</a:t>
+                          </a:r>
+                        </a:p>
+                      </a:txBody>
+                      <a:tcPr/>
+                    </a:tc>
+                    <a:tc>
+                      <a:txBody>
+                        <a:bodyPr/>
+                        <a:lstStyle/>
+                        <a:p>
+                          <a:r>
+                            <a:rPr lang="en-CA" dirty="0"/>
+                            <a:t># successes in n trials</a:t>
+                          </a:r>
+                        </a:p>
+                      </a:txBody>
+                      <a:tcPr/>
+                    </a:tc>
+                    <a:tc>
+                      <a:txBody>
+                        <a:bodyPr/>
+                        <a:lstStyle/>
+                        <a:p>
+                          <a:r>
+                            <a:rPr lang="en-CA" dirty="0"/>
+                            <a:t>0, 1, …, n</a:t>
+                          </a:r>
+                        </a:p>
+                      </a:txBody>
+                      <a:tcPr/>
+                    </a:tc>
+                    <a:tc>
+                      <a:txBody>
+                        <a:bodyPr/>
+                        <a:lstStyle/>
+                        <a:p>
+                          <a:endParaRPr lang="en-US"/>
+                        </a:p>
+                      </a:txBody>
+                      <a:tcPr>
+                        <a:blipFill>
+                          <a:blip r:embed="rId2"/>
+                          <a:stretch>
+                            <a:fillRect l="-213333" t="-240909" r="-139000" b="-409091"/>
+                          </a:stretch>
+                        </a:blipFill>
+                      </a:tcPr>
+                    </a:tc>
+                    <a:tc>
+                      <a:txBody>
+                        <a:bodyPr/>
+                        <a:lstStyle/>
+                        <a:p>
+                          <a:endParaRPr lang="en-US"/>
+                        </a:p>
+                      </a:txBody>
+                      <a:tcPr>
+                        <a:blipFill>
+                          <a:blip r:embed="rId2"/>
+                          <a:stretch>
+                            <a:fillRect l="-502674" t="-240909" r="-122995" b="-409091"/>
+                          </a:stretch>
+                        </a:blipFill>
+                      </a:tcPr>
+                    </a:tc>
+                    <a:tc>
+                      <a:txBody>
+                        <a:bodyPr/>
+                        <a:lstStyle/>
+                        <a:p>
+                          <a:endParaRPr lang="en-US"/>
+                        </a:p>
+                      </a:txBody>
+                      <a:tcPr>
+                        <a:blipFill>
+                          <a:blip r:embed="rId2"/>
+                          <a:stretch>
+                            <a:fillRect l="-500889" t="-240909" r="-2222" b="-409091"/>
+                          </a:stretch>
+                        </a:blipFill>
+                      </a:tcPr>
+                    </a:tc>
+                    <a:extLst>
+                      <a:ext uri="{0D108BD9-81ED-4DB2-BD59-A6C34878D82A}">
+                        <a16:rowId xmlns:a16="http://schemas.microsoft.com/office/drawing/2014/main" val="1899637409"/>
+                      </a:ext>
+                    </a:extLst>
+                  </a:tr>
+                  <a:tr h="668867">
+                    <a:tc>
+                      <a:txBody>
+                        <a:bodyPr/>
+                        <a:lstStyle/>
+                        <a:p>
+                          <a:r>
+                            <a:rPr lang="en-CA" sz="1600" dirty="0"/>
+                            <a:t>Geometric(p)</a:t>
+                          </a:r>
+                        </a:p>
+                      </a:txBody>
+                      <a:tcPr/>
+                    </a:tc>
+                    <a:tc>
+                      <a:txBody>
+                        <a:bodyPr/>
+                        <a:lstStyle/>
+                        <a:p>
+                          <a:r>
+                            <a:rPr lang="en-CA" dirty="0"/>
+                            <a:t># of trials to 1</a:t>
+                          </a:r>
+                          <a:r>
+                            <a:rPr lang="en-CA" baseline="30000" dirty="0"/>
+                            <a:t>st</a:t>
+                          </a:r>
+                          <a:r>
+                            <a:rPr lang="en-CA" dirty="0"/>
+                            <a:t> success</a:t>
+                          </a:r>
+                        </a:p>
+                      </a:txBody>
+                      <a:tcPr/>
+                    </a:tc>
+                    <a:tc>
+                      <a:txBody>
+                        <a:bodyPr/>
+                        <a:lstStyle/>
+                        <a:p>
+                          <a:r>
+                            <a:rPr lang="en-CA" dirty="0"/>
+                            <a:t>0, 1, 2, …</a:t>
+                          </a:r>
+                        </a:p>
+                      </a:txBody>
+                      <a:tcPr/>
+                    </a:tc>
+                    <a:tc>
+                      <a:txBody>
+                        <a:bodyPr/>
+                        <a:lstStyle/>
+                        <a:p>
+                          <a:endParaRPr lang="en-US"/>
+                        </a:p>
+                      </a:txBody>
+                      <a:tcPr>
+                        <a:blipFill>
+                          <a:blip r:embed="rId2"/>
+                          <a:stretch>
+                            <a:fillRect l="-213333" t="-340909" r="-139000" b="-309091"/>
+                          </a:stretch>
+                        </a:blipFill>
+                      </a:tcPr>
+                    </a:tc>
+                    <a:tc>
+                      <a:txBody>
+                        <a:bodyPr/>
+                        <a:lstStyle/>
+                        <a:p>
+                          <a:endParaRPr lang="en-US"/>
+                        </a:p>
+                      </a:txBody>
+                      <a:tcPr>
+                        <a:blipFill>
+                          <a:blip r:embed="rId2"/>
+                          <a:stretch>
+                            <a:fillRect l="-502674" t="-340909" r="-122995" b="-309091"/>
+                          </a:stretch>
+                        </a:blipFill>
+                      </a:tcPr>
+                    </a:tc>
+                    <a:tc>
+                      <a:txBody>
+                        <a:bodyPr/>
+                        <a:lstStyle/>
+                        <a:p>
+                          <a:endParaRPr lang="en-US"/>
+                        </a:p>
+                      </a:txBody>
+                      <a:tcPr>
+                        <a:blipFill>
+                          <a:blip r:embed="rId2"/>
+                          <a:stretch>
+                            <a:fillRect l="-500889" t="-340909" r="-2222" b="-309091"/>
+                          </a:stretch>
+                        </a:blipFill>
+                      </a:tcPr>
+                    </a:tc>
+                    <a:extLst>
+                      <a:ext uri="{0D108BD9-81ED-4DB2-BD59-A6C34878D82A}">
+                        <a16:rowId xmlns:a16="http://schemas.microsoft.com/office/drawing/2014/main" val="3260097535"/>
+                      </a:ext>
+                    </a:extLst>
+                  </a:tr>
+                  <a:tr h="668867">
+                    <a:tc>
+                      <a:txBody>
+                        <a:bodyPr/>
+                        <a:lstStyle/>
+                        <a:p>
+                          <a:r>
+                            <a:rPr lang="en-CA" sz="1600" dirty="0"/>
+                            <a:t>Neg. binomial(</a:t>
+                          </a:r>
+                          <a:r>
+                            <a:rPr lang="en-CA" sz="1600" dirty="0" err="1"/>
+                            <a:t>k,p</a:t>
+                          </a:r>
+                          <a:r>
+                            <a:rPr lang="en-CA" sz="1600" dirty="0"/>
+                            <a:t>)</a:t>
+                          </a:r>
+                        </a:p>
+                      </a:txBody>
+                      <a:tcPr/>
+                    </a:tc>
+                    <a:tc>
+                      <a:txBody>
+                        <a:bodyPr/>
+                        <a:lstStyle/>
+                        <a:p>
+                          <a:r>
+                            <a:rPr lang="en-CA" dirty="0"/>
+                            <a:t># of trials to k</a:t>
+                          </a:r>
+                          <a:r>
+                            <a:rPr lang="en-CA" baseline="30000" dirty="0"/>
+                            <a:t>th</a:t>
+                          </a:r>
+                          <a:r>
+                            <a:rPr lang="en-CA" dirty="0"/>
+                            <a:t> success</a:t>
+                          </a:r>
+                        </a:p>
+                      </a:txBody>
+                      <a:tcPr/>
+                    </a:tc>
+                    <a:tc>
+                      <a:txBody>
+                        <a:bodyPr/>
+                        <a:lstStyle/>
+                        <a:p>
+                          <a:pPr marL="0" marR="0" lvl="0" indent="0" algn="l" defTabSz="914400" rtl="0" eaLnBrk="1" fontAlgn="auto" latinLnBrk="0" hangingPunct="1">
+                            <a:lnSpc>
+                              <a:spcPct val="100000"/>
+                            </a:lnSpc>
+                            <a:spcBef>
+                              <a:spcPts val="0"/>
+                            </a:spcBef>
+                            <a:spcAft>
+                              <a:spcPts val="0"/>
+                            </a:spcAft>
+                            <a:buClrTx/>
+                            <a:buSzTx/>
+                            <a:buFontTx/>
+                            <a:buNone/>
+                            <a:tabLst/>
+                            <a:defRPr/>
+                          </a:pPr>
+                          <a:r>
+                            <a:rPr lang="en-CA" dirty="0"/>
+                            <a:t>0, 1, 2, …</a:t>
+                          </a:r>
+                        </a:p>
+                        <a:p>
+                          <a:endParaRPr lang="en-CA" dirty="0"/>
+                        </a:p>
+                      </a:txBody>
+                      <a:tcPr/>
+                    </a:tc>
+                    <a:tc>
+                      <a:txBody>
+                        <a:bodyPr/>
+                        <a:lstStyle/>
+                        <a:p>
+                          <a:endParaRPr lang="en-US"/>
+                        </a:p>
+                      </a:txBody>
+                      <a:tcPr>
+                        <a:blipFill>
+                          <a:blip r:embed="rId2"/>
+                          <a:stretch>
+                            <a:fillRect l="-213333" t="-440909" r="-139000" b="-209091"/>
+                          </a:stretch>
+                        </a:blipFill>
+                      </a:tcPr>
+                    </a:tc>
+                    <a:tc>
+                      <a:txBody>
+                        <a:bodyPr/>
+                        <a:lstStyle/>
+                        <a:p>
+                          <a:endParaRPr lang="en-US"/>
+                        </a:p>
+                      </a:txBody>
+                      <a:tcPr>
+                        <a:blipFill>
+                          <a:blip r:embed="rId2"/>
+                          <a:stretch>
+                            <a:fillRect l="-502674" t="-440909" r="-122995" b="-209091"/>
+                          </a:stretch>
+                        </a:blipFill>
+                      </a:tcPr>
+                    </a:tc>
+                    <a:tc>
+                      <a:txBody>
+                        <a:bodyPr/>
+                        <a:lstStyle/>
+                        <a:p>
+                          <a:endParaRPr lang="en-US"/>
+                        </a:p>
+                      </a:txBody>
+                      <a:tcPr>
+                        <a:blipFill>
+                          <a:blip r:embed="rId2"/>
+                          <a:stretch>
+                            <a:fillRect l="-500889" t="-440909" r="-2222" b="-209091"/>
+                          </a:stretch>
+                        </a:blipFill>
+                      </a:tcPr>
+                    </a:tc>
+                    <a:extLst>
+                      <a:ext uri="{0D108BD9-81ED-4DB2-BD59-A6C34878D82A}">
+                        <a16:rowId xmlns:a16="http://schemas.microsoft.com/office/drawing/2014/main" val="2215915387"/>
+                      </a:ext>
+                    </a:extLst>
+                  </a:tr>
+                  <a:tr h="668867">
+                    <a:tc>
+                      <a:txBody>
+                        <a:bodyPr/>
+                        <a:lstStyle/>
+                        <a:p>
+                          <a:r>
+                            <a:rPr lang="en-CA" sz="1600" dirty="0"/>
+                            <a:t>Poisson(</a:t>
+                          </a:r>
+                          <a:r>
+                            <a:rPr lang="el-GR" sz="1600" dirty="0"/>
+                            <a:t>λ</a:t>
+                          </a:r>
+                          <a:r>
+                            <a:rPr lang="en-CA" sz="1600" dirty="0"/>
+                            <a:t>)</a:t>
+                          </a:r>
+                        </a:p>
+                      </a:txBody>
+                      <a:tcPr/>
+                    </a:tc>
+                    <a:tc>
+                      <a:txBody>
+                        <a:bodyPr/>
+                        <a:lstStyle/>
+                        <a:p>
+                          <a:r>
+                            <a:rPr lang="en-CA" dirty="0"/>
+                            <a:t># of events in interval</a:t>
+                          </a:r>
+                        </a:p>
+                      </a:txBody>
+                      <a:tcPr/>
+                    </a:tc>
+                    <a:tc>
+                      <a:txBody>
+                        <a:bodyPr/>
+                        <a:lstStyle/>
+                        <a:p>
+                          <a:pPr marL="0" marR="0" lvl="0" indent="0" algn="l" defTabSz="914400" rtl="0" eaLnBrk="1" fontAlgn="auto" latinLnBrk="0" hangingPunct="1">
+                            <a:lnSpc>
+                              <a:spcPct val="100000"/>
+                            </a:lnSpc>
+                            <a:spcBef>
+                              <a:spcPts val="0"/>
+                            </a:spcBef>
+                            <a:spcAft>
+                              <a:spcPts val="0"/>
+                            </a:spcAft>
+                            <a:buClrTx/>
+                            <a:buSzTx/>
+                            <a:buFontTx/>
+                            <a:buNone/>
+                            <a:tabLst/>
+                            <a:defRPr/>
+                          </a:pPr>
+                          <a:r>
+                            <a:rPr lang="en-CA" dirty="0"/>
+                            <a:t>0, 1, 2, …</a:t>
+                          </a:r>
+                        </a:p>
+                        <a:p>
+                          <a:endParaRPr lang="en-CA" dirty="0"/>
+                        </a:p>
+                      </a:txBody>
+                      <a:tcPr/>
+                    </a:tc>
+                    <a:tc>
+                      <a:txBody>
+                        <a:bodyPr/>
+                        <a:lstStyle/>
+                        <a:p>
+                          <a:endParaRPr lang="en-US"/>
+                        </a:p>
+                      </a:txBody>
+                      <a:tcPr>
+                        <a:blipFill>
+                          <a:blip r:embed="rId2"/>
+                          <a:stretch>
+                            <a:fillRect l="-213333" t="-540909" r="-139000" b="-109091"/>
+                          </a:stretch>
+                        </a:blipFill>
+                      </a:tcPr>
+                    </a:tc>
+                    <a:tc>
+                      <a:txBody>
+                        <a:bodyPr/>
+                        <a:lstStyle/>
+                        <a:p>
+                          <a:pPr algn="ctr"/>
+                          <a:r>
+                            <a:rPr lang="el-GR" sz="1800" dirty="0"/>
+                            <a:t>λ</a:t>
+                          </a:r>
+                          <a:endParaRPr lang="en-CA" dirty="0"/>
+                        </a:p>
+                      </a:txBody>
+                      <a:tcPr/>
+                    </a:tc>
+                    <a:tc>
+                      <a:txBody>
+                        <a:bodyPr/>
+                        <a:lstStyle/>
+                        <a:p>
+                          <a:pPr algn="ctr"/>
+                          <a:r>
+                            <a:rPr lang="el-GR" sz="1800" dirty="0"/>
+                            <a:t>λ</a:t>
+                          </a:r>
+                          <a:endParaRPr lang="en-CA" dirty="0"/>
+                        </a:p>
+                      </a:txBody>
+                      <a:tcPr/>
+                    </a:tc>
+                    <a:extLst>
+                      <a:ext uri="{0D108BD9-81ED-4DB2-BD59-A6C34878D82A}">
+                        <a16:rowId xmlns:a16="http://schemas.microsoft.com/office/drawing/2014/main" val="1147099392"/>
+                      </a:ext>
+                    </a:extLst>
+                  </a:tr>
+                  <a:tr h="668867">
+                    <a:tc>
+                      <a:txBody>
+                        <a:bodyPr/>
+                        <a:lstStyle/>
+                        <a:p>
+                          <a:r>
+                            <a:rPr lang="en-CA" sz="1600" dirty="0"/>
+                            <a:t>Log series(p)</a:t>
+                          </a:r>
+                        </a:p>
+                      </a:txBody>
+                      <a:tcPr/>
+                    </a:tc>
+                    <a:tc>
+                      <a:txBody>
+                        <a:bodyPr/>
+                        <a:lstStyle/>
+                        <a:p>
+                          <a:r>
+                            <a:rPr lang="en-CA" dirty="0"/>
+                            <a:t># of types observed</a:t>
+                          </a:r>
+                        </a:p>
+                      </a:txBody>
+                      <a:tcPr/>
+                    </a:tc>
+                    <a:tc>
+                      <a:txBody>
+                        <a:bodyPr/>
+                        <a:lstStyle/>
+                        <a:p>
+                          <a:r>
+                            <a:rPr lang="en-CA" dirty="0"/>
+                            <a:t>0, 1, 2, …</a:t>
+                          </a:r>
+                        </a:p>
+                      </a:txBody>
+                      <a:tcPr/>
+                    </a:tc>
+                    <a:tc>
+                      <a:txBody>
+                        <a:bodyPr/>
+                        <a:lstStyle/>
+                        <a:p>
+                          <a:endParaRPr lang="en-CA" dirty="0"/>
+                        </a:p>
+                      </a:txBody>
+                      <a:tcPr/>
+                    </a:tc>
+                    <a:tc>
+                      <a:txBody>
+                        <a:bodyPr/>
+                        <a:lstStyle/>
+                        <a:p>
+                          <a:pPr algn="ctr"/>
+                          <a:endParaRPr lang="en-CA" dirty="0"/>
+                        </a:p>
+                      </a:txBody>
+                      <a:tcPr/>
+                    </a:tc>
+                    <a:tc>
+                      <a:txBody>
+                        <a:bodyPr/>
+                        <a:lstStyle/>
+                        <a:p>
+                          <a:pPr algn="ctr"/>
+                          <a:endParaRPr lang="en-CA" dirty="0"/>
+                        </a:p>
+                      </a:txBody>
+                      <a:tcPr/>
+                    </a:tc>
+                    <a:extLst>
+                      <a:ext uri="{0D108BD9-81ED-4DB2-BD59-A6C34878D82A}">
+                        <a16:rowId xmlns:a16="http://schemas.microsoft.com/office/drawing/2014/main" val="2045516986"/>
+                      </a:ext>
+                    </a:extLst>
+                  </a:tr>
+                </a:tbl>
+              </a:graphicData>
+            </a:graphic>
+          </p:graphicFrame>
+        </mc:Fallback>
+      </mc:AlternateContent>
+      <p:pic>
+        <p:nvPicPr>
+          <p:cNvPr id="7" name="Picture 6">
+            <a:extLst>
+              <a:ext uri="{FF2B5EF4-FFF2-40B4-BE49-F238E27FC236}">
+                <a16:creationId xmlns:a16="http://schemas.microsoft.com/office/drawing/2014/main" id="{9F0551A8-C3ED-BA89-D4F3-467900D9C543}"/>
+              </a:ext>
+            </a:extLst>
+          </p:cNvPr>
+          <p:cNvPicPr>
+            <a:picLocks noChangeAspect="1"/>
+          </p:cNvPicPr>
+          <p:nvPr/>
+        </p:nvPicPr>
+        <p:blipFill>
+          <a:blip r:embed="rId3"/>
+          <a:stretch>
+            <a:fillRect/>
+          </a:stretch>
+        </p:blipFill>
+        <p:spPr>
+          <a:xfrm>
+            <a:off x="4750522" y="5715000"/>
+            <a:ext cx="1018186" cy="619765"/>
+          </a:xfrm>
+          <a:prstGeom prst="rect">
+            <a:avLst/>
+          </a:prstGeom>
+        </p:spPr>
+      </p:pic>
+    </p:spTree>
+    <p:extLst>
+      <p:ext uri="{BB962C8B-B14F-4D97-AF65-F5344CB8AC3E}">
+        <p14:creationId xmlns:p14="http://schemas.microsoft.com/office/powerpoint/2010/main" val="3783541786"/>
+      </p:ext>
+    </p:extLst>
+  </p:cSld>
+  <p:clrMapOvr>
+    <a:masterClrMapping/>
+  </p:clrMapOvr>
+</p:sld>
+</file>
+
+<file path=ppt/slides/slide13.xml><?xml version="1.0" encoding="utf-8"?>
 <p:sld xmlns:a="http://schemas.openxmlformats.org/drawingml/2006/main" xmlns:r="http://schemas.openxmlformats.org/officeDocument/2006/relationships" xmlns:p="http://schemas.openxmlformats.org/presentationml/2006/main">
   <p:cSld>
     <p:spTree>
@@ -4450,7 +7494,7 @@
           <a:p>
             <a:fld id="{621225AB-15B9-4C79-A121-04D1DC7E2307}" type="slidenum">
               <a:rPr lang="en-US" smtClean="0"/>
-              <a:t>12</a:t>
+              <a:t>13</a:t>
             </a:fld>
             <a:endParaRPr lang="en-US"/>
           </a:p>
@@ -4505,7 +7549,7 @@
 </p:sld>
 </file>
 
-<file path=ppt/slides/slide13.xml><?xml version="1.0" encoding="utf-8"?>
+<file path=ppt/slides/slide14.xml><?xml version="1.0" encoding="utf-8"?>
 <p:sld xmlns:a="http://schemas.openxmlformats.org/drawingml/2006/main" xmlns:r="http://schemas.openxmlformats.org/officeDocument/2006/relationships" xmlns:p="http://schemas.openxmlformats.org/presentationml/2006/main">
   <p:cSld>
     <p:spTree>
@@ -4678,7 +7722,7 @@
           <a:p>
             <a:fld id="{621225AB-15B9-4C79-A121-04D1DC7E2307}" type="slidenum">
               <a:rPr lang="en-US" smtClean="0"/>
-              <a:t>13</a:t>
+              <a:t>14</a:t>
             </a:fld>
             <a:endParaRPr lang="en-US"/>
           </a:p>
@@ -4823,6 +7867,42 @@
           </a:prstGeom>
         </p:spPr>
       </p:pic>
+      <p:sp>
+        <p:nvSpPr>
+          <p:cNvPr id="8" name="TextBox 7">
+            <a:extLst>
+              <a:ext uri="{FF2B5EF4-FFF2-40B4-BE49-F238E27FC236}">
+                <a16:creationId xmlns:a16="http://schemas.microsoft.com/office/drawing/2014/main" id="{42D1BE58-A7CF-1FF6-AFB9-460938FDA755}"/>
+              </a:ext>
+            </a:extLst>
+          </p:cNvPr>
+          <p:cNvSpPr txBox="1"/>
+          <p:nvPr/>
+        </p:nvSpPr>
+        <p:spPr>
+          <a:xfrm>
+            <a:off x="5867400" y="5181600"/>
+            <a:ext cx="2485896" cy="369332"/>
+          </a:xfrm>
+          <a:prstGeom prst="rect">
+            <a:avLst/>
+          </a:prstGeom>
+          <a:noFill/>
+        </p:spPr>
+        <p:txBody>
+          <a:bodyPr wrap="square" rtlCol="0">
+            <a:spAutoFit/>
+          </a:bodyPr>
+          <a:lstStyle/>
+          <a:p>
+            <a:pPr algn="ctr"/>
+            <a:r>
+              <a:rPr lang="en-CA" dirty="0"/>
+              <a:t>(Pascal’s triangle)</a:t>
+            </a:r>
+          </a:p>
+        </p:txBody>
+      </p:sp>
     </p:spTree>
     <p:extLst>
       <p:ext uri="{BB962C8B-B14F-4D97-AF65-F5344CB8AC3E}">
@@ -4836,7 +7916,7 @@
 </p:sld>
 </file>
 
-<file path=ppt/slides/slide14.xml><?xml version="1.0" encoding="utf-8"?>
+<file path=ppt/slides/slide15.xml><?xml version="1.0" encoding="utf-8"?>
 <p:sld xmlns:a="http://schemas.openxmlformats.org/drawingml/2006/main" xmlns:r="http://schemas.openxmlformats.org/officeDocument/2006/relationships" xmlns:p="http://schemas.openxmlformats.org/presentationml/2006/main">
   <p:cSld>
     <p:spTree>
@@ -5244,7 +8324,7 @@
           <a:p>
             <a:fld id="{621225AB-15B9-4C79-A121-04D1DC7E2307}" type="slidenum">
               <a:rPr lang="en-US" smtClean="0"/>
-              <a:t>14</a:t>
+              <a:t>15</a:t>
             </a:fld>
             <a:endParaRPr lang="en-US"/>
           </a:p>
@@ -5562,7 +8642,7 @@
 </p:sld>
 </file>
 
-<file path=ppt/slides/slide15.xml><?xml version="1.0" encoding="utf-8"?>
+<file path=ppt/slides/slide16.xml><?xml version="1.0" encoding="utf-8"?>
 <p:sld xmlns:a="http://schemas.openxmlformats.org/drawingml/2006/main" xmlns:r="http://schemas.openxmlformats.org/officeDocument/2006/relationships" xmlns:p="http://schemas.openxmlformats.org/presentationml/2006/main">
   <p:cSld>
     <p:spTree>
@@ -5632,7 +8712,7 @@
           <a:p>
             <a:fld id="{621225AB-15B9-4C79-A121-04D1DC7E2307}" type="slidenum">
               <a:rPr lang="en-US" smtClean="0"/>
-              <a:t>15</a:t>
+              <a:t>16</a:t>
             </a:fld>
             <a:endParaRPr lang="en-US"/>
           </a:p>
@@ -5816,7 +8896,7 @@
 </p:sld>
 </file>
 
-<file path=ppt/slides/slide16.xml><?xml version="1.0" encoding="utf-8"?>
+<file path=ppt/slides/slide17.xml><?xml version="1.0" encoding="utf-8"?>
 <p:sld xmlns:a="http://schemas.openxmlformats.org/drawingml/2006/main" xmlns:r="http://schemas.openxmlformats.org/officeDocument/2006/relationships" xmlns:p="http://schemas.openxmlformats.org/presentationml/2006/main">
   <p:cSld>
     <p:spTree>
@@ -5886,7 +8966,7 @@
           <a:p>
             <a:fld id="{621225AB-15B9-4C79-A121-04D1DC7E2307}" type="slidenum">
               <a:rPr lang="en-US" smtClean="0"/>
-              <a:t>16</a:t>
+              <a:t>17</a:t>
             </a:fld>
             <a:endParaRPr lang="en-US"/>
           </a:p>
@@ -5935,7 +9015,7 @@
 </p:sld>
 </file>
 
-<file path=ppt/slides/slide17.xml><?xml version="1.0" encoding="utf-8"?>
+<file path=ppt/slides/slide18.xml><?xml version="1.0" encoding="utf-8"?>
 <p:sld xmlns:a="http://schemas.openxmlformats.org/drawingml/2006/main" xmlns:r="http://schemas.openxmlformats.org/officeDocument/2006/relationships" xmlns:p="http://schemas.openxmlformats.org/presentationml/2006/main">
   <p:cSld>
     <p:spTree>
@@ -6005,7 +9085,7 @@
           <a:p>
             <a:fld id="{621225AB-15B9-4C79-A121-04D1DC7E2307}" type="slidenum">
               <a:rPr lang="en-US" smtClean="0"/>
-              <a:t>17</a:t>
+              <a:t>18</a:t>
             </a:fld>
             <a:endParaRPr lang="en-US"/>
           </a:p>
@@ -6102,7 +9182,7 @@
 </p:sld>
 </file>
 
-<file path=ppt/slides/slide18.xml><?xml version="1.0" encoding="utf-8"?>
+<file path=ppt/slides/slide19.xml><?xml version="1.0" encoding="utf-8"?>
 <p:sld xmlns:a="http://schemas.openxmlformats.org/drawingml/2006/main" xmlns:r="http://schemas.openxmlformats.org/officeDocument/2006/relationships" xmlns:p="http://schemas.openxmlformats.org/presentationml/2006/main">
   <p:cSld>
     <p:spTree>
@@ -6144,7 +9224,7 @@
           <a:p>
             <a:r>
               <a:rPr lang="en-CA" dirty="0"/>
-              <a:t>Poisson distribution</a:t>
+              <a:t>Poisson distribution: Properties</a:t>
             </a:r>
           </a:p>
         </p:txBody>
@@ -6172,7 +9252,7 @@
           <a:p>
             <a:fld id="{621225AB-15B9-4C79-A121-04D1DC7E2307}" type="slidenum">
               <a:rPr lang="en-US" smtClean="0"/>
-              <a:t>18</a:t>
+              <a:t>19</a:t>
             </a:fld>
             <a:endParaRPr lang="en-US"/>
           </a:p>
@@ -6265,7 +9345,7 @@
         <p:spPr>
           <a:xfrm>
             <a:off x="609600" y="4800600"/>
-            <a:ext cx="2667000" cy="1477328"/>
+            <a:ext cx="2895600" cy="1477328"/>
           </a:xfrm>
           <a:prstGeom prst="rect">
             <a:avLst/>
@@ -6279,8 +9359,12 @@
           <a:lstStyle/>
           <a:p>
             <a:r>
+              <a:rPr lang="en-CA" b="1" dirty="0"/>
+              <a:t>Mean, variance, skewness</a:t>
+            </a:r>
+            <a:r>
               <a:rPr lang="en-CA" dirty="0"/>
-              <a:t>Mean, variance, skewness:</a:t>
+              <a:t>:</a:t>
             </a:r>
           </a:p>
           <a:p>
@@ -6363,141 +9447,6 @@
           </a:p>
         </p:txBody>
       </p:sp>
-      <mc:AlternateContent xmlns:mc="http://schemas.openxmlformats.org/markup-compatibility/2006" xmlns:a14="http://schemas.microsoft.com/office/drawing/2010/main">
-        <mc:Choice Requires="a14">
-          <p:sp>
-            <p:nvSpPr>
-              <p:cNvPr id="9" name="TextBox 8">
-                <a:extLst>
-                  <a:ext uri="{FF2B5EF4-FFF2-40B4-BE49-F238E27FC236}">
-                    <a16:creationId xmlns:a16="http://schemas.microsoft.com/office/drawing/2014/main" id="{3DD5E400-64B2-A8F3-3DC7-3408880E50F6}"/>
-                  </a:ext>
-                </a:extLst>
-              </p:cNvPr>
-              <p:cNvSpPr txBox="1"/>
-              <p:nvPr/>
-            </p:nvSpPr>
-            <p:spPr>
-              <a:xfrm>
-                <a:off x="3171825" y="5269228"/>
-                <a:ext cx="1447800" cy="384336"/>
-              </a:xfrm>
-              <a:prstGeom prst="rect">
-                <a:avLst/>
-              </a:prstGeom>
-              <a:noFill/>
-            </p:spPr>
-            <p:txBody>
-              <a:bodyPr wrap="square" rtlCol="0">
-                <a:spAutoFit/>
-              </a:bodyPr>
-              <a:lstStyle/>
-              <a:p>
-                <a:r>
-                  <a:rPr lang="en-CA" dirty="0"/>
-                  <a:t>MLE: </a:t>
-                </a:r>
-                <a14:m>
-                  <m:oMath xmlns:m="http://schemas.openxmlformats.org/officeDocument/2006/math">
-                    <m:acc>
-                      <m:accPr>
-                        <m:chr m:val="̂"/>
-                        <m:ctrlPr>
-                          <a:rPr lang="en-CA" i="1" smtClean="0">
-                            <a:latin typeface="Cambria Math" panose="02040503050406030204" pitchFamily="18" charset="0"/>
-                            <a:ea typeface="Cambria Math" panose="02040503050406030204" pitchFamily="18" charset="0"/>
-                          </a:rPr>
-                        </m:ctrlPr>
-                      </m:accPr>
-                      <m:e>
-                        <m:r>
-                          <a:rPr lang="en-CA" i="1" smtClean="0">
-                            <a:latin typeface="Cambria Math" panose="02040503050406030204" pitchFamily="18" charset="0"/>
-                            <a:ea typeface="Cambria Math" panose="02040503050406030204" pitchFamily="18" charset="0"/>
-                          </a:rPr>
-                          <m:t>𝜆</m:t>
-                        </m:r>
-                      </m:e>
-                    </m:acc>
-                    <m:r>
-                      <a:rPr lang="en-CA" b="0" i="1" smtClean="0">
-                        <a:latin typeface="Cambria Math" panose="02040503050406030204" pitchFamily="18" charset="0"/>
-                        <a:ea typeface="Cambria Math" panose="02040503050406030204" pitchFamily="18" charset="0"/>
-                      </a:rPr>
-                      <m:t>=</m:t>
-                    </m:r>
-                    <m:acc>
-                      <m:accPr>
-                        <m:chr m:val="̅"/>
-                        <m:ctrlPr>
-                          <a:rPr lang="en-CA" b="0" i="1" smtClean="0">
-                            <a:latin typeface="Cambria Math" panose="02040503050406030204" pitchFamily="18" charset="0"/>
-                            <a:ea typeface="Cambria Math" panose="02040503050406030204" pitchFamily="18" charset="0"/>
-                          </a:rPr>
-                        </m:ctrlPr>
-                      </m:accPr>
-                      <m:e>
-                        <m:r>
-                          <a:rPr lang="en-CA" b="0" i="1" smtClean="0">
-                            <a:latin typeface="Cambria Math" panose="02040503050406030204" pitchFamily="18" charset="0"/>
-                            <a:ea typeface="Cambria Math" panose="02040503050406030204" pitchFamily="18" charset="0"/>
-                          </a:rPr>
-                          <m:t>𝑥</m:t>
-                        </m:r>
-                      </m:e>
-                    </m:acc>
-                  </m:oMath>
-                </a14:m>
-                <a:endParaRPr lang="en-CA" dirty="0"/>
-              </a:p>
-            </p:txBody>
-          </p:sp>
-        </mc:Choice>
-        <mc:Fallback xmlns="">
-          <p:sp>
-            <p:nvSpPr>
-              <p:cNvPr id="9" name="TextBox 8">
-                <a:extLst>
-                  <a:ext uri="{FF2B5EF4-FFF2-40B4-BE49-F238E27FC236}">
-                    <a16:creationId xmlns:a16="http://schemas.microsoft.com/office/drawing/2014/main" id="{3DD5E400-64B2-A8F3-3DC7-3408880E50F6}"/>
-                  </a:ext>
-                </a:extLst>
-              </p:cNvPr>
-              <p:cNvSpPr txBox="1">
-                <a:spLocks noRot="1" noChangeAspect="1" noMove="1" noResize="1" noEditPoints="1" noAdjustHandles="1" noChangeArrowheads="1" noChangeShapeType="1" noTextEdit="1"/>
-              </p:cNvSpPr>
-              <p:nvPr/>
-            </p:nvSpPr>
-            <p:spPr>
-              <a:xfrm>
-                <a:off x="3171825" y="5269228"/>
-                <a:ext cx="1447800" cy="384336"/>
-              </a:xfrm>
-              <a:prstGeom prst="rect">
-                <a:avLst/>
-              </a:prstGeom>
-              <a:blipFill>
-                <a:blip r:embed="rId3"/>
-                <a:stretch>
-                  <a:fillRect l="-3361" t="-7937" r="-4622" b="-25397"/>
-                </a:stretch>
-              </a:blipFill>
-            </p:spPr>
-            <p:txBody>
-              <a:bodyPr/>
-              <a:lstStyle/>
-              <a:p>
-                <a:r>
-                  <a:rPr lang="en-CA">
-                    <a:noFill/>
-                  </a:rPr>
-                  <a:t> </a:t>
-                </a:r>
-              </a:p>
-            </p:txBody>
-          </p:sp>
-        </mc:Fallback>
-      </mc:AlternateContent>
       <p:sp>
         <p:nvSpPr>
           <p:cNvPr id="10" name="TextBox 9">
@@ -6512,7 +9461,7 @@
         </p:nvSpPr>
         <p:spPr>
           <a:xfrm>
-            <a:off x="4924424" y="4953000"/>
+            <a:off x="4924424" y="4800600"/>
             <a:ext cx="3686175" cy="923330"/>
           </a:xfrm>
           <a:prstGeom prst="rect">
@@ -6527,7 +9476,7 @@
           <a:lstStyle/>
           <a:p>
             <a:r>
-              <a:rPr lang="en-CA" dirty="0"/>
+              <a:rPr lang="en-CA" b="1" dirty="0"/>
               <a:t>Properties:</a:t>
             </a:r>
           </a:p>
@@ -6602,53 +9551,209 @@
           </a:p>
         </p:txBody>
       </p:sp>
-      <p:sp>
-        <p:nvSpPr>
-          <p:cNvPr id="4" name="Rectangle 3">
+      <p:grpSp>
+        <p:nvGrpSpPr>
+          <p:cNvPr id="11" name="Group 10">
             <a:extLst>
               <a:ext uri="{FF2B5EF4-FFF2-40B4-BE49-F238E27FC236}">
-                <a16:creationId xmlns:a16="http://schemas.microsoft.com/office/drawing/2014/main" id="{845109D0-A93D-A851-5A12-61199CDFC469}"/>
+                <a16:creationId xmlns:a16="http://schemas.microsoft.com/office/drawing/2014/main" id="{544695CE-A0D3-A92C-9FE3-293406D8494E}"/>
               </a:ext>
             </a:extLst>
           </p:cNvPr>
-          <p:cNvSpPr/>
+          <p:cNvGrpSpPr/>
           <p:nvPr/>
-        </p:nvSpPr>
-        <p:spPr>
+        </p:nvGrpSpPr>
+        <p:grpSpPr>
           <a:xfrm>
-            <a:off x="3124200" y="5269228"/>
-            <a:ext cx="1295400" cy="445772"/>
+            <a:off x="3305175" y="5269228"/>
+            <a:ext cx="1495425" cy="445772"/>
+            <a:chOff x="3124200" y="5269228"/>
+            <a:chExt cx="1495425" cy="445772"/>
           </a:xfrm>
-          <a:prstGeom prst="rect">
-            <a:avLst/>
-          </a:prstGeom>
-          <a:noFill/>
-        </p:spPr>
-        <p:style>
-          <a:lnRef idx="2">
-            <a:schemeClr val="accent1">
-              <a:shade val="50000"/>
-            </a:schemeClr>
-          </a:lnRef>
-          <a:fillRef idx="1">
-            <a:schemeClr val="accent1"/>
-          </a:fillRef>
-          <a:effectRef idx="0">
-            <a:schemeClr val="accent1"/>
-          </a:effectRef>
-          <a:fontRef idx="minor">
-            <a:schemeClr val="lt1"/>
-          </a:fontRef>
-        </p:style>
-        <p:txBody>
-          <a:bodyPr rtlCol="0" anchor="ctr"/>
-          <a:lstStyle/>
-          <a:p>
-            <a:pPr algn="ctr"/>
-            <a:endParaRPr lang="en-CA"/>
-          </a:p>
-        </p:txBody>
-      </p:sp>
+        </p:grpSpPr>
+        <mc:AlternateContent xmlns:mc="http://schemas.openxmlformats.org/markup-compatibility/2006" xmlns:a14="http://schemas.microsoft.com/office/drawing/2010/main">
+          <mc:Choice Requires="a14">
+            <p:sp>
+              <p:nvSpPr>
+                <p:cNvPr id="9" name="TextBox 8">
+                  <a:extLst>
+                    <a:ext uri="{FF2B5EF4-FFF2-40B4-BE49-F238E27FC236}">
+                      <a16:creationId xmlns:a16="http://schemas.microsoft.com/office/drawing/2014/main" id="{3DD5E400-64B2-A8F3-3DC7-3408880E50F6}"/>
+                    </a:ext>
+                  </a:extLst>
+                </p:cNvPr>
+                <p:cNvSpPr txBox="1"/>
+                <p:nvPr/>
+              </p:nvSpPr>
+              <p:spPr>
+                <a:xfrm>
+                  <a:off x="3171825" y="5269228"/>
+                  <a:ext cx="1447800" cy="384336"/>
+                </a:xfrm>
+                <a:prstGeom prst="rect">
+                  <a:avLst/>
+                </a:prstGeom>
+                <a:noFill/>
+              </p:spPr>
+              <p:txBody>
+                <a:bodyPr wrap="square" rtlCol="0">
+                  <a:spAutoFit/>
+                </a:bodyPr>
+                <a:lstStyle/>
+                <a:p>
+                  <a:r>
+                    <a:rPr lang="en-CA" dirty="0"/>
+                    <a:t>MLE: </a:t>
+                  </a:r>
+                  <a14:m>
+                    <m:oMath xmlns:m="http://schemas.openxmlformats.org/officeDocument/2006/math">
+                      <m:acc>
+                        <m:accPr>
+                          <m:chr m:val="̂"/>
+                          <m:ctrlPr>
+                            <a:rPr lang="en-CA" i="1" smtClean="0">
+                              <a:latin typeface="Cambria Math" panose="02040503050406030204" pitchFamily="18" charset="0"/>
+                              <a:ea typeface="Cambria Math" panose="02040503050406030204" pitchFamily="18" charset="0"/>
+                            </a:rPr>
+                          </m:ctrlPr>
+                        </m:accPr>
+                        <m:e>
+                          <m:r>
+                            <a:rPr lang="en-CA" i="1" smtClean="0">
+                              <a:latin typeface="Cambria Math" panose="02040503050406030204" pitchFamily="18" charset="0"/>
+                              <a:ea typeface="Cambria Math" panose="02040503050406030204" pitchFamily="18" charset="0"/>
+                            </a:rPr>
+                            <m:t>𝜆</m:t>
+                          </m:r>
+                        </m:e>
+                      </m:acc>
+                      <m:r>
+                        <a:rPr lang="en-CA" b="0" i="1" smtClean="0">
+                          <a:latin typeface="Cambria Math" panose="02040503050406030204" pitchFamily="18" charset="0"/>
+                          <a:ea typeface="Cambria Math" panose="02040503050406030204" pitchFamily="18" charset="0"/>
+                        </a:rPr>
+                        <m:t>=</m:t>
+                      </m:r>
+                      <m:acc>
+                        <m:accPr>
+                          <m:chr m:val="̅"/>
+                          <m:ctrlPr>
+                            <a:rPr lang="en-CA" b="0" i="1" smtClean="0">
+                              <a:latin typeface="Cambria Math" panose="02040503050406030204" pitchFamily="18" charset="0"/>
+                              <a:ea typeface="Cambria Math" panose="02040503050406030204" pitchFamily="18" charset="0"/>
+                            </a:rPr>
+                          </m:ctrlPr>
+                        </m:accPr>
+                        <m:e>
+                          <m:r>
+                            <a:rPr lang="en-CA" b="0" i="1" smtClean="0">
+                              <a:latin typeface="Cambria Math" panose="02040503050406030204" pitchFamily="18" charset="0"/>
+                              <a:ea typeface="Cambria Math" panose="02040503050406030204" pitchFamily="18" charset="0"/>
+                            </a:rPr>
+                            <m:t>𝑥</m:t>
+                          </m:r>
+                        </m:e>
+                      </m:acc>
+                    </m:oMath>
+                  </a14:m>
+                  <a:endParaRPr lang="en-CA" dirty="0"/>
+                </a:p>
+              </p:txBody>
+            </p:sp>
+          </mc:Choice>
+          <mc:Fallback xmlns="">
+            <p:sp>
+              <p:nvSpPr>
+                <p:cNvPr id="9" name="TextBox 8">
+                  <a:extLst>
+                    <a:ext uri="{FF2B5EF4-FFF2-40B4-BE49-F238E27FC236}">
+                      <a16:creationId xmlns:a16="http://schemas.microsoft.com/office/drawing/2014/main" id="{3DD5E400-64B2-A8F3-3DC7-3408880E50F6}"/>
+                    </a:ext>
+                  </a:extLst>
+                </p:cNvPr>
+                <p:cNvSpPr txBox="1">
+                  <a:spLocks noRot="1" noChangeAspect="1" noMove="1" noResize="1" noEditPoints="1" noAdjustHandles="1" noChangeArrowheads="1" noChangeShapeType="1" noTextEdit="1"/>
+                </p:cNvSpPr>
+                <p:nvPr/>
+              </p:nvSpPr>
+              <p:spPr>
+                <a:xfrm>
+                  <a:off x="3171825" y="5269228"/>
+                  <a:ext cx="1447800" cy="384336"/>
+                </a:xfrm>
+                <a:prstGeom prst="rect">
+                  <a:avLst/>
+                </a:prstGeom>
+                <a:blipFill>
+                  <a:blip r:embed="rId3"/>
+                  <a:stretch>
+                    <a:fillRect l="-3361" t="-7937" r="-4202" b="-25397"/>
+                  </a:stretch>
+                </a:blipFill>
+              </p:spPr>
+              <p:txBody>
+                <a:bodyPr/>
+                <a:lstStyle/>
+                <a:p>
+                  <a:r>
+                    <a:rPr lang="en-CA">
+                      <a:noFill/>
+                    </a:rPr>
+                    <a:t> </a:t>
+                  </a:r>
+                </a:p>
+              </p:txBody>
+            </p:sp>
+          </mc:Fallback>
+        </mc:AlternateContent>
+        <p:sp>
+          <p:nvSpPr>
+            <p:cNvPr id="4" name="Rectangle 3">
+              <a:extLst>
+                <a:ext uri="{FF2B5EF4-FFF2-40B4-BE49-F238E27FC236}">
+                  <a16:creationId xmlns:a16="http://schemas.microsoft.com/office/drawing/2014/main" id="{845109D0-A93D-A851-5A12-61199CDFC469}"/>
+                </a:ext>
+              </a:extLst>
+            </p:cNvPr>
+            <p:cNvSpPr/>
+            <p:nvPr/>
+          </p:nvSpPr>
+          <p:spPr>
+            <a:xfrm>
+              <a:off x="3124200" y="5269228"/>
+              <a:ext cx="1295400" cy="445772"/>
+            </a:xfrm>
+            <a:prstGeom prst="rect">
+              <a:avLst/>
+            </a:prstGeom>
+            <a:noFill/>
+          </p:spPr>
+          <p:style>
+            <a:lnRef idx="2">
+              <a:schemeClr val="accent1">
+                <a:shade val="50000"/>
+              </a:schemeClr>
+            </a:lnRef>
+            <a:fillRef idx="1">
+              <a:schemeClr val="accent1"/>
+            </a:fillRef>
+            <a:effectRef idx="0">
+              <a:schemeClr val="accent1"/>
+            </a:effectRef>
+            <a:fontRef idx="minor">
+              <a:schemeClr val="lt1"/>
+            </a:fontRef>
+          </p:style>
+          <p:txBody>
+            <a:bodyPr rtlCol="0" anchor="ctr"/>
+            <a:lstStyle/>
+            <a:p>
+              <a:pPr algn="ctr"/>
+              <a:endParaRPr lang="en-CA"/>
+            </a:p>
+          </p:txBody>
+        </p:sp>
+      </p:grpSp>
     </p:spTree>
     <p:extLst>
       <p:ext uri="{BB962C8B-B14F-4D97-AF65-F5344CB8AC3E}">
@@ -6662,8 +9767,580 @@
 </p:sld>
 </file>
 
-<file path=ppt/slides/slide19.xml><?xml version="1.0" encoding="utf-8"?>
+<file path=ppt/slides/slide2.xml><?xml version="1.0" encoding="utf-8"?>
 <p:sld xmlns:a="http://schemas.openxmlformats.org/drawingml/2006/main" xmlns:r="http://schemas.openxmlformats.org/officeDocument/2006/relationships" xmlns:p="http://schemas.openxmlformats.org/presentationml/2006/main">
+  <p:cSld>
+    <p:spTree>
+      <p:nvGrpSpPr>
+        <p:cNvPr id="1" name=""/>
+        <p:cNvGrpSpPr/>
+        <p:nvPr/>
+      </p:nvGrpSpPr>
+      <p:grpSpPr>
+        <a:xfrm>
+          <a:off x="0" y="0"/>
+          <a:ext cx="0" cy="0"/>
+          <a:chOff x="0" y="0"/>
+          <a:chExt cx="0" cy="0"/>
+        </a:xfrm>
+      </p:grpSpPr>
+      <p:sp>
+        <p:nvSpPr>
+          <p:cNvPr id="2" name="Title 1">
+            <a:extLst>
+              <a:ext uri="{FF2B5EF4-FFF2-40B4-BE49-F238E27FC236}">
+                <a16:creationId xmlns:a16="http://schemas.microsoft.com/office/drawing/2014/main" id="{AAD44FF4-A6BA-41F6-8198-6DAD576CEDB4}"/>
+              </a:ext>
+            </a:extLst>
+          </p:cNvPr>
+          <p:cNvSpPr>
+            <a:spLocks noGrp="1"/>
+          </p:cNvSpPr>
+          <p:nvPr>
+            <p:ph type="title"/>
+          </p:nvPr>
+        </p:nvSpPr>
+        <p:spPr/>
+        <p:txBody>
+          <a:bodyPr>
+            <a:normAutofit fontScale="90000"/>
+          </a:bodyPr>
+          <a:lstStyle/>
+          <a:p>
+            <a:r>
+              <a:rPr lang="en-US" dirty="0"/>
+              <a:t>Discrete distributions: Basic ideas</a:t>
+            </a:r>
+          </a:p>
+        </p:txBody>
+      </p:sp>
+      <p:sp>
+        <p:nvSpPr>
+          <p:cNvPr id="3" name="Content Placeholder 2">
+            <a:extLst>
+              <a:ext uri="{FF2B5EF4-FFF2-40B4-BE49-F238E27FC236}">
+                <a16:creationId xmlns:a16="http://schemas.microsoft.com/office/drawing/2014/main" id="{CBDA77F0-C410-4300-8516-C91DE3BE608A}"/>
+              </a:ext>
+            </a:extLst>
+          </p:cNvPr>
+          <p:cNvSpPr>
+            <a:spLocks noGrp="1"/>
+          </p:cNvSpPr>
+          <p:nvPr>
+            <p:ph idx="1"/>
+          </p:nvPr>
+        </p:nvSpPr>
+        <p:spPr/>
+        <p:txBody>
+          <a:bodyPr/>
+          <a:lstStyle/>
+          <a:p>
+            <a:r>
+              <a:rPr lang="en-US" dirty="0"/>
+              <a:t>Quantitative data: often assumed Normal (</a:t>
+            </a:r>
+            <a:r>
+              <a:rPr lang="el-GR" dirty="0"/>
+              <a:t>μ</a:t>
+            </a:r>
+            <a:r>
+              <a:rPr lang="en-US" dirty="0"/>
+              <a:t>, </a:t>
+            </a:r>
+            <a:r>
+              <a:rPr lang="en-US" dirty="0">
+                <a:sym typeface="Symbol" panose="05050102010706020507" pitchFamily="18" charset="2"/>
+              </a:rPr>
+              <a:t></a:t>
+            </a:r>
+            <a:r>
+              <a:rPr lang="en-US" baseline="30000" dirty="0">
+                <a:sym typeface="Symbol" panose="05050102010706020507" pitchFamily="18" charset="2"/>
+              </a:rPr>
+              <a:t>2</a:t>
+            </a:r>
+            <a:r>
+              <a:rPr lang="en-US" dirty="0">
+                <a:sym typeface="Symbol" panose="05050102010706020507" pitchFamily="18" charset="2"/>
+              </a:rPr>
+              <a:t>) – unreasonable for CDA</a:t>
+            </a:r>
+            <a:endParaRPr lang="en-US" dirty="0"/>
+          </a:p>
+          <a:p>
+            <a:r>
+              <a:rPr lang="en-US" dirty="0"/>
+              <a:t>Binomial, Poisson, Negative binomial, … are the building blocks for CDA</a:t>
+            </a:r>
+          </a:p>
+          <a:p>
+            <a:r>
+              <a:rPr lang="en-US" dirty="0"/>
+              <a:t>Form the basis for modeling techniques</a:t>
+            </a:r>
+          </a:p>
+          <a:p>
+            <a:pPr lvl="1"/>
+            <a:r>
+              <a:rPr lang="en-US" dirty="0"/>
+              <a:t>logistic regression, generalized linear models, Poisson regression</a:t>
+            </a:r>
+          </a:p>
+          <a:p>
+            <a:r>
+              <a:rPr lang="en-US" dirty="0"/>
+              <a:t>Data:</a:t>
+            </a:r>
+          </a:p>
+          <a:p>
+            <a:pPr lvl="1"/>
+            <a:r>
+              <a:rPr lang="en-US" dirty="0"/>
+              <a:t>outcome variable (</a:t>
+            </a:r>
+            <a:r>
+              <a:rPr lang="en-US" i="1" dirty="0"/>
+              <a:t>k</a:t>
+            </a:r>
+            <a:r>
+              <a:rPr lang="en-US" dirty="0"/>
+              <a:t> = 0, 1, 2, … )</a:t>
+            </a:r>
+          </a:p>
+          <a:p>
+            <a:pPr lvl="1"/>
+            <a:r>
+              <a:rPr lang="en-US" dirty="0"/>
+              <a:t>counts of occurrences (</a:t>
+            </a:r>
+            <a:r>
+              <a:rPr lang="en-US" i="1" dirty="0" err="1"/>
+              <a:t>n</a:t>
+            </a:r>
+            <a:r>
+              <a:rPr lang="en-US" i="1" baseline="-25000" dirty="0" err="1"/>
+              <a:t>k</a:t>
+            </a:r>
+            <a:r>
+              <a:rPr lang="en-US" dirty="0"/>
+              <a:t>): accidents, words in text, males in families of size </a:t>
+            </a:r>
+            <a:r>
+              <a:rPr lang="en-US" i="1" dirty="0"/>
+              <a:t>k</a:t>
+            </a:r>
+          </a:p>
+        </p:txBody>
+      </p:sp>
+      <p:sp>
+        <p:nvSpPr>
+          <p:cNvPr id="4" name="Slide Number Placeholder 3">
+            <a:extLst>
+              <a:ext uri="{FF2B5EF4-FFF2-40B4-BE49-F238E27FC236}">
+                <a16:creationId xmlns:a16="http://schemas.microsoft.com/office/drawing/2014/main" id="{CD5A6B6B-722B-44AC-8D51-8A9E9AF56A31}"/>
+              </a:ext>
+            </a:extLst>
+          </p:cNvPr>
+          <p:cNvSpPr>
+            <a:spLocks noGrp="1"/>
+          </p:cNvSpPr>
+          <p:nvPr>
+            <p:ph type="sldNum" sz="quarter" idx="12"/>
+          </p:nvPr>
+        </p:nvSpPr>
+        <p:spPr/>
+        <p:txBody>
+          <a:bodyPr/>
+          <a:lstStyle/>
+          <a:p>
+            <a:fld id="{621225AB-15B9-4C79-A121-04D1DC7E2307}" type="slidenum">
+              <a:rPr lang="en-US" smtClean="0"/>
+              <a:t>2</a:t>
+            </a:fld>
+            <a:endParaRPr lang="en-US"/>
+          </a:p>
+        </p:txBody>
+      </p:sp>
+    </p:spTree>
+    <p:extLst>
+      <p:ext uri="{BB962C8B-B14F-4D97-AF65-F5344CB8AC3E}">
+        <p14:creationId xmlns:p14="http://schemas.microsoft.com/office/powerpoint/2010/main" val="3919522923"/>
+      </p:ext>
+    </p:extLst>
+  </p:cSld>
+  <p:clrMapOvr>
+    <a:masterClrMapping/>
+  </p:clrMapOvr>
+</p:sld>
+</file>
+
+<file path=ppt/slides/slide20.xml><?xml version="1.0" encoding="utf-8"?>
+<p:sld xmlns:a="http://schemas.openxmlformats.org/drawingml/2006/main" xmlns:r="http://schemas.openxmlformats.org/officeDocument/2006/relationships" xmlns:p="http://schemas.openxmlformats.org/presentationml/2006/main">
+  <p:cSld>
+    <p:spTree>
+      <p:nvGrpSpPr>
+        <p:cNvPr id="1" name=""/>
+        <p:cNvGrpSpPr/>
+        <p:nvPr/>
+      </p:nvGrpSpPr>
+      <p:grpSpPr>
+        <a:xfrm>
+          <a:off x="0" y="0"/>
+          <a:ext cx="0" cy="0"/>
+          <a:chOff x="0" y="0"/>
+          <a:chExt cx="0" cy="0"/>
+        </a:xfrm>
+      </p:grpSpPr>
+      <p:sp>
+        <p:nvSpPr>
+          <p:cNvPr id="2" name="Title 1">
+            <a:extLst>
+              <a:ext uri="{FF2B5EF4-FFF2-40B4-BE49-F238E27FC236}">
+                <a16:creationId xmlns:a16="http://schemas.microsoft.com/office/drawing/2014/main" id="{0EA97729-17C6-8593-7325-D41CA09F2120}"/>
+              </a:ext>
+            </a:extLst>
+          </p:cNvPr>
+          <p:cNvSpPr>
+            <a:spLocks noGrp="1"/>
+          </p:cNvSpPr>
+          <p:nvPr>
+            <p:ph type="title"/>
+          </p:nvPr>
+        </p:nvSpPr>
+        <p:spPr/>
+        <p:txBody>
+          <a:bodyPr>
+            <a:noAutofit/>
+          </a:bodyPr>
+          <a:lstStyle/>
+          <a:p>
+            <a:r>
+              <a:rPr lang="en-CA" sz="2800" dirty="0"/>
+              <a:t>History: Who discovered the “Poisson” distribution</a:t>
+            </a:r>
+          </a:p>
+        </p:txBody>
+      </p:sp>
+      <p:sp>
+        <p:nvSpPr>
+          <p:cNvPr id="4" name="Content Placeholder 3">
+            <a:extLst>
+              <a:ext uri="{FF2B5EF4-FFF2-40B4-BE49-F238E27FC236}">
+                <a16:creationId xmlns:a16="http://schemas.microsoft.com/office/drawing/2014/main" id="{893BF21B-45FF-9A09-D78B-1EE6B2AEE654}"/>
+              </a:ext>
+            </a:extLst>
+          </p:cNvPr>
+          <p:cNvSpPr>
+            <a:spLocks noGrp="1"/>
+          </p:cNvSpPr>
+          <p:nvPr>
+            <p:ph idx="1"/>
+          </p:nvPr>
+        </p:nvSpPr>
+        <p:spPr/>
+        <p:txBody>
+          <a:bodyPr>
+            <a:normAutofit/>
+          </a:bodyPr>
+          <a:lstStyle/>
+          <a:p>
+            <a:pPr marL="0" indent="0">
+              <a:buNone/>
+            </a:pPr>
+            <a:r>
+              <a:rPr lang="en-CA" sz="2000" b="1" dirty="0"/>
+              <a:t>Stigler’s Law</a:t>
+            </a:r>
+            <a:r>
+              <a:rPr lang="en-CA" sz="2000" dirty="0"/>
+              <a:t>: No discovery in science is ever named for its primary originator</a:t>
+            </a:r>
+          </a:p>
+          <a:p>
+            <a:r>
+              <a:rPr lang="en-CA" sz="2000" dirty="0"/>
+              <a:t>De </a:t>
+            </a:r>
+            <a:r>
+              <a:rPr lang="en-CA" sz="2000" dirty="0" err="1"/>
+              <a:t>Moivre</a:t>
+            </a:r>
+            <a:r>
+              <a:rPr lang="en-CA" sz="2000" dirty="0"/>
+              <a:t> (1718) – Approximation to binomial as </a:t>
+            </a:r>
+            <a:r>
+              <a:rPr lang="en-CA" sz="2000" i="1" dirty="0"/>
+              <a:t>n</a:t>
+            </a:r>
+            <a:r>
+              <a:rPr lang="en-CA" sz="2000" dirty="0"/>
+              <a:t> gets largish</a:t>
+            </a:r>
+          </a:p>
+          <a:p>
+            <a:r>
+              <a:rPr lang="en-CA" sz="2000" b="1" dirty="0"/>
+              <a:t>Poisson (1837) </a:t>
+            </a:r>
+            <a:r>
+              <a:rPr lang="en-CA" sz="2000" dirty="0"/>
+              <a:t>– </a:t>
+            </a:r>
+            <a:r>
+              <a:rPr lang="en-CA" sz="2000" i="1" dirty="0" err="1"/>
+              <a:t>Reserches</a:t>
+            </a:r>
+            <a:r>
+              <a:rPr lang="en-CA" sz="2000" i="1" dirty="0"/>
+              <a:t> sur la </a:t>
+            </a:r>
+            <a:r>
+              <a:rPr lang="en-CA" sz="2000" i="1" dirty="0" err="1"/>
+              <a:t>Probabilité</a:t>
+            </a:r>
+            <a:r>
+              <a:rPr lang="en-CA" sz="2000" i="1" dirty="0"/>
+              <a:t> des </a:t>
+            </a:r>
+            <a:r>
+              <a:rPr lang="en-CA" sz="2000" i="1" dirty="0" err="1"/>
+              <a:t>jugements</a:t>
+            </a:r>
+            <a:r>
+              <a:rPr lang="en-CA" sz="2000" i="1" dirty="0"/>
+              <a:t> </a:t>
+            </a:r>
+            <a:r>
+              <a:rPr lang="en-CA" sz="2000" i="1" dirty="0" err="1"/>
+              <a:t>en</a:t>
+            </a:r>
+            <a:r>
+              <a:rPr lang="en-CA" sz="2000" i="1" dirty="0"/>
+              <a:t> Matière </a:t>
+            </a:r>
+            <a:r>
+              <a:rPr lang="en-CA" sz="2000" i="1" dirty="0" err="1"/>
+              <a:t>criminelle</a:t>
+            </a:r>
+            <a:r>
+              <a:rPr lang="en-CA" sz="2000" dirty="0"/>
+              <a:t>…</a:t>
+            </a:r>
+          </a:p>
+          <a:p>
+            <a:pPr lvl="1"/>
+            <a:r>
+              <a:rPr lang="en-CA" sz="1600" dirty="0"/>
+              <a:t>Stigler says main result anticipated by De </a:t>
+            </a:r>
+            <a:r>
+              <a:rPr lang="en-CA" sz="1600" dirty="0" err="1"/>
+              <a:t>Moivre</a:t>
+            </a:r>
+            <a:endParaRPr lang="en-CA" sz="1600" dirty="0"/>
+          </a:p>
+          <a:p>
+            <a:r>
+              <a:rPr lang="en-CA" sz="2000" dirty="0"/>
+              <a:t>S. Newcomb (1860) – </a:t>
+            </a:r>
+            <a:r>
+              <a:rPr lang="en-CA" sz="2000" i="1" dirty="0"/>
+              <a:t>Notes on a Theory of Probability</a:t>
+            </a:r>
+          </a:p>
+          <a:p>
+            <a:pPr lvl="1"/>
+            <a:r>
+              <a:rPr lang="en-CA" sz="1600" dirty="0"/>
+              <a:t>First attempt at using this as a fit to data</a:t>
+            </a:r>
+          </a:p>
+          <a:p>
+            <a:pPr lvl="1"/>
+            <a:r>
+              <a:rPr lang="en-CA" sz="1600" dirty="0"/>
+              <a:t>Observations of stars: </a:t>
+            </a:r>
+            <a:r>
+              <a:rPr lang="en-CA" sz="1600" dirty="0" err="1"/>
+              <a:t>Pr</a:t>
+            </a:r>
+            <a:r>
+              <a:rPr lang="en-CA" sz="1600" dirty="0"/>
+              <a:t>(any small space) contains s stars, s = 0, 1, 2, …</a:t>
+            </a:r>
+          </a:p>
+          <a:p>
+            <a:r>
+              <a:rPr lang="en-CA" sz="2000" dirty="0"/>
+              <a:t>Von </a:t>
+            </a:r>
+            <a:r>
+              <a:rPr lang="en-CA" sz="2000" dirty="0" err="1"/>
+              <a:t>Bortkiewicz</a:t>
+            </a:r>
+            <a:r>
+              <a:rPr lang="en-CA" sz="2000" dirty="0"/>
+              <a:t> (1898) – </a:t>
+            </a:r>
+            <a:r>
+              <a:rPr lang="en-CA" sz="2000" i="1" dirty="0"/>
+              <a:t>Law of Small Numbers</a:t>
+            </a:r>
+          </a:p>
+          <a:p>
+            <a:pPr lvl="1"/>
+            <a:r>
+              <a:rPr lang="en-CA" sz="1600" dirty="0"/>
+              <a:t>Re-derives Poisson as limiting case of binomial</a:t>
+            </a:r>
+          </a:p>
+          <a:p>
+            <a:pPr lvl="1"/>
+            <a:r>
+              <a:rPr lang="en-CA" sz="1600" dirty="0"/>
+              <a:t>Several data sets (Horse kicks &amp; others) – “agreement between theory and observation leave nothing to be desired”</a:t>
+            </a:r>
+          </a:p>
+          <a:p>
+            <a:r>
+              <a:rPr lang="en-CA" sz="2000" dirty="0" err="1"/>
+              <a:t>Gosset</a:t>
+            </a:r>
+            <a:r>
+              <a:rPr lang="en-CA" sz="2000" dirty="0"/>
+              <a:t> (1907): </a:t>
+            </a:r>
+            <a:r>
+              <a:rPr lang="en-CA" sz="2000" dirty="0" err="1"/>
+              <a:t>Heamacytometer</a:t>
+            </a:r>
+            <a:r>
+              <a:rPr lang="en-CA" sz="2000" dirty="0"/>
+              <a:t> Counts</a:t>
+            </a:r>
+          </a:p>
+          <a:p>
+            <a:pPr lvl="1"/>
+            <a:r>
+              <a:rPr lang="en-CA" sz="1600" dirty="0"/>
+              <a:t>“</a:t>
+            </a:r>
+            <a:r>
+              <a:rPr lang="en-CA" sz="1600" dirty="0" err="1"/>
+              <a:t>Student”’s</a:t>
+            </a:r>
+            <a:r>
+              <a:rPr lang="en-CA" sz="1600" dirty="0"/>
+              <a:t> first paper – first rigorous treatment of the Poisson for count data</a:t>
+            </a:r>
+          </a:p>
+        </p:txBody>
+      </p:sp>
+      <p:sp>
+        <p:nvSpPr>
+          <p:cNvPr id="3" name="Slide Number Placeholder 2">
+            <a:extLst>
+              <a:ext uri="{FF2B5EF4-FFF2-40B4-BE49-F238E27FC236}">
+                <a16:creationId xmlns:a16="http://schemas.microsoft.com/office/drawing/2014/main" id="{896A2827-5124-0315-9493-04AD2399E28E}"/>
+              </a:ext>
+            </a:extLst>
+          </p:cNvPr>
+          <p:cNvSpPr>
+            <a:spLocks noGrp="1"/>
+          </p:cNvSpPr>
+          <p:nvPr>
+            <p:ph type="sldNum" sz="quarter" idx="12"/>
+          </p:nvPr>
+        </p:nvSpPr>
+        <p:spPr/>
+        <p:txBody>
+          <a:bodyPr/>
+          <a:lstStyle/>
+          <a:p>
+            <a:fld id="{621225AB-15B9-4C79-A121-04D1DC7E2307}" type="slidenum">
+              <a:rPr lang="en-US" smtClean="0"/>
+              <a:t>20</a:t>
+            </a:fld>
+            <a:endParaRPr lang="en-US"/>
+          </a:p>
+        </p:txBody>
+      </p:sp>
+      <p:sp>
+        <p:nvSpPr>
+          <p:cNvPr id="5" name="TextBox 4">
+            <a:extLst>
+              <a:ext uri="{FF2B5EF4-FFF2-40B4-BE49-F238E27FC236}">
+                <a16:creationId xmlns:a16="http://schemas.microsoft.com/office/drawing/2014/main" id="{3DA15BB1-F912-11AB-81E7-C43EF8B60F00}"/>
+              </a:ext>
+            </a:extLst>
+          </p:cNvPr>
+          <p:cNvSpPr txBox="1"/>
+          <p:nvPr/>
+        </p:nvSpPr>
+        <p:spPr>
+          <a:xfrm>
+            <a:off x="609600" y="6019800"/>
+            <a:ext cx="8001000" cy="584775"/>
+          </a:xfrm>
+          <a:prstGeom prst="rect">
+            <a:avLst/>
+          </a:prstGeom>
+          <a:noFill/>
+        </p:spPr>
+        <p:txBody>
+          <a:bodyPr wrap="square" rtlCol="0">
+            <a:spAutoFit/>
+          </a:bodyPr>
+          <a:lstStyle/>
+          <a:p>
+            <a:r>
+              <a:rPr lang="en-CA" sz="1600" dirty="0"/>
+              <a:t>See: Hanley &amp; Bhatnagar (2022) The “Poisson” Distribution: History, </a:t>
+            </a:r>
+            <a:r>
+              <a:rPr lang="en-CA" sz="1600" dirty="0" err="1"/>
+              <a:t>Reenactments</a:t>
+            </a:r>
+            <a:r>
+              <a:rPr lang="en-CA" sz="1600" dirty="0"/>
+              <a:t>, Adaptations, </a:t>
+            </a:r>
+            <a:r>
+              <a:rPr lang="en-CA" sz="1600" i="1" dirty="0"/>
+              <a:t>The American Statistician</a:t>
+            </a:r>
+            <a:r>
+              <a:rPr lang="en-CA" sz="1600" dirty="0"/>
+              <a:t>, 76:4, 363-371, </a:t>
+            </a:r>
+            <a:r>
+              <a:rPr lang="en-CA" sz="1600" dirty="0">
+                <a:hlinkClick r:id="rId2"/>
+              </a:rPr>
+              <a:t>DOI: 10.1080/00031305.2022.2046159  </a:t>
+            </a:r>
+            <a:endParaRPr lang="en-CA" sz="1600" dirty="0"/>
+          </a:p>
+        </p:txBody>
+      </p:sp>
+    </p:spTree>
+    <p:extLst>
+      <p:ext uri="{BB962C8B-B14F-4D97-AF65-F5344CB8AC3E}">
+        <p14:creationId xmlns:p14="http://schemas.microsoft.com/office/powerpoint/2010/main" val="744313736"/>
+      </p:ext>
+    </p:extLst>
+  </p:cSld>
+  <p:clrMapOvr>
+    <a:masterClrMapping/>
+  </p:clrMapOvr>
+</p:sld>
+</file>
+
+<file path=ppt/slides/slide21.xml><?xml version="1.0" encoding="utf-8"?>
+<p:sld xmlns:a="http://schemas.openxmlformats.org/drawingml/2006/main" xmlns:r="http://schemas.openxmlformats.org/officeDocument/2006/relationships" xmlns:p="http://schemas.openxmlformats.org/presentationml/2006/main" show="0">
   <p:cSld>
     <p:spTree>
       <p:nvGrpSpPr>
@@ -6732,7 +10409,7 @@
           <a:p>
             <a:fld id="{621225AB-15B9-4C79-A121-04D1DC7E2307}" type="slidenum">
               <a:rPr lang="en-US" smtClean="0"/>
-              <a:t>19</a:t>
+              <a:t>21</a:t>
             </a:fld>
             <a:endParaRPr lang="en-US"/>
           </a:p>
@@ -6828,6 +10505,53 @@
           </a:prstGeom>
         </p:spPr>
       </p:pic>
+      <p:sp>
+        <p:nvSpPr>
+          <p:cNvPr id="4" name="Rectangle 3">
+            <a:extLst>
+              <a:ext uri="{FF2B5EF4-FFF2-40B4-BE49-F238E27FC236}">
+                <a16:creationId xmlns:a16="http://schemas.microsoft.com/office/drawing/2014/main" id="{CBA0AA6A-F42E-C7F9-F3B2-524CBEF76D8F}"/>
+              </a:ext>
+            </a:extLst>
+          </p:cNvPr>
+          <p:cNvSpPr/>
+          <p:nvPr/>
+        </p:nvSpPr>
+        <p:spPr>
+          <a:xfrm>
+            <a:off x="6669368" y="5704505"/>
+            <a:ext cx="1807308" cy="519112"/>
+          </a:xfrm>
+          <a:prstGeom prst="rect">
+            <a:avLst/>
+          </a:prstGeom>
+          <a:noFill/>
+        </p:spPr>
+        <p:style>
+          <a:lnRef idx="2">
+            <a:schemeClr val="accent1">
+              <a:shade val="50000"/>
+            </a:schemeClr>
+          </a:lnRef>
+          <a:fillRef idx="1">
+            <a:schemeClr val="accent1"/>
+          </a:fillRef>
+          <a:effectRef idx="0">
+            <a:schemeClr val="accent1"/>
+          </a:effectRef>
+          <a:fontRef idx="minor">
+            <a:schemeClr val="lt1"/>
+          </a:fontRef>
+        </p:style>
+        <p:txBody>
+          <a:bodyPr rtlCol="0" anchor="ctr"/>
+          <a:lstStyle/>
+          <a:p>
+            <a:pPr algn="ctr"/>
+            <a:endParaRPr lang="en-CA"/>
+          </a:p>
+        </p:txBody>
+      </p:sp>
     </p:spTree>
     <p:extLst>
       <p:ext uri="{BB962C8B-B14F-4D97-AF65-F5344CB8AC3E}">
@@ -6841,7 +10565,7 @@
 </p:sld>
 </file>
 
-<file path=ppt/slides/slide2.xml><?xml version="1.0" encoding="utf-8"?>
+<file path=ppt/slides/slide22.xml><?xml version="1.0" encoding="utf-8"?>
 <p:sld xmlns:a="http://schemas.openxmlformats.org/drawingml/2006/main" xmlns:r="http://schemas.openxmlformats.org/officeDocument/2006/relationships" xmlns:p="http://schemas.openxmlformats.org/presentationml/2006/main">
   <p:cSld>
     <p:spTree>
@@ -6863,7 +10587,7 @@
           <p:cNvPr id="2" name="Title 1">
             <a:extLst>
               <a:ext uri="{FF2B5EF4-FFF2-40B4-BE49-F238E27FC236}">
-                <a16:creationId xmlns:a16="http://schemas.microsoft.com/office/drawing/2014/main" id="{AAD44FF4-A6BA-41F6-8198-6DAD576CEDB4}"/>
+                <a16:creationId xmlns:a16="http://schemas.microsoft.com/office/drawing/2014/main" id="{43646CDE-6A2F-C4EC-3E0E-1F16AC951D55}"/>
               </a:ext>
             </a:extLst>
           </p:cNvPr>
@@ -6882,136 +10606,18 @@
           <a:lstStyle/>
           <a:p>
             <a:r>
-              <a:rPr lang="en-US" dirty="0"/>
-              <a:t>Discrete distributions: Basic ideas</a:t>
+              <a:rPr lang="en-CA" dirty="0"/>
+              <a:t>Negative binomial distribution</a:t>
             </a:r>
           </a:p>
         </p:txBody>
       </p:sp>
       <p:sp>
         <p:nvSpPr>
-          <p:cNvPr id="3" name="Content Placeholder 2">
+          <p:cNvPr id="3" name="Slide Number Placeholder 2">
             <a:extLst>
               <a:ext uri="{FF2B5EF4-FFF2-40B4-BE49-F238E27FC236}">
-                <a16:creationId xmlns:a16="http://schemas.microsoft.com/office/drawing/2014/main" id="{CBDA77F0-C410-4300-8516-C91DE3BE608A}"/>
-              </a:ext>
-            </a:extLst>
-          </p:cNvPr>
-          <p:cNvSpPr>
-            <a:spLocks noGrp="1"/>
-          </p:cNvSpPr>
-          <p:nvPr>
-            <p:ph idx="1"/>
-          </p:nvPr>
-        </p:nvSpPr>
-        <p:spPr/>
-        <p:txBody>
-          <a:bodyPr/>
-          <a:lstStyle/>
-          <a:p>
-            <a:r>
-              <a:rPr lang="en-US" dirty="0"/>
-              <a:t>Quantitative data: often assumed Normal (</a:t>
-            </a:r>
-            <a:r>
-              <a:rPr lang="el-GR" dirty="0"/>
-              <a:t>μ</a:t>
-            </a:r>
-            <a:r>
-              <a:rPr lang="en-US" dirty="0"/>
-              <a:t>, </a:t>
-            </a:r>
-            <a:r>
-              <a:rPr lang="en-US" dirty="0">
-                <a:sym typeface="Symbol" panose="05050102010706020507" pitchFamily="18" charset="2"/>
-              </a:rPr>
-              <a:t></a:t>
-            </a:r>
-            <a:r>
-              <a:rPr lang="en-US" baseline="30000" dirty="0">
-                <a:sym typeface="Symbol" panose="05050102010706020507" pitchFamily="18" charset="2"/>
-              </a:rPr>
-              <a:t>2</a:t>
-            </a:r>
-            <a:r>
-              <a:rPr lang="en-US" dirty="0">
-                <a:sym typeface="Symbol" panose="05050102010706020507" pitchFamily="18" charset="2"/>
-              </a:rPr>
-              <a:t>) – unreasonable for CDA</a:t>
-            </a:r>
-            <a:endParaRPr lang="en-US" dirty="0"/>
-          </a:p>
-          <a:p>
-            <a:r>
-              <a:rPr lang="en-US" dirty="0"/>
-              <a:t>Binomial, Poisson, Negative binomial, … are the building blocks for CDA</a:t>
-            </a:r>
-          </a:p>
-          <a:p>
-            <a:r>
-              <a:rPr lang="en-US" dirty="0"/>
-              <a:t>Form the basis for modeling techniques</a:t>
-            </a:r>
-          </a:p>
-          <a:p>
-            <a:pPr lvl="1"/>
-            <a:r>
-              <a:rPr lang="en-US" dirty="0"/>
-              <a:t>logistic regression, generalized linear models, Poisson regression</a:t>
-            </a:r>
-          </a:p>
-          <a:p>
-            <a:r>
-              <a:rPr lang="en-US" dirty="0"/>
-              <a:t>Data:</a:t>
-            </a:r>
-          </a:p>
-          <a:p>
-            <a:pPr lvl="1"/>
-            <a:r>
-              <a:rPr lang="en-US" dirty="0"/>
-              <a:t>outcome variable (</a:t>
-            </a:r>
-            <a:r>
-              <a:rPr lang="en-US" i="1" dirty="0"/>
-              <a:t>k</a:t>
-            </a:r>
-            <a:r>
-              <a:rPr lang="en-US" dirty="0"/>
-              <a:t> = 0, 1, 2, … )</a:t>
-            </a:r>
-          </a:p>
-          <a:p>
-            <a:pPr lvl="1"/>
-            <a:r>
-              <a:rPr lang="en-US" dirty="0"/>
-              <a:t>counts of occurrences (</a:t>
-            </a:r>
-            <a:r>
-              <a:rPr lang="en-US" i="1" dirty="0" err="1"/>
-              <a:t>n</a:t>
-            </a:r>
-            <a:r>
-              <a:rPr lang="en-US" i="1" baseline="-25000" dirty="0" err="1"/>
-              <a:t>k</a:t>
-            </a:r>
-            <a:r>
-              <a:rPr lang="en-US" dirty="0"/>
-              <a:t>): accidents, words in text, males in families of size </a:t>
-            </a:r>
-            <a:r>
-              <a:rPr lang="en-US" i="1" dirty="0"/>
-              <a:t>k</a:t>
-            </a:r>
-          </a:p>
-        </p:txBody>
-      </p:sp>
-      <p:sp>
-        <p:nvSpPr>
-          <p:cNvPr id="4" name="Slide Number Placeholder 3">
-            <a:extLst>
-              <a:ext uri="{FF2B5EF4-FFF2-40B4-BE49-F238E27FC236}">
-                <a16:creationId xmlns:a16="http://schemas.microsoft.com/office/drawing/2014/main" id="{CD5A6B6B-722B-44AC-8D51-8A9E9AF56A31}"/>
+                <a16:creationId xmlns:a16="http://schemas.microsoft.com/office/drawing/2014/main" id="{FC59E0C3-045A-0223-F267-6C78300A1F32}"/>
               </a:ext>
             </a:extLst>
           </p:cNvPr>
@@ -7029,26 +10635,294 @@
           <a:p>
             <a:fld id="{621225AB-15B9-4C79-A121-04D1DC7E2307}" type="slidenum">
               <a:rPr lang="en-US" smtClean="0"/>
-              <a:t>2</a:t>
+              <a:t>22</a:t>
             </a:fld>
             <a:endParaRPr lang="en-US"/>
+          </a:p>
+        </p:txBody>
+      </p:sp>
+      <p:grpSp>
+        <p:nvGrpSpPr>
+          <p:cNvPr id="13" name="Group 12">
+            <a:extLst>
+              <a:ext uri="{FF2B5EF4-FFF2-40B4-BE49-F238E27FC236}">
+                <a16:creationId xmlns:a16="http://schemas.microsoft.com/office/drawing/2014/main" id="{5616DC5C-CCB9-1B10-8BF1-6AB953193058}"/>
+              </a:ext>
+            </a:extLst>
+          </p:cNvPr>
+          <p:cNvGrpSpPr/>
+          <p:nvPr/>
+        </p:nvGrpSpPr>
+        <p:grpSpPr>
+          <a:xfrm>
+            <a:off x="2667000" y="5132417"/>
+            <a:ext cx="4590476" cy="1190476"/>
+            <a:chOff x="3886200" y="5132417"/>
+            <a:chExt cx="4590476" cy="1190476"/>
+          </a:xfrm>
+        </p:grpSpPr>
+        <p:pic>
+          <p:nvPicPr>
+            <p:cNvPr id="9" name="Picture 8">
+              <a:extLst>
+                <a:ext uri="{FF2B5EF4-FFF2-40B4-BE49-F238E27FC236}">
+                  <a16:creationId xmlns:a16="http://schemas.microsoft.com/office/drawing/2014/main" id="{F7B7213E-5C89-D14F-825A-1B062AB0D7B6}"/>
+                </a:ext>
+              </a:extLst>
+            </p:cNvPr>
+            <p:cNvPicPr>
+              <a:picLocks noChangeAspect="1"/>
+            </p:cNvPicPr>
+            <p:nvPr/>
+          </p:nvPicPr>
+          <p:blipFill>
+            <a:blip r:embed="rId2"/>
+            <a:stretch>
+              <a:fillRect/>
+            </a:stretch>
+          </p:blipFill>
+          <p:spPr>
+            <a:xfrm>
+              <a:off x="3886200" y="5132417"/>
+              <a:ext cx="4590476" cy="1190476"/>
+            </a:xfrm>
+            <a:prstGeom prst="rect">
+              <a:avLst/>
+            </a:prstGeom>
+          </p:spPr>
+        </p:pic>
+        <p:sp>
+          <p:nvSpPr>
+            <p:cNvPr id="4" name="Rectangle 3">
+              <a:extLst>
+                <a:ext uri="{FF2B5EF4-FFF2-40B4-BE49-F238E27FC236}">
+                  <a16:creationId xmlns:a16="http://schemas.microsoft.com/office/drawing/2014/main" id="{CBA0AA6A-F42E-C7F9-F3B2-524CBEF76D8F}"/>
+                </a:ext>
+              </a:extLst>
+            </p:cNvPr>
+            <p:cNvSpPr/>
+            <p:nvPr/>
+          </p:nvSpPr>
+          <p:spPr>
+            <a:xfrm>
+              <a:off x="6669368" y="5704505"/>
+              <a:ext cx="1807308" cy="519112"/>
+            </a:xfrm>
+            <a:prstGeom prst="rect">
+              <a:avLst/>
+            </a:prstGeom>
+            <a:noFill/>
+          </p:spPr>
+          <p:style>
+            <a:lnRef idx="2">
+              <a:schemeClr val="accent1">
+                <a:shade val="50000"/>
+              </a:schemeClr>
+            </a:lnRef>
+            <a:fillRef idx="1">
+              <a:schemeClr val="accent1"/>
+            </a:fillRef>
+            <a:effectRef idx="0">
+              <a:schemeClr val="accent1"/>
+            </a:effectRef>
+            <a:fontRef idx="minor">
+              <a:schemeClr val="lt1"/>
+            </a:fontRef>
+          </p:style>
+          <p:txBody>
+            <a:bodyPr rtlCol="0" anchor="ctr"/>
+            <a:lstStyle/>
+            <a:p>
+              <a:pPr algn="ctr"/>
+              <a:endParaRPr lang="en-CA"/>
+            </a:p>
+          </p:txBody>
+        </p:sp>
+      </p:grpSp>
+      <p:pic>
+        <p:nvPicPr>
+          <p:cNvPr id="8" name="Picture 7">
+            <a:extLst>
+              <a:ext uri="{FF2B5EF4-FFF2-40B4-BE49-F238E27FC236}">
+                <a16:creationId xmlns:a16="http://schemas.microsoft.com/office/drawing/2014/main" id="{64C36A43-A342-E26D-F8B2-459C6259CB29}"/>
+              </a:ext>
+            </a:extLst>
+          </p:cNvPr>
+          <p:cNvPicPr>
+            <a:picLocks noChangeAspect="1"/>
+          </p:cNvPicPr>
+          <p:nvPr/>
+        </p:nvPicPr>
+        <p:blipFill>
+          <a:blip r:embed="rId3"/>
+          <a:stretch>
+            <a:fillRect/>
+          </a:stretch>
+        </p:blipFill>
+        <p:spPr>
+          <a:xfrm>
+            <a:off x="381000" y="1120971"/>
+            <a:ext cx="8171428" cy="2676190"/>
+          </a:xfrm>
+          <a:prstGeom prst="rect">
+            <a:avLst/>
+          </a:prstGeom>
+        </p:spPr>
+      </p:pic>
+      <p:pic>
+        <p:nvPicPr>
+          <p:cNvPr id="11" name="Picture 10">
+            <a:extLst>
+              <a:ext uri="{FF2B5EF4-FFF2-40B4-BE49-F238E27FC236}">
+                <a16:creationId xmlns:a16="http://schemas.microsoft.com/office/drawing/2014/main" id="{5EBE3F87-4B93-8CD3-8A2E-BB7C7F5789AB}"/>
+              </a:ext>
+            </a:extLst>
+          </p:cNvPr>
+          <p:cNvPicPr>
+            <a:picLocks noChangeAspect="1"/>
+          </p:cNvPicPr>
+          <p:nvPr/>
+        </p:nvPicPr>
+        <p:blipFill>
+          <a:blip r:embed="rId4"/>
+          <a:stretch>
+            <a:fillRect/>
+          </a:stretch>
+        </p:blipFill>
+        <p:spPr>
+          <a:xfrm>
+            <a:off x="381000" y="3998122"/>
+            <a:ext cx="8171428" cy="942857"/>
+          </a:xfrm>
+          <a:prstGeom prst="rect">
+            <a:avLst/>
+          </a:prstGeom>
+        </p:spPr>
+      </p:pic>
+      <p:sp>
+        <p:nvSpPr>
+          <p:cNvPr id="12" name="TextBox 11">
+            <a:extLst>
+              <a:ext uri="{FF2B5EF4-FFF2-40B4-BE49-F238E27FC236}">
+                <a16:creationId xmlns:a16="http://schemas.microsoft.com/office/drawing/2014/main" id="{693B0373-54B9-C061-DF85-713C174CAE2B}"/>
+              </a:ext>
+            </a:extLst>
+          </p:cNvPr>
+          <p:cNvSpPr txBox="1"/>
+          <p:nvPr/>
+        </p:nvSpPr>
+        <p:spPr>
+          <a:xfrm>
+            <a:off x="685800" y="5410200"/>
+            <a:ext cx="1524000" cy="369332"/>
+          </a:xfrm>
+          <a:prstGeom prst="rect">
+            <a:avLst/>
+          </a:prstGeom>
+          <a:noFill/>
+        </p:spPr>
+        <p:txBody>
+          <a:bodyPr wrap="square" rtlCol="0">
+            <a:spAutoFit/>
+          </a:bodyPr>
+          <a:lstStyle/>
+          <a:p>
+            <a:r>
+              <a:rPr lang="en-CA" dirty="0"/>
+              <a:t>Properties:</a:t>
+            </a:r>
           </a:p>
         </p:txBody>
       </p:sp>
     </p:spTree>
     <p:extLst>
       <p:ext uri="{BB962C8B-B14F-4D97-AF65-F5344CB8AC3E}">
-        <p14:creationId xmlns:p14="http://schemas.microsoft.com/office/powerpoint/2010/main" val="3919522923"/>
+        <p14:creationId xmlns:p14="http://schemas.microsoft.com/office/powerpoint/2010/main" val="1495640117"/>
       </p:ext>
     </p:extLst>
   </p:cSld>
   <p:clrMapOvr>
     <a:masterClrMapping/>
   </p:clrMapOvr>
+  <p:timing>
+    <p:tnLst>
+      <p:par>
+        <p:cTn id="1" dur="indefinite" restart="never" nodeType="tmRoot">
+          <p:childTnLst>
+            <p:seq concurrent="1" nextAc="seek">
+              <p:cTn id="2" dur="indefinite" nodeType="mainSeq">
+                <p:childTnLst>
+                  <p:par>
+                    <p:cTn id="3" fill="hold">
+                      <p:stCondLst>
+                        <p:cond delay="indefinite"/>
+                      </p:stCondLst>
+                      <p:childTnLst>
+                        <p:par>
+                          <p:cTn id="4" fill="hold">
+                            <p:stCondLst>
+                              <p:cond delay="0"/>
+                            </p:stCondLst>
+                            <p:childTnLst>
+                              <p:par>
+                                <p:cTn id="5" presetID="1" presetClass="entr" presetSubtype="0" fill="hold" nodeType="clickEffect">
+                                  <p:stCondLst>
+                                    <p:cond delay="0"/>
+                                  </p:stCondLst>
+                                  <p:childTnLst>
+                                    <p:set>
+                                      <p:cBhvr>
+                                        <p:cTn id="6" dur="1" fill="hold">
+                                          <p:stCondLst>
+                                            <p:cond delay="0"/>
+                                          </p:stCondLst>
+                                        </p:cTn>
+                                        <p:tgtEl>
+                                          <p:spTgt spid="11"/>
+                                        </p:tgtEl>
+                                        <p:attrNameLst>
+                                          <p:attrName>style.visibility</p:attrName>
+                                        </p:attrNameLst>
+                                      </p:cBhvr>
+                                      <p:to>
+                                        <p:strVal val="visible"/>
+                                      </p:to>
+                                    </p:set>
+                                  </p:childTnLst>
+                                </p:cTn>
+                              </p:par>
+                            </p:childTnLst>
+                          </p:cTn>
+                        </p:par>
+                      </p:childTnLst>
+                    </p:cTn>
+                  </p:par>
+                </p:childTnLst>
+              </p:cTn>
+              <p:prevCondLst>
+                <p:cond evt="onPrev" delay="0">
+                  <p:tgtEl>
+                    <p:sldTgt/>
+                  </p:tgtEl>
+                </p:cond>
+              </p:prevCondLst>
+              <p:nextCondLst>
+                <p:cond evt="onNext" delay="0">
+                  <p:tgtEl>
+                    <p:sldTgt/>
+                  </p:tgtEl>
+                </p:cond>
+              </p:nextCondLst>
+            </p:seq>
+          </p:childTnLst>
+        </p:cTn>
+      </p:par>
+    </p:tnLst>
+  </p:timing>
 </p:sld>
 </file>
 
-<file path=ppt/slides/slide20.xml><?xml version="1.0" encoding="utf-8"?>
+<file path=ppt/slides/slide23.xml><?xml version="1.0" encoding="utf-8"?>
 <p:sld xmlns:a="http://schemas.openxmlformats.org/drawingml/2006/main" xmlns:r="http://schemas.openxmlformats.org/officeDocument/2006/relationships" xmlns:p="http://schemas.openxmlformats.org/presentationml/2006/main">
   <p:cSld>
     <p:spTree>
@@ -7088,7 +10962,7 @@
           <a:p>
             <a:fld id="{621225AB-15B9-4C79-A121-04D1DC7E2307}" type="slidenum">
               <a:rPr lang="en-US" smtClean="0"/>
-              <a:t>20</a:t>
+              <a:t>23</a:t>
             </a:fld>
             <a:endParaRPr lang="en-US"/>
           </a:p>
@@ -7326,7 +11200,7 @@
         </p:nvCxnSpPr>
         <p:spPr>
           <a:xfrm>
-            <a:off x="1524000" y="4267200"/>
+            <a:off x="1752600" y="4267200"/>
             <a:ext cx="3657600" cy="0"/>
           </a:xfrm>
           <a:prstGeom prst="straightConnector1">
@@ -7355,6 +11229,86 @@
           </a:fontRef>
         </p:style>
       </p:cxnSp>
+      <p:sp>
+        <p:nvSpPr>
+          <p:cNvPr id="2" name="TextBox 1">
+            <a:extLst>
+              <a:ext uri="{FF2B5EF4-FFF2-40B4-BE49-F238E27FC236}">
+                <a16:creationId xmlns:a16="http://schemas.microsoft.com/office/drawing/2014/main" id="{3E004F7C-0388-43D9-1478-6EF075D1A45B}"/>
+              </a:ext>
+            </a:extLst>
+          </p:cNvPr>
+          <p:cNvSpPr txBox="1"/>
+          <p:nvPr/>
+        </p:nvSpPr>
+        <p:spPr>
+          <a:xfrm>
+            <a:off x="228600" y="609600"/>
+            <a:ext cx="457200" cy="369332"/>
+          </a:xfrm>
+          <a:prstGeom prst="rect">
+            <a:avLst/>
+          </a:prstGeom>
+          <a:noFill/>
+        </p:spPr>
+        <p:txBody>
+          <a:bodyPr wrap="square" rtlCol="0">
+            <a:spAutoFit/>
+          </a:bodyPr>
+          <a:lstStyle/>
+          <a:p>
+            <a:pPr algn="ctr"/>
+            <a:r>
+              <a:rPr lang="en-CA" dirty="0">
+                <a:solidFill>
+                  <a:srgbClr val="FF0000"/>
+                </a:solidFill>
+              </a:rPr>
+              <a:t>p</a:t>
+            </a:r>
+          </a:p>
+        </p:txBody>
+      </p:sp>
+      <p:sp>
+        <p:nvSpPr>
+          <p:cNvPr id="4" name="TextBox 3">
+            <a:extLst>
+              <a:ext uri="{FF2B5EF4-FFF2-40B4-BE49-F238E27FC236}">
+                <a16:creationId xmlns:a16="http://schemas.microsoft.com/office/drawing/2014/main" id="{CEB25FB1-179B-7838-2BA4-ED84B8B96E81}"/>
+              </a:ext>
+            </a:extLst>
+          </p:cNvPr>
+          <p:cNvSpPr txBox="1"/>
+          <p:nvPr/>
+        </p:nvSpPr>
+        <p:spPr>
+          <a:xfrm>
+            <a:off x="1371600" y="4082534"/>
+            <a:ext cx="457200" cy="369332"/>
+          </a:xfrm>
+          <a:prstGeom prst="rect">
+            <a:avLst/>
+          </a:prstGeom>
+          <a:noFill/>
+        </p:spPr>
+        <p:txBody>
+          <a:bodyPr wrap="square" rtlCol="0">
+            <a:spAutoFit/>
+          </a:bodyPr>
+          <a:lstStyle/>
+          <a:p>
+            <a:pPr algn="ctr"/>
+            <a:r>
+              <a:rPr lang="en-CA" dirty="0">
+                <a:solidFill>
+                  <a:srgbClr val="FF0000"/>
+                </a:solidFill>
+              </a:rPr>
+              <a:t>n</a:t>
+            </a:r>
+          </a:p>
+        </p:txBody>
+      </p:sp>
     </p:spTree>
     <p:extLst>
       <p:ext uri="{BB962C8B-B14F-4D97-AF65-F5344CB8AC3E}">
@@ -7368,7 +11322,1454 @@
 </p:sld>
 </file>
 
-<file path=ppt/slides/slide21.xml><?xml version="1.0" encoding="utf-8"?>
+<file path=ppt/slides/slide24.xml><?xml version="1.0" encoding="utf-8"?>
+<p:sld xmlns:a="http://schemas.openxmlformats.org/drawingml/2006/main" xmlns:r="http://schemas.openxmlformats.org/officeDocument/2006/relationships" xmlns:p="http://schemas.openxmlformats.org/presentationml/2006/main">
+  <p:cSld>
+    <p:spTree>
+      <p:nvGrpSpPr>
+        <p:cNvPr id="1" name=""/>
+        <p:cNvGrpSpPr/>
+        <p:nvPr/>
+      </p:nvGrpSpPr>
+      <p:grpSpPr>
+        <a:xfrm>
+          <a:off x="0" y="0"/>
+          <a:ext cx="0" cy="0"/>
+          <a:chOff x="0" y="0"/>
+          <a:chExt cx="0" cy="0"/>
+        </a:xfrm>
+      </p:grpSpPr>
+      <p:sp>
+        <p:nvSpPr>
+          <p:cNvPr id="3" name="Title 2">
+            <a:extLst>
+              <a:ext uri="{FF2B5EF4-FFF2-40B4-BE49-F238E27FC236}">
+                <a16:creationId xmlns:a16="http://schemas.microsoft.com/office/drawing/2014/main" id="{C793BFD2-2068-2762-683B-F66D81A3D3CF}"/>
+              </a:ext>
+            </a:extLst>
+          </p:cNvPr>
+          <p:cNvSpPr>
+            <a:spLocks noGrp="1"/>
+          </p:cNvSpPr>
+          <p:nvPr>
+            <p:ph type="title"/>
+          </p:nvPr>
+        </p:nvSpPr>
+        <p:spPr/>
+        <p:txBody>
+          <a:bodyPr>
+            <a:normAutofit fontScale="90000"/>
+          </a:bodyPr>
+          <a:lstStyle/>
+          <a:p>
+            <a:r>
+              <a:rPr lang="en-CA" dirty="0"/>
+              <a:t>Quiz: Name that distribution</a:t>
+            </a:r>
+          </a:p>
+        </p:txBody>
+      </p:sp>
+      <p:sp>
+        <p:nvSpPr>
+          <p:cNvPr id="2" name="Slide Number Placeholder 1">
+            <a:extLst>
+              <a:ext uri="{FF2B5EF4-FFF2-40B4-BE49-F238E27FC236}">
+                <a16:creationId xmlns:a16="http://schemas.microsoft.com/office/drawing/2014/main" id="{74AB8BEE-838D-455E-A62B-FC3DF4ECCB08}"/>
+              </a:ext>
+            </a:extLst>
+          </p:cNvPr>
+          <p:cNvSpPr>
+            <a:spLocks noGrp="1"/>
+          </p:cNvSpPr>
+          <p:nvPr>
+            <p:ph type="sldNum" sz="quarter" idx="12"/>
+          </p:nvPr>
+        </p:nvSpPr>
+        <p:spPr/>
+        <p:txBody>
+          <a:bodyPr/>
+          <a:lstStyle/>
+          <a:p>
+            <a:fld id="{621225AB-15B9-4C79-A121-04D1DC7E2307}" type="slidenum">
+              <a:rPr lang="en-US" smtClean="0"/>
+              <a:t>24</a:t>
+            </a:fld>
+            <a:endParaRPr lang="en-US"/>
+          </a:p>
+        </p:txBody>
+      </p:sp>
+      <p:sp>
+        <p:nvSpPr>
+          <p:cNvPr id="6" name="TextBox 5">
+            <a:extLst>
+              <a:ext uri="{FF2B5EF4-FFF2-40B4-BE49-F238E27FC236}">
+                <a16:creationId xmlns:a16="http://schemas.microsoft.com/office/drawing/2014/main" id="{C8D22F06-F234-2F02-35C6-CCB860D677CE}"/>
+              </a:ext>
+            </a:extLst>
+          </p:cNvPr>
+          <p:cNvSpPr txBox="1"/>
+          <p:nvPr/>
+        </p:nvSpPr>
+        <p:spPr>
+          <a:xfrm>
+            <a:off x="457200" y="1143000"/>
+            <a:ext cx="8229600" cy="369332"/>
+          </a:xfrm>
+          <a:prstGeom prst="rect">
+            <a:avLst/>
+          </a:prstGeom>
+          <a:noFill/>
+        </p:spPr>
+        <p:txBody>
+          <a:bodyPr wrap="square" rtlCol="0">
+            <a:spAutoFit/>
+          </a:bodyPr>
+          <a:lstStyle/>
+          <a:p>
+            <a:r>
+              <a:rPr lang="en-CA" dirty="0"/>
+              <a:t>1. Weldon tossed 12 dice 26,306 times &amp; tallied the number of times a 5 or 6 occurred</a:t>
+            </a:r>
+          </a:p>
+        </p:txBody>
+      </p:sp>
+      <p:sp>
+        <p:nvSpPr>
+          <p:cNvPr id="7" name="TextBox 6">
+            <a:extLst>
+              <a:ext uri="{FF2B5EF4-FFF2-40B4-BE49-F238E27FC236}">
+                <a16:creationId xmlns:a16="http://schemas.microsoft.com/office/drawing/2014/main" id="{3B543A42-346C-9AF6-F39B-DEC162CC655B}"/>
+              </a:ext>
+            </a:extLst>
+          </p:cNvPr>
+          <p:cNvSpPr txBox="1"/>
+          <p:nvPr/>
+        </p:nvSpPr>
+        <p:spPr>
+          <a:xfrm>
+            <a:off x="457200" y="1521192"/>
+            <a:ext cx="6096000" cy="954107"/>
+          </a:xfrm>
+          <a:prstGeom prst="rect">
+            <a:avLst/>
+          </a:prstGeom>
+          <a:noFill/>
+        </p:spPr>
+        <p:txBody>
+          <a:bodyPr wrap="square" rtlCol="0">
+            <a:spAutoFit/>
+          </a:bodyPr>
+          <a:lstStyle/>
+          <a:p>
+            <a:r>
+              <a:rPr lang="pt-BR" sz="1400" dirty="0">
+                <a:latin typeface="Courier New" panose="02070309020205020404" pitchFamily="49" charset="0"/>
+                <a:cs typeface="Courier New" panose="02070309020205020404" pitchFamily="49" charset="0"/>
+              </a:rPr>
+              <a:t>&gt; WeldonDice</a:t>
+            </a:r>
+          </a:p>
+          <a:p>
+            <a:r>
+              <a:rPr lang="pt-BR" sz="1400" dirty="0">
+                <a:latin typeface="Courier New" panose="02070309020205020404" pitchFamily="49" charset="0"/>
+                <a:cs typeface="Courier New" panose="02070309020205020404" pitchFamily="49" charset="0"/>
+              </a:rPr>
+              <a:t>n56</a:t>
+            </a:r>
+          </a:p>
+          <a:p>
+            <a:r>
+              <a:rPr lang="pt-BR" sz="1400" dirty="0">
+                <a:latin typeface="Courier New" panose="02070309020205020404" pitchFamily="49" charset="0"/>
+                <a:cs typeface="Courier New" panose="02070309020205020404" pitchFamily="49" charset="0"/>
+              </a:rPr>
+              <a:t>   0    1    2    3    4    5    6    7    8    9   10+ </a:t>
+            </a:r>
+          </a:p>
+          <a:p>
+            <a:r>
+              <a:rPr lang="pt-BR" sz="1400" dirty="0">
+                <a:latin typeface="Courier New" panose="02070309020205020404" pitchFamily="49" charset="0"/>
+                <a:cs typeface="Courier New" panose="02070309020205020404" pitchFamily="49" charset="0"/>
+              </a:rPr>
+              <a:t> 185 1149 3265 5475 6114 5194 3067 1331  403  105   18 </a:t>
+            </a:r>
+            <a:endParaRPr lang="en-CA" sz="1400" dirty="0">
+              <a:latin typeface="Courier New" panose="02070309020205020404" pitchFamily="49" charset="0"/>
+              <a:cs typeface="Courier New" panose="02070309020205020404" pitchFamily="49" charset="0"/>
+            </a:endParaRPr>
+          </a:p>
+        </p:txBody>
+      </p:sp>
+      <p:sp>
+        <p:nvSpPr>
+          <p:cNvPr id="9" name="TextBox 8">
+            <a:extLst>
+              <a:ext uri="{FF2B5EF4-FFF2-40B4-BE49-F238E27FC236}">
+                <a16:creationId xmlns:a16="http://schemas.microsoft.com/office/drawing/2014/main" id="{A829FF7D-3A90-5720-A2A0-4027AEECE650}"/>
+              </a:ext>
+            </a:extLst>
+          </p:cNvPr>
+          <p:cNvSpPr txBox="1"/>
+          <p:nvPr/>
+        </p:nvSpPr>
+        <p:spPr>
+          <a:xfrm>
+            <a:off x="457200" y="2667000"/>
+            <a:ext cx="8229600" cy="923330"/>
+          </a:xfrm>
+          <a:prstGeom prst="rect">
+            <a:avLst/>
+          </a:prstGeom>
+          <a:noFill/>
+        </p:spPr>
+        <p:txBody>
+          <a:bodyPr wrap="square" rtlCol="0">
+            <a:spAutoFit/>
+          </a:bodyPr>
+          <a:lstStyle/>
+          <a:p>
+            <a:r>
+              <a:rPr lang="en-CA" dirty="0"/>
+              <a:t>2. Pele practices penalty kicks for the upcoming 1958 FIFA World Cup. His average scoring has been p=0.4. What is the probability it will take him </a:t>
+            </a:r>
+            <a:r>
+              <a:rPr lang="en-CA" dirty="0">
+                <a:solidFill>
+                  <a:srgbClr val="0070C0"/>
+                </a:solidFill>
+              </a:rPr>
+              <a:t>1, 2, … shots </a:t>
+            </a:r>
+            <a:r>
+              <a:rPr lang="en-CA" dirty="0"/>
+              <a:t>to score a goal?</a:t>
+            </a:r>
+          </a:p>
+        </p:txBody>
+      </p:sp>
+      <p:sp>
+        <p:nvSpPr>
+          <p:cNvPr id="10" name="TextBox 9">
+            <a:extLst>
+              <a:ext uri="{FF2B5EF4-FFF2-40B4-BE49-F238E27FC236}">
+                <a16:creationId xmlns:a16="http://schemas.microsoft.com/office/drawing/2014/main" id="{B79E9FDF-90E6-DF1E-E8D6-CA113CD7FEDA}"/>
+              </a:ext>
+            </a:extLst>
+          </p:cNvPr>
+          <p:cNvSpPr txBox="1"/>
+          <p:nvPr/>
+        </p:nvSpPr>
+        <p:spPr>
+          <a:xfrm>
+            <a:off x="457200" y="4235301"/>
+            <a:ext cx="8229600" cy="923330"/>
+          </a:xfrm>
+          <a:prstGeom prst="rect">
+            <a:avLst/>
+          </a:prstGeom>
+          <a:noFill/>
+        </p:spPr>
+        <p:txBody>
+          <a:bodyPr wrap="square" rtlCol="0">
+            <a:spAutoFit/>
+          </a:bodyPr>
+          <a:lstStyle/>
+          <a:p>
+            <a:r>
+              <a:rPr lang="en-CA" dirty="0"/>
+              <a:t>3. A Geiger counter records the number of scintillations of </a:t>
+            </a:r>
+            <a:r>
+              <a:rPr lang="el-GR" dirty="0"/>
+              <a:t>α</a:t>
+            </a:r>
+            <a:r>
+              <a:rPr lang="en-CA" dirty="0"/>
+              <a:t> particles from a radioactive source, with an average rate of 20/msec.  What is the probability of  observing 40 in a 1 msec. interval?</a:t>
+            </a:r>
+          </a:p>
+        </p:txBody>
+      </p:sp>
+      <p:sp>
+        <p:nvSpPr>
+          <p:cNvPr id="11" name="TextBox 10">
+            <a:extLst>
+              <a:ext uri="{FF2B5EF4-FFF2-40B4-BE49-F238E27FC236}">
+                <a16:creationId xmlns:a16="http://schemas.microsoft.com/office/drawing/2014/main" id="{863CDF5E-AA38-17EE-CF87-7DC8A8F4913E}"/>
+              </a:ext>
+            </a:extLst>
+          </p:cNvPr>
+          <p:cNvSpPr txBox="1"/>
+          <p:nvPr/>
+        </p:nvSpPr>
+        <p:spPr>
+          <a:xfrm>
+            <a:off x="457200" y="5574268"/>
+            <a:ext cx="8077200" cy="369332"/>
+          </a:xfrm>
+          <a:prstGeom prst="rect">
+            <a:avLst/>
+          </a:prstGeom>
+          <a:noFill/>
+        </p:spPr>
+        <p:txBody>
+          <a:bodyPr wrap="square" rtlCol="0">
+            <a:spAutoFit/>
+          </a:bodyPr>
+          <a:lstStyle/>
+          <a:p>
+            <a:r>
+              <a:rPr lang="en-CA" dirty="0"/>
+              <a:t>4. What is the distribution of the </a:t>
+            </a:r>
+            <a:r>
+              <a:rPr lang="en-CA" dirty="0">
+                <a:solidFill>
+                  <a:srgbClr val="0070C0"/>
+                </a:solidFill>
+              </a:rPr>
+              <a:t>time between </a:t>
+            </a:r>
+            <a:r>
+              <a:rPr lang="en-CA" dirty="0"/>
+              <a:t>Geiger counter ticks?</a:t>
+            </a:r>
+          </a:p>
+        </p:txBody>
+      </p:sp>
+      <p:sp>
+        <p:nvSpPr>
+          <p:cNvPr id="13" name="TextBox 12">
+            <a:extLst>
+              <a:ext uri="{FF2B5EF4-FFF2-40B4-BE49-F238E27FC236}">
+                <a16:creationId xmlns:a16="http://schemas.microsoft.com/office/drawing/2014/main" id="{7187D5A1-ADBB-A443-3E84-7602540C5247}"/>
+              </a:ext>
+            </a:extLst>
+          </p:cNvPr>
+          <p:cNvSpPr txBox="1"/>
+          <p:nvPr/>
+        </p:nvSpPr>
+        <p:spPr>
+          <a:xfrm>
+            <a:off x="4343400" y="3429000"/>
+            <a:ext cx="4267200" cy="523220"/>
+          </a:xfrm>
+          <a:prstGeom prst="rect">
+            <a:avLst/>
+          </a:prstGeom>
+          <a:solidFill>
+            <a:schemeClr val="accent6">
+              <a:lumMod val="20000"/>
+              <a:lumOff val="80000"/>
+              <a:alpha val="60000"/>
+            </a:schemeClr>
+          </a:solidFill>
+        </p:spPr>
+        <p:txBody>
+          <a:bodyPr wrap="square" rtlCol="0">
+            <a:spAutoFit/>
+          </a:bodyPr>
+          <a:lstStyle/>
+          <a:p>
+            <a:r>
+              <a:rPr lang="sv-SE" sz="1400" dirty="0">
+                <a:latin typeface="Courier New" panose="02070309020205020404" pitchFamily="49" charset="0"/>
+                <a:cs typeface="Courier New" panose="02070309020205020404" pitchFamily="49" charset="0"/>
+              </a:rPr>
+              <a:t>&gt; dnbinom(1:5, size=1, p=0.4)</a:t>
+            </a:r>
+          </a:p>
+          <a:p>
+            <a:r>
+              <a:rPr lang="sv-SE" sz="1400" dirty="0">
+                <a:latin typeface="Courier New" panose="02070309020205020404" pitchFamily="49" charset="0"/>
+                <a:cs typeface="Courier New" panose="02070309020205020404" pitchFamily="49" charset="0"/>
+              </a:rPr>
+              <a:t>[1] 0.240 0.144 0.086 0.052 0.031</a:t>
+            </a:r>
+            <a:endParaRPr lang="en-CA" sz="1400" dirty="0">
+              <a:latin typeface="Courier New" panose="02070309020205020404" pitchFamily="49" charset="0"/>
+              <a:cs typeface="Courier New" panose="02070309020205020404" pitchFamily="49" charset="0"/>
+            </a:endParaRPr>
+          </a:p>
+        </p:txBody>
+      </p:sp>
+      <p:sp>
+        <p:nvSpPr>
+          <p:cNvPr id="14" name="TextBox 13">
+            <a:extLst>
+              <a:ext uri="{FF2B5EF4-FFF2-40B4-BE49-F238E27FC236}">
+                <a16:creationId xmlns:a16="http://schemas.microsoft.com/office/drawing/2014/main" id="{56A61BD3-19DB-5EC2-9D6C-E0B6F1005AB0}"/>
+              </a:ext>
+            </a:extLst>
+          </p:cNvPr>
+          <p:cNvSpPr txBox="1"/>
+          <p:nvPr/>
+        </p:nvSpPr>
+        <p:spPr>
+          <a:xfrm>
+            <a:off x="6781800" y="1992868"/>
+            <a:ext cx="1905000" cy="369332"/>
+          </a:xfrm>
+          <a:prstGeom prst="rect">
+            <a:avLst/>
+          </a:prstGeom>
+          <a:noFill/>
+        </p:spPr>
+        <p:txBody>
+          <a:bodyPr wrap="square" rtlCol="0">
+            <a:spAutoFit/>
+          </a:bodyPr>
+          <a:lstStyle/>
+          <a:p>
+            <a:r>
+              <a:rPr lang="en-CA" dirty="0">
+                <a:solidFill>
+                  <a:srgbClr val="FF0000"/>
+                </a:solidFill>
+              </a:rPr>
+              <a:t>Bin(n=12, p=1/3)</a:t>
+            </a:r>
+          </a:p>
+        </p:txBody>
+      </p:sp>
+      <p:sp>
+        <p:nvSpPr>
+          <p:cNvPr id="15" name="TextBox 14">
+            <a:extLst>
+              <a:ext uri="{FF2B5EF4-FFF2-40B4-BE49-F238E27FC236}">
+                <a16:creationId xmlns:a16="http://schemas.microsoft.com/office/drawing/2014/main" id="{C2762E13-E9ED-75E2-718B-FF3F0D9BFBF9}"/>
+              </a:ext>
+            </a:extLst>
+          </p:cNvPr>
+          <p:cNvSpPr txBox="1"/>
+          <p:nvPr/>
+        </p:nvSpPr>
+        <p:spPr>
+          <a:xfrm>
+            <a:off x="2133600" y="3473450"/>
+            <a:ext cx="1752600" cy="369332"/>
+          </a:xfrm>
+          <a:prstGeom prst="rect">
+            <a:avLst/>
+          </a:prstGeom>
+          <a:noFill/>
+        </p:spPr>
+        <p:txBody>
+          <a:bodyPr wrap="square" rtlCol="0">
+            <a:spAutoFit/>
+          </a:bodyPr>
+          <a:lstStyle/>
+          <a:p>
+            <a:r>
+              <a:rPr lang="en-CA" dirty="0" err="1">
+                <a:solidFill>
+                  <a:srgbClr val="FF0000"/>
+                </a:solidFill>
+              </a:rPr>
+              <a:t>Nbin</a:t>
+            </a:r>
+            <a:r>
+              <a:rPr lang="en-CA" dirty="0">
+                <a:solidFill>
+                  <a:srgbClr val="FF0000"/>
+                </a:solidFill>
+              </a:rPr>
+              <a:t>(n=1, p=0.4)</a:t>
+            </a:r>
+          </a:p>
+        </p:txBody>
+      </p:sp>
+      <p:sp>
+        <p:nvSpPr>
+          <p:cNvPr id="16" name="TextBox 15">
+            <a:extLst>
+              <a:ext uri="{FF2B5EF4-FFF2-40B4-BE49-F238E27FC236}">
+                <a16:creationId xmlns:a16="http://schemas.microsoft.com/office/drawing/2014/main" id="{3D5D0069-9754-2C0E-808B-ABA6BD13449B}"/>
+              </a:ext>
+            </a:extLst>
+          </p:cNvPr>
+          <p:cNvSpPr txBox="1"/>
+          <p:nvPr/>
+        </p:nvSpPr>
+        <p:spPr>
+          <a:xfrm>
+            <a:off x="2133600" y="5159600"/>
+            <a:ext cx="1161087" cy="369332"/>
+          </a:xfrm>
+          <a:prstGeom prst="rect">
+            <a:avLst/>
+          </a:prstGeom>
+          <a:noFill/>
+        </p:spPr>
+        <p:txBody>
+          <a:bodyPr wrap="none" rtlCol="0">
+            <a:spAutoFit/>
+          </a:bodyPr>
+          <a:lstStyle/>
+          <a:p>
+            <a:r>
+              <a:rPr lang="en-CA" dirty="0">
+                <a:solidFill>
+                  <a:srgbClr val="FF0000"/>
+                </a:solidFill>
+              </a:rPr>
+              <a:t>Pois(</a:t>
+            </a:r>
+            <a:r>
+              <a:rPr lang="el-GR" dirty="0">
+                <a:solidFill>
+                  <a:srgbClr val="FF0000"/>
+                </a:solidFill>
+              </a:rPr>
+              <a:t>λ</a:t>
+            </a:r>
+            <a:r>
+              <a:rPr lang="en-CA" dirty="0">
+                <a:solidFill>
+                  <a:srgbClr val="FF0000"/>
+                </a:solidFill>
+              </a:rPr>
+              <a:t>=20</a:t>
+            </a:r>
+            <a:r>
+              <a:rPr lang="en-CA" dirty="0"/>
+              <a:t>)</a:t>
+            </a:r>
+          </a:p>
+        </p:txBody>
+      </p:sp>
+      <p:sp>
+        <p:nvSpPr>
+          <p:cNvPr id="17" name="TextBox 16">
+            <a:extLst>
+              <a:ext uri="{FF2B5EF4-FFF2-40B4-BE49-F238E27FC236}">
+                <a16:creationId xmlns:a16="http://schemas.microsoft.com/office/drawing/2014/main" id="{45D1820A-0ABF-8D5C-2FF6-47D0F26D9CC4}"/>
+              </a:ext>
+            </a:extLst>
+          </p:cNvPr>
+          <p:cNvSpPr txBox="1"/>
+          <p:nvPr/>
+        </p:nvSpPr>
+        <p:spPr>
+          <a:xfrm>
+            <a:off x="2133600" y="6019800"/>
+            <a:ext cx="5029200" cy="369332"/>
+          </a:xfrm>
+          <a:prstGeom prst="rect">
+            <a:avLst/>
+          </a:prstGeom>
+          <a:noFill/>
+        </p:spPr>
+        <p:txBody>
+          <a:bodyPr wrap="square" rtlCol="0">
+            <a:spAutoFit/>
+          </a:bodyPr>
+          <a:lstStyle/>
+          <a:p>
+            <a:r>
+              <a:rPr lang="en-CA" dirty="0">
+                <a:solidFill>
+                  <a:srgbClr val="FF0000"/>
+                </a:solidFill>
+              </a:rPr>
+              <a:t>Exponential </a:t>
+            </a:r>
+            <a:r>
+              <a:rPr lang="en-CA" dirty="0" err="1">
+                <a:solidFill>
+                  <a:srgbClr val="FF0000"/>
+                </a:solidFill>
+              </a:rPr>
+              <a:t>dist</a:t>
+            </a:r>
+            <a:r>
+              <a:rPr lang="en-CA" baseline="30000" dirty="0" err="1">
+                <a:solidFill>
+                  <a:srgbClr val="FF0000"/>
+                </a:solidFill>
+              </a:rPr>
+              <a:t>n</a:t>
+            </a:r>
+            <a:r>
+              <a:rPr lang="en-CA" dirty="0">
+                <a:solidFill>
+                  <a:srgbClr val="FF0000"/>
+                </a:solidFill>
+              </a:rPr>
+              <a:t>, </a:t>
+            </a:r>
+            <a:r>
+              <a:rPr lang="en-CA" dirty="0" err="1">
+                <a:solidFill>
+                  <a:srgbClr val="FF0000"/>
+                </a:solidFill>
+              </a:rPr>
+              <a:t>Pr</a:t>
+            </a:r>
+            <a:r>
+              <a:rPr lang="en-CA" dirty="0">
+                <a:solidFill>
+                  <a:srgbClr val="FF0000"/>
+                </a:solidFill>
+              </a:rPr>
+              <a:t>(X=k) = </a:t>
+            </a:r>
+            <a:r>
+              <a:rPr lang="el-GR" dirty="0">
+                <a:solidFill>
+                  <a:srgbClr val="FF0000"/>
+                </a:solidFill>
+              </a:rPr>
+              <a:t>λ</a:t>
+            </a:r>
+            <a:r>
+              <a:rPr lang="en-CA" dirty="0">
+                <a:solidFill>
+                  <a:srgbClr val="FF0000"/>
+                </a:solidFill>
+              </a:rPr>
+              <a:t> e</a:t>
+            </a:r>
+            <a:r>
+              <a:rPr lang="en-CA" baseline="30000" dirty="0">
+                <a:solidFill>
+                  <a:srgbClr val="FF0000"/>
+                </a:solidFill>
+              </a:rPr>
+              <a:t>-</a:t>
+            </a:r>
+            <a:r>
+              <a:rPr lang="el-GR" baseline="30000" dirty="0">
+                <a:solidFill>
+                  <a:srgbClr val="FF0000"/>
+                </a:solidFill>
+              </a:rPr>
+              <a:t>λ</a:t>
+            </a:r>
+            <a:r>
+              <a:rPr lang="en-CA" baseline="30000" dirty="0">
+                <a:solidFill>
+                  <a:srgbClr val="FF0000"/>
+                </a:solidFill>
+              </a:rPr>
+              <a:t>k</a:t>
+            </a:r>
+            <a:r>
+              <a:rPr lang="en-CA" dirty="0">
+                <a:solidFill>
+                  <a:srgbClr val="FF0000"/>
+                </a:solidFill>
+              </a:rPr>
+              <a:t> , mean = 1/</a:t>
+            </a:r>
+            <a:r>
+              <a:rPr lang="el-GR" dirty="0">
+                <a:solidFill>
+                  <a:srgbClr val="FF0000"/>
+                </a:solidFill>
+              </a:rPr>
+              <a:t>λ</a:t>
+            </a:r>
+            <a:r>
+              <a:rPr lang="en-CA" baseline="30000" dirty="0">
+                <a:solidFill>
+                  <a:srgbClr val="FF0000"/>
+                </a:solidFill>
+              </a:rPr>
+              <a:t> </a:t>
+            </a:r>
+          </a:p>
+        </p:txBody>
+      </p:sp>
+    </p:spTree>
+    <p:extLst>
+      <p:ext uri="{BB962C8B-B14F-4D97-AF65-F5344CB8AC3E}">
+        <p14:creationId xmlns:p14="http://schemas.microsoft.com/office/powerpoint/2010/main" val="2600495156"/>
+      </p:ext>
+    </p:extLst>
+  </p:cSld>
+  <p:clrMapOvr>
+    <a:masterClrMapping/>
+  </p:clrMapOvr>
+  <p:timing>
+    <p:tnLst>
+      <p:par>
+        <p:cTn id="1" dur="indefinite" restart="never" nodeType="tmRoot">
+          <p:childTnLst>
+            <p:seq concurrent="1" nextAc="seek">
+              <p:cTn id="2" dur="indefinite" nodeType="mainSeq">
+                <p:childTnLst>
+                  <p:par>
+                    <p:cTn id="3" fill="hold">
+                      <p:stCondLst>
+                        <p:cond delay="indefinite"/>
+                      </p:stCondLst>
+                      <p:childTnLst>
+                        <p:par>
+                          <p:cTn id="4" fill="hold">
+                            <p:stCondLst>
+                              <p:cond delay="0"/>
+                            </p:stCondLst>
+                            <p:childTnLst>
+                              <p:par>
+                                <p:cTn id="5" presetID="31" presetClass="entr" presetSubtype="0" fill="hold" grpId="0" nodeType="clickEffect">
+                                  <p:stCondLst>
+                                    <p:cond delay="0"/>
+                                  </p:stCondLst>
+                                  <p:childTnLst>
+                                    <p:set>
+                                      <p:cBhvr>
+                                        <p:cTn id="6" dur="1" fill="hold">
+                                          <p:stCondLst>
+                                            <p:cond delay="0"/>
+                                          </p:stCondLst>
+                                        </p:cTn>
+                                        <p:tgtEl>
+                                          <p:spTgt spid="14"/>
+                                        </p:tgtEl>
+                                        <p:attrNameLst>
+                                          <p:attrName>style.visibility</p:attrName>
+                                        </p:attrNameLst>
+                                      </p:cBhvr>
+                                      <p:to>
+                                        <p:strVal val="visible"/>
+                                      </p:to>
+                                    </p:set>
+                                    <p:anim calcmode="lin" valueType="num">
+                                      <p:cBhvr>
+                                        <p:cTn id="7" dur="1000" fill="hold"/>
+                                        <p:tgtEl>
+                                          <p:spTgt spid="14"/>
+                                        </p:tgtEl>
+                                        <p:attrNameLst>
+                                          <p:attrName>ppt_w</p:attrName>
+                                        </p:attrNameLst>
+                                      </p:cBhvr>
+                                      <p:tavLst>
+                                        <p:tav tm="0">
+                                          <p:val>
+                                            <p:fltVal val="0"/>
+                                          </p:val>
+                                        </p:tav>
+                                        <p:tav tm="100000">
+                                          <p:val>
+                                            <p:strVal val="#ppt_w"/>
+                                          </p:val>
+                                        </p:tav>
+                                      </p:tavLst>
+                                    </p:anim>
+                                    <p:anim calcmode="lin" valueType="num">
+                                      <p:cBhvr>
+                                        <p:cTn id="8" dur="1000" fill="hold"/>
+                                        <p:tgtEl>
+                                          <p:spTgt spid="14"/>
+                                        </p:tgtEl>
+                                        <p:attrNameLst>
+                                          <p:attrName>ppt_h</p:attrName>
+                                        </p:attrNameLst>
+                                      </p:cBhvr>
+                                      <p:tavLst>
+                                        <p:tav tm="0">
+                                          <p:val>
+                                            <p:fltVal val="0"/>
+                                          </p:val>
+                                        </p:tav>
+                                        <p:tav tm="100000">
+                                          <p:val>
+                                            <p:strVal val="#ppt_h"/>
+                                          </p:val>
+                                        </p:tav>
+                                      </p:tavLst>
+                                    </p:anim>
+                                    <p:anim calcmode="lin" valueType="num">
+                                      <p:cBhvr>
+                                        <p:cTn id="9" dur="1000" fill="hold"/>
+                                        <p:tgtEl>
+                                          <p:spTgt spid="14"/>
+                                        </p:tgtEl>
+                                        <p:attrNameLst>
+                                          <p:attrName>style.rotation</p:attrName>
+                                        </p:attrNameLst>
+                                      </p:cBhvr>
+                                      <p:tavLst>
+                                        <p:tav tm="0">
+                                          <p:val>
+                                            <p:fltVal val="90"/>
+                                          </p:val>
+                                        </p:tav>
+                                        <p:tav tm="100000">
+                                          <p:val>
+                                            <p:fltVal val="0"/>
+                                          </p:val>
+                                        </p:tav>
+                                      </p:tavLst>
+                                    </p:anim>
+                                    <p:animEffect transition="in" filter="fade">
+                                      <p:cBhvr>
+                                        <p:cTn id="10" dur="1000"/>
+                                        <p:tgtEl>
+                                          <p:spTgt spid="14"/>
+                                        </p:tgtEl>
+                                      </p:cBhvr>
+                                    </p:animEffect>
+                                  </p:childTnLst>
+                                </p:cTn>
+                              </p:par>
+                            </p:childTnLst>
+                          </p:cTn>
+                        </p:par>
+                      </p:childTnLst>
+                    </p:cTn>
+                  </p:par>
+                  <p:par>
+                    <p:cTn id="11" fill="hold">
+                      <p:stCondLst>
+                        <p:cond delay="indefinite"/>
+                      </p:stCondLst>
+                      <p:childTnLst>
+                        <p:par>
+                          <p:cTn id="12" fill="hold">
+                            <p:stCondLst>
+                              <p:cond delay="0"/>
+                            </p:stCondLst>
+                            <p:childTnLst>
+                              <p:par>
+                                <p:cTn id="13" presetID="1" presetClass="entr" presetSubtype="0" fill="hold" nodeType="clickEffect">
+                                  <p:stCondLst>
+                                    <p:cond delay="0"/>
+                                  </p:stCondLst>
+                                  <p:childTnLst>
+                                    <p:set>
+                                      <p:cBhvr>
+                                        <p:cTn id="14" dur="1" fill="hold">
+                                          <p:stCondLst>
+                                            <p:cond delay="0"/>
+                                          </p:stCondLst>
+                                        </p:cTn>
+                                        <p:tgtEl>
+                                          <p:spTgt spid="9">
+                                            <p:txEl>
+                                              <p:pRg st="0" end="0"/>
+                                            </p:txEl>
+                                          </p:spTgt>
+                                        </p:tgtEl>
+                                        <p:attrNameLst>
+                                          <p:attrName>style.visibility</p:attrName>
+                                        </p:attrNameLst>
+                                      </p:cBhvr>
+                                      <p:to>
+                                        <p:strVal val="visible"/>
+                                      </p:to>
+                                    </p:set>
+                                  </p:childTnLst>
+                                </p:cTn>
+                              </p:par>
+                            </p:childTnLst>
+                          </p:cTn>
+                        </p:par>
+                      </p:childTnLst>
+                    </p:cTn>
+                  </p:par>
+                  <p:par>
+                    <p:cTn id="15" fill="hold">
+                      <p:stCondLst>
+                        <p:cond delay="indefinite"/>
+                      </p:stCondLst>
+                      <p:childTnLst>
+                        <p:par>
+                          <p:cTn id="16" fill="hold">
+                            <p:stCondLst>
+                              <p:cond delay="0"/>
+                            </p:stCondLst>
+                            <p:childTnLst>
+                              <p:par>
+                                <p:cTn id="17" presetID="31" presetClass="entr" presetSubtype="0" fill="hold" grpId="0" nodeType="clickEffect">
+                                  <p:stCondLst>
+                                    <p:cond delay="0"/>
+                                  </p:stCondLst>
+                                  <p:childTnLst>
+                                    <p:set>
+                                      <p:cBhvr>
+                                        <p:cTn id="18" dur="1" fill="hold">
+                                          <p:stCondLst>
+                                            <p:cond delay="0"/>
+                                          </p:stCondLst>
+                                        </p:cTn>
+                                        <p:tgtEl>
+                                          <p:spTgt spid="15"/>
+                                        </p:tgtEl>
+                                        <p:attrNameLst>
+                                          <p:attrName>style.visibility</p:attrName>
+                                        </p:attrNameLst>
+                                      </p:cBhvr>
+                                      <p:to>
+                                        <p:strVal val="visible"/>
+                                      </p:to>
+                                    </p:set>
+                                    <p:anim calcmode="lin" valueType="num">
+                                      <p:cBhvr>
+                                        <p:cTn id="19" dur="1000" fill="hold"/>
+                                        <p:tgtEl>
+                                          <p:spTgt spid="15"/>
+                                        </p:tgtEl>
+                                        <p:attrNameLst>
+                                          <p:attrName>ppt_w</p:attrName>
+                                        </p:attrNameLst>
+                                      </p:cBhvr>
+                                      <p:tavLst>
+                                        <p:tav tm="0">
+                                          <p:val>
+                                            <p:fltVal val="0"/>
+                                          </p:val>
+                                        </p:tav>
+                                        <p:tav tm="100000">
+                                          <p:val>
+                                            <p:strVal val="#ppt_w"/>
+                                          </p:val>
+                                        </p:tav>
+                                      </p:tavLst>
+                                    </p:anim>
+                                    <p:anim calcmode="lin" valueType="num">
+                                      <p:cBhvr>
+                                        <p:cTn id="20" dur="1000" fill="hold"/>
+                                        <p:tgtEl>
+                                          <p:spTgt spid="15"/>
+                                        </p:tgtEl>
+                                        <p:attrNameLst>
+                                          <p:attrName>ppt_h</p:attrName>
+                                        </p:attrNameLst>
+                                      </p:cBhvr>
+                                      <p:tavLst>
+                                        <p:tav tm="0">
+                                          <p:val>
+                                            <p:fltVal val="0"/>
+                                          </p:val>
+                                        </p:tav>
+                                        <p:tav tm="100000">
+                                          <p:val>
+                                            <p:strVal val="#ppt_h"/>
+                                          </p:val>
+                                        </p:tav>
+                                      </p:tavLst>
+                                    </p:anim>
+                                    <p:anim calcmode="lin" valueType="num">
+                                      <p:cBhvr>
+                                        <p:cTn id="21" dur="1000" fill="hold"/>
+                                        <p:tgtEl>
+                                          <p:spTgt spid="15"/>
+                                        </p:tgtEl>
+                                        <p:attrNameLst>
+                                          <p:attrName>style.rotation</p:attrName>
+                                        </p:attrNameLst>
+                                      </p:cBhvr>
+                                      <p:tavLst>
+                                        <p:tav tm="0">
+                                          <p:val>
+                                            <p:fltVal val="90"/>
+                                          </p:val>
+                                        </p:tav>
+                                        <p:tav tm="100000">
+                                          <p:val>
+                                            <p:fltVal val="0"/>
+                                          </p:val>
+                                        </p:tav>
+                                      </p:tavLst>
+                                    </p:anim>
+                                    <p:animEffect transition="in" filter="fade">
+                                      <p:cBhvr>
+                                        <p:cTn id="22" dur="1000"/>
+                                        <p:tgtEl>
+                                          <p:spTgt spid="15"/>
+                                        </p:tgtEl>
+                                      </p:cBhvr>
+                                    </p:animEffect>
+                                  </p:childTnLst>
+                                </p:cTn>
+                              </p:par>
+                              <p:par>
+                                <p:cTn id="23" presetID="45" presetClass="entr" presetSubtype="0" fill="hold" grpId="0" nodeType="withEffect">
+                                  <p:stCondLst>
+                                    <p:cond delay="1000"/>
+                                  </p:stCondLst>
+                                  <p:childTnLst>
+                                    <p:set>
+                                      <p:cBhvr>
+                                        <p:cTn id="24" dur="1" fill="hold">
+                                          <p:stCondLst>
+                                            <p:cond delay="0"/>
+                                          </p:stCondLst>
+                                        </p:cTn>
+                                        <p:tgtEl>
+                                          <p:spTgt spid="13"/>
+                                        </p:tgtEl>
+                                        <p:attrNameLst>
+                                          <p:attrName>style.visibility</p:attrName>
+                                        </p:attrNameLst>
+                                      </p:cBhvr>
+                                      <p:to>
+                                        <p:strVal val="visible"/>
+                                      </p:to>
+                                    </p:set>
+                                    <p:animEffect transition="in" filter="fade">
+                                      <p:cBhvr>
+                                        <p:cTn id="25" dur="2000"/>
+                                        <p:tgtEl>
+                                          <p:spTgt spid="13"/>
+                                        </p:tgtEl>
+                                      </p:cBhvr>
+                                    </p:animEffect>
+                                    <p:anim calcmode="lin" valueType="num">
+                                      <p:cBhvr>
+                                        <p:cTn id="26" dur="2000" fill="hold"/>
+                                        <p:tgtEl>
+                                          <p:spTgt spid="13"/>
+                                        </p:tgtEl>
+                                        <p:attrNameLst>
+                                          <p:attrName>ppt_w</p:attrName>
+                                        </p:attrNameLst>
+                                      </p:cBhvr>
+                                      <p:tavLst>
+                                        <p:tav tm="0" fmla="#ppt_w*sin(2.5*pi*$)">
+                                          <p:val>
+                                            <p:fltVal val="0"/>
+                                          </p:val>
+                                        </p:tav>
+                                        <p:tav tm="100000">
+                                          <p:val>
+                                            <p:fltVal val="1"/>
+                                          </p:val>
+                                        </p:tav>
+                                      </p:tavLst>
+                                    </p:anim>
+                                    <p:anim calcmode="lin" valueType="num">
+                                      <p:cBhvr>
+                                        <p:cTn id="27" dur="2000" fill="hold"/>
+                                        <p:tgtEl>
+                                          <p:spTgt spid="13"/>
+                                        </p:tgtEl>
+                                        <p:attrNameLst>
+                                          <p:attrName>ppt_h</p:attrName>
+                                        </p:attrNameLst>
+                                      </p:cBhvr>
+                                      <p:tavLst>
+                                        <p:tav tm="0">
+                                          <p:val>
+                                            <p:strVal val="#ppt_h"/>
+                                          </p:val>
+                                        </p:tav>
+                                        <p:tav tm="100000">
+                                          <p:val>
+                                            <p:strVal val="#ppt_h"/>
+                                          </p:val>
+                                        </p:tav>
+                                      </p:tavLst>
+                                    </p:anim>
+                                  </p:childTnLst>
+                                </p:cTn>
+                              </p:par>
+                            </p:childTnLst>
+                          </p:cTn>
+                        </p:par>
+                      </p:childTnLst>
+                    </p:cTn>
+                  </p:par>
+                  <p:par>
+                    <p:cTn id="28" fill="hold">
+                      <p:stCondLst>
+                        <p:cond delay="indefinite"/>
+                      </p:stCondLst>
+                      <p:childTnLst>
+                        <p:par>
+                          <p:cTn id="29" fill="hold">
+                            <p:stCondLst>
+                              <p:cond delay="0"/>
+                            </p:stCondLst>
+                            <p:childTnLst>
+                              <p:par>
+                                <p:cTn id="30" presetID="1" presetClass="entr" presetSubtype="0" fill="hold" nodeType="clickEffect">
+                                  <p:stCondLst>
+                                    <p:cond delay="0"/>
+                                  </p:stCondLst>
+                                  <p:childTnLst>
+                                    <p:set>
+                                      <p:cBhvr>
+                                        <p:cTn id="31" dur="1" fill="hold">
+                                          <p:stCondLst>
+                                            <p:cond delay="0"/>
+                                          </p:stCondLst>
+                                        </p:cTn>
+                                        <p:tgtEl>
+                                          <p:spTgt spid="10">
+                                            <p:txEl>
+                                              <p:pRg st="0" end="0"/>
+                                            </p:txEl>
+                                          </p:spTgt>
+                                        </p:tgtEl>
+                                        <p:attrNameLst>
+                                          <p:attrName>style.visibility</p:attrName>
+                                        </p:attrNameLst>
+                                      </p:cBhvr>
+                                      <p:to>
+                                        <p:strVal val="visible"/>
+                                      </p:to>
+                                    </p:set>
+                                  </p:childTnLst>
+                                </p:cTn>
+                              </p:par>
+                            </p:childTnLst>
+                          </p:cTn>
+                        </p:par>
+                      </p:childTnLst>
+                    </p:cTn>
+                  </p:par>
+                  <p:par>
+                    <p:cTn id="32" fill="hold">
+                      <p:stCondLst>
+                        <p:cond delay="indefinite"/>
+                      </p:stCondLst>
+                      <p:childTnLst>
+                        <p:par>
+                          <p:cTn id="33" fill="hold">
+                            <p:stCondLst>
+                              <p:cond delay="0"/>
+                            </p:stCondLst>
+                            <p:childTnLst>
+                              <p:par>
+                                <p:cTn id="34" presetID="31" presetClass="entr" presetSubtype="0" fill="hold" nodeType="clickEffect">
+                                  <p:stCondLst>
+                                    <p:cond delay="0"/>
+                                  </p:stCondLst>
+                                  <p:childTnLst>
+                                    <p:set>
+                                      <p:cBhvr>
+                                        <p:cTn id="35" dur="1" fill="hold">
+                                          <p:stCondLst>
+                                            <p:cond delay="0"/>
+                                          </p:stCondLst>
+                                        </p:cTn>
+                                        <p:tgtEl>
+                                          <p:spTgt spid="16">
+                                            <p:txEl>
+                                              <p:pRg st="0" end="0"/>
+                                            </p:txEl>
+                                          </p:spTgt>
+                                        </p:tgtEl>
+                                        <p:attrNameLst>
+                                          <p:attrName>style.visibility</p:attrName>
+                                        </p:attrNameLst>
+                                      </p:cBhvr>
+                                      <p:to>
+                                        <p:strVal val="visible"/>
+                                      </p:to>
+                                    </p:set>
+                                    <p:anim calcmode="lin" valueType="num">
+                                      <p:cBhvr>
+                                        <p:cTn id="36" dur="1000" fill="hold"/>
+                                        <p:tgtEl>
+                                          <p:spTgt spid="16">
+                                            <p:txEl>
+                                              <p:pRg st="0" end="0"/>
+                                            </p:txEl>
+                                          </p:spTgt>
+                                        </p:tgtEl>
+                                        <p:attrNameLst>
+                                          <p:attrName>ppt_w</p:attrName>
+                                        </p:attrNameLst>
+                                      </p:cBhvr>
+                                      <p:tavLst>
+                                        <p:tav tm="0">
+                                          <p:val>
+                                            <p:fltVal val="0"/>
+                                          </p:val>
+                                        </p:tav>
+                                        <p:tav tm="100000">
+                                          <p:val>
+                                            <p:strVal val="#ppt_w"/>
+                                          </p:val>
+                                        </p:tav>
+                                      </p:tavLst>
+                                    </p:anim>
+                                    <p:anim calcmode="lin" valueType="num">
+                                      <p:cBhvr>
+                                        <p:cTn id="37" dur="1000" fill="hold"/>
+                                        <p:tgtEl>
+                                          <p:spTgt spid="16">
+                                            <p:txEl>
+                                              <p:pRg st="0" end="0"/>
+                                            </p:txEl>
+                                          </p:spTgt>
+                                        </p:tgtEl>
+                                        <p:attrNameLst>
+                                          <p:attrName>ppt_h</p:attrName>
+                                        </p:attrNameLst>
+                                      </p:cBhvr>
+                                      <p:tavLst>
+                                        <p:tav tm="0">
+                                          <p:val>
+                                            <p:fltVal val="0"/>
+                                          </p:val>
+                                        </p:tav>
+                                        <p:tav tm="100000">
+                                          <p:val>
+                                            <p:strVal val="#ppt_h"/>
+                                          </p:val>
+                                        </p:tav>
+                                      </p:tavLst>
+                                    </p:anim>
+                                    <p:anim calcmode="lin" valueType="num">
+                                      <p:cBhvr>
+                                        <p:cTn id="38" dur="1000" fill="hold"/>
+                                        <p:tgtEl>
+                                          <p:spTgt spid="16">
+                                            <p:txEl>
+                                              <p:pRg st="0" end="0"/>
+                                            </p:txEl>
+                                          </p:spTgt>
+                                        </p:tgtEl>
+                                        <p:attrNameLst>
+                                          <p:attrName>style.rotation</p:attrName>
+                                        </p:attrNameLst>
+                                      </p:cBhvr>
+                                      <p:tavLst>
+                                        <p:tav tm="0">
+                                          <p:val>
+                                            <p:fltVal val="90"/>
+                                          </p:val>
+                                        </p:tav>
+                                        <p:tav tm="100000">
+                                          <p:val>
+                                            <p:fltVal val="0"/>
+                                          </p:val>
+                                        </p:tav>
+                                      </p:tavLst>
+                                    </p:anim>
+                                    <p:animEffect transition="in" filter="fade">
+                                      <p:cBhvr>
+                                        <p:cTn id="39" dur="1000"/>
+                                        <p:tgtEl>
+                                          <p:spTgt spid="16">
+                                            <p:txEl>
+                                              <p:pRg st="0" end="0"/>
+                                            </p:txEl>
+                                          </p:spTgt>
+                                        </p:tgtEl>
+                                      </p:cBhvr>
+                                    </p:animEffect>
+                                  </p:childTnLst>
+                                </p:cTn>
+                              </p:par>
+                            </p:childTnLst>
+                          </p:cTn>
+                        </p:par>
+                      </p:childTnLst>
+                    </p:cTn>
+                  </p:par>
+                  <p:par>
+                    <p:cTn id="40" fill="hold">
+                      <p:stCondLst>
+                        <p:cond delay="indefinite"/>
+                      </p:stCondLst>
+                      <p:childTnLst>
+                        <p:par>
+                          <p:cTn id="41" fill="hold">
+                            <p:stCondLst>
+                              <p:cond delay="0"/>
+                            </p:stCondLst>
+                            <p:childTnLst>
+                              <p:par>
+                                <p:cTn id="42" presetID="1" presetClass="entr" presetSubtype="0" fill="hold" nodeType="clickEffect">
+                                  <p:stCondLst>
+                                    <p:cond delay="0"/>
+                                  </p:stCondLst>
+                                  <p:childTnLst>
+                                    <p:set>
+                                      <p:cBhvr>
+                                        <p:cTn id="43" dur="1" fill="hold">
+                                          <p:stCondLst>
+                                            <p:cond delay="0"/>
+                                          </p:stCondLst>
+                                        </p:cTn>
+                                        <p:tgtEl>
+                                          <p:spTgt spid="11">
+                                            <p:txEl>
+                                              <p:pRg st="0" end="0"/>
+                                            </p:txEl>
+                                          </p:spTgt>
+                                        </p:tgtEl>
+                                        <p:attrNameLst>
+                                          <p:attrName>style.visibility</p:attrName>
+                                        </p:attrNameLst>
+                                      </p:cBhvr>
+                                      <p:to>
+                                        <p:strVal val="visible"/>
+                                      </p:to>
+                                    </p:set>
+                                  </p:childTnLst>
+                                </p:cTn>
+                              </p:par>
+                            </p:childTnLst>
+                          </p:cTn>
+                        </p:par>
+                      </p:childTnLst>
+                    </p:cTn>
+                  </p:par>
+                  <p:par>
+                    <p:cTn id="44" fill="hold">
+                      <p:stCondLst>
+                        <p:cond delay="indefinite"/>
+                      </p:stCondLst>
+                      <p:childTnLst>
+                        <p:par>
+                          <p:cTn id="45" fill="hold">
+                            <p:stCondLst>
+                              <p:cond delay="0"/>
+                            </p:stCondLst>
+                            <p:childTnLst>
+                              <p:par>
+                                <p:cTn id="46" presetID="31" presetClass="entr" presetSubtype="0" fill="hold" grpId="0" nodeType="clickEffect">
+                                  <p:stCondLst>
+                                    <p:cond delay="0"/>
+                                  </p:stCondLst>
+                                  <p:childTnLst>
+                                    <p:set>
+                                      <p:cBhvr>
+                                        <p:cTn id="47" dur="1" fill="hold">
+                                          <p:stCondLst>
+                                            <p:cond delay="0"/>
+                                          </p:stCondLst>
+                                        </p:cTn>
+                                        <p:tgtEl>
+                                          <p:spTgt spid="17"/>
+                                        </p:tgtEl>
+                                        <p:attrNameLst>
+                                          <p:attrName>style.visibility</p:attrName>
+                                        </p:attrNameLst>
+                                      </p:cBhvr>
+                                      <p:to>
+                                        <p:strVal val="visible"/>
+                                      </p:to>
+                                    </p:set>
+                                    <p:anim calcmode="lin" valueType="num">
+                                      <p:cBhvr>
+                                        <p:cTn id="48" dur="1000" fill="hold"/>
+                                        <p:tgtEl>
+                                          <p:spTgt spid="17"/>
+                                        </p:tgtEl>
+                                        <p:attrNameLst>
+                                          <p:attrName>ppt_w</p:attrName>
+                                        </p:attrNameLst>
+                                      </p:cBhvr>
+                                      <p:tavLst>
+                                        <p:tav tm="0">
+                                          <p:val>
+                                            <p:fltVal val="0"/>
+                                          </p:val>
+                                        </p:tav>
+                                        <p:tav tm="100000">
+                                          <p:val>
+                                            <p:strVal val="#ppt_w"/>
+                                          </p:val>
+                                        </p:tav>
+                                      </p:tavLst>
+                                    </p:anim>
+                                    <p:anim calcmode="lin" valueType="num">
+                                      <p:cBhvr>
+                                        <p:cTn id="49" dur="1000" fill="hold"/>
+                                        <p:tgtEl>
+                                          <p:spTgt spid="17"/>
+                                        </p:tgtEl>
+                                        <p:attrNameLst>
+                                          <p:attrName>ppt_h</p:attrName>
+                                        </p:attrNameLst>
+                                      </p:cBhvr>
+                                      <p:tavLst>
+                                        <p:tav tm="0">
+                                          <p:val>
+                                            <p:fltVal val="0"/>
+                                          </p:val>
+                                        </p:tav>
+                                        <p:tav tm="100000">
+                                          <p:val>
+                                            <p:strVal val="#ppt_h"/>
+                                          </p:val>
+                                        </p:tav>
+                                      </p:tavLst>
+                                    </p:anim>
+                                    <p:anim calcmode="lin" valueType="num">
+                                      <p:cBhvr>
+                                        <p:cTn id="50" dur="1000" fill="hold"/>
+                                        <p:tgtEl>
+                                          <p:spTgt spid="17"/>
+                                        </p:tgtEl>
+                                        <p:attrNameLst>
+                                          <p:attrName>style.rotation</p:attrName>
+                                        </p:attrNameLst>
+                                      </p:cBhvr>
+                                      <p:tavLst>
+                                        <p:tav tm="0">
+                                          <p:val>
+                                            <p:fltVal val="90"/>
+                                          </p:val>
+                                        </p:tav>
+                                        <p:tav tm="100000">
+                                          <p:val>
+                                            <p:fltVal val="0"/>
+                                          </p:val>
+                                        </p:tav>
+                                      </p:tavLst>
+                                    </p:anim>
+                                    <p:animEffect transition="in" filter="fade">
+                                      <p:cBhvr>
+                                        <p:cTn id="51" dur="1000"/>
+                                        <p:tgtEl>
+                                          <p:spTgt spid="17"/>
+                                        </p:tgtEl>
+                                      </p:cBhvr>
+                                    </p:animEffect>
+                                  </p:childTnLst>
+                                </p:cTn>
+                              </p:par>
+                            </p:childTnLst>
+                          </p:cTn>
+                        </p:par>
+                      </p:childTnLst>
+                    </p:cTn>
+                  </p:par>
+                </p:childTnLst>
+              </p:cTn>
+              <p:prevCondLst>
+                <p:cond evt="onPrev" delay="0">
+                  <p:tgtEl>
+                    <p:sldTgt/>
+                  </p:tgtEl>
+                </p:cond>
+              </p:prevCondLst>
+              <p:nextCondLst>
+                <p:cond evt="onNext" delay="0">
+                  <p:tgtEl>
+                    <p:sldTgt/>
+                  </p:tgtEl>
+                </p:cond>
+              </p:nextCondLst>
+            </p:seq>
+          </p:childTnLst>
+        </p:cTn>
+      </p:par>
+    </p:tnLst>
+    <p:bldLst>
+      <p:bldP spid="13" grpId="0" animBg="1"/>
+      <p:bldP spid="14" grpId="0"/>
+      <p:bldP spid="15" grpId="0"/>
+      <p:bldP spid="17" grpId="0"/>
+    </p:bldLst>
+  </p:timing>
+</p:sld>
+</file>
+
+<file path=ppt/slides/slide25.xml><?xml version="1.0" encoding="utf-8"?>
 <p:sld xmlns:a="http://schemas.openxmlformats.org/drawingml/2006/main" xmlns:r="http://schemas.openxmlformats.org/officeDocument/2006/relationships" xmlns:p="http://schemas.openxmlformats.org/presentationml/2006/main">
   <p:cSld>
     <p:spTree>
@@ -7438,7 +12839,7 @@
           <a:p>
             <a:fld id="{621225AB-15B9-4C79-A121-04D1DC7E2307}" type="slidenum">
               <a:rPr lang="en-US" smtClean="0"/>
-              <a:t>21</a:t>
+              <a:t>25</a:t>
             </a:fld>
             <a:endParaRPr lang="en-US"/>
           </a:p>
@@ -7679,7 +13080,776 @@
 </p:sld>
 </file>
 
-<file path=ppt/slides/slide22.xml><?xml version="1.0" encoding="utf-8"?>
+<file path=ppt/slides/slide26.xml><?xml version="1.0" encoding="utf-8"?>
+<p:sld xmlns:a="http://schemas.openxmlformats.org/drawingml/2006/main" xmlns:r="http://schemas.openxmlformats.org/officeDocument/2006/relationships" xmlns:p="http://schemas.openxmlformats.org/presentationml/2006/main">
+  <p:cSld>
+    <p:spTree>
+      <p:nvGrpSpPr>
+        <p:cNvPr id="1" name=""/>
+        <p:cNvGrpSpPr/>
+        <p:nvPr/>
+      </p:nvGrpSpPr>
+      <p:grpSpPr>
+        <a:xfrm>
+          <a:off x="0" y="0"/>
+          <a:ext cx="0" cy="0"/>
+          <a:chOff x="0" y="0"/>
+          <a:chExt cx="0" cy="0"/>
+        </a:xfrm>
+      </p:grpSpPr>
+      <p:sp>
+        <p:nvSpPr>
+          <p:cNvPr id="2" name="Title 1">
+            <a:extLst>
+              <a:ext uri="{FF2B5EF4-FFF2-40B4-BE49-F238E27FC236}">
+                <a16:creationId xmlns:a16="http://schemas.microsoft.com/office/drawing/2014/main" id="{FE7B0A22-FFE7-3491-9D8B-F6B900C7EDA1}"/>
+              </a:ext>
+            </a:extLst>
+          </p:cNvPr>
+          <p:cNvSpPr>
+            <a:spLocks noGrp="1"/>
+          </p:cNvSpPr>
+          <p:nvPr>
+            <p:ph type="title"/>
+          </p:nvPr>
+        </p:nvSpPr>
+        <p:spPr/>
+        <p:txBody>
+          <a:bodyPr>
+            <a:normAutofit fontScale="90000"/>
+          </a:bodyPr>
+          <a:lstStyle/>
+          <a:p>
+            <a:r>
+              <a:rPr lang="en-CA" dirty="0"/>
+              <a:t>Fitting: Weldon’s dice</a:t>
+            </a:r>
+          </a:p>
+        </p:txBody>
+      </p:sp>
+      <p:sp>
+        <p:nvSpPr>
+          <p:cNvPr id="3" name="Slide Number Placeholder 2">
+            <a:extLst>
+              <a:ext uri="{FF2B5EF4-FFF2-40B4-BE49-F238E27FC236}">
+                <a16:creationId xmlns:a16="http://schemas.microsoft.com/office/drawing/2014/main" id="{EEE71A76-3CF4-564B-61DC-459E475B5A41}"/>
+              </a:ext>
+            </a:extLst>
+          </p:cNvPr>
+          <p:cNvSpPr>
+            <a:spLocks noGrp="1"/>
+          </p:cNvSpPr>
+          <p:nvPr>
+            <p:ph type="sldNum" sz="quarter" idx="12"/>
+          </p:nvPr>
+        </p:nvSpPr>
+        <p:spPr/>
+        <p:txBody>
+          <a:bodyPr/>
+          <a:lstStyle/>
+          <a:p>
+            <a:fld id="{621225AB-15B9-4C79-A121-04D1DC7E2307}" type="slidenum">
+              <a:rPr lang="en-US" smtClean="0"/>
+              <a:t>26</a:t>
+            </a:fld>
+            <a:endParaRPr lang="en-US"/>
+          </a:p>
+        </p:txBody>
+      </p:sp>
+      <p:sp>
+        <p:nvSpPr>
+          <p:cNvPr id="4" name="TextBox 3">
+            <a:extLst>
+              <a:ext uri="{FF2B5EF4-FFF2-40B4-BE49-F238E27FC236}">
+                <a16:creationId xmlns:a16="http://schemas.microsoft.com/office/drawing/2014/main" id="{EAA4581D-0AF2-FF0C-156F-D37E2D0DDE67}"/>
+              </a:ext>
+            </a:extLst>
+          </p:cNvPr>
+          <p:cNvSpPr txBox="1"/>
+          <p:nvPr/>
+        </p:nvSpPr>
+        <p:spPr>
+          <a:xfrm>
+            <a:off x="457200" y="1784152"/>
+            <a:ext cx="8229600" cy="4616648"/>
+          </a:xfrm>
+          <a:prstGeom prst="rect">
+            <a:avLst/>
+          </a:prstGeom>
+          <a:solidFill>
+            <a:schemeClr val="accent6">
+              <a:lumMod val="20000"/>
+              <a:lumOff val="80000"/>
+              <a:alpha val="60000"/>
+            </a:schemeClr>
+          </a:solidFill>
+        </p:spPr>
+        <p:txBody>
+          <a:bodyPr wrap="square" rtlCol="0">
+            <a:spAutoFit/>
+          </a:bodyPr>
+          <a:lstStyle/>
+          <a:p>
+            <a:r>
+              <a:rPr lang="en-CA" sz="1400" dirty="0">
+                <a:latin typeface="Courier New" panose="02070309020205020404" pitchFamily="49" charset="0"/>
+                <a:cs typeface="Courier New" panose="02070309020205020404" pitchFamily="49" charset="0"/>
+              </a:rPr>
+              <a:t>&gt; data(</a:t>
+            </a:r>
+            <a:r>
+              <a:rPr lang="en-CA" sz="1400" dirty="0" err="1">
+                <a:latin typeface="Courier New" panose="02070309020205020404" pitchFamily="49" charset="0"/>
+                <a:cs typeface="Courier New" panose="02070309020205020404" pitchFamily="49" charset="0"/>
+              </a:rPr>
+              <a:t>WeldonDice</a:t>
+            </a:r>
+            <a:r>
+              <a:rPr lang="en-CA" sz="1400" dirty="0">
+                <a:latin typeface="Courier New" panose="02070309020205020404" pitchFamily="49" charset="0"/>
+                <a:cs typeface="Courier New" panose="02070309020205020404" pitchFamily="49" charset="0"/>
+              </a:rPr>
+              <a:t>, package="</a:t>
+            </a:r>
+            <a:r>
+              <a:rPr lang="en-CA" sz="1400" dirty="0" err="1">
+                <a:latin typeface="Courier New" panose="02070309020205020404" pitchFamily="49" charset="0"/>
+                <a:cs typeface="Courier New" panose="02070309020205020404" pitchFamily="49" charset="0"/>
+              </a:rPr>
+              <a:t>vcd</a:t>
+            </a:r>
+            <a:r>
+              <a:rPr lang="en-CA" sz="1400" dirty="0">
+                <a:latin typeface="Courier New" panose="02070309020205020404" pitchFamily="49" charset="0"/>
+                <a:cs typeface="Courier New" panose="02070309020205020404" pitchFamily="49" charset="0"/>
+              </a:rPr>
+              <a:t>")</a:t>
+            </a:r>
+          </a:p>
+          <a:p>
+            <a:r>
+              <a:rPr lang="en-CA" sz="1400" dirty="0">
+                <a:latin typeface="Courier New" panose="02070309020205020404" pitchFamily="49" charset="0"/>
+                <a:cs typeface="Courier New" panose="02070309020205020404" pitchFamily="49" charset="0"/>
+              </a:rPr>
+              <a:t>&gt; </a:t>
+            </a:r>
+            <a:r>
+              <a:rPr lang="en-CA" sz="1400" dirty="0" err="1">
+                <a:latin typeface="Courier New" panose="02070309020205020404" pitchFamily="49" charset="0"/>
+                <a:cs typeface="Courier New" panose="02070309020205020404" pitchFamily="49" charset="0"/>
+              </a:rPr>
+              <a:t>Weldon.df</a:t>
+            </a:r>
+            <a:r>
+              <a:rPr lang="en-CA" sz="1400" dirty="0">
+                <a:latin typeface="Courier New" panose="02070309020205020404" pitchFamily="49" charset="0"/>
+                <a:cs typeface="Courier New" panose="02070309020205020404" pitchFamily="49" charset="0"/>
+              </a:rPr>
+              <a:t> &lt;- </a:t>
+            </a:r>
+            <a:r>
+              <a:rPr lang="en-CA" sz="1400" dirty="0" err="1">
+                <a:latin typeface="Courier New" panose="02070309020205020404" pitchFamily="49" charset="0"/>
+                <a:cs typeface="Courier New" panose="02070309020205020404" pitchFamily="49" charset="0"/>
+              </a:rPr>
+              <a:t>as.data.frame</a:t>
+            </a:r>
+            <a:r>
+              <a:rPr lang="en-CA" sz="1400" dirty="0">
+                <a:latin typeface="Courier New" panose="02070309020205020404" pitchFamily="49" charset="0"/>
+                <a:cs typeface="Courier New" panose="02070309020205020404" pitchFamily="49" charset="0"/>
+              </a:rPr>
+              <a:t>(</a:t>
+            </a:r>
+            <a:r>
+              <a:rPr lang="en-CA" sz="1400" dirty="0" err="1">
+                <a:latin typeface="Courier New" panose="02070309020205020404" pitchFamily="49" charset="0"/>
+                <a:cs typeface="Courier New" panose="02070309020205020404" pitchFamily="49" charset="0"/>
+              </a:rPr>
+              <a:t>WeldonDice</a:t>
+            </a:r>
+            <a:r>
+              <a:rPr lang="en-CA" sz="1400" dirty="0">
+                <a:latin typeface="Courier New" panose="02070309020205020404" pitchFamily="49" charset="0"/>
+                <a:cs typeface="Courier New" panose="02070309020205020404" pitchFamily="49" charset="0"/>
+              </a:rPr>
+              <a:t>)   </a:t>
+            </a:r>
+            <a:r>
+              <a:rPr lang="en-CA" sz="1400" dirty="0">
+                <a:solidFill>
+                  <a:srgbClr val="00B050"/>
+                </a:solidFill>
+                <a:latin typeface="Courier New" panose="02070309020205020404" pitchFamily="49" charset="0"/>
+                <a:cs typeface="Courier New" panose="02070309020205020404" pitchFamily="49" charset="0"/>
+              </a:rPr>
+              <a:t># convert to data frame</a:t>
+            </a:r>
+          </a:p>
+          <a:p>
+            <a:r>
+              <a:rPr lang="en-CA" sz="1400" dirty="0">
+                <a:latin typeface="Courier New" panose="02070309020205020404" pitchFamily="49" charset="0"/>
+                <a:cs typeface="Courier New" panose="02070309020205020404" pitchFamily="49" charset="0"/>
+              </a:rPr>
+              <a:t> </a:t>
+            </a:r>
+          </a:p>
+          <a:p>
+            <a:r>
+              <a:rPr lang="en-CA" sz="1400" dirty="0">
+                <a:latin typeface="Courier New" panose="02070309020205020404" pitchFamily="49" charset="0"/>
+                <a:cs typeface="Courier New" panose="02070309020205020404" pitchFamily="49" charset="0"/>
+              </a:rPr>
+              <a:t>&gt; Prob &lt;- </a:t>
+            </a:r>
+            <a:r>
+              <a:rPr lang="en-CA" sz="1400" b="1" dirty="0" err="1">
+                <a:latin typeface="Courier New" panose="02070309020205020404" pitchFamily="49" charset="0"/>
+                <a:cs typeface="Courier New" panose="02070309020205020404" pitchFamily="49" charset="0"/>
+              </a:rPr>
+              <a:t>dbinom</a:t>
+            </a:r>
+            <a:r>
+              <a:rPr lang="en-CA" sz="1400" dirty="0">
+                <a:latin typeface="Courier New" panose="02070309020205020404" pitchFamily="49" charset="0"/>
+                <a:cs typeface="Courier New" panose="02070309020205020404" pitchFamily="49" charset="0"/>
+              </a:rPr>
+              <a:t>(0:12, 12, 1/3)            </a:t>
+            </a:r>
+            <a:r>
+              <a:rPr lang="en-CA" sz="1400" dirty="0">
+                <a:solidFill>
+                  <a:srgbClr val="00B050"/>
+                </a:solidFill>
+                <a:latin typeface="Courier New" panose="02070309020205020404" pitchFamily="49" charset="0"/>
+                <a:cs typeface="Courier New" panose="02070309020205020404" pitchFamily="49" charset="0"/>
+              </a:rPr>
+              <a:t># binomial probabilities</a:t>
+            </a:r>
+          </a:p>
+          <a:p>
+            <a:r>
+              <a:rPr lang="en-CA" sz="1400" dirty="0">
+                <a:latin typeface="Courier New" panose="02070309020205020404" pitchFamily="49" charset="0"/>
+                <a:cs typeface="Courier New" panose="02070309020205020404" pitchFamily="49" charset="0"/>
+              </a:rPr>
+              <a:t>&gt; Prob &lt;- c(Prob[1:10], sum(Prob[11:13]))  </a:t>
+            </a:r>
+            <a:r>
+              <a:rPr lang="en-CA" sz="1400" dirty="0">
+                <a:solidFill>
+                  <a:srgbClr val="00B050"/>
+                </a:solidFill>
+                <a:latin typeface="Courier New" panose="02070309020205020404" pitchFamily="49" charset="0"/>
+                <a:cs typeface="Courier New" panose="02070309020205020404" pitchFamily="49" charset="0"/>
+              </a:rPr>
+              <a:t># sum values for 10+</a:t>
+            </a:r>
+          </a:p>
+          <a:p>
+            <a:r>
+              <a:rPr lang="en-CA" sz="1400" dirty="0">
+                <a:latin typeface="Courier New" panose="02070309020205020404" pitchFamily="49" charset="0"/>
+                <a:cs typeface="Courier New" panose="02070309020205020404" pitchFamily="49" charset="0"/>
+              </a:rPr>
+              <a:t>&gt; Exp= round(sum(</a:t>
+            </a:r>
+            <a:r>
+              <a:rPr lang="en-CA" sz="1400" dirty="0" err="1">
+                <a:latin typeface="Courier New" panose="02070309020205020404" pitchFamily="49" charset="0"/>
+                <a:cs typeface="Courier New" panose="02070309020205020404" pitchFamily="49" charset="0"/>
+              </a:rPr>
+              <a:t>WeldonDice</a:t>
+            </a:r>
+            <a:r>
+              <a:rPr lang="en-CA" sz="1400" dirty="0">
+                <a:latin typeface="Courier New" panose="02070309020205020404" pitchFamily="49" charset="0"/>
+                <a:cs typeface="Courier New" panose="02070309020205020404" pitchFamily="49" charset="0"/>
+              </a:rPr>
+              <a:t>)*Prob)         </a:t>
+            </a:r>
+            <a:r>
+              <a:rPr lang="en-CA" sz="1400" dirty="0">
+                <a:solidFill>
+                  <a:srgbClr val="00B050"/>
+                </a:solidFill>
+                <a:latin typeface="Courier New" panose="02070309020205020404" pitchFamily="49" charset="0"/>
+                <a:cs typeface="Courier New" panose="02070309020205020404" pitchFamily="49" charset="0"/>
+              </a:rPr>
+              <a:t># expected frequencies</a:t>
+            </a:r>
+          </a:p>
+          <a:p>
+            <a:r>
+              <a:rPr lang="en-CA" sz="1400" dirty="0">
+                <a:latin typeface="Courier New" panose="02070309020205020404" pitchFamily="49" charset="0"/>
+                <a:cs typeface="Courier New" panose="02070309020205020404" pitchFamily="49" charset="0"/>
+              </a:rPr>
+              <a:t>&gt; Diff = </a:t>
+            </a:r>
+            <a:r>
+              <a:rPr lang="en-CA" sz="1400" dirty="0" err="1">
+                <a:latin typeface="Courier New" panose="02070309020205020404" pitchFamily="49" charset="0"/>
+                <a:cs typeface="Courier New" panose="02070309020205020404" pitchFamily="49" charset="0"/>
+              </a:rPr>
+              <a:t>Weldon.df</a:t>
+            </a:r>
+            <a:r>
+              <a:rPr lang="en-CA" sz="1400" dirty="0">
+                <a:latin typeface="Courier New" panose="02070309020205020404" pitchFamily="49" charset="0"/>
+                <a:cs typeface="Courier New" panose="02070309020205020404" pitchFamily="49" charset="0"/>
+              </a:rPr>
+              <a:t>[,"Freq"] - Exp          </a:t>
+            </a:r>
+            <a:r>
+              <a:rPr lang="en-CA" sz="1400" dirty="0">
+                <a:solidFill>
+                  <a:srgbClr val="00B050"/>
+                </a:solidFill>
+                <a:latin typeface="Courier New" panose="02070309020205020404" pitchFamily="49" charset="0"/>
+                <a:cs typeface="Courier New" panose="02070309020205020404" pitchFamily="49" charset="0"/>
+              </a:rPr>
+              <a:t># raw residuals</a:t>
+            </a:r>
+          </a:p>
+          <a:p>
+            <a:r>
+              <a:rPr lang="en-CA" sz="1400" dirty="0">
+                <a:latin typeface="Courier New" panose="02070309020205020404" pitchFamily="49" charset="0"/>
+                <a:cs typeface="Courier New" panose="02070309020205020404" pitchFamily="49" charset="0"/>
+              </a:rPr>
+              <a:t>&gt; </a:t>
+            </a:r>
+            <a:r>
+              <a:rPr lang="en-CA" sz="1400" dirty="0" err="1">
+                <a:latin typeface="Courier New" panose="02070309020205020404" pitchFamily="49" charset="0"/>
+                <a:cs typeface="Courier New" panose="02070309020205020404" pitchFamily="49" charset="0"/>
+              </a:rPr>
+              <a:t>Chisq</a:t>
+            </a:r>
+            <a:r>
+              <a:rPr lang="en-CA" sz="1400" dirty="0">
+                <a:latin typeface="Courier New" panose="02070309020205020404" pitchFamily="49" charset="0"/>
+                <a:cs typeface="Courier New" panose="02070309020205020404" pitchFamily="49" charset="0"/>
+              </a:rPr>
+              <a:t> = Diff^2 /Exp                      </a:t>
+            </a:r>
+            <a:r>
+              <a:rPr lang="en-CA" sz="1400" dirty="0">
+                <a:solidFill>
+                  <a:srgbClr val="00B050"/>
+                </a:solidFill>
+                <a:latin typeface="Courier New" panose="02070309020205020404" pitchFamily="49" charset="0"/>
+                <a:cs typeface="Courier New" panose="02070309020205020404" pitchFamily="49" charset="0"/>
+              </a:rPr>
+              <a:t># contribution to </a:t>
+            </a:r>
+            <a:r>
+              <a:rPr lang="en-CA" sz="1400" dirty="0" err="1">
+                <a:solidFill>
+                  <a:srgbClr val="00B050"/>
+                </a:solidFill>
+                <a:latin typeface="Courier New" panose="02070309020205020404" pitchFamily="49" charset="0"/>
+                <a:cs typeface="Courier New" panose="02070309020205020404" pitchFamily="49" charset="0"/>
+              </a:rPr>
+              <a:t>chisquare</a:t>
+            </a:r>
+            <a:endParaRPr lang="en-CA" sz="1400" dirty="0">
+              <a:solidFill>
+                <a:srgbClr val="00B050"/>
+              </a:solidFill>
+              <a:latin typeface="Courier New" panose="02070309020205020404" pitchFamily="49" charset="0"/>
+              <a:cs typeface="Courier New" panose="02070309020205020404" pitchFamily="49" charset="0"/>
+            </a:endParaRPr>
+          </a:p>
+          <a:p>
+            <a:r>
+              <a:rPr lang="en-CA" sz="1400" dirty="0">
+                <a:latin typeface="Courier New" panose="02070309020205020404" pitchFamily="49" charset="0"/>
+                <a:cs typeface="Courier New" panose="02070309020205020404" pitchFamily="49" charset="0"/>
+              </a:rPr>
+              <a:t>&gt; </a:t>
+            </a:r>
+            <a:r>
+              <a:rPr lang="en-CA" sz="1400" dirty="0" err="1">
+                <a:latin typeface="Courier New" panose="02070309020205020404" pitchFamily="49" charset="0"/>
+                <a:cs typeface="Courier New" panose="02070309020205020404" pitchFamily="49" charset="0"/>
+              </a:rPr>
+              <a:t>data.frame</a:t>
+            </a:r>
+            <a:r>
+              <a:rPr lang="en-CA" sz="1400" dirty="0">
+                <a:latin typeface="Courier New" panose="02070309020205020404" pitchFamily="49" charset="0"/>
+                <a:cs typeface="Courier New" panose="02070309020205020404" pitchFamily="49" charset="0"/>
+              </a:rPr>
+              <a:t>(</a:t>
+            </a:r>
+            <a:r>
+              <a:rPr lang="en-CA" sz="1400" dirty="0" err="1">
+                <a:latin typeface="Courier New" panose="02070309020205020404" pitchFamily="49" charset="0"/>
+                <a:cs typeface="Courier New" panose="02070309020205020404" pitchFamily="49" charset="0"/>
+              </a:rPr>
+              <a:t>Weldon.df</a:t>
+            </a:r>
+            <a:r>
+              <a:rPr lang="en-CA" sz="1400" dirty="0">
+                <a:latin typeface="Courier New" panose="02070309020205020404" pitchFamily="49" charset="0"/>
+                <a:cs typeface="Courier New" panose="02070309020205020404" pitchFamily="49" charset="0"/>
+              </a:rPr>
+              <a:t>, Prob=round(Prob,5), Exp, Diff, </a:t>
+            </a:r>
+            <a:r>
+              <a:rPr lang="en-CA" sz="1400" dirty="0" err="1">
+                <a:latin typeface="Courier New" panose="02070309020205020404" pitchFamily="49" charset="0"/>
+                <a:cs typeface="Courier New" panose="02070309020205020404" pitchFamily="49" charset="0"/>
+              </a:rPr>
+              <a:t>Chisq</a:t>
+            </a:r>
+            <a:r>
+              <a:rPr lang="en-CA" sz="1400" dirty="0">
+                <a:latin typeface="Courier New" panose="02070309020205020404" pitchFamily="49" charset="0"/>
+                <a:cs typeface="Courier New" panose="02070309020205020404" pitchFamily="49" charset="0"/>
+              </a:rPr>
+              <a:t>)</a:t>
+            </a:r>
+          </a:p>
+          <a:p>
+            <a:r>
+              <a:rPr lang="en-CA" sz="1400" dirty="0">
+                <a:latin typeface="Courier New" panose="02070309020205020404" pitchFamily="49" charset="0"/>
+                <a:cs typeface="Courier New" panose="02070309020205020404" pitchFamily="49" charset="0"/>
+              </a:rPr>
+              <a:t>   n56 Freq    Prob  Exp Diff </a:t>
+            </a:r>
+            <a:r>
+              <a:rPr lang="en-CA" sz="1400" dirty="0" err="1">
+                <a:latin typeface="Courier New" panose="02070309020205020404" pitchFamily="49" charset="0"/>
+                <a:cs typeface="Courier New" panose="02070309020205020404" pitchFamily="49" charset="0"/>
+              </a:rPr>
+              <a:t>Chisq</a:t>
+            </a:r>
+            <a:endParaRPr lang="en-CA" sz="1400" dirty="0">
+              <a:latin typeface="Courier New" panose="02070309020205020404" pitchFamily="49" charset="0"/>
+              <a:cs typeface="Courier New" panose="02070309020205020404" pitchFamily="49" charset="0"/>
+            </a:endParaRPr>
+          </a:p>
+          <a:p>
+            <a:r>
+              <a:rPr lang="en-CA" sz="1400" dirty="0">
+                <a:latin typeface="Courier New" panose="02070309020205020404" pitchFamily="49" charset="0"/>
+                <a:cs typeface="Courier New" panose="02070309020205020404" pitchFamily="49" charset="0"/>
+              </a:rPr>
+              <a:t>1    0  185 0.00771  203  -18 1.596</a:t>
+            </a:r>
+          </a:p>
+          <a:p>
+            <a:r>
+              <a:rPr lang="en-CA" sz="1400" dirty="0">
+                <a:latin typeface="Courier New" panose="02070309020205020404" pitchFamily="49" charset="0"/>
+                <a:cs typeface="Courier New" panose="02070309020205020404" pitchFamily="49" charset="0"/>
+              </a:rPr>
+              <a:t>2    1 1149 0.04624 1216  -67 3.692</a:t>
+            </a:r>
+          </a:p>
+          <a:p>
+            <a:r>
+              <a:rPr lang="en-CA" sz="1400" dirty="0">
+                <a:latin typeface="Courier New" panose="02070309020205020404" pitchFamily="49" charset="0"/>
+                <a:cs typeface="Courier New" panose="02070309020205020404" pitchFamily="49" charset="0"/>
+              </a:rPr>
+              <a:t>3    2 3265 0.12717 3345  -80 1.913</a:t>
+            </a:r>
+          </a:p>
+          <a:p>
+            <a:r>
+              <a:rPr lang="en-CA" sz="1400" dirty="0">
+                <a:latin typeface="Courier New" panose="02070309020205020404" pitchFamily="49" charset="0"/>
+                <a:cs typeface="Courier New" panose="02070309020205020404" pitchFamily="49" charset="0"/>
+              </a:rPr>
+              <a:t>4    3 5475 0.21195 5576 -101 1.829</a:t>
+            </a:r>
+          </a:p>
+          <a:p>
+            <a:r>
+              <a:rPr lang="en-CA" sz="1400" dirty="0">
+                <a:latin typeface="Courier New" panose="02070309020205020404" pitchFamily="49" charset="0"/>
+                <a:cs typeface="Courier New" panose="02070309020205020404" pitchFamily="49" charset="0"/>
+              </a:rPr>
+              <a:t>5    4 6114 0.23845 6273 -159 4.030</a:t>
+            </a:r>
+          </a:p>
+          <a:p>
+            <a:r>
+              <a:rPr lang="en-CA" sz="1400" dirty="0">
+                <a:latin typeface="Courier New" panose="02070309020205020404" pitchFamily="49" charset="0"/>
+                <a:cs typeface="Courier New" panose="02070309020205020404" pitchFamily="49" charset="0"/>
+              </a:rPr>
+              <a:t>6    5 5194 0.19076 5018  176 6.173</a:t>
+            </a:r>
+          </a:p>
+          <a:p>
+            <a:r>
+              <a:rPr lang="en-CA" sz="1400" dirty="0">
+                <a:latin typeface="Courier New" panose="02070309020205020404" pitchFamily="49" charset="0"/>
+                <a:cs typeface="Courier New" panose="02070309020205020404" pitchFamily="49" charset="0"/>
+              </a:rPr>
+              <a:t>7    6 3067 0.11127 2927  140 6.696</a:t>
+            </a:r>
+          </a:p>
+          <a:p>
+            <a:r>
+              <a:rPr lang="en-CA" sz="1400" dirty="0">
+                <a:latin typeface="Courier New" panose="02070309020205020404" pitchFamily="49" charset="0"/>
+                <a:cs typeface="Courier New" panose="02070309020205020404" pitchFamily="49" charset="0"/>
+              </a:rPr>
+              <a:t>8    7 1331 0.04769 1255   76 4.602</a:t>
+            </a:r>
+          </a:p>
+          <a:p>
+            <a:r>
+              <a:rPr lang="en-CA" sz="1400" dirty="0">
+                <a:latin typeface="Courier New" panose="02070309020205020404" pitchFamily="49" charset="0"/>
+                <a:cs typeface="Courier New" panose="02070309020205020404" pitchFamily="49" charset="0"/>
+              </a:rPr>
+              <a:t>9    8  403 0.01490  392   11 0.309</a:t>
+            </a:r>
+          </a:p>
+          <a:p>
+            <a:r>
+              <a:rPr lang="en-CA" sz="1400" dirty="0">
+                <a:latin typeface="Courier New" panose="02070309020205020404" pitchFamily="49" charset="0"/>
+                <a:cs typeface="Courier New" panose="02070309020205020404" pitchFamily="49" charset="0"/>
+              </a:rPr>
+              <a:t>10   9  105 0.00331   87   18 3.724</a:t>
+            </a:r>
+          </a:p>
+          <a:p>
+            <a:r>
+              <a:rPr lang="en-CA" sz="1400" dirty="0">
+                <a:latin typeface="Courier New" panose="02070309020205020404" pitchFamily="49" charset="0"/>
+                <a:cs typeface="Courier New" panose="02070309020205020404" pitchFamily="49" charset="0"/>
+              </a:rPr>
+              <a:t>11 10+   18 0.00054   14    4 1.143</a:t>
+            </a:r>
+          </a:p>
+        </p:txBody>
+      </p:sp>
+      <p:sp>
+        <p:nvSpPr>
+          <p:cNvPr id="5" name="TextBox 4">
+            <a:extLst>
+              <a:ext uri="{FF2B5EF4-FFF2-40B4-BE49-F238E27FC236}">
+                <a16:creationId xmlns:a16="http://schemas.microsoft.com/office/drawing/2014/main" id="{0AB9E246-D312-55F7-D9A7-0F63DE6BBEDB}"/>
+              </a:ext>
+            </a:extLst>
+          </p:cNvPr>
+          <p:cNvSpPr txBox="1"/>
+          <p:nvPr/>
+        </p:nvSpPr>
+        <p:spPr>
+          <a:xfrm>
+            <a:off x="457200" y="1143000"/>
+            <a:ext cx="8229600" cy="369332"/>
+          </a:xfrm>
+          <a:prstGeom prst="rect">
+            <a:avLst/>
+          </a:prstGeom>
+          <a:noFill/>
+        </p:spPr>
+        <p:txBody>
+          <a:bodyPr wrap="square" rtlCol="0">
+            <a:spAutoFit/>
+          </a:bodyPr>
+          <a:lstStyle/>
+          <a:p>
+            <a:r>
+              <a:rPr lang="en-CA" dirty="0"/>
+              <a:t>Basic, naïve calculation of expected frequencies for a binomial distribution </a:t>
+            </a:r>
+          </a:p>
+        </p:txBody>
+      </p:sp>
+      <p:grpSp>
+        <p:nvGrpSpPr>
+          <p:cNvPr id="9" name="Group 8">
+            <a:extLst>
+              <a:ext uri="{FF2B5EF4-FFF2-40B4-BE49-F238E27FC236}">
+                <a16:creationId xmlns:a16="http://schemas.microsoft.com/office/drawing/2014/main" id="{209FE80D-509B-F465-AA04-A1446862F192}"/>
+              </a:ext>
+            </a:extLst>
+          </p:cNvPr>
+          <p:cNvGrpSpPr/>
+          <p:nvPr/>
+        </p:nvGrpSpPr>
+        <p:grpSpPr>
+          <a:xfrm>
+            <a:off x="5181600" y="4419600"/>
+            <a:ext cx="3429000" cy="674132"/>
+            <a:chOff x="5181600" y="4419600"/>
+            <a:chExt cx="3429000" cy="674132"/>
+          </a:xfrm>
+          <a:solidFill>
+            <a:schemeClr val="bg1"/>
+          </a:solidFill>
+        </p:grpSpPr>
+        <mc:AlternateContent xmlns:mc="http://schemas.openxmlformats.org/markup-compatibility/2006" xmlns:a14="http://schemas.microsoft.com/office/drawing/2010/main">
+          <mc:Choice Requires="a14">
+            <p:sp>
+              <p:nvSpPr>
+                <p:cNvPr id="6" name="TextBox 5">
+                  <a:extLst>
+                    <a:ext uri="{FF2B5EF4-FFF2-40B4-BE49-F238E27FC236}">
+                      <a16:creationId xmlns:a16="http://schemas.microsoft.com/office/drawing/2014/main" id="{EB6113BC-EA36-D359-2197-AF2A883F1434}"/>
+                    </a:ext>
+                  </a:extLst>
+                </p:cNvPr>
+                <p:cNvSpPr txBox="1"/>
+                <p:nvPr/>
+              </p:nvSpPr>
+              <p:spPr>
+                <a:xfrm>
+                  <a:off x="5181600" y="4419600"/>
+                  <a:ext cx="3429000" cy="369332"/>
+                </a:xfrm>
+                <a:prstGeom prst="rect">
+                  <a:avLst/>
+                </a:prstGeom>
+                <a:grpFill/>
+              </p:spPr>
+              <p:txBody>
+                <a:bodyPr wrap="square" rtlCol="0">
+                  <a:spAutoFit/>
+                </a:bodyPr>
+                <a:lstStyle/>
+                <a:p>
+                  <a:r>
+                    <a:rPr lang="en-CA" dirty="0"/>
+                    <a:t>Doesn’t calculate the MLE, </a:t>
+                  </a:r>
+                  <a14:m>
+                    <m:oMath xmlns:m="http://schemas.openxmlformats.org/officeDocument/2006/math">
+                      <m:acc>
+                        <m:accPr>
+                          <m:chr m:val="̂"/>
+                          <m:ctrlPr>
+                            <a:rPr lang="en-CA" i="1" smtClean="0">
+                              <a:latin typeface="Cambria Math" panose="02040503050406030204" pitchFamily="18" charset="0"/>
+                            </a:rPr>
+                          </m:ctrlPr>
+                        </m:accPr>
+                        <m:e>
+                          <m:r>
+                            <a:rPr lang="en-CA" b="0" i="1" smtClean="0">
+                              <a:latin typeface="Cambria Math" panose="02040503050406030204" pitchFamily="18" charset="0"/>
+                            </a:rPr>
+                            <m:t>𝑝</m:t>
+                          </m:r>
+                        </m:e>
+                      </m:acc>
+                    </m:oMath>
+                  </a14:m>
+                  <a:endParaRPr lang="en-CA" dirty="0"/>
+                </a:p>
+              </p:txBody>
+            </p:sp>
+          </mc:Choice>
+          <mc:Fallback xmlns="">
+            <p:sp>
+              <p:nvSpPr>
+                <p:cNvPr id="6" name="TextBox 5">
+                  <a:extLst>
+                    <a:ext uri="{FF2B5EF4-FFF2-40B4-BE49-F238E27FC236}">
+                      <a16:creationId xmlns:a16="http://schemas.microsoft.com/office/drawing/2014/main" id="{EB6113BC-EA36-D359-2197-AF2A883F1434}"/>
+                    </a:ext>
+                  </a:extLst>
+                </p:cNvPr>
+                <p:cNvSpPr txBox="1">
+                  <a:spLocks noRot="1" noChangeAspect="1" noMove="1" noResize="1" noEditPoints="1" noAdjustHandles="1" noChangeArrowheads="1" noChangeShapeType="1" noTextEdit="1"/>
+                </p:cNvSpPr>
+                <p:nvPr/>
+              </p:nvSpPr>
+              <p:spPr>
+                <a:xfrm>
+                  <a:off x="5181600" y="4419600"/>
+                  <a:ext cx="3429000" cy="369332"/>
+                </a:xfrm>
+                <a:prstGeom prst="rect">
+                  <a:avLst/>
+                </a:prstGeom>
+                <a:blipFill>
+                  <a:blip r:embed="rId2"/>
+                  <a:stretch>
+                    <a:fillRect l="-1421" t="-8197" b="-24590"/>
+                  </a:stretch>
+                </a:blipFill>
+              </p:spPr>
+              <p:txBody>
+                <a:bodyPr/>
+                <a:lstStyle/>
+                <a:p>
+                  <a:r>
+                    <a:rPr lang="en-CA">
+                      <a:noFill/>
+                    </a:rPr>
+                    <a:t> </a:t>
+                  </a:r>
+                </a:p>
+              </p:txBody>
+            </p:sp>
+          </mc:Fallback>
+        </mc:AlternateContent>
+        <p:sp>
+          <p:nvSpPr>
+            <p:cNvPr id="7" name="TextBox 6">
+              <a:extLst>
+                <a:ext uri="{FF2B5EF4-FFF2-40B4-BE49-F238E27FC236}">
+                  <a16:creationId xmlns:a16="http://schemas.microsoft.com/office/drawing/2014/main" id="{4BD24A7B-51D8-F52C-6D6D-F0DB12F7515C}"/>
+                </a:ext>
+              </a:extLst>
+            </p:cNvPr>
+            <p:cNvSpPr txBox="1"/>
+            <p:nvPr/>
+          </p:nvSpPr>
+          <p:spPr>
+            <a:xfrm>
+              <a:off x="5181600" y="4724400"/>
+              <a:ext cx="3429000" cy="369332"/>
+            </a:xfrm>
+            <a:prstGeom prst="rect">
+              <a:avLst/>
+            </a:prstGeom>
+            <a:grpFill/>
+          </p:spPr>
+          <p:txBody>
+            <a:bodyPr wrap="square" rtlCol="0">
+              <a:spAutoFit/>
+            </a:bodyPr>
+            <a:lstStyle/>
+            <a:p>
+              <a:r>
+                <a:rPr lang="en-CA" dirty="0"/>
+                <a:t>Manually sum k ≥ 10</a:t>
+              </a:r>
+            </a:p>
+          </p:txBody>
+        </p:sp>
+      </p:grpSp>
+    </p:spTree>
+    <p:extLst>
+      <p:ext uri="{BB962C8B-B14F-4D97-AF65-F5344CB8AC3E}">
+        <p14:creationId xmlns:p14="http://schemas.microsoft.com/office/powerpoint/2010/main" val="705486141"/>
+      </p:ext>
+    </p:extLst>
+  </p:cSld>
+  <p:clrMapOvr>
+    <a:masterClrMapping/>
+  </p:clrMapOvr>
+</p:sld>
+</file>
+
+<file path=ppt/slides/slide27.xml><?xml version="1.0" encoding="utf-8"?>
 <p:sld xmlns:a="http://schemas.openxmlformats.org/drawingml/2006/main" xmlns:r="http://schemas.openxmlformats.org/officeDocument/2006/relationships" xmlns:p="http://schemas.openxmlformats.org/presentationml/2006/main">
   <p:cSld>
     <p:spTree>
@@ -7802,6 +13972,11 @@
             </a:r>
             <a:r>
               <a:rPr lang="en-CA" sz="2400" dirty="0" err="1">
+                <a:solidFill>
+                  <a:schemeClr val="accent6">
+                    <a:lumMod val="50000"/>
+                  </a:schemeClr>
+                </a:solidFill>
                 <a:latin typeface="Consolas" panose="020B0609020204030204" pitchFamily="49" charset="0"/>
                 <a:cs typeface="Courier New" panose="02070309020205020404" pitchFamily="49" charset="0"/>
               </a:rPr>
@@ -7809,6 +13984,11 @@
             </a:r>
             <a:r>
               <a:rPr lang="en-CA" sz="2400" dirty="0">
+                <a:solidFill>
+                  <a:schemeClr val="accent6">
+                    <a:lumMod val="50000"/>
+                  </a:schemeClr>
+                </a:solidFill>
                 <a:latin typeface="Consolas" panose="020B0609020204030204" pitchFamily="49" charset="0"/>
                 <a:cs typeface="Courier New" panose="02070309020205020404" pitchFamily="49" charset="0"/>
               </a:rPr>
@@ -7839,6 +14019,11 @@
             </a:r>
             <a:r>
               <a:rPr lang="en-CA" sz="2400" dirty="0">
+                <a:solidFill>
+                  <a:schemeClr val="accent6">
+                    <a:lumMod val="50000"/>
+                  </a:schemeClr>
+                </a:solidFill>
                 <a:latin typeface="Consolas" panose="020B0609020204030204" pitchFamily="49" charset="0"/>
                 <a:cs typeface="Courier New" panose="02070309020205020404" pitchFamily="49" charset="0"/>
               </a:rPr>
@@ -7869,6 +14054,11 @@
             </a:r>
             <a:r>
               <a:rPr lang="en-CA" sz="2400" dirty="0" err="1">
+                <a:solidFill>
+                  <a:schemeClr val="accent6">
+                    <a:lumMod val="50000"/>
+                  </a:schemeClr>
+                </a:solidFill>
                 <a:latin typeface="Consolas" panose="020B0609020204030204" pitchFamily="49" charset="0"/>
                 <a:cs typeface="Courier New" panose="02070309020205020404" pitchFamily="49" charset="0"/>
               </a:rPr>
@@ -7876,6 +14066,11 @@
             </a:r>
             <a:r>
               <a:rPr lang="en-CA" sz="2400" dirty="0">
+                <a:solidFill>
+                  <a:schemeClr val="accent6">
+                    <a:lumMod val="50000"/>
+                  </a:schemeClr>
+                </a:solidFill>
                 <a:latin typeface="Consolas" panose="020B0609020204030204" pitchFamily="49" charset="0"/>
                 <a:cs typeface="Courier New" panose="02070309020205020404" pitchFamily="49" charset="0"/>
               </a:rPr>
@@ -7906,6 +14101,11 @@
             </a:r>
             <a:r>
               <a:rPr lang="en-CA" sz="2400" dirty="0" err="1">
+                <a:solidFill>
+                  <a:schemeClr val="accent6">
+                    <a:lumMod val="50000"/>
+                  </a:schemeClr>
+                </a:solidFill>
                 <a:latin typeface="Consolas" panose="020B0609020204030204" pitchFamily="49" charset="0"/>
                 <a:cs typeface="Courier New" panose="02070309020205020404" pitchFamily="49" charset="0"/>
               </a:rPr>
@@ -7913,6 +14113,11 @@
             </a:r>
             <a:r>
               <a:rPr lang="en-CA" sz="2400" dirty="0">
+                <a:solidFill>
+                  <a:schemeClr val="accent6">
+                    <a:lumMod val="50000"/>
+                  </a:schemeClr>
+                </a:solidFill>
                 <a:latin typeface="Consolas" panose="020B0609020204030204" pitchFamily="49" charset="0"/>
                 <a:cs typeface="Courier New" panose="02070309020205020404" pitchFamily="49" charset="0"/>
               </a:rPr>
@@ -7957,7 +14162,7 @@
           <a:p>
             <a:fld id="{621225AB-15B9-4C79-A121-04D1DC7E2307}" type="slidenum">
               <a:rPr lang="en-US" smtClean="0"/>
-              <a:t>22</a:t>
+              <a:t>27</a:t>
             </a:fld>
             <a:endParaRPr lang="en-US"/>
           </a:p>
@@ -7976,7 +14181,7 @@
 </p:sld>
 </file>
 
-<file path=ppt/slides/slide23.xml><?xml version="1.0" encoding="utf-8"?>
+<file path=ppt/slides/slide28.xml><?xml version="1.0" encoding="utf-8"?>
 <p:sld xmlns:a="http://schemas.openxmlformats.org/drawingml/2006/main" xmlns:r="http://schemas.openxmlformats.org/officeDocument/2006/relationships" xmlns:p="http://schemas.openxmlformats.org/presentationml/2006/main">
   <p:cSld>
     <p:spTree>
@@ -8046,7 +14251,7 @@
           <a:p>
             <a:fld id="{621225AB-15B9-4C79-A121-04D1DC7E2307}" type="slidenum">
               <a:rPr lang="en-US" smtClean="0"/>
-              <a:t>23</a:t>
+              <a:t>28</a:t>
             </a:fld>
             <a:endParaRPr lang="en-US"/>
           </a:p>
@@ -8346,7 +14551,20 @@
                 <a:latin typeface="Consolas" panose="020B0609020204030204" pitchFamily="49" charset="0"/>
                 <a:cs typeface="Courier New" panose="02070309020205020404" pitchFamily="49" charset="0"/>
               </a:rPr>
-              <a:t>(Saxony, type = "binomial", par=list(size=12))</a:t>
+              <a:t>(Saxony, </a:t>
+            </a:r>
+            <a:r>
+              <a:rPr lang="en-CA" sz="1400" b="1" dirty="0">
+                <a:solidFill>
+                  <a:schemeClr val="tx2">
+                    <a:lumMod val="60000"/>
+                    <a:lumOff val="40000"/>
+                  </a:schemeClr>
+                </a:solidFill>
+                <a:latin typeface="Consolas" panose="020B0609020204030204" pitchFamily="49" charset="0"/>
+                <a:cs typeface="Courier New" panose="02070309020205020404" pitchFamily="49" charset="0"/>
+              </a:rPr>
+              <a:t>type = "binomial", par=list(size=12))</a:t>
             </a:r>
           </a:p>
           <a:p>
@@ -8458,7 +14676,7 @@
 </p:sld>
 </file>
 
-<file path=ppt/slides/slide24.xml><?xml version="1.0" encoding="utf-8"?>
+<file path=ppt/slides/slide29.xml><?xml version="1.0" encoding="utf-8"?>
 <p:sld xmlns:a="http://schemas.openxmlformats.org/drawingml/2006/main" xmlns:r="http://schemas.openxmlformats.org/officeDocument/2006/relationships" xmlns:p="http://schemas.openxmlformats.org/presentationml/2006/main">
   <p:cSld>
     <p:spTree>
@@ -8528,7 +14746,7 @@
           <a:p>
             <a:fld id="{621225AB-15B9-4C79-A121-04D1DC7E2307}" type="slidenum">
               <a:rPr lang="en-US" smtClean="0"/>
-              <a:t>24</a:t>
+              <a:t>29</a:t>
             </a:fld>
             <a:endParaRPr lang="en-US"/>
           </a:p>
@@ -8948,7 +15166,169 @@
 </p:sld>
 </file>
 
-<file path=ppt/slides/slide25.xml><?xml version="1.0" encoding="utf-8"?>
+<file path=ppt/slides/slide3.xml><?xml version="1.0" encoding="utf-8"?>
+<p:sld xmlns:a="http://schemas.openxmlformats.org/drawingml/2006/main" xmlns:r="http://schemas.openxmlformats.org/officeDocument/2006/relationships" xmlns:p="http://schemas.openxmlformats.org/presentationml/2006/main">
+  <p:cSld>
+    <p:spTree>
+      <p:nvGrpSpPr>
+        <p:cNvPr id="1" name=""/>
+        <p:cNvGrpSpPr/>
+        <p:nvPr/>
+      </p:nvGrpSpPr>
+      <p:grpSpPr>
+        <a:xfrm>
+          <a:off x="0" y="0"/>
+          <a:ext cx="0" cy="0"/>
+          <a:chOff x="0" y="0"/>
+          <a:chExt cx="0" cy="0"/>
+        </a:xfrm>
+      </p:grpSpPr>
+      <p:sp>
+        <p:nvSpPr>
+          <p:cNvPr id="2" name="Title 1">
+            <a:extLst>
+              <a:ext uri="{FF2B5EF4-FFF2-40B4-BE49-F238E27FC236}">
+                <a16:creationId xmlns:a16="http://schemas.microsoft.com/office/drawing/2014/main" id="{AC31D0A2-B7B0-466F-A752-B8C2C266FFBA}"/>
+              </a:ext>
+            </a:extLst>
+          </p:cNvPr>
+          <p:cNvSpPr>
+            <a:spLocks noGrp="1"/>
+          </p:cNvSpPr>
+          <p:nvPr>
+            <p:ph type="title"/>
+          </p:nvPr>
+        </p:nvSpPr>
+        <p:spPr/>
+        <p:txBody>
+          <a:bodyPr>
+            <a:normAutofit fontScale="90000"/>
+          </a:bodyPr>
+          <a:lstStyle/>
+          <a:p>
+            <a:r>
+              <a:rPr lang="en-US" dirty="0"/>
+              <a:t>Examples: binomial</a:t>
+            </a:r>
+          </a:p>
+        </p:txBody>
+      </p:sp>
+      <p:sp>
+        <p:nvSpPr>
+          <p:cNvPr id="4" name="Slide Number Placeholder 3">
+            <a:extLst>
+              <a:ext uri="{FF2B5EF4-FFF2-40B4-BE49-F238E27FC236}">
+                <a16:creationId xmlns:a16="http://schemas.microsoft.com/office/drawing/2014/main" id="{7C00B7DE-A898-4A94-8977-0F85C00FBDB3}"/>
+              </a:ext>
+            </a:extLst>
+          </p:cNvPr>
+          <p:cNvSpPr>
+            <a:spLocks noGrp="1"/>
+          </p:cNvSpPr>
+          <p:nvPr>
+            <p:ph type="sldNum" sz="quarter" idx="12"/>
+          </p:nvPr>
+        </p:nvSpPr>
+        <p:spPr/>
+        <p:txBody>
+          <a:bodyPr/>
+          <a:lstStyle/>
+          <a:p>
+            <a:fld id="{621225AB-15B9-4C79-A121-04D1DC7E2307}" type="slidenum">
+              <a:rPr lang="en-US" smtClean="0"/>
+              <a:t>3</a:t>
+            </a:fld>
+            <a:endParaRPr lang="en-US"/>
+          </a:p>
+        </p:txBody>
+      </p:sp>
+      <p:pic>
+        <p:nvPicPr>
+          <p:cNvPr id="5" name="Picture 4">
+            <a:extLst>
+              <a:ext uri="{FF2B5EF4-FFF2-40B4-BE49-F238E27FC236}">
+                <a16:creationId xmlns:a16="http://schemas.microsoft.com/office/drawing/2014/main" id="{EE90B4D1-ACC3-463D-868F-B1B0E77A1ED9}"/>
+              </a:ext>
+            </a:extLst>
+          </p:cNvPr>
+          <p:cNvPicPr>
+            <a:picLocks noChangeAspect="1"/>
+          </p:cNvPicPr>
+          <p:nvPr/>
+        </p:nvPicPr>
+        <p:blipFill>
+          <a:blip r:embed="rId2"/>
+          <a:stretch>
+            <a:fillRect/>
+          </a:stretch>
+        </p:blipFill>
+        <p:spPr>
+          <a:xfrm>
+            <a:off x="553467" y="1834147"/>
+            <a:ext cx="8133333" cy="4676190"/>
+          </a:xfrm>
+          <a:prstGeom prst="rect">
+            <a:avLst/>
+          </a:prstGeom>
+        </p:spPr>
+      </p:pic>
+      <p:sp>
+        <p:nvSpPr>
+          <p:cNvPr id="6" name="TextBox 5">
+            <a:extLst>
+              <a:ext uri="{FF2B5EF4-FFF2-40B4-BE49-F238E27FC236}">
+                <a16:creationId xmlns:a16="http://schemas.microsoft.com/office/drawing/2014/main" id="{859A642E-CF15-44C1-B7D3-443F98242116}"/>
+              </a:ext>
+            </a:extLst>
+          </p:cNvPr>
+          <p:cNvSpPr txBox="1"/>
+          <p:nvPr/>
+        </p:nvSpPr>
+        <p:spPr>
+          <a:xfrm>
+            <a:off x="457200" y="1143000"/>
+            <a:ext cx="8229600" cy="369332"/>
+          </a:xfrm>
+          <a:prstGeom prst="rect">
+            <a:avLst/>
+          </a:prstGeom>
+          <a:noFill/>
+        </p:spPr>
+        <p:txBody>
+          <a:bodyPr wrap="square" rtlCol="0">
+            <a:spAutoFit/>
+          </a:bodyPr>
+          <a:lstStyle/>
+          <a:p>
+            <a:r>
+              <a:rPr lang="en-US" dirty="0"/>
+              <a:t>Human sex ratio (Geissler, 1889): Is there evidence that </a:t>
+            </a:r>
+            <a:r>
+              <a:rPr lang="en-US" dirty="0" err="1"/>
+              <a:t>Pr</a:t>
+            </a:r>
+            <a:r>
+              <a:rPr lang="en-US" dirty="0"/>
+              <a:t>(male) = 0.5?</a:t>
+            </a:r>
+          </a:p>
+        </p:txBody>
+      </p:sp>
+    </p:spTree>
+    <p:extLst>
+      <p:ext uri="{BB962C8B-B14F-4D97-AF65-F5344CB8AC3E}">
+        <p14:creationId xmlns:p14="http://schemas.microsoft.com/office/powerpoint/2010/main" val="365417217"/>
+      </p:ext>
+    </p:extLst>
+  </p:cSld>
+  <p:clrMapOvr>
+    <a:masterClrMapping/>
+  </p:clrMapOvr>
+</p:sld>
+</file>
+
+<file path=ppt/slides/slide30.xml><?xml version="1.0" encoding="utf-8"?>
 <p:sld xmlns:a="http://schemas.openxmlformats.org/drawingml/2006/main" xmlns:r="http://schemas.openxmlformats.org/officeDocument/2006/relationships" xmlns:p="http://schemas.openxmlformats.org/presentationml/2006/main">
   <p:cSld>
     <p:bg>
@@ -19645,7 +26025,7 @@
                   <a:spcPts val="600"/>
                 </a:spcAft>
               </a:pPr>
-              <a:t>25</a:t>
+              <a:t>30</a:t>
             </a:fld>
             <a:endParaRPr lang="en-US" sz="900">
               <a:solidFill>
@@ -20636,7 +27016,7 @@
 </p:sld>
 </file>
 
-<file path=ppt/slides/slide26.xml><?xml version="1.0" encoding="utf-8"?>
+<file path=ppt/slides/slide31.xml><?xml version="1.0" encoding="utf-8"?>
 <p:sld xmlns:a="http://schemas.openxmlformats.org/drawingml/2006/main" xmlns:r="http://schemas.openxmlformats.org/officeDocument/2006/relationships" xmlns:p="http://schemas.openxmlformats.org/presentationml/2006/main">
   <p:cSld>
     <p:spTree>
@@ -20706,7 +27086,7 @@
           <a:p>
             <a:fld id="{621225AB-15B9-4C79-A121-04D1DC7E2307}" type="slidenum">
               <a:rPr lang="en-US" smtClean="0"/>
-              <a:t>26</a:t>
+              <a:t>31</a:t>
             </a:fld>
             <a:endParaRPr lang="en-US"/>
           </a:p>
@@ -20956,7 +27336,7 @@
 </p:sld>
 </file>
 
-<file path=ppt/slides/slide27.xml><?xml version="1.0" encoding="utf-8"?>
+<file path=ppt/slides/slide32.xml><?xml version="1.0" encoding="utf-8"?>
 <p:sld xmlns:a="http://schemas.openxmlformats.org/drawingml/2006/main" xmlns:r="http://schemas.openxmlformats.org/officeDocument/2006/relationships" xmlns:p="http://schemas.openxmlformats.org/presentationml/2006/main">
   <p:cSld>
     <p:spTree>
@@ -21026,7 +27406,7 @@
           <a:p>
             <a:fld id="{621225AB-15B9-4C79-A121-04D1DC7E2307}" type="slidenum">
               <a:rPr lang="en-US" smtClean="0"/>
-              <a:t>27</a:t>
+              <a:t>32</a:t>
             </a:fld>
             <a:endParaRPr lang="en-US"/>
           </a:p>
@@ -21181,7 +27561,7 @@
 </p:sld>
 </file>
 
-<file path=ppt/slides/slide28.xml><?xml version="1.0" encoding="utf-8"?>
+<file path=ppt/slides/slide33.xml><?xml version="1.0" encoding="utf-8"?>
 <p:sld xmlns:a="http://schemas.openxmlformats.org/drawingml/2006/main" xmlns:r="http://schemas.openxmlformats.org/officeDocument/2006/relationships" xmlns:p="http://schemas.openxmlformats.org/presentationml/2006/main">
   <p:cSld>
     <p:spTree>
@@ -21251,7 +27631,7 @@
           <a:p>
             <a:fld id="{621225AB-15B9-4C79-A121-04D1DC7E2307}" type="slidenum">
               <a:rPr lang="en-US" smtClean="0"/>
-              <a:t>28</a:t>
+              <a:t>33</a:t>
             </a:fld>
             <a:endParaRPr lang="en-US"/>
           </a:p>
@@ -21397,7 +27777,7 @@
 </p:sld>
 </file>
 
-<file path=ppt/slides/slide29.xml><?xml version="1.0" encoding="utf-8"?>
+<file path=ppt/slides/slide34.xml><?xml version="1.0" encoding="utf-8"?>
 <p:sld xmlns:a="http://schemas.openxmlformats.org/drawingml/2006/main" xmlns:r="http://schemas.openxmlformats.org/officeDocument/2006/relationships" xmlns:p="http://schemas.openxmlformats.org/presentationml/2006/main">
   <p:cSld>
     <p:spTree>
@@ -21467,7 +27847,7 @@
           <a:p>
             <a:fld id="{621225AB-15B9-4C79-A121-04D1DC7E2307}" type="slidenum">
               <a:rPr lang="en-US" smtClean="0"/>
-              <a:t>29</a:t>
+              <a:t>34</a:t>
             </a:fld>
             <a:endParaRPr lang="en-US"/>
           </a:p>
@@ -21597,8 +27977,8 @@
         </p:nvSpPr>
         <p:spPr>
           <a:xfrm>
-            <a:off x="609600" y="2743200"/>
-            <a:ext cx="5486400" cy="369332"/>
+            <a:off x="533400" y="2907268"/>
+            <a:ext cx="5486400" cy="461665"/>
           </a:xfrm>
           <a:prstGeom prst="rect">
             <a:avLst/>
@@ -21612,7 +27992,7 @@
           <a:lstStyle/>
           <a:p>
             <a:r>
-              <a:rPr lang="en-US" dirty="0"/>
+              <a:rPr lang="en-US" sz="2400" dirty="0"/>
               <a:t>Fit the Poisson distribution</a:t>
             </a:r>
           </a:p>
@@ -21680,10 +28060,20 @@
                 <a:latin typeface="Courier New" panose="02070309020205020404" pitchFamily="49" charset="0"/>
                 <a:cs typeface="Courier New" panose="02070309020205020404" pitchFamily="49" charset="0"/>
               </a:rPr>
-              <a:t>(Federalist, type="</a:t>
-            </a:r>
-            <a:r>
-              <a:rPr lang="en-US" sz="1600" dirty="0" err="1">
+              <a:t>(Federalist, </a:t>
+            </a:r>
+            <a:r>
+              <a:rPr lang="en-US" sz="1600" b="1" dirty="0">
+                <a:solidFill>
+                  <a:srgbClr val="0070C0"/>
+                </a:solidFill>
+                <a:latin typeface="Courier New" panose="02070309020205020404" pitchFamily="49" charset="0"/>
+                <a:cs typeface="Courier New" panose="02070309020205020404" pitchFamily="49" charset="0"/>
+              </a:rPr>
+              <a:t>type="</a:t>
+            </a:r>
+            <a:r>
+              <a:rPr lang="en-US" sz="1600" b="1" dirty="0" err="1">
                 <a:solidFill>
                   <a:srgbClr val="0070C0"/>
                 </a:solidFill>
@@ -21693,7 +28083,7 @@
               <a:t>poisson</a:t>
             </a:r>
             <a:r>
-              <a:rPr lang="en-US" sz="1600" dirty="0">
+              <a:rPr lang="en-US" sz="1600" b="1" dirty="0">
                 <a:solidFill>
                   <a:srgbClr val="0070C0"/>
                 </a:solidFill>
@@ -21818,169 +28208,7 @@
 </p:sld>
 </file>
 
-<file path=ppt/slides/slide3.xml><?xml version="1.0" encoding="utf-8"?>
-<p:sld xmlns:a="http://schemas.openxmlformats.org/drawingml/2006/main" xmlns:r="http://schemas.openxmlformats.org/officeDocument/2006/relationships" xmlns:p="http://schemas.openxmlformats.org/presentationml/2006/main">
-  <p:cSld>
-    <p:spTree>
-      <p:nvGrpSpPr>
-        <p:cNvPr id="1" name=""/>
-        <p:cNvGrpSpPr/>
-        <p:nvPr/>
-      </p:nvGrpSpPr>
-      <p:grpSpPr>
-        <a:xfrm>
-          <a:off x="0" y="0"/>
-          <a:ext cx="0" cy="0"/>
-          <a:chOff x="0" y="0"/>
-          <a:chExt cx="0" cy="0"/>
-        </a:xfrm>
-      </p:grpSpPr>
-      <p:sp>
-        <p:nvSpPr>
-          <p:cNvPr id="2" name="Title 1">
-            <a:extLst>
-              <a:ext uri="{FF2B5EF4-FFF2-40B4-BE49-F238E27FC236}">
-                <a16:creationId xmlns:a16="http://schemas.microsoft.com/office/drawing/2014/main" id="{AC31D0A2-B7B0-466F-A752-B8C2C266FFBA}"/>
-              </a:ext>
-            </a:extLst>
-          </p:cNvPr>
-          <p:cNvSpPr>
-            <a:spLocks noGrp="1"/>
-          </p:cNvSpPr>
-          <p:nvPr>
-            <p:ph type="title"/>
-          </p:nvPr>
-        </p:nvSpPr>
-        <p:spPr/>
-        <p:txBody>
-          <a:bodyPr>
-            <a:normAutofit fontScale="90000"/>
-          </a:bodyPr>
-          <a:lstStyle/>
-          <a:p>
-            <a:r>
-              <a:rPr lang="en-US" dirty="0"/>
-              <a:t>Examples: binomial</a:t>
-            </a:r>
-          </a:p>
-        </p:txBody>
-      </p:sp>
-      <p:sp>
-        <p:nvSpPr>
-          <p:cNvPr id="4" name="Slide Number Placeholder 3">
-            <a:extLst>
-              <a:ext uri="{FF2B5EF4-FFF2-40B4-BE49-F238E27FC236}">
-                <a16:creationId xmlns:a16="http://schemas.microsoft.com/office/drawing/2014/main" id="{7C00B7DE-A898-4A94-8977-0F85C00FBDB3}"/>
-              </a:ext>
-            </a:extLst>
-          </p:cNvPr>
-          <p:cNvSpPr>
-            <a:spLocks noGrp="1"/>
-          </p:cNvSpPr>
-          <p:nvPr>
-            <p:ph type="sldNum" sz="quarter" idx="12"/>
-          </p:nvPr>
-        </p:nvSpPr>
-        <p:spPr/>
-        <p:txBody>
-          <a:bodyPr/>
-          <a:lstStyle/>
-          <a:p>
-            <a:fld id="{621225AB-15B9-4C79-A121-04D1DC7E2307}" type="slidenum">
-              <a:rPr lang="en-US" smtClean="0"/>
-              <a:t>3</a:t>
-            </a:fld>
-            <a:endParaRPr lang="en-US"/>
-          </a:p>
-        </p:txBody>
-      </p:sp>
-      <p:pic>
-        <p:nvPicPr>
-          <p:cNvPr id="5" name="Picture 4">
-            <a:extLst>
-              <a:ext uri="{FF2B5EF4-FFF2-40B4-BE49-F238E27FC236}">
-                <a16:creationId xmlns:a16="http://schemas.microsoft.com/office/drawing/2014/main" id="{EE90B4D1-ACC3-463D-868F-B1B0E77A1ED9}"/>
-              </a:ext>
-            </a:extLst>
-          </p:cNvPr>
-          <p:cNvPicPr>
-            <a:picLocks noChangeAspect="1"/>
-          </p:cNvPicPr>
-          <p:nvPr/>
-        </p:nvPicPr>
-        <p:blipFill>
-          <a:blip r:embed="rId2"/>
-          <a:stretch>
-            <a:fillRect/>
-          </a:stretch>
-        </p:blipFill>
-        <p:spPr>
-          <a:xfrm>
-            <a:off x="553467" y="1834147"/>
-            <a:ext cx="8133333" cy="4676190"/>
-          </a:xfrm>
-          <a:prstGeom prst="rect">
-            <a:avLst/>
-          </a:prstGeom>
-        </p:spPr>
-      </p:pic>
-      <p:sp>
-        <p:nvSpPr>
-          <p:cNvPr id="6" name="TextBox 5">
-            <a:extLst>
-              <a:ext uri="{FF2B5EF4-FFF2-40B4-BE49-F238E27FC236}">
-                <a16:creationId xmlns:a16="http://schemas.microsoft.com/office/drawing/2014/main" id="{859A642E-CF15-44C1-B7D3-443F98242116}"/>
-              </a:ext>
-            </a:extLst>
-          </p:cNvPr>
-          <p:cNvSpPr txBox="1"/>
-          <p:nvPr/>
-        </p:nvSpPr>
-        <p:spPr>
-          <a:xfrm>
-            <a:off x="457200" y="1143000"/>
-            <a:ext cx="8229600" cy="369332"/>
-          </a:xfrm>
-          <a:prstGeom prst="rect">
-            <a:avLst/>
-          </a:prstGeom>
-          <a:noFill/>
-        </p:spPr>
-        <p:txBody>
-          <a:bodyPr wrap="square" rtlCol="0">
-            <a:spAutoFit/>
-          </a:bodyPr>
-          <a:lstStyle/>
-          <a:p>
-            <a:r>
-              <a:rPr lang="en-US" dirty="0"/>
-              <a:t>Human sex ratio (Geissler, 1889): Is there evidence that </a:t>
-            </a:r>
-            <a:r>
-              <a:rPr lang="en-US" dirty="0" err="1"/>
-              <a:t>Pr</a:t>
-            </a:r>
-            <a:r>
-              <a:rPr lang="en-US" dirty="0"/>
-              <a:t>(male) = 0.5?</a:t>
-            </a:r>
-          </a:p>
-        </p:txBody>
-      </p:sp>
-    </p:spTree>
-    <p:extLst>
-      <p:ext uri="{BB962C8B-B14F-4D97-AF65-F5344CB8AC3E}">
-        <p14:creationId xmlns:p14="http://schemas.microsoft.com/office/powerpoint/2010/main" val="365417217"/>
-      </p:ext>
-    </p:extLst>
-  </p:cSld>
-  <p:clrMapOvr>
-    <a:masterClrMapping/>
-  </p:clrMapOvr>
-</p:sld>
-</file>
-
-<file path=ppt/slides/slide30.xml><?xml version="1.0" encoding="utf-8"?>
+<file path=ppt/slides/slide35.xml><?xml version="1.0" encoding="utf-8"?>
 <p:sld xmlns:a="http://schemas.openxmlformats.org/drawingml/2006/main" xmlns:r="http://schemas.openxmlformats.org/officeDocument/2006/relationships" xmlns:p="http://schemas.openxmlformats.org/presentationml/2006/main">
   <p:cSld>
     <p:spTree>
@@ -22050,7 +28278,7 @@
           <a:p>
             <a:fld id="{621225AB-15B9-4C79-A121-04D1DC7E2307}" type="slidenum">
               <a:rPr lang="en-US" smtClean="0"/>
-              <a:t>30</a:t>
+              <a:t>35</a:t>
             </a:fld>
             <a:endParaRPr lang="en-US"/>
           </a:p>
@@ -22070,8 +28298,8 @@
         </p:nvSpPr>
         <p:spPr>
           <a:xfrm>
-            <a:off x="457200" y="1265486"/>
-            <a:ext cx="5486400" cy="369332"/>
+            <a:off x="457200" y="1143000"/>
+            <a:ext cx="5486400" cy="461665"/>
           </a:xfrm>
           <a:prstGeom prst="rect">
             <a:avLst/>
@@ -22085,7 +28313,7 @@
           <a:lstStyle/>
           <a:p>
             <a:r>
-              <a:rPr lang="en-US" dirty="0"/>
+              <a:rPr lang="en-US" sz="2400" dirty="0"/>
               <a:t>Try the Negative binomial distribution</a:t>
             </a:r>
           </a:p>
@@ -22153,10 +28381,20 @@
                 <a:latin typeface="Courier New" panose="02070309020205020404" pitchFamily="49" charset="0"/>
                 <a:cs typeface="Courier New" panose="02070309020205020404" pitchFamily="49" charset="0"/>
               </a:rPr>
-              <a:t>(Federalist, type="</a:t>
-            </a:r>
-            <a:r>
-              <a:rPr lang="en-US" sz="1600" dirty="0" err="1">
+              <a:t>(Federalist, </a:t>
+            </a:r>
+            <a:r>
+              <a:rPr lang="en-US" sz="1600" b="1" dirty="0">
+                <a:solidFill>
+                  <a:srgbClr val="0070C0"/>
+                </a:solidFill>
+                <a:latin typeface="Courier New" panose="02070309020205020404" pitchFamily="49" charset="0"/>
+                <a:cs typeface="Courier New" panose="02070309020205020404" pitchFamily="49" charset="0"/>
+              </a:rPr>
+              <a:t>type="</a:t>
+            </a:r>
+            <a:r>
+              <a:rPr lang="en-US" sz="1600" b="1" dirty="0" err="1">
                 <a:solidFill>
                   <a:srgbClr val="0070C0"/>
                 </a:solidFill>
@@ -22166,7 +28404,7 @@
               <a:t>nbinomial</a:t>
             </a:r>
             <a:r>
-              <a:rPr lang="en-US" sz="1600" dirty="0">
+              <a:rPr lang="en-US" sz="1600" b="1" dirty="0">
                 <a:solidFill>
                   <a:srgbClr val="0070C0"/>
                 </a:solidFill>
@@ -22286,7 +28524,7 @@
 </p:sld>
 </file>
 
-<file path=ppt/slides/slide31.xml><?xml version="1.0" encoding="utf-8"?>
+<file path=ppt/slides/slide36.xml><?xml version="1.0" encoding="utf-8"?>
 <p:sld xmlns:a="http://schemas.openxmlformats.org/drawingml/2006/main" xmlns:r="http://schemas.openxmlformats.org/officeDocument/2006/relationships" xmlns:p="http://schemas.openxmlformats.org/presentationml/2006/main">
   <p:cSld>
     <p:spTree>
@@ -22356,7 +28594,7 @@
           <a:p>
             <a:fld id="{621225AB-15B9-4C79-A121-04D1DC7E2307}" type="slidenum">
               <a:rPr lang="en-US" smtClean="0"/>
-              <a:t>31</a:t>
+              <a:t>36</a:t>
             </a:fld>
             <a:endParaRPr lang="en-US"/>
           </a:p>
@@ -22493,7 +28731,7 @@
 </p:sld>
 </file>
 
-<file path=ppt/slides/slide32.xml><?xml version="1.0" encoding="utf-8"?>
+<file path=ppt/slides/slide37.xml><?xml version="1.0" encoding="utf-8"?>
 <p:sld xmlns:a="http://schemas.openxmlformats.org/drawingml/2006/main" xmlns:r="http://schemas.openxmlformats.org/officeDocument/2006/relationships" xmlns:p="http://schemas.openxmlformats.org/presentationml/2006/main">
   <p:cSld>
     <p:spTree>
@@ -22563,7 +28801,7 @@
           <a:p>
             <a:fld id="{621225AB-15B9-4C79-A121-04D1DC7E2307}" type="slidenum">
               <a:rPr lang="en-US" smtClean="0"/>
-              <a:t>32</a:t>
+              <a:t>37</a:t>
             </a:fld>
             <a:endParaRPr lang="en-US"/>
           </a:p>
@@ -22584,7 +28822,7 @@
         <p:spPr>
           <a:xfrm>
             <a:off x="457200" y="1295400"/>
-            <a:ext cx="8229600" cy="369332"/>
+            <a:ext cx="8229600" cy="400110"/>
           </a:xfrm>
           <a:prstGeom prst="rect">
             <a:avLst/>
@@ -22598,7 +28836,7 @@
           <a:lstStyle/>
           <a:p>
             <a:r>
-              <a:rPr lang="en-US" dirty="0"/>
+              <a:rPr lang="en-US" sz="2000" dirty="0"/>
               <a:t>Both Poisson and Negative binomial are terrible fits!   What to do??</a:t>
             </a:r>
           </a:p>
@@ -22647,7 +28885,7 @@
 </p:sld>
 </file>
 
-<file path=ppt/slides/slide33.xml><?xml version="1.0" encoding="utf-8"?>
+<file path=ppt/slides/slide38.xml><?xml version="1.0" encoding="utf-8"?>
 <p:sld xmlns:a="http://schemas.openxmlformats.org/drawingml/2006/main" xmlns:r="http://schemas.openxmlformats.org/officeDocument/2006/relationships" xmlns:p="http://schemas.openxmlformats.org/presentationml/2006/main">
   <p:cSld>
     <p:spTree>
@@ -22717,7 +28955,7 @@
           <a:p>
             <a:fld id="{621225AB-15B9-4C79-A121-04D1DC7E2307}" type="slidenum">
               <a:rPr lang="en-US" smtClean="0"/>
-              <a:t>33</a:t>
+              <a:t>38</a:t>
             </a:fld>
             <a:endParaRPr lang="en-US"/>
           </a:p>
@@ -22766,7 +29004,7 @@
 </p:sld>
 </file>
 
-<file path=ppt/slides/slide34.xml><?xml version="1.0" encoding="utf-8"?>
+<file path=ppt/slides/slide39.xml><?xml version="1.0" encoding="utf-8"?>
 <p:sld xmlns:a="http://schemas.openxmlformats.org/drawingml/2006/main" xmlns:r="http://schemas.openxmlformats.org/officeDocument/2006/relationships" xmlns:p="http://schemas.openxmlformats.org/presentationml/2006/main">
   <p:cSld>
     <p:spTree>
@@ -22836,7 +29074,7 @@
           <a:p>
             <a:fld id="{621225AB-15B9-4C79-A121-04D1DC7E2307}" type="slidenum">
               <a:rPr lang="en-US" smtClean="0"/>
-              <a:t>34</a:t>
+              <a:t>39</a:t>
             </a:fld>
             <a:endParaRPr lang="en-US"/>
           </a:p>
@@ -23125,7 +29363,403 @@
 </p:sld>
 </file>
 
-<file path=ppt/slides/slide35.xml><?xml version="1.0" encoding="utf-8"?>
+<file path=ppt/slides/slide4.xml><?xml version="1.0" encoding="utf-8"?>
+<p:sld xmlns:a="http://schemas.openxmlformats.org/drawingml/2006/main" xmlns:r="http://schemas.openxmlformats.org/officeDocument/2006/relationships" xmlns:p="http://schemas.openxmlformats.org/presentationml/2006/main">
+  <p:cSld>
+    <p:spTree>
+      <p:nvGrpSpPr>
+        <p:cNvPr id="1" name=""/>
+        <p:cNvGrpSpPr/>
+        <p:nvPr/>
+      </p:nvGrpSpPr>
+      <p:grpSpPr>
+        <a:xfrm>
+          <a:off x="0" y="0"/>
+          <a:ext cx="0" cy="0"/>
+          <a:chOff x="0" y="0"/>
+          <a:chExt cx="0" cy="0"/>
+        </a:xfrm>
+      </p:grpSpPr>
+      <p:sp>
+        <p:nvSpPr>
+          <p:cNvPr id="2" name="Title 1">
+            <a:extLst>
+              <a:ext uri="{FF2B5EF4-FFF2-40B4-BE49-F238E27FC236}">
+                <a16:creationId xmlns:a16="http://schemas.microsoft.com/office/drawing/2014/main" id="{B2748031-E510-19CC-5E78-5C1AE1499DC4}"/>
+              </a:ext>
+            </a:extLst>
+          </p:cNvPr>
+          <p:cNvSpPr>
+            <a:spLocks noGrp="1"/>
+          </p:cNvSpPr>
+          <p:nvPr>
+            <p:ph type="title"/>
+          </p:nvPr>
+        </p:nvSpPr>
+        <p:spPr/>
+        <p:txBody>
+          <a:bodyPr>
+            <a:normAutofit fontScale="90000"/>
+          </a:bodyPr>
+          <a:lstStyle/>
+          <a:p>
+            <a:r>
+              <a:rPr lang="en-CA" dirty="0"/>
+              <a:t>Example: Poisson</a:t>
+            </a:r>
+          </a:p>
+        </p:txBody>
+      </p:sp>
+      <p:sp>
+        <p:nvSpPr>
+          <p:cNvPr id="3" name="Slide Number Placeholder 2">
+            <a:extLst>
+              <a:ext uri="{FF2B5EF4-FFF2-40B4-BE49-F238E27FC236}">
+                <a16:creationId xmlns:a16="http://schemas.microsoft.com/office/drawing/2014/main" id="{15640339-1A0B-1943-59D3-B3A922CD264E}"/>
+              </a:ext>
+            </a:extLst>
+          </p:cNvPr>
+          <p:cNvSpPr>
+            <a:spLocks noGrp="1"/>
+          </p:cNvSpPr>
+          <p:nvPr>
+            <p:ph type="sldNum" sz="quarter" idx="12"/>
+          </p:nvPr>
+        </p:nvSpPr>
+        <p:spPr/>
+        <p:txBody>
+          <a:bodyPr/>
+          <a:lstStyle/>
+          <a:p>
+            <a:fld id="{621225AB-15B9-4C79-A121-04D1DC7E2307}" type="slidenum">
+              <a:rPr lang="en-US" smtClean="0"/>
+              <a:t>4</a:t>
+            </a:fld>
+            <a:endParaRPr lang="en-US"/>
+          </a:p>
+        </p:txBody>
+      </p:sp>
+      <p:sp>
+        <p:nvSpPr>
+          <p:cNvPr id="4" name="TextBox 3">
+            <a:extLst>
+              <a:ext uri="{FF2B5EF4-FFF2-40B4-BE49-F238E27FC236}">
+                <a16:creationId xmlns:a16="http://schemas.microsoft.com/office/drawing/2014/main" id="{08A10D38-6B78-36A2-DD70-BE33AA3D6BDF}"/>
+              </a:ext>
+            </a:extLst>
+          </p:cNvPr>
+          <p:cNvSpPr txBox="1"/>
+          <p:nvPr/>
+        </p:nvSpPr>
+        <p:spPr>
+          <a:xfrm>
+            <a:off x="457200" y="1143000"/>
+            <a:ext cx="8229600" cy="1200329"/>
+          </a:xfrm>
+          <a:prstGeom prst="rect">
+            <a:avLst/>
+          </a:prstGeom>
+          <a:noFill/>
+        </p:spPr>
+        <p:txBody>
+          <a:bodyPr wrap="square" rtlCol="0">
+            <a:spAutoFit/>
+          </a:bodyPr>
+          <a:lstStyle/>
+          <a:p>
+            <a:r>
+              <a:rPr lang="en-CA" dirty="0"/>
+              <a:t>L. Von </a:t>
+            </a:r>
+            <a:r>
+              <a:rPr lang="en-CA" dirty="0" err="1"/>
+              <a:t>Bortkiewicz</a:t>
+            </a:r>
+            <a:r>
+              <a:rPr lang="en-CA" dirty="0"/>
+              <a:t> (1898) tallied the numbers of deaths by horse or mule kicks in 10 corps of the Prussian army over 20 years, </a:t>
+            </a:r>
+            <a:r>
+              <a:rPr lang="en-CA" dirty="0">
+                <a:sym typeface="Symbol" panose="05050102010706020507" pitchFamily="18" charset="2"/>
+              </a:rPr>
+              <a:t> </a:t>
+            </a:r>
+            <a:r>
+              <a:rPr lang="en-CA" dirty="0"/>
+              <a:t>200 corps-years</a:t>
+            </a:r>
+          </a:p>
+          <a:p>
+            <a:pPr marL="285750" indent="-285750">
+              <a:buFont typeface="Arial" panose="020B0604020202020204" pitchFamily="34" charset="0"/>
+              <a:buChar char="•"/>
+            </a:pPr>
+            <a:r>
+              <a:rPr lang="en-CA" dirty="0"/>
+              <a:t>In how many corps-years were there 0, 1, 2, … deaths?</a:t>
+            </a:r>
+          </a:p>
+          <a:p>
+            <a:pPr marL="285750" indent="-285750">
+              <a:buFont typeface="Arial" panose="020B0604020202020204" pitchFamily="34" charset="0"/>
+              <a:buChar char="•"/>
+            </a:pPr>
+            <a:r>
+              <a:rPr lang="en-CA" dirty="0"/>
+              <a:t>This is among the earliest examples of a Poisson distribution</a:t>
+            </a:r>
+          </a:p>
+        </p:txBody>
+      </p:sp>
+      <p:sp>
+        <p:nvSpPr>
+          <p:cNvPr id="5" name="TextBox 4">
+            <a:extLst>
+              <a:ext uri="{FF2B5EF4-FFF2-40B4-BE49-F238E27FC236}">
+                <a16:creationId xmlns:a16="http://schemas.microsoft.com/office/drawing/2014/main" id="{4514870A-62F9-ECE1-0E6F-1CA1B3DBC920}"/>
+              </a:ext>
+            </a:extLst>
+          </p:cNvPr>
+          <p:cNvSpPr txBox="1"/>
+          <p:nvPr/>
+        </p:nvSpPr>
+        <p:spPr>
+          <a:xfrm>
+            <a:off x="457200" y="2638961"/>
+            <a:ext cx="8229600" cy="1169551"/>
+          </a:xfrm>
+          <a:prstGeom prst="rect">
+            <a:avLst/>
+          </a:prstGeom>
+          <a:solidFill>
+            <a:schemeClr val="accent6">
+              <a:lumMod val="20000"/>
+              <a:lumOff val="80000"/>
+              <a:alpha val="60000"/>
+            </a:schemeClr>
+          </a:solidFill>
+        </p:spPr>
+        <p:txBody>
+          <a:bodyPr wrap="square" rtlCol="0">
+            <a:spAutoFit/>
+          </a:bodyPr>
+          <a:lstStyle/>
+          <a:p>
+            <a:r>
+              <a:rPr lang="en-CA" sz="1400" dirty="0">
+                <a:latin typeface="Courier New" panose="02070309020205020404" pitchFamily="49" charset="0"/>
+                <a:cs typeface="Courier New" panose="02070309020205020404" pitchFamily="49" charset="0"/>
+              </a:rPr>
+              <a:t>&gt; data(</a:t>
+            </a:r>
+            <a:r>
+              <a:rPr lang="en-CA" sz="1400" dirty="0" err="1">
+                <a:latin typeface="Courier New" panose="02070309020205020404" pitchFamily="49" charset="0"/>
+                <a:cs typeface="Courier New" panose="02070309020205020404" pitchFamily="49" charset="0"/>
+              </a:rPr>
+              <a:t>HorseKicks</a:t>
+            </a:r>
+            <a:r>
+              <a:rPr lang="en-CA" sz="1400" dirty="0">
+                <a:latin typeface="Courier New" panose="02070309020205020404" pitchFamily="49" charset="0"/>
+                <a:cs typeface="Courier New" panose="02070309020205020404" pitchFamily="49" charset="0"/>
+              </a:rPr>
+              <a:t>, package="</a:t>
+            </a:r>
+            <a:r>
+              <a:rPr lang="en-CA" sz="1400" dirty="0" err="1">
+                <a:latin typeface="Courier New" panose="02070309020205020404" pitchFamily="49" charset="0"/>
+                <a:cs typeface="Courier New" panose="02070309020205020404" pitchFamily="49" charset="0"/>
+              </a:rPr>
+              <a:t>vcd</a:t>
+            </a:r>
+            <a:r>
+              <a:rPr lang="en-CA" sz="1400" dirty="0">
+                <a:latin typeface="Courier New" panose="02070309020205020404" pitchFamily="49" charset="0"/>
+                <a:cs typeface="Courier New" panose="02070309020205020404" pitchFamily="49" charset="0"/>
+              </a:rPr>
+              <a:t>")</a:t>
+            </a:r>
+          </a:p>
+          <a:p>
+            <a:r>
+              <a:rPr lang="en-CA" sz="1400" dirty="0">
+                <a:latin typeface="Courier New" panose="02070309020205020404" pitchFamily="49" charset="0"/>
+                <a:cs typeface="Courier New" panose="02070309020205020404" pitchFamily="49" charset="0"/>
+              </a:rPr>
+              <a:t>&gt; </a:t>
+            </a:r>
+            <a:r>
+              <a:rPr lang="en-CA" sz="1400" dirty="0" err="1">
+                <a:latin typeface="Courier New" panose="02070309020205020404" pitchFamily="49" charset="0"/>
+                <a:cs typeface="Courier New" panose="02070309020205020404" pitchFamily="49" charset="0"/>
+              </a:rPr>
+              <a:t>HorseKicks</a:t>
+            </a:r>
+            <a:endParaRPr lang="en-CA" sz="1400" dirty="0">
+              <a:latin typeface="Courier New" panose="02070309020205020404" pitchFamily="49" charset="0"/>
+              <a:cs typeface="Courier New" panose="02070309020205020404" pitchFamily="49" charset="0"/>
+            </a:endParaRPr>
+          </a:p>
+          <a:p>
+            <a:r>
+              <a:rPr lang="en-CA" sz="1400" dirty="0" err="1">
+                <a:latin typeface="Courier New" panose="02070309020205020404" pitchFamily="49" charset="0"/>
+                <a:cs typeface="Courier New" panose="02070309020205020404" pitchFamily="49" charset="0"/>
+              </a:rPr>
+              <a:t>nDeaths</a:t>
+            </a:r>
+            <a:endParaRPr lang="en-CA" sz="1400" dirty="0">
+              <a:latin typeface="Courier New" panose="02070309020205020404" pitchFamily="49" charset="0"/>
+              <a:cs typeface="Courier New" panose="02070309020205020404" pitchFamily="49" charset="0"/>
+            </a:endParaRPr>
+          </a:p>
+          <a:p>
+            <a:r>
+              <a:rPr lang="en-CA" sz="1400" dirty="0">
+                <a:latin typeface="Courier New" panose="02070309020205020404" pitchFamily="49" charset="0"/>
+                <a:cs typeface="Courier New" panose="02070309020205020404" pitchFamily="49" charset="0"/>
+              </a:rPr>
+              <a:t>  0   1   2   3   4 </a:t>
+            </a:r>
+          </a:p>
+          <a:p>
+            <a:r>
+              <a:rPr lang="en-CA" sz="1400" dirty="0">
+                <a:latin typeface="Courier New" panose="02070309020205020404" pitchFamily="49" charset="0"/>
+                <a:cs typeface="Courier New" panose="02070309020205020404" pitchFamily="49" charset="0"/>
+              </a:rPr>
+              <a:t>109  65  22   3   1</a:t>
+            </a:r>
+          </a:p>
+        </p:txBody>
+      </p:sp>
+      <p:pic>
+        <p:nvPicPr>
+          <p:cNvPr id="7" name="Picture 6" descr="Chart, bar chart&#10;&#10;Description automatically generated">
+            <a:extLst>
+              <a:ext uri="{FF2B5EF4-FFF2-40B4-BE49-F238E27FC236}">
+                <a16:creationId xmlns:a16="http://schemas.microsoft.com/office/drawing/2014/main" id="{AF03879E-56BF-11CE-07CB-9181103F12F9}"/>
+              </a:ext>
+            </a:extLst>
+          </p:cNvPr>
+          <p:cNvPicPr>
+            <a:picLocks noChangeAspect="1"/>
+          </p:cNvPicPr>
+          <p:nvPr/>
+        </p:nvPicPr>
+        <p:blipFill>
+          <a:blip r:embed="rId2">
+            <a:extLst>
+              <a:ext uri="{28A0092B-C50C-407E-A947-70E740481C1C}">
+                <a14:useLocalDpi xmlns:a14="http://schemas.microsoft.com/office/drawing/2010/main" val="0"/>
+              </a:ext>
+            </a:extLst>
+          </a:blip>
+          <a:stretch>
+            <a:fillRect/>
+          </a:stretch>
+        </p:blipFill>
+        <p:spPr>
+          <a:xfrm>
+            <a:off x="457200" y="3874856"/>
+            <a:ext cx="4852704" cy="2830744"/>
+          </a:xfrm>
+          <a:prstGeom prst="rect">
+            <a:avLst/>
+          </a:prstGeom>
+        </p:spPr>
+      </p:pic>
+      <p:sp>
+        <p:nvSpPr>
+          <p:cNvPr id="8" name="TextBox 7">
+            <a:extLst>
+              <a:ext uri="{FF2B5EF4-FFF2-40B4-BE49-F238E27FC236}">
+                <a16:creationId xmlns:a16="http://schemas.microsoft.com/office/drawing/2014/main" id="{60E7BEAF-7184-872B-8CEE-CB979D958695}"/>
+              </a:ext>
+            </a:extLst>
+          </p:cNvPr>
+          <p:cNvSpPr txBox="1"/>
+          <p:nvPr/>
+        </p:nvSpPr>
+        <p:spPr>
+          <a:xfrm>
+            <a:off x="4724400" y="4267200"/>
+            <a:ext cx="3962400" cy="1200329"/>
+          </a:xfrm>
+          <a:prstGeom prst="rect">
+            <a:avLst/>
+          </a:prstGeom>
+          <a:noFill/>
+        </p:spPr>
+        <p:txBody>
+          <a:bodyPr wrap="square" rtlCol="0">
+            <a:spAutoFit/>
+          </a:bodyPr>
+          <a:lstStyle/>
+          <a:p>
+            <a:r>
+              <a:rPr lang="en-CA" dirty="0"/>
+              <a:t>The Poisson distribution arises as that of the probability of 0, 1, 2, … </a:t>
+            </a:r>
+          </a:p>
+          <a:p>
+            <a:pPr marL="285750" indent="-285750">
+              <a:buFont typeface="Arial" panose="020B0604020202020204" pitchFamily="34" charset="0"/>
+              <a:buChar char="•"/>
+            </a:pPr>
+            <a:r>
+              <a:rPr lang="en-CA" dirty="0">
+                <a:solidFill>
+                  <a:srgbClr val="0070C0"/>
+                </a:solidFill>
+              </a:rPr>
+              <a:t>Rare</a:t>
+            </a:r>
+            <a:r>
+              <a:rPr lang="en-CA" dirty="0"/>
+              <a:t> events, that</a:t>
+            </a:r>
+          </a:p>
+          <a:p>
+            <a:pPr marL="285750" indent="-285750">
+              <a:buFont typeface="Arial" panose="020B0604020202020204" pitchFamily="34" charset="0"/>
+              <a:buChar char="•"/>
+            </a:pPr>
+            <a:r>
+              <a:rPr lang="en-CA" dirty="0"/>
+              <a:t>Occur with </a:t>
+            </a:r>
+            <a:r>
+              <a:rPr lang="en-CA" dirty="0">
+                <a:solidFill>
+                  <a:srgbClr val="0070C0"/>
+                </a:solidFill>
+              </a:rPr>
+              <a:t>constant</a:t>
+            </a:r>
+            <a:r>
+              <a:rPr lang="en-CA" dirty="0"/>
+              <a:t> probability</a:t>
+            </a:r>
+          </a:p>
+        </p:txBody>
+      </p:sp>
+    </p:spTree>
+    <p:extLst>
+      <p:ext uri="{BB962C8B-B14F-4D97-AF65-F5344CB8AC3E}">
+        <p14:creationId xmlns:p14="http://schemas.microsoft.com/office/powerpoint/2010/main" val="309589590"/>
+      </p:ext>
+    </p:extLst>
+  </p:cSld>
+  <p:clrMapOvr>
+    <a:masterClrMapping/>
+  </p:clrMapOvr>
+</p:sld>
+</file>
+
+<file path=ppt/slides/slide40.xml><?xml version="1.0" encoding="utf-8"?>
 <p:sld xmlns:a="http://schemas.openxmlformats.org/drawingml/2006/main" xmlns:r="http://schemas.openxmlformats.org/officeDocument/2006/relationships" xmlns:p="http://schemas.openxmlformats.org/presentationml/2006/main">
   <p:cSld>
     <p:spTree>
@@ -23195,7 +29829,7 @@
           <a:p>
             <a:fld id="{621225AB-15B9-4C79-A121-04D1DC7E2307}" type="slidenum">
               <a:rPr lang="en-US" smtClean="0"/>
-              <a:t>35</a:t>
+              <a:t>40</a:t>
             </a:fld>
             <a:endParaRPr lang="en-US"/>
           </a:p>
@@ -23406,7 +30040,7 @@
 </p:sld>
 </file>
 
-<file path=ppt/slides/slide36.xml><?xml version="1.0" encoding="utf-8"?>
+<file path=ppt/slides/slide41.xml><?xml version="1.0" encoding="utf-8"?>
 <p:sld xmlns:a="http://schemas.openxmlformats.org/drawingml/2006/main" xmlns:r="http://schemas.openxmlformats.org/officeDocument/2006/relationships" xmlns:p="http://schemas.openxmlformats.org/presentationml/2006/main">
   <p:cSld>
     <p:spTree>
@@ -23476,7 +30110,7 @@
           <a:p>
             <a:fld id="{621225AB-15B9-4C79-A121-04D1DC7E2307}" type="slidenum">
               <a:rPr lang="en-US" smtClean="0"/>
-              <a:t>36</a:t>
+              <a:t>41</a:t>
             </a:fld>
             <a:endParaRPr lang="en-US"/>
           </a:p>
@@ -23604,7 +30238,7 @@
 </p:sld>
 </file>
 
-<file path=ppt/slides/slide37.xml><?xml version="1.0" encoding="utf-8"?>
+<file path=ppt/slides/slide42.xml><?xml version="1.0" encoding="utf-8"?>
 <p:sld xmlns:a="http://schemas.openxmlformats.org/drawingml/2006/main" xmlns:r="http://schemas.openxmlformats.org/officeDocument/2006/relationships" xmlns:p="http://schemas.openxmlformats.org/presentationml/2006/main">
   <p:cSld>
     <p:spTree>
@@ -23678,7 +30312,7 @@
           <a:p>
             <a:fld id="{621225AB-15B9-4C79-A121-04D1DC7E2307}" type="slidenum">
               <a:rPr lang="en-US" smtClean="0"/>
-              <a:t>37</a:t>
+              <a:t>42</a:t>
             </a:fld>
             <a:endParaRPr lang="en-US"/>
           </a:p>
@@ -23806,10 +30440,182 @@
   <p:clrMapOvr>
     <a:masterClrMapping/>
   </p:clrMapOvr>
+  <p:timing>
+    <p:tnLst>
+      <p:par>
+        <p:cTn id="1" dur="indefinite" restart="never" nodeType="tmRoot">
+          <p:childTnLst>
+            <p:seq concurrent="1" nextAc="seek">
+              <p:cTn id="2" dur="indefinite" nodeType="mainSeq">
+                <p:childTnLst>
+                  <p:par>
+                    <p:cTn id="3" fill="hold">
+                      <p:stCondLst>
+                        <p:cond delay="indefinite"/>
+                        <p:cond evt="onBegin" delay="0">
+                          <p:tn val="2"/>
+                        </p:cond>
+                      </p:stCondLst>
+                      <p:childTnLst>
+                        <p:par>
+                          <p:cTn id="4" fill="hold">
+                            <p:stCondLst>
+                              <p:cond delay="0"/>
+                            </p:stCondLst>
+                            <p:childTnLst>
+                              <p:par>
+                                <p:cTn id="5" presetID="2" presetClass="entr" presetSubtype="2" fill="hold" grpId="0" nodeType="withEffect">
+                                  <p:stCondLst>
+                                    <p:cond delay="1250"/>
+                                  </p:stCondLst>
+                                  <p:childTnLst>
+                                    <p:set>
+                                      <p:cBhvr>
+                                        <p:cTn id="6" dur="1" fill="hold">
+                                          <p:stCondLst>
+                                            <p:cond delay="0"/>
+                                          </p:stCondLst>
+                                        </p:cTn>
+                                        <p:tgtEl>
+                                          <p:spTgt spid="6"/>
+                                        </p:tgtEl>
+                                        <p:attrNameLst>
+                                          <p:attrName>style.visibility</p:attrName>
+                                        </p:attrNameLst>
+                                      </p:cBhvr>
+                                      <p:to>
+                                        <p:strVal val="visible"/>
+                                      </p:to>
+                                    </p:set>
+                                    <p:anim calcmode="lin" valueType="num">
+                                      <p:cBhvr additive="base">
+                                        <p:cTn id="7" dur="1250" fill="hold"/>
+                                        <p:tgtEl>
+                                          <p:spTgt spid="6"/>
+                                        </p:tgtEl>
+                                        <p:attrNameLst>
+                                          <p:attrName>ppt_x</p:attrName>
+                                        </p:attrNameLst>
+                                      </p:cBhvr>
+                                      <p:tavLst>
+                                        <p:tav tm="0">
+                                          <p:val>
+                                            <p:strVal val="1+#ppt_w/2"/>
+                                          </p:val>
+                                        </p:tav>
+                                        <p:tav tm="100000">
+                                          <p:val>
+                                            <p:strVal val="#ppt_x"/>
+                                          </p:val>
+                                        </p:tav>
+                                      </p:tavLst>
+                                    </p:anim>
+                                    <p:anim calcmode="lin" valueType="num">
+                                      <p:cBhvr additive="base">
+                                        <p:cTn id="8" dur="1250" fill="hold"/>
+                                        <p:tgtEl>
+                                          <p:spTgt spid="6"/>
+                                        </p:tgtEl>
+                                        <p:attrNameLst>
+                                          <p:attrName>ppt_y</p:attrName>
+                                        </p:attrNameLst>
+                                      </p:cBhvr>
+                                      <p:tavLst>
+                                        <p:tav tm="0">
+                                          <p:val>
+                                            <p:strVal val="#ppt_y"/>
+                                          </p:val>
+                                        </p:tav>
+                                        <p:tav tm="100000">
+                                          <p:val>
+                                            <p:strVal val="#ppt_y"/>
+                                          </p:val>
+                                        </p:tav>
+                                      </p:tavLst>
+                                    </p:anim>
+                                  </p:childTnLst>
+                                </p:cTn>
+                              </p:par>
+                            </p:childTnLst>
+                          </p:cTn>
+                        </p:par>
+                      </p:childTnLst>
+                    </p:cTn>
+                  </p:par>
+                  <p:par>
+                    <p:cTn id="9" fill="hold">
+                      <p:stCondLst>
+                        <p:cond delay="indefinite"/>
+                      </p:stCondLst>
+                      <p:childTnLst>
+                        <p:par>
+                          <p:cTn id="10" fill="hold">
+                            <p:stCondLst>
+                              <p:cond delay="0"/>
+                            </p:stCondLst>
+                            <p:childTnLst>
+                              <p:par>
+                                <p:cTn id="11" presetID="1" presetClass="entr" presetSubtype="0" fill="hold" nodeType="clickEffect">
+                                  <p:stCondLst>
+                                    <p:cond delay="0"/>
+                                  </p:stCondLst>
+                                  <p:childTnLst>
+                                    <p:set>
+                                      <p:cBhvr>
+                                        <p:cTn id="12" dur="1" fill="hold">
+                                          <p:stCondLst>
+                                            <p:cond delay="0"/>
+                                          </p:stCondLst>
+                                        </p:cTn>
+                                        <p:tgtEl>
+                                          <p:spTgt spid="5"/>
+                                        </p:tgtEl>
+                                        <p:attrNameLst>
+                                          <p:attrName>style.visibility</p:attrName>
+                                        </p:attrNameLst>
+                                      </p:cBhvr>
+                                      <p:to>
+                                        <p:strVal val="visible"/>
+                                      </p:to>
+                                    </p:set>
+                                  </p:childTnLst>
+                                </p:cTn>
+                              </p:par>
+                            </p:childTnLst>
+                          </p:cTn>
+                        </p:par>
+                      </p:childTnLst>
+                    </p:cTn>
+                  </p:par>
+                </p:childTnLst>
+              </p:cTn>
+              <p:prevCondLst>
+                <p:cond evt="onPrev" delay="0">
+                  <p:tgtEl>
+                    <p:sldTgt/>
+                  </p:tgtEl>
+                </p:cond>
+              </p:prevCondLst>
+              <p:nextCondLst>
+                <p:cond evt="onNext" delay="0">
+                  <p:tgtEl>
+                    <p:sldTgt/>
+                  </p:tgtEl>
+                </p:cond>
+              </p:nextCondLst>
+            </p:seq>
+          </p:childTnLst>
+        </p:cTn>
+      </p:par>
+    </p:tnLst>
+    <p:bldLst>
+      <p:bldP spid="6" grpId="0" animBg="1"/>
+    </p:bldLst>
+  </p:timing>
 </p:sld>
 </file>
 
-<file path=ppt/slides/slide38.xml><?xml version="1.0" encoding="utf-8"?>
+<file path=ppt/slides/slide43.xml><?xml version="1.0" encoding="utf-8"?>
 <p:sld xmlns:a="http://schemas.openxmlformats.org/drawingml/2006/main" xmlns:r="http://schemas.openxmlformats.org/officeDocument/2006/relationships" xmlns:p="http://schemas.openxmlformats.org/presentationml/2006/main">
   <p:cSld>
     <p:spTree>
@@ -23879,7 +30685,7 @@
           <a:p>
             <a:fld id="{621225AB-15B9-4C79-A121-04D1DC7E2307}" type="slidenum">
               <a:rPr lang="en-US" smtClean="0"/>
-              <a:t>38</a:t>
+              <a:t>43</a:t>
             </a:fld>
             <a:endParaRPr lang="en-US"/>
           </a:p>
@@ -24033,7 +30839,7 @@
 </p:sld>
 </file>
 
-<file path=ppt/slides/slide39.xml><?xml version="1.0" encoding="utf-8"?>
+<file path=ppt/slides/slide44.xml><?xml version="1.0" encoding="utf-8"?>
 <p:sld xmlns:a="http://schemas.openxmlformats.org/drawingml/2006/main" xmlns:r="http://schemas.openxmlformats.org/officeDocument/2006/relationships" xmlns:p="http://schemas.openxmlformats.org/presentationml/2006/main">
   <p:cSld>
     <p:spTree>
@@ -24107,7 +30913,7 @@
           <a:p>
             <a:fld id="{621225AB-15B9-4C79-A121-04D1DC7E2307}" type="slidenum">
               <a:rPr lang="en-US" smtClean="0"/>
-              <a:t>39</a:t>
+              <a:t>44</a:t>
             </a:fld>
             <a:endParaRPr lang="en-US"/>
           </a:p>
@@ -24191,403 +30997,7 @@
 </p:sld>
 </file>
 
-<file path=ppt/slides/slide4.xml><?xml version="1.0" encoding="utf-8"?>
-<p:sld xmlns:a="http://schemas.openxmlformats.org/drawingml/2006/main" xmlns:r="http://schemas.openxmlformats.org/officeDocument/2006/relationships" xmlns:p="http://schemas.openxmlformats.org/presentationml/2006/main">
-  <p:cSld>
-    <p:spTree>
-      <p:nvGrpSpPr>
-        <p:cNvPr id="1" name=""/>
-        <p:cNvGrpSpPr/>
-        <p:nvPr/>
-      </p:nvGrpSpPr>
-      <p:grpSpPr>
-        <a:xfrm>
-          <a:off x="0" y="0"/>
-          <a:ext cx="0" cy="0"/>
-          <a:chOff x="0" y="0"/>
-          <a:chExt cx="0" cy="0"/>
-        </a:xfrm>
-      </p:grpSpPr>
-      <p:sp>
-        <p:nvSpPr>
-          <p:cNvPr id="2" name="Title 1">
-            <a:extLst>
-              <a:ext uri="{FF2B5EF4-FFF2-40B4-BE49-F238E27FC236}">
-                <a16:creationId xmlns:a16="http://schemas.microsoft.com/office/drawing/2014/main" id="{B2748031-E510-19CC-5E78-5C1AE1499DC4}"/>
-              </a:ext>
-            </a:extLst>
-          </p:cNvPr>
-          <p:cNvSpPr>
-            <a:spLocks noGrp="1"/>
-          </p:cNvSpPr>
-          <p:nvPr>
-            <p:ph type="title"/>
-          </p:nvPr>
-        </p:nvSpPr>
-        <p:spPr/>
-        <p:txBody>
-          <a:bodyPr>
-            <a:normAutofit fontScale="90000"/>
-          </a:bodyPr>
-          <a:lstStyle/>
-          <a:p>
-            <a:r>
-              <a:rPr lang="en-CA" dirty="0"/>
-              <a:t>Examples: Poisson</a:t>
-            </a:r>
-          </a:p>
-        </p:txBody>
-      </p:sp>
-      <p:sp>
-        <p:nvSpPr>
-          <p:cNvPr id="3" name="Slide Number Placeholder 2">
-            <a:extLst>
-              <a:ext uri="{FF2B5EF4-FFF2-40B4-BE49-F238E27FC236}">
-                <a16:creationId xmlns:a16="http://schemas.microsoft.com/office/drawing/2014/main" id="{15640339-1A0B-1943-59D3-B3A922CD264E}"/>
-              </a:ext>
-            </a:extLst>
-          </p:cNvPr>
-          <p:cNvSpPr>
-            <a:spLocks noGrp="1"/>
-          </p:cNvSpPr>
-          <p:nvPr>
-            <p:ph type="sldNum" sz="quarter" idx="12"/>
-          </p:nvPr>
-        </p:nvSpPr>
-        <p:spPr/>
-        <p:txBody>
-          <a:bodyPr/>
-          <a:lstStyle/>
-          <a:p>
-            <a:fld id="{621225AB-15B9-4C79-A121-04D1DC7E2307}" type="slidenum">
-              <a:rPr lang="en-US" smtClean="0"/>
-              <a:t>4</a:t>
-            </a:fld>
-            <a:endParaRPr lang="en-US"/>
-          </a:p>
-        </p:txBody>
-      </p:sp>
-      <p:sp>
-        <p:nvSpPr>
-          <p:cNvPr id="4" name="TextBox 3">
-            <a:extLst>
-              <a:ext uri="{FF2B5EF4-FFF2-40B4-BE49-F238E27FC236}">
-                <a16:creationId xmlns:a16="http://schemas.microsoft.com/office/drawing/2014/main" id="{08A10D38-6B78-36A2-DD70-BE33AA3D6BDF}"/>
-              </a:ext>
-            </a:extLst>
-          </p:cNvPr>
-          <p:cNvSpPr txBox="1"/>
-          <p:nvPr/>
-        </p:nvSpPr>
-        <p:spPr>
-          <a:xfrm>
-            <a:off x="457200" y="1143000"/>
-            <a:ext cx="8229600" cy="1200329"/>
-          </a:xfrm>
-          <a:prstGeom prst="rect">
-            <a:avLst/>
-          </a:prstGeom>
-          <a:noFill/>
-        </p:spPr>
-        <p:txBody>
-          <a:bodyPr wrap="square" rtlCol="0">
-            <a:spAutoFit/>
-          </a:bodyPr>
-          <a:lstStyle/>
-          <a:p>
-            <a:r>
-              <a:rPr lang="en-CA" dirty="0"/>
-              <a:t>L. Von </a:t>
-            </a:r>
-            <a:r>
-              <a:rPr lang="en-CA" dirty="0" err="1"/>
-              <a:t>Bortkiewicz</a:t>
-            </a:r>
-            <a:r>
-              <a:rPr lang="en-CA" dirty="0"/>
-              <a:t> (1898) tallied the numbers of deaths by horse or mule kicks in 10 corps of the Prussian army over 20 years, </a:t>
-            </a:r>
-            <a:r>
-              <a:rPr lang="en-CA" dirty="0">
-                <a:sym typeface="Symbol" panose="05050102010706020507" pitchFamily="18" charset="2"/>
-              </a:rPr>
-              <a:t> </a:t>
-            </a:r>
-            <a:r>
-              <a:rPr lang="en-CA" dirty="0"/>
-              <a:t>200 corps-years</a:t>
-            </a:r>
-          </a:p>
-          <a:p>
-            <a:pPr marL="285750" indent="-285750">
-              <a:buFont typeface="Arial" panose="020B0604020202020204" pitchFamily="34" charset="0"/>
-              <a:buChar char="•"/>
-            </a:pPr>
-            <a:r>
-              <a:rPr lang="en-CA" dirty="0"/>
-              <a:t>In how many corps-years were there 0, 1, 2, … deaths?</a:t>
-            </a:r>
-          </a:p>
-          <a:p>
-            <a:pPr marL="285750" indent="-285750">
-              <a:buFont typeface="Arial" panose="020B0604020202020204" pitchFamily="34" charset="0"/>
-              <a:buChar char="•"/>
-            </a:pPr>
-            <a:r>
-              <a:rPr lang="en-CA" dirty="0"/>
-              <a:t>This is among the earliest examples of a Poisson distribution</a:t>
-            </a:r>
-          </a:p>
-        </p:txBody>
-      </p:sp>
-      <p:sp>
-        <p:nvSpPr>
-          <p:cNvPr id="5" name="TextBox 4">
-            <a:extLst>
-              <a:ext uri="{FF2B5EF4-FFF2-40B4-BE49-F238E27FC236}">
-                <a16:creationId xmlns:a16="http://schemas.microsoft.com/office/drawing/2014/main" id="{4514870A-62F9-ECE1-0E6F-1CA1B3DBC920}"/>
-              </a:ext>
-            </a:extLst>
-          </p:cNvPr>
-          <p:cNvSpPr txBox="1"/>
-          <p:nvPr/>
-        </p:nvSpPr>
-        <p:spPr>
-          <a:xfrm>
-            <a:off x="457200" y="2638961"/>
-            <a:ext cx="8229600" cy="1169551"/>
-          </a:xfrm>
-          <a:prstGeom prst="rect">
-            <a:avLst/>
-          </a:prstGeom>
-          <a:solidFill>
-            <a:schemeClr val="accent6">
-              <a:lumMod val="20000"/>
-              <a:lumOff val="80000"/>
-              <a:alpha val="60000"/>
-            </a:schemeClr>
-          </a:solidFill>
-        </p:spPr>
-        <p:txBody>
-          <a:bodyPr wrap="square" rtlCol="0">
-            <a:spAutoFit/>
-          </a:bodyPr>
-          <a:lstStyle/>
-          <a:p>
-            <a:r>
-              <a:rPr lang="en-CA" sz="1400" dirty="0">
-                <a:latin typeface="Courier New" panose="02070309020205020404" pitchFamily="49" charset="0"/>
-                <a:cs typeface="Courier New" panose="02070309020205020404" pitchFamily="49" charset="0"/>
-              </a:rPr>
-              <a:t>&gt; data(</a:t>
-            </a:r>
-            <a:r>
-              <a:rPr lang="en-CA" sz="1400" dirty="0" err="1">
-                <a:latin typeface="Courier New" panose="02070309020205020404" pitchFamily="49" charset="0"/>
-                <a:cs typeface="Courier New" panose="02070309020205020404" pitchFamily="49" charset="0"/>
-              </a:rPr>
-              <a:t>HorseKicks</a:t>
-            </a:r>
-            <a:r>
-              <a:rPr lang="en-CA" sz="1400" dirty="0">
-                <a:latin typeface="Courier New" panose="02070309020205020404" pitchFamily="49" charset="0"/>
-                <a:cs typeface="Courier New" panose="02070309020205020404" pitchFamily="49" charset="0"/>
-              </a:rPr>
-              <a:t>, package="</a:t>
-            </a:r>
-            <a:r>
-              <a:rPr lang="en-CA" sz="1400" dirty="0" err="1">
-                <a:latin typeface="Courier New" panose="02070309020205020404" pitchFamily="49" charset="0"/>
-                <a:cs typeface="Courier New" panose="02070309020205020404" pitchFamily="49" charset="0"/>
-              </a:rPr>
-              <a:t>vcd</a:t>
-            </a:r>
-            <a:r>
-              <a:rPr lang="en-CA" sz="1400" dirty="0">
-                <a:latin typeface="Courier New" panose="02070309020205020404" pitchFamily="49" charset="0"/>
-                <a:cs typeface="Courier New" panose="02070309020205020404" pitchFamily="49" charset="0"/>
-              </a:rPr>
-              <a:t>")</a:t>
-            </a:r>
-          </a:p>
-          <a:p>
-            <a:r>
-              <a:rPr lang="en-CA" sz="1400" dirty="0">
-                <a:latin typeface="Courier New" panose="02070309020205020404" pitchFamily="49" charset="0"/>
-                <a:cs typeface="Courier New" panose="02070309020205020404" pitchFamily="49" charset="0"/>
-              </a:rPr>
-              <a:t>&gt; </a:t>
-            </a:r>
-            <a:r>
-              <a:rPr lang="en-CA" sz="1400" dirty="0" err="1">
-                <a:latin typeface="Courier New" panose="02070309020205020404" pitchFamily="49" charset="0"/>
-                <a:cs typeface="Courier New" panose="02070309020205020404" pitchFamily="49" charset="0"/>
-              </a:rPr>
-              <a:t>HorseKicks</a:t>
-            </a:r>
-            <a:endParaRPr lang="en-CA" sz="1400" dirty="0">
-              <a:latin typeface="Courier New" panose="02070309020205020404" pitchFamily="49" charset="0"/>
-              <a:cs typeface="Courier New" panose="02070309020205020404" pitchFamily="49" charset="0"/>
-            </a:endParaRPr>
-          </a:p>
-          <a:p>
-            <a:r>
-              <a:rPr lang="en-CA" sz="1400" dirty="0" err="1">
-                <a:latin typeface="Courier New" panose="02070309020205020404" pitchFamily="49" charset="0"/>
-                <a:cs typeface="Courier New" panose="02070309020205020404" pitchFamily="49" charset="0"/>
-              </a:rPr>
-              <a:t>nDeaths</a:t>
-            </a:r>
-            <a:endParaRPr lang="en-CA" sz="1400" dirty="0">
-              <a:latin typeface="Courier New" panose="02070309020205020404" pitchFamily="49" charset="0"/>
-              <a:cs typeface="Courier New" panose="02070309020205020404" pitchFamily="49" charset="0"/>
-            </a:endParaRPr>
-          </a:p>
-          <a:p>
-            <a:r>
-              <a:rPr lang="en-CA" sz="1400" dirty="0">
-                <a:latin typeface="Courier New" panose="02070309020205020404" pitchFamily="49" charset="0"/>
-                <a:cs typeface="Courier New" panose="02070309020205020404" pitchFamily="49" charset="0"/>
-              </a:rPr>
-              <a:t>  0   1   2   3   4 </a:t>
-            </a:r>
-          </a:p>
-          <a:p>
-            <a:r>
-              <a:rPr lang="en-CA" sz="1400" dirty="0">
-                <a:latin typeface="Courier New" panose="02070309020205020404" pitchFamily="49" charset="0"/>
-                <a:cs typeface="Courier New" panose="02070309020205020404" pitchFamily="49" charset="0"/>
-              </a:rPr>
-              <a:t>109  65  22   3   1</a:t>
-            </a:r>
-          </a:p>
-        </p:txBody>
-      </p:sp>
-      <p:pic>
-        <p:nvPicPr>
-          <p:cNvPr id="7" name="Picture 6" descr="Chart, bar chart&#10;&#10;Description automatically generated">
-            <a:extLst>
-              <a:ext uri="{FF2B5EF4-FFF2-40B4-BE49-F238E27FC236}">
-                <a16:creationId xmlns:a16="http://schemas.microsoft.com/office/drawing/2014/main" id="{AF03879E-56BF-11CE-07CB-9181103F12F9}"/>
-              </a:ext>
-            </a:extLst>
-          </p:cNvPr>
-          <p:cNvPicPr>
-            <a:picLocks noChangeAspect="1"/>
-          </p:cNvPicPr>
-          <p:nvPr/>
-        </p:nvPicPr>
-        <p:blipFill>
-          <a:blip r:embed="rId2">
-            <a:extLst>
-              <a:ext uri="{28A0092B-C50C-407E-A947-70E740481C1C}">
-                <a14:useLocalDpi xmlns:a14="http://schemas.microsoft.com/office/drawing/2010/main" val="0"/>
-              </a:ext>
-            </a:extLst>
-          </a:blip>
-          <a:stretch>
-            <a:fillRect/>
-          </a:stretch>
-        </p:blipFill>
-        <p:spPr>
-          <a:xfrm>
-            <a:off x="457200" y="3874856"/>
-            <a:ext cx="4852704" cy="2830744"/>
-          </a:xfrm>
-          <a:prstGeom prst="rect">
-            <a:avLst/>
-          </a:prstGeom>
-        </p:spPr>
-      </p:pic>
-      <p:sp>
-        <p:nvSpPr>
-          <p:cNvPr id="8" name="TextBox 7">
-            <a:extLst>
-              <a:ext uri="{FF2B5EF4-FFF2-40B4-BE49-F238E27FC236}">
-                <a16:creationId xmlns:a16="http://schemas.microsoft.com/office/drawing/2014/main" id="{60E7BEAF-7184-872B-8CEE-CB979D958695}"/>
-              </a:ext>
-            </a:extLst>
-          </p:cNvPr>
-          <p:cNvSpPr txBox="1"/>
-          <p:nvPr/>
-        </p:nvSpPr>
-        <p:spPr>
-          <a:xfrm>
-            <a:off x="4724400" y="4267200"/>
-            <a:ext cx="3962400" cy="1200329"/>
-          </a:xfrm>
-          <a:prstGeom prst="rect">
-            <a:avLst/>
-          </a:prstGeom>
-          <a:noFill/>
-        </p:spPr>
-        <p:txBody>
-          <a:bodyPr wrap="square" rtlCol="0">
-            <a:spAutoFit/>
-          </a:bodyPr>
-          <a:lstStyle/>
-          <a:p>
-            <a:r>
-              <a:rPr lang="en-CA" dirty="0"/>
-              <a:t>The Poisson distribution arises as that of the probability of 0, 1, 2, … </a:t>
-            </a:r>
-          </a:p>
-          <a:p>
-            <a:pPr marL="285750" indent="-285750">
-              <a:buFont typeface="Arial" panose="020B0604020202020204" pitchFamily="34" charset="0"/>
-              <a:buChar char="•"/>
-            </a:pPr>
-            <a:r>
-              <a:rPr lang="en-CA" dirty="0">
-                <a:solidFill>
-                  <a:srgbClr val="0070C0"/>
-                </a:solidFill>
-              </a:rPr>
-              <a:t>Rare</a:t>
-            </a:r>
-            <a:r>
-              <a:rPr lang="en-CA" dirty="0"/>
-              <a:t> events, that</a:t>
-            </a:r>
-          </a:p>
-          <a:p>
-            <a:pPr marL="285750" indent="-285750">
-              <a:buFont typeface="Arial" panose="020B0604020202020204" pitchFamily="34" charset="0"/>
-              <a:buChar char="•"/>
-            </a:pPr>
-            <a:r>
-              <a:rPr lang="en-CA" dirty="0"/>
-              <a:t>Occur with </a:t>
-            </a:r>
-            <a:r>
-              <a:rPr lang="en-CA" dirty="0">
-                <a:solidFill>
-                  <a:srgbClr val="0070C0"/>
-                </a:solidFill>
-              </a:rPr>
-              <a:t>constant</a:t>
-            </a:r>
-            <a:r>
-              <a:rPr lang="en-CA" dirty="0"/>
-              <a:t> probability</a:t>
-            </a:r>
-          </a:p>
-        </p:txBody>
-      </p:sp>
-    </p:spTree>
-    <p:extLst>
-      <p:ext uri="{BB962C8B-B14F-4D97-AF65-F5344CB8AC3E}">
-        <p14:creationId xmlns:p14="http://schemas.microsoft.com/office/powerpoint/2010/main" val="309589590"/>
-      </p:ext>
-    </p:extLst>
-  </p:cSld>
-  <p:clrMapOvr>
-    <a:masterClrMapping/>
-  </p:clrMapOvr>
-</p:sld>
-</file>
-
-<file path=ppt/slides/slide40.xml><?xml version="1.0" encoding="utf-8"?>
+<file path=ppt/slides/slide45.xml><?xml version="1.0" encoding="utf-8"?>
 <p:sld xmlns:a="http://schemas.openxmlformats.org/drawingml/2006/main" xmlns:r="http://schemas.openxmlformats.org/officeDocument/2006/relationships" xmlns:p="http://schemas.openxmlformats.org/presentationml/2006/main">
   <p:cSld>
     <p:spTree>
@@ -24661,7 +31071,7 @@
           <a:p>
             <a:fld id="{621225AB-15B9-4C79-A121-04D1DC7E2307}" type="slidenum">
               <a:rPr lang="en-US" smtClean="0"/>
-              <a:t>40</a:t>
+              <a:t>45</a:t>
             </a:fld>
             <a:endParaRPr lang="en-US"/>
           </a:p>
@@ -24796,7 +31206,7 @@
 </p:sld>
 </file>
 
-<file path=ppt/slides/slide41.xml><?xml version="1.0" encoding="utf-8"?>
+<file path=ppt/slides/slide46.xml><?xml version="1.0" encoding="utf-8"?>
 <p:sld xmlns:a="http://schemas.openxmlformats.org/drawingml/2006/main" xmlns:r="http://schemas.openxmlformats.org/officeDocument/2006/relationships" xmlns:p="http://schemas.openxmlformats.org/presentationml/2006/main">
   <p:cSld>
     <p:spTree>
@@ -24866,7 +31276,7 @@
           <a:p>
             <a:fld id="{621225AB-15B9-4C79-A121-04D1DC7E2307}" type="slidenum">
               <a:rPr lang="en-US" smtClean="0"/>
-              <a:t>41</a:t>
+              <a:t>46</a:t>
             </a:fld>
             <a:endParaRPr lang="en-US"/>
           </a:p>
@@ -25107,7 +31517,7 @@
 </p:sld>
 </file>
 
-<file path=ppt/slides/slide42.xml><?xml version="1.0" encoding="utf-8"?>
+<file path=ppt/slides/slide47.xml><?xml version="1.0" encoding="utf-8"?>
 <p:sld xmlns:a="http://schemas.openxmlformats.org/drawingml/2006/main" xmlns:r="http://schemas.openxmlformats.org/officeDocument/2006/relationships" xmlns:p="http://schemas.openxmlformats.org/presentationml/2006/main">
   <p:cSld>
     <p:spTree>
@@ -25177,7 +31587,7 @@
           <a:p>
             <a:fld id="{621225AB-15B9-4C79-A121-04D1DC7E2307}" type="slidenum">
               <a:rPr lang="en-US" smtClean="0"/>
-              <a:t>42</a:t>
+              <a:t>47</a:t>
             </a:fld>
             <a:endParaRPr lang="en-US"/>
           </a:p>
@@ -25331,7 +31741,7 @@
 </p:sld>
 </file>
 
-<file path=ppt/slides/slide43.xml><?xml version="1.0" encoding="utf-8"?>
+<file path=ppt/slides/slide48.xml><?xml version="1.0" encoding="utf-8"?>
 <p:sld xmlns:a="http://schemas.openxmlformats.org/drawingml/2006/main" xmlns:r="http://schemas.openxmlformats.org/officeDocument/2006/relationships" xmlns:p="http://schemas.openxmlformats.org/presentationml/2006/main">
   <p:cSld>
     <p:spTree>
@@ -25497,7 +31907,7 @@
           <a:p>
             <a:fld id="{621225AB-15B9-4C79-A121-04D1DC7E2307}" type="slidenum">
               <a:rPr lang="en-US" smtClean="0"/>
-              <a:t>43</a:t>
+              <a:t>48</a:t>
             </a:fld>
             <a:endParaRPr lang="en-US"/>
           </a:p>
@@ -25558,7 +31968,7 @@
 </p:sld>
 </file>
 
-<file path=ppt/slides/slide44.xml><?xml version="1.0" encoding="utf-8"?>
+<file path=ppt/slides/slide49.xml><?xml version="1.0" encoding="utf-8"?>
 <p:sld xmlns:a="http://schemas.openxmlformats.org/drawingml/2006/main" xmlns:r="http://schemas.openxmlformats.org/officeDocument/2006/relationships" xmlns:p="http://schemas.openxmlformats.org/presentationml/2006/main">
   <p:cSld>
     <p:spTree>
@@ -25633,7 +32043,7 @@
           <a:p>
             <a:fld id="{621225AB-15B9-4C79-A121-04D1DC7E2307}" type="slidenum">
               <a:rPr lang="en-US" smtClean="0"/>
-              <a:t>44</a:t>
+              <a:t>49</a:t>
             </a:fld>
             <a:endParaRPr lang="en-US"/>
           </a:p>
@@ -25723,7 +32133,310 @@
 </p:sld>
 </file>
 
-<file path=ppt/slides/slide45.xml><?xml version="1.0" encoding="utf-8"?>
+<file path=ppt/slides/slide5.xml><?xml version="1.0" encoding="utf-8"?>
+<p:sld xmlns:a="http://schemas.openxmlformats.org/drawingml/2006/main" xmlns:r="http://schemas.openxmlformats.org/officeDocument/2006/relationships" xmlns:p="http://schemas.openxmlformats.org/presentationml/2006/main">
+  <p:cSld>
+    <p:spTree>
+      <p:nvGrpSpPr>
+        <p:cNvPr id="1" name=""/>
+        <p:cNvGrpSpPr/>
+        <p:nvPr/>
+      </p:nvGrpSpPr>
+      <p:grpSpPr>
+        <a:xfrm>
+          <a:off x="0" y="0"/>
+          <a:ext cx="0" cy="0"/>
+          <a:chOff x="0" y="0"/>
+          <a:chExt cx="0" cy="0"/>
+        </a:xfrm>
+      </p:grpSpPr>
+      <p:sp>
+        <p:nvSpPr>
+          <p:cNvPr id="2" name="Title 1">
+            <a:extLst>
+              <a:ext uri="{FF2B5EF4-FFF2-40B4-BE49-F238E27FC236}">
+                <a16:creationId xmlns:a16="http://schemas.microsoft.com/office/drawing/2014/main" id="{8FAF1B42-0BEF-43EF-A7B0-280A2CC70DCE}"/>
+              </a:ext>
+            </a:extLst>
+          </p:cNvPr>
+          <p:cNvSpPr>
+            <a:spLocks noGrp="1"/>
+          </p:cNvSpPr>
+          <p:nvPr>
+            <p:ph type="title"/>
+          </p:nvPr>
+        </p:nvSpPr>
+        <p:spPr/>
+        <p:txBody>
+          <a:bodyPr>
+            <a:normAutofit fontScale="90000"/>
+          </a:bodyPr>
+          <a:lstStyle/>
+          <a:p>
+            <a:r>
+              <a:rPr lang="en-US" dirty="0"/>
+              <a:t>Examples: count data</a:t>
+            </a:r>
+          </a:p>
+        </p:txBody>
+      </p:sp>
+      <p:sp>
+        <p:nvSpPr>
+          <p:cNvPr id="4" name="Content Placeholder 3">
+            <a:extLst>
+              <a:ext uri="{FF2B5EF4-FFF2-40B4-BE49-F238E27FC236}">
+                <a16:creationId xmlns:a16="http://schemas.microsoft.com/office/drawing/2014/main" id="{6F67D333-31B0-459D-BF1E-7C874F6DED0B}"/>
+              </a:ext>
+            </a:extLst>
+          </p:cNvPr>
+          <p:cNvSpPr>
+            <a:spLocks noGrp="1"/>
+          </p:cNvSpPr>
+          <p:nvPr>
+            <p:ph idx="1"/>
+          </p:nvPr>
+        </p:nvSpPr>
+        <p:spPr>
+          <a:xfrm>
+            <a:off x="457200" y="1143000"/>
+            <a:ext cx="8229600" cy="3200400"/>
+          </a:xfrm>
+        </p:spPr>
+        <p:txBody>
+          <a:bodyPr/>
+          <a:lstStyle/>
+          <a:p>
+            <a:pPr marL="0" indent="0">
+              <a:buNone/>
+            </a:pPr>
+            <a:r>
+              <a:rPr lang="en-US" sz="2400" dirty="0"/>
+              <a:t>Federalist papers: Disputed authorship</a:t>
+            </a:r>
+          </a:p>
+          <a:p>
+            <a:r>
+              <a:rPr lang="en-US" sz="2000" dirty="0"/>
+              <a:t>77 essays by Alexander Hamilton, John Jay, James Madison to persuade voters to ratify the US constitution, all signed with pseudonym “Publius”</a:t>
+            </a:r>
+          </a:p>
+          <a:p>
+            <a:pPr lvl="1"/>
+            <a:r>
+              <a:rPr lang="en-US" sz="1800" dirty="0"/>
+              <a:t>Who wrote each?</a:t>
+            </a:r>
+          </a:p>
+          <a:p>
+            <a:pPr lvl="1"/>
+            <a:r>
+              <a:rPr lang="en-US" sz="1800" dirty="0"/>
+              <a:t>65 known, 12 disputed (H &amp; M both claimed sole authorship)</a:t>
+            </a:r>
+          </a:p>
+          <a:p>
+            <a:r>
+              <a:rPr lang="en-US" sz="2000" dirty="0" err="1"/>
+              <a:t>Mosteller</a:t>
+            </a:r>
+            <a:r>
+              <a:rPr lang="en-US" sz="2000" dirty="0"/>
+              <a:t> &amp; Wallace (1984): analysis of frequency </a:t>
+            </a:r>
+            <a:r>
+              <a:rPr lang="en-US" sz="2000" dirty="0" err="1"/>
+              <a:t>dist</a:t>
+            </a:r>
+            <a:r>
+              <a:rPr lang="en-US" sz="2000" baseline="30000" dirty="0" err="1"/>
+              <a:t>n</a:t>
+            </a:r>
+            <a:r>
+              <a:rPr lang="en-US" sz="2000" dirty="0" err="1"/>
+              <a:t>s</a:t>
+            </a:r>
+            <a:r>
+              <a:rPr lang="en-US" sz="2000" dirty="0"/>
+              <a:t> of key “marker” words: from, </a:t>
+            </a:r>
+            <a:r>
+              <a:rPr lang="en-US" sz="2000" b="1" dirty="0"/>
+              <a:t>may</a:t>
+            </a:r>
+            <a:r>
+              <a:rPr lang="en-US" sz="2000" dirty="0"/>
+              <a:t>, whilst, …</a:t>
+            </a:r>
+          </a:p>
+          <a:p>
+            <a:r>
+              <a:rPr lang="en-US" sz="2000" dirty="0"/>
+              <a:t>e.g., blocks of 200 words: occurrences (</a:t>
+            </a:r>
+            <a:r>
+              <a:rPr lang="en-US" sz="2000" i="1" dirty="0"/>
+              <a:t>k</a:t>
+            </a:r>
+            <a:r>
+              <a:rPr lang="en-US" sz="2000" dirty="0"/>
+              <a:t>) of “may” in how many blocks (</a:t>
+            </a:r>
+            <a:r>
+              <a:rPr lang="en-US" sz="2000" i="1" dirty="0" err="1"/>
+              <a:t>n</a:t>
+            </a:r>
+            <a:r>
+              <a:rPr lang="en-US" sz="2000" i="1" baseline="-25000" dirty="0" err="1"/>
+              <a:t>k</a:t>
+            </a:r>
+            <a:r>
+              <a:rPr lang="en-US" sz="2000" dirty="0"/>
+              <a:t>)</a:t>
+            </a:r>
+          </a:p>
+        </p:txBody>
+      </p:sp>
+      <p:sp>
+        <p:nvSpPr>
+          <p:cNvPr id="3" name="Slide Number Placeholder 2">
+            <a:extLst>
+              <a:ext uri="{FF2B5EF4-FFF2-40B4-BE49-F238E27FC236}">
+                <a16:creationId xmlns:a16="http://schemas.microsoft.com/office/drawing/2014/main" id="{16F99E38-16CE-4978-857E-996C402890E1}"/>
+              </a:ext>
+            </a:extLst>
+          </p:cNvPr>
+          <p:cNvSpPr>
+            <a:spLocks noGrp="1"/>
+          </p:cNvSpPr>
+          <p:nvPr>
+            <p:ph type="sldNum" sz="quarter" idx="12"/>
+          </p:nvPr>
+        </p:nvSpPr>
+        <p:spPr/>
+        <p:txBody>
+          <a:bodyPr/>
+          <a:lstStyle/>
+          <a:p>
+            <a:fld id="{621225AB-15B9-4C79-A121-04D1DC7E2307}" type="slidenum">
+              <a:rPr lang="en-US" smtClean="0"/>
+              <a:t>5</a:t>
+            </a:fld>
+            <a:endParaRPr lang="en-US"/>
+          </a:p>
+        </p:txBody>
+      </p:sp>
+      <p:sp>
+        <p:nvSpPr>
+          <p:cNvPr id="6" name="TextBox 5">
+            <a:extLst>
+              <a:ext uri="{FF2B5EF4-FFF2-40B4-BE49-F238E27FC236}">
+                <a16:creationId xmlns:a16="http://schemas.microsoft.com/office/drawing/2014/main" id="{C85080A8-28EA-40D9-B9CF-FAABAFECEA3D}"/>
+              </a:ext>
+            </a:extLst>
+          </p:cNvPr>
+          <p:cNvSpPr txBox="1"/>
+          <p:nvPr/>
+        </p:nvSpPr>
+        <p:spPr>
+          <a:xfrm>
+            <a:off x="838200" y="4371975"/>
+            <a:ext cx="7848600" cy="1477328"/>
+          </a:xfrm>
+          <a:prstGeom prst="rect">
+            <a:avLst/>
+          </a:prstGeom>
+          <a:solidFill>
+            <a:schemeClr val="accent6">
+              <a:lumMod val="20000"/>
+              <a:lumOff val="80000"/>
+              <a:alpha val="50000"/>
+            </a:schemeClr>
+          </a:solidFill>
+        </p:spPr>
+        <p:txBody>
+          <a:bodyPr wrap="square" rtlCol="0">
+            <a:spAutoFit/>
+          </a:bodyPr>
+          <a:lstStyle/>
+          <a:p>
+            <a:r>
+              <a:rPr lang="en-US" dirty="0">
+                <a:latin typeface="Consolas" panose="020B0609020204030204" pitchFamily="49" charset="0"/>
+                <a:cs typeface="Courier New" panose="02070309020205020404" pitchFamily="49" charset="0"/>
+              </a:rPr>
+              <a:t>&gt; data(Federalist, package = "</a:t>
+            </a:r>
+            <a:r>
+              <a:rPr lang="en-US" dirty="0" err="1">
+                <a:latin typeface="Consolas" panose="020B0609020204030204" pitchFamily="49" charset="0"/>
+                <a:cs typeface="Courier New" panose="02070309020205020404" pitchFamily="49" charset="0"/>
+              </a:rPr>
+              <a:t>vcd</a:t>
+            </a:r>
+            <a:r>
+              <a:rPr lang="en-US" dirty="0">
+                <a:latin typeface="Consolas" panose="020B0609020204030204" pitchFamily="49" charset="0"/>
+                <a:cs typeface="Courier New" panose="02070309020205020404" pitchFamily="49" charset="0"/>
+              </a:rPr>
+              <a:t>")</a:t>
+            </a:r>
+          </a:p>
+          <a:p>
+            <a:r>
+              <a:rPr lang="en-US" dirty="0">
+                <a:latin typeface="Consolas" panose="020B0609020204030204" pitchFamily="49" charset="0"/>
+                <a:cs typeface="Courier New" panose="02070309020205020404" pitchFamily="49" charset="0"/>
+              </a:rPr>
+              <a:t>&gt; Federalist</a:t>
+            </a:r>
+          </a:p>
+          <a:p>
+            <a:r>
+              <a:rPr lang="en-US" dirty="0" err="1">
+                <a:latin typeface="Consolas" panose="020B0609020204030204" pitchFamily="49" charset="0"/>
+                <a:cs typeface="Courier New" panose="02070309020205020404" pitchFamily="49" charset="0"/>
+              </a:rPr>
+              <a:t>nMay</a:t>
+            </a:r>
+            <a:endParaRPr lang="en-US" dirty="0">
+              <a:latin typeface="Consolas" panose="020B0609020204030204" pitchFamily="49" charset="0"/>
+              <a:cs typeface="Courier New" panose="02070309020205020404" pitchFamily="49" charset="0"/>
+            </a:endParaRPr>
+          </a:p>
+          <a:p>
+            <a:r>
+              <a:rPr lang="en-US" dirty="0">
+                <a:latin typeface="Consolas" panose="020B0609020204030204" pitchFamily="49" charset="0"/>
+                <a:cs typeface="Courier New" panose="02070309020205020404" pitchFamily="49" charset="0"/>
+              </a:rPr>
+              <a:t>  0   1   2   3   4   5   6 </a:t>
+            </a:r>
+          </a:p>
+          <a:p>
+            <a:r>
+              <a:rPr lang="en-US" dirty="0">
+                <a:latin typeface="Consolas" panose="020B0609020204030204" pitchFamily="49" charset="0"/>
+                <a:cs typeface="Courier New" panose="02070309020205020404" pitchFamily="49" charset="0"/>
+              </a:rPr>
+              <a:t>156  63  29   8   4   1   1 </a:t>
+            </a:r>
+          </a:p>
+        </p:txBody>
+      </p:sp>
+    </p:spTree>
+    <p:extLst>
+      <p:ext uri="{BB962C8B-B14F-4D97-AF65-F5344CB8AC3E}">
+        <p14:creationId xmlns:p14="http://schemas.microsoft.com/office/powerpoint/2010/main" val="3088756913"/>
+      </p:ext>
+    </p:extLst>
+  </p:cSld>
+  <p:clrMapOvr>
+    <a:masterClrMapping/>
+  </p:clrMapOvr>
+</p:sld>
+</file>
+
+<file path=ppt/slides/slide50.xml><?xml version="1.0" encoding="utf-8"?>
 <p:sld xmlns:a="http://schemas.openxmlformats.org/drawingml/2006/main" xmlns:r="http://schemas.openxmlformats.org/officeDocument/2006/relationships" xmlns:p="http://schemas.openxmlformats.org/presentationml/2006/main">
   <p:cSld>
     <p:spTree>
@@ -25793,7 +32506,7 @@
           <a:p>
             <a:fld id="{621225AB-15B9-4C79-A121-04D1DC7E2307}" type="slidenum">
               <a:rPr lang="en-US" smtClean="0"/>
-              <a:t>45</a:t>
+              <a:t>50</a:t>
             </a:fld>
             <a:endParaRPr lang="en-US"/>
           </a:p>
@@ -25925,7 +32638,7 @@
 </p:sld>
 </file>
 
-<file path=ppt/slides/slide46.xml><?xml version="1.0" encoding="utf-8"?>
+<file path=ppt/slides/slide51.xml><?xml version="1.0" encoding="utf-8"?>
 <p:sld xmlns:a="http://schemas.openxmlformats.org/drawingml/2006/main" xmlns:r="http://schemas.openxmlformats.org/officeDocument/2006/relationships" xmlns:p="http://schemas.openxmlformats.org/presentationml/2006/main">
   <p:cSld>
     <p:spTree>
@@ -25995,7 +32708,7 @@
           <a:p>
             <a:fld id="{621225AB-15B9-4C79-A121-04D1DC7E2307}" type="slidenum">
               <a:rPr lang="en-US" smtClean="0"/>
-              <a:t>46</a:t>
+              <a:t>51</a:t>
             </a:fld>
             <a:endParaRPr lang="en-US"/>
           </a:p>
@@ -26044,7 +32757,7 @@
 </p:sld>
 </file>
 
-<file path=ppt/slides/slide47.xml><?xml version="1.0" encoding="utf-8"?>
+<file path=ppt/slides/slide52.xml><?xml version="1.0" encoding="utf-8"?>
 <p:sld xmlns:a="http://schemas.openxmlformats.org/drawingml/2006/main" xmlns:r="http://schemas.openxmlformats.org/officeDocument/2006/relationships" xmlns:p="http://schemas.openxmlformats.org/presentationml/2006/main">
   <p:cSld>
     <p:spTree>
@@ -26282,7 +32995,7 @@
           <a:p>
             <a:fld id="{621225AB-15B9-4C79-A121-04D1DC7E2307}" type="slidenum">
               <a:rPr lang="en-US" smtClean="0"/>
-              <a:t>47</a:t>
+              <a:t>52</a:t>
             </a:fld>
             <a:endParaRPr lang="en-US"/>
           </a:p>
@@ -26292,309 +33005,6 @@
     <p:extLst>
       <p:ext uri="{BB962C8B-B14F-4D97-AF65-F5344CB8AC3E}">
         <p14:creationId xmlns:p14="http://schemas.microsoft.com/office/powerpoint/2010/main" val="1850465944"/>
-      </p:ext>
-    </p:extLst>
-  </p:cSld>
-  <p:clrMapOvr>
-    <a:masterClrMapping/>
-  </p:clrMapOvr>
-</p:sld>
-</file>
-
-<file path=ppt/slides/slide5.xml><?xml version="1.0" encoding="utf-8"?>
-<p:sld xmlns:a="http://schemas.openxmlformats.org/drawingml/2006/main" xmlns:r="http://schemas.openxmlformats.org/officeDocument/2006/relationships" xmlns:p="http://schemas.openxmlformats.org/presentationml/2006/main">
-  <p:cSld>
-    <p:spTree>
-      <p:nvGrpSpPr>
-        <p:cNvPr id="1" name=""/>
-        <p:cNvGrpSpPr/>
-        <p:nvPr/>
-      </p:nvGrpSpPr>
-      <p:grpSpPr>
-        <a:xfrm>
-          <a:off x="0" y="0"/>
-          <a:ext cx="0" cy="0"/>
-          <a:chOff x="0" y="0"/>
-          <a:chExt cx="0" cy="0"/>
-        </a:xfrm>
-      </p:grpSpPr>
-      <p:sp>
-        <p:nvSpPr>
-          <p:cNvPr id="2" name="Title 1">
-            <a:extLst>
-              <a:ext uri="{FF2B5EF4-FFF2-40B4-BE49-F238E27FC236}">
-                <a16:creationId xmlns:a16="http://schemas.microsoft.com/office/drawing/2014/main" id="{8FAF1B42-0BEF-43EF-A7B0-280A2CC70DCE}"/>
-              </a:ext>
-            </a:extLst>
-          </p:cNvPr>
-          <p:cNvSpPr>
-            <a:spLocks noGrp="1"/>
-          </p:cNvSpPr>
-          <p:nvPr>
-            <p:ph type="title"/>
-          </p:nvPr>
-        </p:nvSpPr>
-        <p:spPr/>
-        <p:txBody>
-          <a:bodyPr>
-            <a:normAutofit fontScale="90000"/>
-          </a:bodyPr>
-          <a:lstStyle/>
-          <a:p>
-            <a:r>
-              <a:rPr lang="en-US" dirty="0"/>
-              <a:t>Examples: count data</a:t>
-            </a:r>
-          </a:p>
-        </p:txBody>
-      </p:sp>
-      <p:sp>
-        <p:nvSpPr>
-          <p:cNvPr id="4" name="Content Placeholder 3">
-            <a:extLst>
-              <a:ext uri="{FF2B5EF4-FFF2-40B4-BE49-F238E27FC236}">
-                <a16:creationId xmlns:a16="http://schemas.microsoft.com/office/drawing/2014/main" id="{6F67D333-31B0-459D-BF1E-7C874F6DED0B}"/>
-              </a:ext>
-            </a:extLst>
-          </p:cNvPr>
-          <p:cNvSpPr>
-            <a:spLocks noGrp="1"/>
-          </p:cNvSpPr>
-          <p:nvPr>
-            <p:ph idx="1"/>
-          </p:nvPr>
-        </p:nvSpPr>
-        <p:spPr>
-          <a:xfrm>
-            <a:off x="457200" y="1143000"/>
-            <a:ext cx="8229600" cy="3200400"/>
-          </a:xfrm>
-        </p:spPr>
-        <p:txBody>
-          <a:bodyPr/>
-          <a:lstStyle/>
-          <a:p>
-            <a:pPr marL="0" indent="0">
-              <a:buNone/>
-            </a:pPr>
-            <a:r>
-              <a:rPr lang="en-US" sz="2400" dirty="0"/>
-              <a:t>Federalist papers: Disputed authorship</a:t>
-            </a:r>
-          </a:p>
-          <a:p>
-            <a:r>
-              <a:rPr lang="en-US" sz="2000" dirty="0"/>
-              <a:t>77 essays by Alexander Hamilton, John Jay, James Madison to persuade voters to ratify the US constitution, all signed with pseudonym “Publius”</a:t>
-            </a:r>
-          </a:p>
-          <a:p>
-            <a:pPr lvl="1"/>
-            <a:r>
-              <a:rPr lang="en-US" sz="1800" dirty="0"/>
-              <a:t>Who wrote each?</a:t>
-            </a:r>
-          </a:p>
-          <a:p>
-            <a:pPr lvl="1"/>
-            <a:r>
-              <a:rPr lang="en-US" sz="1800" dirty="0"/>
-              <a:t>65 known, 12 disputed (H &amp; M both claimed sole authorship)</a:t>
-            </a:r>
-          </a:p>
-          <a:p>
-            <a:r>
-              <a:rPr lang="en-US" sz="2000" dirty="0" err="1"/>
-              <a:t>Mosteller</a:t>
-            </a:r>
-            <a:r>
-              <a:rPr lang="en-US" sz="2000" dirty="0"/>
-              <a:t> &amp; Wallace (1984): analysis of frequency </a:t>
-            </a:r>
-            <a:r>
-              <a:rPr lang="en-US" sz="2000" dirty="0" err="1"/>
-              <a:t>dist</a:t>
-            </a:r>
-            <a:r>
-              <a:rPr lang="en-US" sz="2000" baseline="30000" dirty="0" err="1"/>
-              <a:t>n</a:t>
-            </a:r>
-            <a:r>
-              <a:rPr lang="en-US" sz="2000" dirty="0" err="1"/>
-              <a:t>s</a:t>
-            </a:r>
-            <a:r>
-              <a:rPr lang="en-US" sz="2000" dirty="0"/>
-              <a:t> of key “marker” words: from, </a:t>
-            </a:r>
-            <a:r>
-              <a:rPr lang="en-US" sz="2000" b="1" dirty="0"/>
-              <a:t>may</a:t>
-            </a:r>
-            <a:r>
-              <a:rPr lang="en-US" sz="2000" dirty="0"/>
-              <a:t>, whilst, …</a:t>
-            </a:r>
-          </a:p>
-          <a:p>
-            <a:r>
-              <a:rPr lang="en-US" sz="2000" dirty="0"/>
-              <a:t>e.g., blocks of 200 words: occurrences (</a:t>
-            </a:r>
-            <a:r>
-              <a:rPr lang="en-US" sz="2000" i="1" dirty="0"/>
-              <a:t>k</a:t>
-            </a:r>
-            <a:r>
-              <a:rPr lang="en-US" sz="2000" dirty="0"/>
-              <a:t>) of “may” in how many blocks (</a:t>
-            </a:r>
-            <a:r>
-              <a:rPr lang="en-US" sz="2000" i="1" dirty="0" err="1"/>
-              <a:t>n</a:t>
-            </a:r>
-            <a:r>
-              <a:rPr lang="en-US" sz="2000" i="1" baseline="-25000" dirty="0" err="1"/>
-              <a:t>k</a:t>
-            </a:r>
-            <a:r>
-              <a:rPr lang="en-US" sz="2000" dirty="0"/>
-              <a:t>)</a:t>
-            </a:r>
-          </a:p>
-        </p:txBody>
-      </p:sp>
-      <p:sp>
-        <p:nvSpPr>
-          <p:cNvPr id="3" name="Slide Number Placeholder 2">
-            <a:extLst>
-              <a:ext uri="{FF2B5EF4-FFF2-40B4-BE49-F238E27FC236}">
-                <a16:creationId xmlns:a16="http://schemas.microsoft.com/office/drawing/2014/main" id="{16F99E38-16CE-4978-857E-996C402890E1}"/>
-              </a:ext>
-            </a:extLst>
-          </p:cNvPr>
-          <p:cNvSpPr>
-            <a:spLocks noGrp="1"/>
-          </p:cNvSpPr>
-          <p:nvPr>
-            <p:ph type="sldNum" sz="quarter" idx="12"/>
-          </p:nvPr>
-        </p:nvSpPr>
-        <p:spPr/>
-        <p:txBody>
-          <a:bodyPr/>
-          <a:lstStyle/>
-          <a:p>
-            <a:fld id="{621225AB-15B9-4C79-A121-04D1DC7E2307}" type="slidenum">
-              <a:rPr lang="en-US" smtClean="0"/>
-              <a:t>5</a:t>
-            </a:fld>
-            <a:endParaRPr lang="en-US"/>
-          </a:p>
-        </p:txBody>
-      </p:sp>
-      <p:sp>
-        <p:nvSpPr>
-          <p:cNvPr id="6" name="TextBox 5">
-            <a:extLst>
-              <a:ext uri="{FF2B5EF4-FFF2-40B4-BE49-F238E27FC236}">
-                <a16:creationId xmlns:a16="http://schemas.microsoft.com/office/drawing/2014/main" id="{C85080A8-28EA-40D9-B9CF-FAABAFECEA3D}"/>
-              </a:ext>
-            </a:extLst>
-          </p:cNvPr>
-          <p:cNvSpPr txBox="1"/>
-          <p:nvPr/>
-        </p:nvSpPr>
-        <p:spPr>
-          <a:xfrm>
-            <a:off x="838200" y="4371975"/>
-            <a:ext cx="7848600" cy="1477328"/>
-          </a:xfrm>
-          <a:prstGeom prst="rect">
-            <a:avLst/>
-          </a:prstGeom>
-          <a:solidFill>
-            <a:schemeClr val="accent6">
-              <a:lumMod val="20000"/>
-              <a:lumOff val="80000"/>
-              <a:alpha val="50000"/>
-            </a:schemeClr>
-          </a:solidFill>
-        </p:spPr>
-        <p:txBody>
-          <a:bodyPr wrap="square" rtlCol="0">
-            <a:spAutoFit/>
-          </a:bodyPr>
-          <a:lstStyle/>
-          <a:p>
-            <a:r>
-              <a:rPr lang="en-US" dirty="0">
-                <a:latin typeface="Consolas" panose="020B0609020204030204" pitchFamily="49" charset="0"/>
-                <a:cs typeface="Courier New" panose="02070309020205020404" pitchFamily="49" charset="0"/>
-              </a:rPr>
-              <a:t>&gt; data(Federalist, package = "</a:t>
-            </a:r>
-            <a:r>
-              <a:rPr lang="en-US" dirty="0" err="1">
-                <a:latin typeface="Consolas" panose="020B0609020204030204" pitchFamily="49" charset="0"/>
-                <a:cs typeface="Courier New" panose="02070309020205020404" pitchFamily="49" charset="0"/>
-              </a:rPr>
-              <a:t>vcd</a:t>
-            </a:r>
-            <a:r>
-              <a:rPr lang="en-US" dirty="0">
-                <a:latin typeface="Consolas" panose="020B0609020204030204" pitchFamily="49" charset="0"/>
-                <a:cs typeface="Courier New" panose="02070309020205020404" pitchFamily="49" charset="0"/>
-              </a:rPr>
-              <a:t>")</a:t>
-            </a:r>
-          </a:p>
-          <a:p>
-            <a:r>
-              <a:rPr lang="en-US" dirty="0">
-                <a:latin typeface="Consolas" panose="020B0609020204030204" pitchFamily="49" charset="0"/>
-                <a:cs typeface="Courier New" panose="02070309020205020404" pitchFamily="49" charset="0"/>
-              </a:rPr>
-              <a:t>&gt; Federalist</a:t>
-            </a:r>
-          </a:p>
-          <a:p>
-            <a:r>
-              <a:rPr lang="en-US" dirty="0" err="1">
-                <a:latin typeface="Consolas" panose="020B0609020204030204" pitchFamily="49" charset="0"/>
-                <a:cs typeface="Courier New" panose="02070309020205020404" pitchFamily="49" charset="0"/>
-              </a:rPr>
-              <a:t>nMay</a:t>
-            </a:r>
-            <a:endParaRPr lang="en-US" dirty="0">
-              <a:latin typeface="Consolas" panose="020B0609020204030204" pitchFamily="49" charset="0"/>
-              <a:cs typeface="Courier New" panose="02070309020205020404" pitchFamily="49" charset="0"/>
-            </a:endParaRPr>
-          </a:p>
-          <a:p>
-            <a:r>
-              <a:rPr lang="en-US" dirty="0">
-                <a:latin typeface="Consolas" panose="020B0609020204030204" pitchFamily="49" charset="0"/>
-                <a:cs typeface="Courier New" panose="02070309020205020404" pitchFamily="49" charset="0"/>
-              </a:rPr>
-              <a:t>  0   1   2   3   4   5   6 </a:t>
-            </a:r>
-          </a:p>
-          <a:p>
-            <a:r>
-              <a:rPr lang="en-US" dirty="0">
-                <a:latin typeface="Consolas" panose="020B0609020204030204" pitchFamily="49" charset="0"/>
-                <a:cs typeface="Courier New" panose="02070309020205020404" pitchFamily="49" charset="0"/>
-              </a:rPr>
-              <a:t>156  63  29   8   4   1   1 </a:t>
-            </a:r>
-          </a:p>
-        </p:txBody>
-      </p:sp>
-    </p:spTree>
-    <p:extLst>
-      <p:ext uri="{BB962C8B-B14F-4D97-AF65-F5344CB8AC3E}">
-        <p14:creationId xmlns:p14="http://schemas.microsoft.com/office/powerpoint/2010/main" val="3088756913"/>
       </p:ext>
     </p:extLst>
   </p:cSld>
